--- a/docs/sqltoy的核心创建思想.pptx
+++ b/docs/sqltoy的核心创建思想.pptx
@@ -4413,7 +4413,7 @@
           <a:p>
             <a:fld id="{BE81F43B-CD14-419F-A5CC-6CB6954E5E63}" type="datetimeFigureOut">
               <a:rPr lang="zh-CN" altLang="en-US" smtClean="0"/>
-              <a:t>2021/10/9</a:t>
+              <a:t>2021/10/13</a:t>
             </a:fld>
             <a:endParaRPr lang="zh-CN" altLang="en-US"/>
           </a:p>
@@ -4827,7 +4827,7 @@
                 <a:cs typeface="+mn-ea"/>
                 <a:sym typeface="Segoe UI Light" panose="020B0502040204020203" charset="0"/>
               </a:rPr>
-              <a:t>2021/10/9</a:t>
+              <a:t>2021/10/13</a:t>
             </a:fld>
             <a:endParaRPr lang="zh-CN" altLang="en-US" strike="noStrike" noProof="1">
               <a:sym typeface="Segoe UI Light" panose="020B0502040204020203" charset="0"/>
@@ -5040,7 +5040,7 @@
                 <a:cs typeface="+mn-ea"/>
                 <a:sym typeface="Segoe UI Light" panose="020B0502040204020203" charset="0"/>
               </a:rPr>
-              <a:t>2021/10/9</a:t>
+              <a:t>2021/10/13</a:t>
             </a:fld>
             <a:endParaRPr lang="zh-CN" altLang="en-US" strike="noStrike" noProof="1">
               <a:sym typeface="Segoe UI Light" panose="020B0502040204020203" charset="0"/>
@@ -5263,7 +5263,7 @@
                 <a:cs typeface="+mn-ea"/>
                 <a:sym typeface="Segoe UI Light" panose="020B0502040204020203" charset="0"/>
               </a:rPr>
-              <a:t>2021/10/9</a:t>
+              <a:t>2021/10/13</a:t>
             </a:fld>
             <a:endParaRPr lang="zh-CN" altLang="en-US" strike="noStrike" noProof="1">
               <a:sym typeface="Segoe UI Light" panose="020B0502040204020203" charset="0"/>
@@ -5476,7 +5476,7 @@
                 <a:cs typeface="+mn-ea"/>
                 <a:sym typeface="Segoe UI Light" panose="020B0502040204020203" charset="0"/>
               </a:rPr>
-              <a:t>2021/10/9</a:t>
+              <a:t>2021/10/13</a:t>
             </a:fld>
             <a:endParaRPr lang="zh-CN" altLang="en-US" strike="noStrike" noProof="1">
               <a:sym typeface="Segoe UI Light" panose="020B0502040204020203" charset="0"/>
@@ -5766,7 +5766,7 @@
                 <a:cs typeface="+mn-ea"/>
                 <a:sym typeface="Segoe UI Light" panose="020B0502040204020203" charset="0"/>
               </a:rPr>
-              <a:t>2021/10/9</a:t>
+              <a:t>2021/10/13</a:t>
             </a:fld>
             <a:endParaRPr lang="zh-CN" altLang="en-US" strike="noStrike" noProof="1">
               <a:sym typeface="Segoe UI Light" panose="020B0502040204020203" charset="0"/>
@@ -6040,7 +6040,7 @@
                 <a:cs typeface="+mn-ea"/>
                 <a:sym typeface="Segoe UI Light" panose="020B0502040204020203" charset="0"/>
               </a:rPr>
-              <a:t>2021/10/9</a:t>
+              <a:t>2021/10/13</a:t>
             </a:fld>
             <a:endParaRPr lang="zh-CN" altLang="en-US" strike="noStrike" noProof="1">
               <a:sym typeface="Segoe UI Light" panose="020B0502040204020203" charset="0"/>
@@ -6449,7 +6449,7 @@
                 <a:cs typeface="+mn-ea"/>
                 <a:sym typeface="Segoe UI Light" panose="020B0502040204020203" charset="0"/>
               </a:rPr>
-              <a:t>2021/10/9</a:t>
+              <a:t>2021/10/13</a:t>
             </a:fld>
             <a:endParaRPr lang="zh-CN" altLang="en-US" strike="noStrike" noProof="1">
               <a:sym typeface="Segoe UI Light" panose="020B0502040204020203" charset="0"/>
@@ -6611,7 +6611,7 @@
                 <a:cs typeface="+mn-ea"/>
                 <a:sym typeface="Segoe UI Light" panose="020B0502040204020203" charset="0"/>
               </a:rPr>
-              <a:t>2021/10/9</a:t>
+              <a:t>2021/10/13</a:t>
             </a:fld>
             <a:endParaRPr lang="zh-CN" altLang="en-US" strike="noStrike" noProof="1">
               <a:sym typeface="Segoe UI Light" panose="020B0502040204020203" charset="0"/>
@@ -6750,7 +6750,7 @@
                 <a:cs typeface="+mn-ea"/>
                 <a:sym typeface="Segoe UI Light" panose="020B0502040204020203" charset="0"/>
               </a:rPr>
-              <a:t>2021/10/9</a:t>
+              <a:t>2021/10/13</a:t>
             </a:fld>
             <a:endParaRPr lang="zh-CN" altLang="en-US" strike="noStrike" noProof="1">
               <a:sym typeface="Segoe UI Light" panose="020B0502040204020203" charset="0"/>
@@ -7070,7 +7070,7 @@
                 <a:cs typeface="+mn-ea"/>
                 <a:sym typeface="Segoe UI Light" panose="020B0502040204020203" charset="0"/>
               </a:rPr>
-              <a:t>2021/10/9</a:t>
+              <a:t>2021/10/13</a:t>
             </a:fld>
             <a:endParaRPr lang="zh-CN" altLang="en-US" strike="noStrike" noProof="1">
               <a:sym typeface="Segoe UI Light" panose="020B0502040204020203" charset="0"/>
@@ -7368,7 +7368,7 @@
                 <a:cs typeface="+mn-ea"/>
                 <a:sym typeface="Segoe UI Light" panose="020B0502040204020203" charset="0"/>
               </a:rPr>
-              <a:t>2021/10/9</a:t>
+              <a:t>2021/10/13</a:t>
             </a:fld>
             <a:endParaRPr lang="zh-CN" altLang="en-US" strike="noStrike" noProof="1">
               <a:sym typeface="Segoe UI Light" panose="020B0502040204020203" charset="0"/>
@@ -7635,7 +7635,7 @@
                 <a:cs typeface="+mn-ea"/>
                 <a:sym typeface="Segoe UI Light" panose="020B0502040204020203" charset="0"/>
               </a:rPr>
-              <a:t>2021/10/9</a:t>
+              <a:t>2021/10/13</a:t>
             </a:fld>
             <a:endParaRPr lang="zh-CN" altLang="en-US" strike="noStrike" noProof="1">
               <a:sym typeface="Segoe UI Light" panose="020B0502040204020203" charset="0"/>
@@ -8399,7 +8399,7 @@
         </p:nvSpPr>
         <p:spPr>
           <a:xfrm>
-            <a:off x="312851" y="342900"/>
+            <a:off x="299881" y="277057"/>
             <a:ext cx="9754975" cy="523220"/>
           </a:xfrm>
           <a:prstGeom prst="rect">
@@ -8418,7 +8418,7 @@
           <a:p>
             <a:pPr lvl="0" indent="0"/>
             <a:r>
-              <a:rPr lang="zh-CN" altLang="en-US" sz="2800" b="1">
+              <a:rPr lang="zh-CN" altLang="en-US" sz="2800" b="1" dirty="0">
                 <a:solidFill>
                   <a:schemeClr val="tx1">
                     <a:lumMod val="65000"/>
@@ -8432,7 +8432,7 @@
               <a:t>为什么说</a:t>
             </a:r>
             <a:r>
-              <a:rPr lang="en-US" altLang="zh-CN" sz="2800" b="1">
+              <a:rPr lang="en-US" altLang="zh-CN" sz="2800" b="1" dirty="0" err="1">
                 <a:solidFill>
                   <a:schemeClr val="tx1">
                     <a:lumMod val="65000"/>
@@ -8443,10 +8443,10 @@
                 <a:ea typeface="微软雅黑" panose="020B0503020204020204" charset="-122"/>
                 <a:sym typeface="+mn-ea"/>
               </a:rPr>
-              <a:t>mybatis(plus)</a:t>
-            </a:r>
-            <a:r>
-              <a:rPr lang="zh-CN" altLang="en-US" sz="2800" b="1">
+              <a:t>mybatis</a:t>
+            </a:r>
+            <a:r>
+              <a:rPr lang="en-US" altLang="zh-CN" sz="2800" b="1" dirty="0">
                 <a:solidFill>
                   <a:schemeClr val="tx1">
                     <a:lumMod val="65000"/>
@@ -8457,10 +8457,10 @@
                 <a:ea typeface="微软雅黑" panose="020B0503020204020204" charset="-122"/>
                 <a:sym typeface="+mn-ea"/>
               </a:rPr>
-              <a:t>、</a:t>
-            </a:r>
-            <a:r>
-              <a:rPr lang="en-US" altLang="zh-CN" sz="2800" b="1">
+              <a:t>(plus)</a:t>
+            </a:r>
+            <a:r>
+              <a:rPr lang="zh-CN" altLang="en-US" sz="2800" b="1" dirty="0">
                 <a:solidFill>
                   <a:schemeClr val="tx1">
                     <a:lumMod val="65000"/>
@@ -8471,10 +8471,10 @@
                 <a:ea typeface="微软雅黑" panose="020B0503020204020204" charset="-122"/>
                 <a:sym typeface="+mn-ea"/>
               </a:rPr>
-              <a:t>fluent mybatis</a:t>
-            </a:r>
-            <a:r>
-              <a:rPr lang="zh-CN" altLang="en-US" sz="2800" b="1">
+              <a:t>、</a:t>
+            </a:r>
+            <a:r>
+              <a:rPr lang="en-US" altLang="zh-CN" sz="2800" b="1" dirty="0">
                 <a:solidFill>
                   <a:schemeClr val="tx1">
                     <a:lumMod val="65000"/>
@@ -8485,9 +8485,37 @@
                 <a:ea typeface="微软雅黑" panose="020B0503020204020204" charset="-122"/>
                 <a:sym typeface="+mn-ea"/>
               </a:rPr>
+              <a:t>fluent </a:t>
+            </a:r>
+            <a:r>
+              <a:rPr lang="en-US" altLang="zh-CN" sz="2800" b="1" dirty="0" err="1">
+                <a:solidFill>
+                  <a:schemeClr val="tx1">
+                    <a:lumMod val="65000"/>
+                    <a:lumOff val="35000"/>
+                  </a:schemeClr>
+                </a:solidFill>
+                <a:latin typeface="微软雅黑" panose="020B0503020204020204" charset="-122"/>
+                <a:ea typeface="微软雅黑" panose="020B0503020204020204" charset="-122"/>
+                <a:sym typeface="+mn-ea"/>
+              </a:rPr>
+              <a:t>mybatis</a:t>
+            </a:r>
+            <a:r>
+              <a:rPr lang="zh-CN" altLang="en-US" sz="2800" b="1" dirty="0">
+                <a:solidFill>
+                  <a:schemeClr val="tx1">
+                    <a:lumMod val="65000"/>
+                    <a:lumOff val="35000"/>
+                  </a:schemeClr>
+                </a:solidFill>
+                <a:latin typeface="微软雅黑" panose="020B0503020204020204" charset="-122"/>
+                <a:ea typeface="微软雅黑" panose="020B0503020204020204" charset="-122"/>
+                <a:sym typeface="+mn-ea"/>
+              </a:rPr>
               <a:t>都是纯技术派</a:t>
             </a:r>
-            <a:endParaRPr lang="en-US" altLang="zh-CN" sz="2800" b="1">
+            <a:endParaRPr lang="en-US" altLang="zh-CN" sz="2800" b="1" dirty="0">
               <a:solidFill>
                 <a:schemeClr val="tx1">
                   <a:lumMod val="65000"/>
@@ -8567,53 +8595,6 @@
           </a:ln>
         </p:spPr>
       </p:pic>
-      <p:sp>
-        <p:nvSpPr>
-          <p:cNvPr id="2" name="矩形 1">
-            <a:extLst>
-              <a:ext uri="{FF2B5EF4-FFF2-40B4-BE49-F238E27FC236}">
-                <a16:creationId xmlns:a16="http://schemas.microsoft.com/office/drawing/2014/main" id="{26DDB7D6-B9B5-43BD-9F33-8C21BC7EF80B}"/>
-              </a:ext>
-            </a:extLst>
-          </p:cNvPr>
-          <p:cNvSpPr/>
-          <p:nvPr/>
-        </p:nvSpPr>
-        <p:spPr>
-          <a:xfrm>
-            <a:off x="648033" y="744718"/>
-            <a:ext cx="10895932" cy="584775"/>
-          </a:xfrm>
-          <a:prstGeom prst="rect">
-            <a:avLst/>
-          </a:prstGeom>
-          <a:noFill/>
-        </p:spPr>
-        <p:txBody>
-          <a:bodyPr wrap="none" lIns="91440" tIns="45720" rIns="91440" bIns="45720">
-            <a:spAutoFit/>
-          </a:bodyPr>
-          <a:lstStyle/>
-          <a:p>
-            <a:pPr algn="ctr"/>
-            <a:r>
-              <a:rPr lang="zh-CN" altLang="en-US" sz="3200" b="1" cap="none" spc="0">
-                <a:ln w="22225">
-                  <a:solidFill>
-                    <a:schemeClr val="accent2"/>
-                  </a:solidFill>
-                  <a:prstDash val="solid"/>
-                </a:ln>
-                <a:solidFill>
-                  <a:srgbClr val="FF0000"/>
-                </a:solidFill>
-                <a:effectLst/>
-              </a:rPr>
-              <a:t>因为他们根本不关心实际项目查询的开发、变更维护的过程</a:t>
-            </a:r>
-          </a:p>
-        </p:txBody>
-      </p:sp>
       <p:sp>
         <p:nvSpPr>
           <p:cNvPr id="5" name="矩形 4">
@@ -8819,8 +8800,8 @@
         </p:nvSpPr>
         <p:spPr>
           <a:xfrm>
-            <a:off x="5836861" y="1766078"/>
-            <a:ext cx="1839896" cy="310887"/>
+            <a:off x="5359772" y="1737562"/>
+            <a:ext cx="2454782" cy="334524"/>
           </a:xfrm>
           <a:prstGeom prst="rect">
             <a:avLst/>
@@ -8845,12 +8826,20 @@
           <a:lstStyle/>
           <a:p>
             <a:r>
-              <a:rPr lang="en-US" altLang="zh-CN"/>
+              <a:rPr lang="en-US" altLang="zh-CN" dirty="0" err="1"/>
               <a:t>sqltoy</a:t>
             </a:r>
             <a:r>
-              <a:rPr lang="zh-CN" altLang="en-US"/>
+              <a:rPr lang="zh-CN" altLang="en-US" dirty="0"/>
               <a:t>的融入</a:t>
+            </a:r>
+            <a:r>
+              <a:rPr lang="en-US" altLang="zh-CN" dirty="0"/>
+              <a:t>:</a:t>
+            </a:r>
+            <a:r>
+              <a:rPr lang="zh-CN" altLang="en-US" dirty="0"/>
+              <a:t>高度一致</a:t>
             </a:r>
           </a:p>
         </p:txBody>
@@ -8905,8 +8894,8 @@
         </p:nvSpPr>
         <p:spPr>
           <a:xfrm>
-            <a:off x="5860968" y="3856438"/>
-            <a:ext cx="1839896" cy="310887"/>
+            <a:off x="5322986" y="3840507"/>
+            <a:ext cx="3094682" cy="334524"/>
           </a:xfrm>
           <a:prstGeom prst="rect">
             <a:avLst/>
@@ -8931,12 +8920,20 @@
           <a:lstStyle/>
           <a:p>
             <a:r>
-              <a:rPr lang="en-US" altLang="zh-CN"/>
+              <a:rPr lang="en-US" altLang="zh-CN" dirty="0" err="1"/>
               <a:t>mybatis</a:t>
             </a:r>
             <a:r>
-              <a:rPr lang="zh-CN" altLang="en-US"/>
+              <a:rPr lang="zh-CN" altLang="en-US" dirty="0"/>
               <a:t>的融入</a:t>
+            </a:r>
+            <a:r>
+              <a:rPr lang="en-US" altLang="zh-CN" dirty="0"/>
+              <a:t>:</a:t>
+            </a:r>
+            <a:r>
+              <a:rPr lang="zh-CN" altLang="en-US" dirty="0"/>
+              <a:t>几乎全部重写</a:t>
             </a:r>
           </a:p>
         </p:txBody>
@@ -9037,6 +9034,209 @@
             <a:r>
               <a:rPr lang="zh-CN" altLang="en-US"/>
               <a:t>怎么转？</a:t>
+            </a:r>
+          </a:p>
+        </p:txBody>
+      </p:sp>
+      <p:sp>
+        <p:nvSpPr>
+          <p:cNvPr id="3" name="矩形 2">
+            <a:extLst>
+              <a:ext uri="{FF2B5EF4-FFF2-40B4-BE49-F238E27FC236}">
+                <a16:creationId xmlns:a16="http://schemas.microsoft.com/office/drawing/2014/main" id="{652687A3-44DB-434A-984A-7093E37E7082}"/>
+              </a:ext>
+            </a:extLst>
+          </p:cNvPr>
+          <p:cNvSpPr/>
+          <p:nvPr/>
+        </p:nvSpPr>
+        <p:spPr>
+          <a:xfrm>
+            <a:off x="361452" y="895920"/>
+            <a:ext cx="9890027" cy="367618"/>
+          </a:xfrm>
+          <a:prstGeom prst="rect">
+            <a:avLst/>
+          </a:prstGeom>
+        </p:spPr>
+        <p:style>
+          <a:lnRef idx="2">
+            <a:schemeClr val="accent6"/>
+          </a:lnRef>
+          <a:fillRef idx="1">
+            <a:schemeClr val="lt1"/>
+          </a:fillRef>
+          <a:effectRef idx="0">
+            <a:schemeClr val="accent6"/>
+          </a:effectRef>
+          <a:fontRef idx="minor">
+            <a:schemeClr val="dk1"/>
+          </a:fontRef>
+        </p:style>
+        <p:txBody>
+          <a:bodyPr rtlCol="0" anchor="ctr"/>
+          <a:lstStyle/>
+          <a:p>
+            <a:r>
+              <a:rPr lang="zh-CN" altLang="en-US" dirty="0"/>
+              <a:t>他们永远只想第一步</a:t>
+            </a:r>
+          </a:p>
+        </p:txBody>
+      </p:sp>
+      <p:sp>
+        <p:nvSpPr>
+          <p:cNvPr id="6" name="文本框 5">
+            <a:extLst>
+              <a:ext uri="{FF2B5EF4-FFF2-40B4-BE49-F238E27FC236}">
+                <a16:creationId xmlns:a16="http://schemas.microsoft.com/office/drawing/2014/main" id="{04C6280E-6D4F-4052-B88C-8989DC0B6A08}"/>
+              </a:ext>
+            </a:extLst>
+          </p:cNvPr>
+          <p:cNvSpPr txBox="1"/>
+          <p:nvPr/>
+        </p:nvSpPr>
+        <p:spPr>
+          <a:xfrm>
+            <a:off x="8542279" y="1749981"/>
+            <a:ext cx="3328334" cy="1200329"/>
+          </a:xfrm>
+          <a:prstGeom prst="rect">
+            <a:avLst/>
+          </a:prstGeom>
+        </p:spPr>
+        <p:style>
+          <a:lnRef idx="2">
+            <a:schemeClr val="accent5"/>
+          </a:lnRef>
+          <a:fillRef idx="1">
+            <a:schemeClr val="lt1"/>
+          </a:fillRef>
+          <a:effectRef idx="0">
+            <a:schemeClr val="accent5"/>
+          </a:effectRef>
+          <a:fontRef idx="minor">
+            <a:schemeClr val="dk1"/>
+          </a:fontRef>
+        </p:style>
+        <p:txBody>
+          <a:bodyPr wrap="square" rtlCol="0">
+            <a:spAutoFit/>
+          </a:bodyPr>
+          <a:lstStyle/>
+          <a:p>
+            <a:r>
+              <a:rPr lang="zh-CN" altLang="en-US" sz="1200" dirty="0">
+                <a:solidFill>
+                  <a:srgbClr val="FF0000"/>
+                </a:solidFill>
+              </a:rPr>
+              <a:t>有不少见</a:t>
+            </a:r>
+            <a:r>
+              <a:rPr lang="en-US" altLang="zh-CN" sz="1200" dirty="0">
+                <a:solidFill>
+                  <a:srgbClr val="FF0000"/>
+                </a:solidFill>
+              </a:rPr>
+              <a:t>XML</a:t>
+            </a:r>
+            <a:r>
+              <a:rPr lang="zh-CN" altLang="en-US" sz="1200" dirty="0">
+                <a:solidFill>
+                  <a:srgbClr val="FF0000"/>
+                </a:solidFill>
+              </a:rPr>
+              <a:t>就反的人</a:t>
+            </a:r>
+            <a:r>
+              <a:rPr lang="en-US" altLang="zh-CN" sz="1200" dirty="0"/>
+              <a:t>:</a:t>
+            </a:r>
+          </a:p>
+          <a:p>
+            <a:r>
+              <a:rPr lang="en-US" altLang="zh-CN" sz="1200" dirty="0"/>
+              <a:t>1</a:t>
+            </a:r>
+            <a:r>
+              <a:rPr lang="zh-CN" altLang="en-US" sz="1200" dirty="0"/>
+              <a:t>、你是大段</a:t>
+            </a:r>
+            <a:r>
+              <a:rPr lang="en-US" altLang="zh-CN" sz="1200" dirty="0" err="1"/>
+              <a:t>sql</a:t>
+            </a:r>
+            <a:r>
+              <a:rPr lang="zh-CN" altLang="en-US" sz="1200" dirty="0"/>
+              <a:t>直接写代码中？让代码变得又臭又长？</a:t>
+            </a:r>
+            <a:endParaRPr lang="en-US" altLang="zh-CN" sz="1200" dirty="0"/>
+          </a:p>
+          <a:p>
+            <a:r>
+              <a:rPr lang="en-US" altLang="zh-CN" sz="1200" dirty="0"/>
+              <a:t>2</a:t>
+            </a:r>
+            <a:r>
+              <a:rPr lang="zh-CN" altLang="en-US" sz="1200" dirty="0"/>
+              <a:t>、放在</a:t>
+            </a:r>
+            <a:r>
+              <a:rPr lang="en-US" altLang="zh-CN" sz="1200" dirty="0"/>
+              <a:t>md</a:t>
+            </a:r>
+            <a:r>
+              <a:rPr lang="zh-CN" altLang="en-US" sz="1200" dirty="0"/>
+              <a:t>文件中？对比一下</a:t>
+            </a:r>
+            <a:r>
+              <a:rPr lang="en-US" altLang="zh-CN" sz="1200" dirty="0" err="1"/>
+              <a:t>sqltoy</a:t>
+            </a:r>
+            <a:r>
+              <a:rPr lang="zh-CN" altLang="en-US" sz="1200" dirty="0"/>
+              <a:t>的</a:t>
+            </a:r>
+            <a:r>
+              <a:rPr lang="en-US" altLang="zh-CN" sz="1200" dirty="0"/>
+              <a:t>xml</a:t>
+            </a:r>
+            <a:r>
+              <a:rPr lang="zh-CN" altLang="en-US" sz="1200" dirty="0"/>
+              <a:t>吧，</a:t>
+            </a:r>
+            <a:r>
+              <a:rPr lang="en-US" altLang="zh-CN" sz="1200" dirty="0"/>
+              <a:t>md</a:t>
+            </a:r>
+            <a:r>
+              <a:rPr lang="zh-CN" altLang="en-US" sz="1200" dirty="0"/>
+              <a:t>就比</a:t>
+            </a:r>
+            <a:r>
+              <a:rPr lang="en-US" altLang="zh-CN" sz="1200" dirty="0"/>
+              <a:t>xml</a:t>
+            </a:r>
+            <a:r>
+              <a:rPr lang="zh-CN" altLang="en-US" sz="1200" dirty="0"/>
+              <a:t>清晰了吗？知道</a:t>
+            </a:r>
+            <a:r>
+              <a:rPr lang="en-US" altLang="zh-CN" sz="1200" dirty="0"/>
+              <a:t>xml</a:t>
+            </a:r>
+            <a:r>
+              <a:rPr lang="zh-CN" altLang="en-US" sz="1200" dirty="0"/>
+              <a:t>有</a:t>
+            </a:r>
+            <a:r>
+              <a:rPr lang="en-US" altLang="zh-CN" sz="1200" dirty="0"/>
+              <a:t>schema</a:t>
+            </a:r>
+            <a:r>
+              <a:rPr lang="zh-CN" altLang="en-US" sz="1200" dirty="0"/>
+              <a:t>可以自动提示和格式约束吗？</a:t>
             </a:r>
           </a:p>
         </p:txBody>
@@ -9464,7 +9664,7 @@
         </p:nvSpPr>
         <p:spPr>
           <a:xfrm>
-            <a:off x="6741373" y="1216300"/>
+            <a:off x="5718161" y="1087644"/>
             <a:ext cx="2552897" cy="424206"/>
           </a:xfrm>
           <a:prstGeom prst="rect">
@@ -9521,8 +9721,8 @@
         </p:nvSpPr>
         <p:spPr>
           <a:xfrm>
-            <a:off x="5821425" y="1630047"/>
-            <a:ext cx="1839896" cy="310887"/>
+            <a:off x="5718161" y="1524786"/>
+            <a:ext cx="2719460" cy="364392"/>
           </a:xfrm>
           <a:prstGeom prst="rect">
             <a:avLst/>
@@ -9547,12 +9747,12 @@
           <a:lstStyle/>
           <a:p>
             <a:r>
-              <a:rPr lang="en-US" altLang="zh-CN"/>
+              <a:rPr lang="en-US" altLang="zh-CN" dirty="0" err="1"/>
               <a:t>sqltoy</a:t>
             </a:r>
             <a:r>
-              <a:rPr lang="zh-CN" altLang="en-US"/>
-              <a:t>的融入</a:t>
+              <a:rPr lang="zh-CN" altLang="en-US" dirty="0"/>
+              <a:t>的融入：高度一致</a:t>
             </a:r>
           </a:p>
         </p:txBody>
@@ -9571,7 +9771,7 @@
         </p:nvSpPr>
         <p:spPr>
           <a:xfrm>
-            <a:off x="5817377" y="3946691"/>
+            <a:off x="5718161" y="3928505"/>
             <a:ext cx="5865892" cy="340720"/>
           </a:xfrm>
           <a:prstGeom prst="rect">
@@ -9614,7 +9814,7 @@
             </a:r>
             <a:r>
               <a:rPr lang="zh-CN" altLang="en-US" dirty="0"/>
-              <a:t>装酷，骗经验不足的新手</a:t>
+              <a:t>装酷要消耗多久？</a:t>
             </a:r>
           </a:p>
         </p:txBody>
@@ -9747,7 +9947,7 @@
         </p:blipFill>
         <p:spPr>
           <a:xfrm>
-            <a:off x="5860968" y="1982043"/>
+            <a:off x="5718161" y="1894828"/>
             <a:ext cx="2175923" cy="1975068"/>
           </a:xfrm>
           <a:prstGeom prst="rect">
@@ -9805,8 +10005,8 @@
         </p:nvSpPr>
         <p:spPr>
           <a:xfrm>
-            <a:off x="8981278" y="4610803"/>
-            <a:ext cx="2764520" cy="1754326"/>
+            <a:off x="8884384" y="4310647"/>
+            <a:ext cx="3087122" cy="2031325"/>
           </a:xfrm>
           <a:prstGeom prst="rect">
             <a:avLst/>
@@ -9820,7 +10020,7 @@
           <a:lstStyle/>
           <a:p>
             <a:r>
-              <a:rPr lang="en-US" altLang="zh-CN">
+              <a:rPr lang="en-US" altLang="zh-CN" sz="1400" dirty="0">
                 <a:solidFill>
                   <a:srgbClr val="FF0000"/>
                 </a:solidFill>
@@ -9828,7 +10028,7 @@
               <a:t>1</a:t>
             </a:r>
             <a:r>
-              <a:rPr lang="zh-CN" altLang="en-US">
+              <a:rPr lang="zh-CN" altLang="en-US" sz="1400" dirty="0">
                 <a:solidFill>
                   <a:srgbClr val="FF0000"/>
                 </a:solidFill>
@@ -9836,7 +10036,7 @@
               <a:t>、如果</a:t>
             </a:r>
             <a:r>
-              <a:rPr lang="en-US" altLang="zh-CN">
+              <a:rPr lang="en-US" altLang="zh-CN" sz="1400" dirty="0" err="1">
                 <a:solidFill>
                   <a:srgbClr val="FF0000"/>
                 </a:solidFill>
@@ -9844,14 +10044,14 @@
               <a:t>sql</a:t>
             </a:r>
             <a:r>
-              <a:rPr lang="zh-CN" altLang="en-US">
+              <a:rPr lang="zh-CN" altLang="en-US" sz="1400" dirty="0">
                 <a:solidFill>
                   <a:srgbClr val="FF0000"/>
                 </a:solidFill>
               </a:rPr>
               <a:t>再复杂一点呢？</a:t>
             </a:r>
-            <a:endParaRPr lang="en-US" altLang="zh-CN">
+            <a:endParaRPr lang="en-US" altLang="zh-CN" sz="1400" dirty="0">
               <a:solidFill>
                 <a:srgbClr val="FF0000"/>
               </a:solidFill>
@@ -9859,7 +10059,7 @@
           </a:p>
           <a:p>
             <a:r>
-              <a:rPr lang="en-US" altLang="zh-CN">
+              <a:rPr lang="en-US" altLang="zh-CN" sz="1400" dirty="0">
                 <a:solidFill>
                   <a:srgbClr val="FF0000"/>
                 </a:solidFill>
@@ -9867,7 +10067,7 @@
               <a:t>2</a:t>
             </a:r>
             <a:r>
-              <a:rPr lang="zh-CN" altLang="en-US">
+              <a:rPr lang="zh-CN" altLang="en-US" sz="1400" dirty="0">
                 <a:solidFill>
                   <a:srgbClr val="FF0000"/>
                 </a:solidFill>
@@ -9875,7 +10075,7 @@
               <a:t>、</a:t>
             </a:r>
             <a:r>
-              <a:rPr lang="en-US" altLang="zh-CN">
+              <a:rPr lang="en-US" altLang="zh-CN" sz="1400" dirty="0" err="1">
                 <a:solidFill>
                   <a:srgbClr val="FF0000"/>
                 </a:solidFill>
@@ -9883,7 +10083,7 @@
               <a:t>sql</a:t>
             </a:r>
             <a:r>
-              <a:rPr lang="zh-CN" altLang="en-US">
+              <a:rPr lang="zh-CN" altLang="en-US" sz="1400" dirty="0">
                 <a:solidFill>
                   <a:srgbClr val="FF0000"/>
                 </a:solidFill>
@@ -9891,7 +10091,7 @@
               <a:t>转</a:t>
             </a:r>
             <a:r>
-              <a:rPr lang="en-US" altLang="zh-CN">
+              <a:rPr lang="en-US" altLang="zh-CN" sz="1400" dirty="0">
                 <a:solidFill>
                   <a:srgbClr val="FF0000"/>
                 </a:solidFill>
@@ -9899,14 +10099,14 @@
               <a:t>java</a:t>
             </a:r>
             <a:r>
-              <a:rPr lang="zh-CN" altLang="en-US">
+              <a:rPr lang="zh-CN" altLang="en-US" sz="1400" dirty="0">
                 <a:solidFill>
                   <a:srgbClr val="FF0000"/>
                 </a:solidFill>
               </a:rPr>
               <a:t>耗费多久</a:t>
             </a:r>
-            <a:endParaRPr lang="en-US" altLang="zh-CN">
+            <a:endParaRPr lang="en-US" altLang="zh-CN" sz="1400" dirty="0">
               <a:solidFill>
                 <a:srgbClr val="FF0000"/>
               </a:solidFill>
@@ -9914,7 +10114,7 @@
           </a:p>
           <a:p>
             <a:r>
-              <a:rPr lang="en-US" altLang="zh-CN">
+              <a:rPr lang="en-US" altLang="zh-CN" sz="1400" dirty="0">
                 <a:solidFill>
                   <a:srgbClr val="FF0000"/>
                 </a:solidFill>
@@ -9922,14 +10122,14 @@
               <a:t>3</a:t>
             </a:r>
             <a:r>
-              <a:rPr lang="zh-CN" altLang="en-US">
+              <a:rPr lang="zh-CN" altLang="en-US" sz="1400" dirty="0">
                 <a:solidFill>
                   <a:srgbClr val="FF0000"/>
                 </a:solidFill>
               </a:rPr>
               <a:t>、需求发生变更，你的变更过程是什么？</a:t>
             </a:r>
-            <a:endParaRPr lang="en-US" altLang="zh-CN">
+            <a:endParaRPr lang="en-US" altLang="zh-CN" sz="1400" dirty="0">
               <a:solidFill>
                 <a:srgbClr val="FF0000"/>
               </a:solidFill>
@@ -9937,7 +10137,7 @@
           </a:p>
           <a:p>
             <a:r>
-              <a:rPr lang="en-US" altLang="zh-CN">
+              <a:rPr lang="en-US" altLang="zh-CN" sz="1400" dirty="0">
                 <a:solidFill>
                   <a:srgbClr val="FF0000"/>
                 </a:solidFill>
@@ -9945,12 +10145,122 @@
               <a:t>4</a:t>
             </a:r>
             <a:r>
-              <a:rPr lang="zh-CN" altLang="en-US">
+              <a:rPr lang="zh-CN" altLang="en-US" sz="1400" dirty="0">
                 <a:solidFill>
                   <a:srgbClr val="FF0000"/>
                 </a:solidFill>
               </a:rPr>
               <a:t>、酷的收益是否能覆盖大量的维护成本？</a:t>
+            </a:r>
+            <a:endParaRPr lang="en-US" altLang="zh-CN" sz="1400" dirty="0">
+              <a:solidFill>
+                <a:srgbClr val="FF0000"/>
+              </a:solidFill>
+            </a:endParaRPr>
+          </a:p>
+          <a:p>
+            <a:r>
+              <a:rPr lang="en-US" altLang="zh-CN" sz="1400" dirty="0">
+                <a:solidFill>
+                  <a:srgbClr val="FF0000"/>
+                </a:solidFill>
+              </a:rPr>
+              <a:t>5</a:t>
+            </a:r>
+            <a:r>
+              <a:rPr lang="zh-CN" altLang="en-US" sz="1400" dirty="0">
+                <a:solidFill>
+                  <a:srgbClr val="FF0000"/>
+                </a:solidFill>
+              </a:rPr>
+              <a:t>、你知道</a:t>
+            </a:r>
+            <a:r>
+              <a:rPr lang="en-US" altLang="zh-CN" sz="1400" dirty="0" err="1">
+                <a:solidFill>
+                  <a:srgbClr val="FF0000"/>
+                </a:solidFill>
+              </a:rPr>
+              <a:t>sql</a:t>
+            </a:r>
+            <a:r>
+              <a:rPr lang="zh-CN" altLang="en-US" sz="1400" dirty="0">
+                <a:solidFill>
+                  <a:srgbClr val="FF0000"/>
+                </a:solidFill>
+              </a:rPr>
+              <a:t>有多少函数？</a:t>
+            </a:r>
+            <a:r>
+              <a:rPr lang="en-US" altLang="zh-CN" sz="1400" dirty="0">
+                <a:solidFill>
+                  <a:srgbClr val="FF0000"/>
+                </a:solidFill>
+              </a:rPr>
+              <a:t>Java</a:t>
+            </a:r>
+            <a:r>
+              <a:rPr lang="zh-CN" altLang="en-US" sz="1400" dirty="0">
+                <a:solidFill>
+                  <a:srgbClr val="FF0000"/>
+                </a:solidFill>
+              </a:rPr>
+              <a:t>能覆盖全？</a:t>
+            </a:r>
+            <a:endParaRPr lang="en-US" altLang="zh-CN" sz="1400" dirty="0">
+              <a:solidFill>
+                <a:srgbClr val="FF0000"/>
+              </a:solidFill>
+            </a:endParaRPr>
+          </a:p>
+          <a:p>
+            <a:r>
+              <a:rPr lang="en-US" altLang="zh-CN" sz="1400" dirty="0">
+                <a:solidFill>
+                  <a:srgbClr val="FF0000"/>
+                </a:solidFill>
+              </a:rPr>
+              <a:t>6</a:t>
+            </a:r>
+            <a:r>
+              <a:rPr lang="zh-CN" altLang="en-US" sz="1400" dirty="0">
+                <a:solidFill>
+                  <a:srgbClr val="FF0000"/>
+                </a:solidFill>
+              </a:rPr>
+              <a:t>、你知道</a:t>
+            </a:r>
+            <a:r>
+              <a:rPr lang="en-US" altLang="zh-CN" sz="1400" dirty="0" err="1">
+                <a:solidFill>
+                  <a:srgbClr val="FF0000"/>
+                </a:solidFill>
+              </a:rPr>
+              <a:t>sql</a:t>
+            </a:r>
+            <a:r>
+              <a:rPr lang="zh-CN" altLang="en-US" sz="1400" dirty="0">
+                <a:solidFill>
+                  <a:srgbClr val="FF0000"/>
+                </a:solidFill>
+              </a:rPr>
+              <a:t>中有</a:t>
+            </a:r>
+            <a:r>
+              <a:rPr lang="en-US" altLang="zh-CN" sz="1400" dirty="0">
+                <a:solidFill>
+                  <a:srgbClr val="FF0000"/>
+                </a:solidFill>
+              </a:rPr>
+              <a:t>/*+hint+*/</a:t>
+            </a:r>
+            <a:r>
+              <a:rPr lang="zh-CN" altLang="en-US" sz="1400" dirty="0">
+                <a:solidFill>
+                  <a:srgbClr val="FF0000"/>
+                </a:solidFill>
+              </a:rPr>
+              <a:t>优化吗？</a:t>
             </a:r>
           </a:p>
         </p:txBody>
@@ -10454,7 +10764,7 @@
             </a:r>
             <a:r>
               <a:rPr lang="zh-CN" altLang="en-US" dirty="0"/>
-              <a:t>耍酷，我只能说酷你个头呀！坑货</a:t>
+              <a:t>酷，我只能说酷你个头呀！</a:t>
             </a:r>
             <a:endParaRPr lang="en-US" altLang="zh-CN" dirty="0"/>
           </a:p>
@@ -11200,8 +11510,8 @@
         </p:nvSpPr>
         <p:spPr>
           <a:xfrm>
-            <a:off x="171450" y="4451451"/>
-            <a:ext cx="11206265" cy="2311299"/>
+            <a:off x="171450" y="4451452"/>
+            <a:ext cx="11206265" cy="1378660"/>
           </a:xfrm>
           <a:prstGeom prst="rect">
             <a:avLst/>
@@ -12745,7 +13055,7 @@
                 <a:ea typeface="微软雅黑" panose="020B0503020204020204" charset="-122"/>
                 <a:sym typeface="+mn-ea"/>
               </a:rPr>
-              <a:t>行业痛点：</a:t>
+              <a:t>行业痛点</a:t>
             </a:r>
             <a:r>
               <a:rPr lang="en-US" altLang="zh-CN" sz="2000" b="1" dirty="0" err="1">
@@ -12774,6 +13084,34 @@
                 <a:sym typeface="+mn-ea"/>
               </a:rPr>
               <a:t>的应对</a:t>
+            </a:r>
+            <a:r>
+              <a:rPr lang="en-US" altLang="zh-CN" sz="2000" b="1" dirty="0">
+                <a:solidFill>
+                  <a:schemeClr val="tx1">
+                    <a:lumMod val="65000"/>
+                    <a:lumOff val="35000"/>
+                  </a:schemeClr>
+                </a:solidFill>
+                <a:latin typeface="微软雅黑" panose="020B0503020204020204" charset="-122"/>
+                <a:ea typeface="微软雅黑" panose="020B0503020204020204" charset="-122"/>
+                <a:sym typeface="+mn-ea"/>
+              </a:rPr>
+              <a:t>:</a:t>
+            </a:r>
+            <a:r>
+              <a:rPr lang="zh-CN" altLang="en-US" sz="2000" b="1" dirty="0">
+                <a:solidFill>
+                  <a:schemeClr val="tx1">
+                    <a:lumMod val="65000"/>
+                    <a:lumOff val="35000"/>
+                  </a:schemeClr>
+                </a:solidFill>
+                <a:latin typeface="微软雅黑" panose="020B0503020204020204" charset="-122"/>
+                <a:ea typeface="微软雅黑" panose="020B0503020204020204" charset="-122"/>
+                <a:sym typeface="+mn-ea"/>
+              </a:rPr>
+              <a:t>跨库、复杂点标准化</a:t>
             </a:r>
             <a:endParaRPr lang="en-US" altLang="zh-CN" sz="2000" b="1" dirty="0">
               <a:solidFill>
@@ -12870,7 +13208,7 @@
         <p:spPr>
           <a:xfrm>
             <a:off x="255581" y="664587"/>
-            <a:ext cx="11563380" cy="2412984"/>
+            <a:ext cx="11563380" cy="1916485"/>
           </a:xfrm>
           <a:prstGeom prst="rect">
             <a:avLst/>
@@ -12895,10 +13233,10 @@
           <a:lstStyle/>
           <a:p>
             <a:r>
-              <a:rPr lang="zh-CN" altLang="en-US" sz="1400" dirty="0"/>
+              <a:rPr lang="zh-CN" altLang="en-US" sz="1200" dirty="0"/>
               <a:t>做项目我们经常有哪些复杂烦恼点？</a:t>
             </a:r>
-            <a:endParaRPr lang="en-US" altLang="zh-CN" sz="1400" dirty="0"/>
+            <a:endParaRPr lang="en-US" altLang="zh-CN" sz="1200" dirty="0"/>
           </a:p>
           <a:p>
             <a:pPr marL="285750" indent="-285750">
@@ -12906,14 +13244,14 @@
               <a:buChar char="Ø"/>
             </a:pPr>
             <a:r>
-              <a:rPr lang="zh-CN" altLang="en-US" sz="1400" dirty="0">
+              <a:rPr lang="zh-CN" altLang="en-US" sz="1200" dirty="0">
                 <a:solidFill>
                   <a:srgbClr val="FF0000"/>
                 </a:solidFill>
               </a:rPr>
               <a:t>我们做的功能模块能否走产品化？可以直接用在不同数据库上？</a:t>
             </a:r>
-            <a:endParaRPr lang="en-US" altLang="zh-CN" sz="1400" dirty="0">
+            <a:endParaRPr lang="en-US" altLang="zh-CN" sz="1200" dirty="0">
               <a:solidFill>
                 <a:srgbClr val="FF0000"/>
               </a:solidFill>
@@ -12921,7 +13259,7 @@
           </a:p>
           <a:p>
             <a:r>
-              <a:rPr lang="en-US" altLang="zh-CN" sz="1400" dirty="0">
+              <a:rPr lang="en-US" altLang="zh-CN" sz="1200" dirty="0">
                 <a:solidFill>
                   <a:srgbClr val="FF0000"/>
                 </a:solidFill>
@@ -12929,14 +13267,14 @@
               <a:t>      </a:t>
             </a:r>
             <a:r>
-              <a:rPr lang="zh-CN" altLang="en-US" sz="1400" dirty="0">
+              <a:rPr lang="zh-CN" altLang="en-US" sz="1200" dirty="0">
                 <a:solidFill>
                   <a:schemeClr val="tx1"/>
                 </a:solidFill>
               </a:rPr>
               <a:t>曾经给不同银行客户做项目的我深有感触，所有后台项目在权限、人员、机构、数据字典等基础功能上几乎都是通用的，有通用的产品就意味着项目范围的缩小、项目更加可控、成本更加节约、项目更容易出成果</a:t>
             </a:r>
-            <a:endParaRPr lang="en-US" altLang="zh-CN" sz="1400" dirty="0">
+            <a:endParaRPr lang="en-US" altLang="zh-CN" sz="1200" dirty="0">
               <a:solidFill>
                 <a:schemeClr val="tx1"/>
               </a:solidFill>
@@ -12948,14 +13286,14 @@
               <a:buChar char="Ø"/>
             </a:pPr>
             <a:r>
-              <a:rPr lang="zh-CN" altLang="en-US" sz="1400" dirty="0">
+              <a:rPr lang="zh-CN" altLang="en-US" sz="1200" dirty="0">
                 <a:solidFill>
                   <a:srgbClr val="FF0000"/>
                 </a:solidFill>
               </a:rPr>
               <a:t>在一些项目中如果没有报表平台，如何面对一些复杂的统计分析型查询功能？</a:t>
             </a:r>
-            <a:endParaRPr lang="en-US" altLang="zh-CN" sz="1400" dirty="0">
+            <a:endParaRPr lang="en-US" altLang="zh-CN" sz="1200" dirty="0">
               <a:solidFill>
                 <a:srgbClr val="FF0000"/>
               </a:solidFill>
@@ -12963,7 +13301,7 @@
           </a:p>
           <a:p>
             <a:r>
-              <a:rPr lang="en-US" altLang="zh-CN" sz="1400" dirty="0">
+              <a:rPr lang="en-US" altLang="zh-CN" sz="1200" dirty="0">
                 <a:solidFill>
                   <a:schemeClr val="tx1"/>
                 </a:solidFill>
@@ -12971,14 +13309,14 @@
               <a:t>      2009</a:t>
             </a:r>
             <a:r>
-              <a:rPr lang="zh-CN" altLang="en-US" sz="1400" dirty="0">
+              <a:rPr lang="zh-CN" altLang="en-US" sz="1200" dirty="0">
                 <a:solidFill>
                   <a:schemeClr val="tx1"/>
                 </a:solidFill>
               </a:rPr>
               <a:t>年宁波银监会项目：一个交叉统计报表，开发原本一次查询变成了按照月份有几个月就查询几次，我指出用一次查询，然后将结果集合旋转，开发一副小眼睛一脸无辜的看着我：什么旋转？怎么做？</a:t>
             </a:r>
-            <a:endParaRPr lang="en-US" altLang="zh-CN" sz="1400" dirty="0">
+            <a:endParaRPr lang="en-US" altLang="zh-CN" sz="1200" dirty="0">
               <a:solidFill>
                 <a:schemeClr val="tx1"/>
               </a:solidFill>
@@ -12986,7 +13324,7 @@
           </a:p>
           <a:p>
             <a:r>
-              <a:rPr lang="en-US" altLang="zh-CN" sz="1400" dirty="0">
+              <a:rPr lang="en-US" altLang="zh-CN" sz="1200" dirty="0">
                 <a:solidFill>
                   <a:schemeClr val="tx1"/>
                 </a:solidFill>
@@ -12994,14 +13332,14 @@
               <a:t>      2011</a:t>
             </a:r>
             <a:r>
-              <a:rPr lang="zh-CN" altLang="en-US" sz="1400" dirty="0">
+              <a:rPr lang="zh-CN" altLang="en-US" sz="1200" dirty="0">
                 <a:solidFill>
                   <a:schemeClr val="tx1"/>
                 </a:solidFill>
               </a:rPr>
               <a:t>年浦发电销项目被复杂的统计折腾的精疲力竭</a:t>
             </a:r>
-            <a:endParaRPr lang="en-US" altLang="zh-CN" sz="1400" dirty="0">
+            <a:endParaRPr lang="en-US" altLang="zh-CN" sz="1200" dirty="0">
               <a:solidFill>
                 <a:schemeClr val="tx1"/>
               </a:solidFill>
@@ -13009,7 +13347,7 @@
           </a:p>
           <a:p>
             <a:r>
-              <a:rPr lang="en-US" altLang="zh-CN" sz="1400" dirty="0">
+              <a:rPr lang="en-US" altLang="zh-CN" sz="1200" dirty="0">
                 <a:solidFill>
                   <a:schemeClr val="tx1"/>
                 </a:solidFill>
@@ -13017,7 +13355,7 @@
               <a:t>      2011</a:t>
             </a:r>
             <a:r>
-              <a:rPr lang="zh-CN" altLang="en-US" sz="1400" dirty="0">
+              <a:rPr lang="zh-CN" altLang="en-US" sz="1200" dirty="0">
                 <a:solidFill>
                   <a:schemeClr val="tx1"/>
                 </a:solidFill>
@@ -13025,7 +13363,7 @@
               <a:t>年山东农信项目：几张复杂统计</a:t>
             </a:r>
             <a:r>
-              <a:rPr lang="en-US" altLang="zh-CN" sz="1400" dirty="0">
+              <a:rPr lang="en-US" altLang="zh-CN" sz="1200" dirty="0">
                 <a:solidFill>
                   <a:schemeClr val="tx1"/>
                 </a:solidFill>
@@ -13033,7 +13371,7 @@
               <a:t>(</a:t>
             </a:r>
             <a:r>
-              <a:rPr lang="zh-CN" altLang="en-US" sz="1400" dirty="0">
+              <a:rPr lang="zh-CN" altLang="en-US" sz="1200" dirty="0">
                 <a:solidFill>
                   <a:schemeClr val="tx1"/>
                 </a:solidFill>
@@ -13041,7 +13379,7 @@
               <a:t>多维度交叉</a:t>
             </a:r>
             <a:r>
-              <a:rPr lang="en-US" altLang="zh-CN" sz="1400" dirty="0">
+              <a:rPr lang="en-US" altLang="zh-CN" sz="1200" dirty="0">
                 <a:solidFill>
                   <a:schemeClr val="tx1"/>
                 </a:solidFill>
@@ -13049,36 +13387,96 @@
               <a:t>)</a:t>
             </a:r>
             <a:r>
-              <a:rPr lang="zh-CN" altLang="en-US" sz="1400" dirty="0">
+              <a:rPr lang="zh-CN" altLang="en-US" sz="1200" dirty="0">
                 <a:solidFill>
                   <a:schemeClr val="tx1"/>
                 </a:solidFill>
               </a:rPr>
               <a:t>开发撂挑子天天吵着要离开项目组</a:t>
             </a:r>
-            <a:endParaRPr lang="en-US" altLang="zh-CN" sz="1400" dirty="0">
-              <a:solidFill>
-                <a:schemeClr val="tx1"/>
-              </a:solidFill>
-            </a:endParaRPr>
-          </a:p>
-          <a:p>
-            <a:endParaRPr lang="en-US" altLang="zh-CN" sz="1400" dirty="0">
-              <a:solidFill>
-                <a:schemeClr val="tx1"/>
-              </a:solidFill>
-            </a:endParaRPr>
-          </a:p>
-          <a:p>
-            <a:r>
-              <a:rPr lang="zh-CN" altLang="en-US" sz="1400" dirty="0">
+            <a:r>
+              <a:rPr lang="en-US" altLang="zh-CN" sz="1200" dirty="0">
+                <a:solidFill>
+                  <a:schemeClr val="tx1"/>
+                </a:solidFill>
+              </a:rPr>
+              <a:t>(</a:t>
+            </a:r>
+            <a:r>
+              <a:rPr lang="zh-CN" altLang="en-US" sz="1200" dirty="0">
+                <a:solidFill>
+                  <a:srgbClr val="92D050"/>
+                </a:solidFill>
+              </a:rPr>
+              <a:t>因此</a:t>
+            </a:r>
+            <a:r>
+              <a:rPr lang="en-US" altLang="zh-CN" sz="1200" dirty="0">
+                <a:solidFill>
+                  <a:srgbClr val="92D050"/>
+                </a:solidFill>
+              </a:rPr>
+              <a:t>2012</a:t>
+            </a:r>
+            <a:r>
+              <a:rPr lang="zh-CN" altLang="en-US" sz="1200" dirty="0">
+                <a:solidFill>
+                  <a:srgbClr val="92D050"/>
+                </a:solidFill>
+              </a:rPr>
+              <a:t>年启动了</a:t>
+            </a:r>
+            <a:r>
+              <a:rPr lang="en-US" altLang="zh-CN" sz="1200" dirty="0">
+                <a:solidFill>
+                  <a:srgbClr val="92D050"/>
+                </a:solidFill>
+              </a:rPr>
+              <a:t>nebula</a:t>
+            </a:r>
+            <a:r>
+              <a:rPr lang="zh-CN" altLang="en-US" sz="1200" dirty="0">
+                <a:solidFill>
+                  <a:srgbClr val="92D050"/>
+                </a:solidFill>
+              </a:rPr>
+              <a:t>星云报表开发，并将部分算法集成到</a:t>
+            </a:r>
+            <a:r>
+              <a:rPr lang="en-US" altLang="zh-CN" sz="1200" dirty="0" err="1">
+                <a:solidFill>
+                  <a:srgbClr val="92D050"/>
+                </a:solidFill>
+              </a:rPr>
+              <a:t>sqltoy</a:t>
+            </a:r>
+            <a:r>
+              <a:rPr lang="zh-CN" altLang="en-US" sz="1200" dirty="0">
+                <a:solidFill>
+                  <a:srgbClr val="92D050"/>
+                </a:solidFill>
+              </a:rPr>
+              <a:t>中</a:t>
+            </a:r>
+            <a:r>
+              <a:rPr lang="en-US" altLang="zh-CN" sz="1200" dirty="0">
+                <a:solidFill>
+                  <a:schemeClr val="tx1"/>
+                </a:solidFill>
+              </a:rPr>
+              <a:t>)</a:t>
+            </a:r>
+          </a:p>
+          <a:p>
+            <a:r>
+              <a:rPr lang="zh-CN" altLang="en-US" sz="1200" dirty="0">
                 <a:solidFill>
                   <a:srgbClr val="0070C0"/>
                 </a:solidFill>
               </a:rPr>
               <a:t>开发人员面对这些困难，可以撂挑子说框架不支持、用一副无辜的小眼睛瞪你，但作为项目负责人可以吗？</a:t>
             </a:r>
-            <a:endParaRPr lang="en-US" altLang="zh-CN" sz="1400" dirty="0">
+            <a:endParaRPr lang="en-US" altLang="zh-CN" sz="1200" dirty="0">
               <a:solidFill>
                 <a:srgbClr val="0070C0"/>
               </a:solidFill>
@@ -13086,6 +13484,299 @@
           </a:p>
         </p:txBody>
       </p:sp>
+      <p:pic>
+        <p:nvPicPr>
+          <p:cNvPr id="5" name="图片 4">
+            <a:extLst>
+              <a:ext uri="{FF2B5EF4-FFF2-40B4-BE49-F238E27FC236}">
+                <a16:creationId xmlns:a16="http://schemas.microsoft.com/office/drawing/2014/main" id="{4E514C36-40D2-4094-8744-01B51C9AD95B}"/>
+              </a:ext>
+            </a:extLst>
+          </p:cNvPr>
+          <p:cNvPicPr>
+            <a:picLocks noChangeAspect="1"/>
+          </p:cNvPicPr>
+          <p:nvPr/>
+        </p:nvPicPr>
+        <p:blipFill>
+          <a:blip r:embed="rId3" cstate="print">
+            <a:extLst>
+              <a:ext uri="{28A0092B-C50C-407E-A947-70E740481C1C}">
+                <a14:useLocalDpi xmlns:a14="http://schemas.microsoft.com/office/drawing/2010/main" val="0"/>
+              </a:ext>
+            </a:extLst>
+          </a:blip>
+          <a:stretch>
+            <a:fillRect/>
+          </a:stretch>
+        </p:blipFill>
+        <p:spPr>
+          <a:xfrm>
+            <a:off x="171450" y="2981182"/>
+            <a:ext cx="3566762" cy="3749407"/>
+          </a:xfrm>
+          <a:prstGeom prst="rect">
+            <a:avLst/>
+          </a:prstGeom>
+        </p:spPr>
+      </p:pic>
+      <p:sp>
+        <p:nvSpPr>
+          <p:cNvPr id="6" name="矩形: 圆角 5">
+            <a:extLst>
+              <a:ext uri="{FF2B5EF4-FFF2-40B4-BE49-F238E27FC236}">
+                <a16:creationId xmlns:a16="http://schemas.microsoft.com/office/drawing/2014/main" id="{661CEA14-E00E-455F-B967-ED6C6C643A97}"/>
+              </a:ext>
+            </a:extLst>
+          </p:cNvPr>
+          <p:cNvSpPr/>
+          <p:nvPr/>
+        </p:nvSpPr>
+        <p:spPr>
+          <a:xfrm>
+            <a:off x="171450" y="2637677"/>
+            <a:ext cx="4095750" cy="280621"/>
+          </a:xfrm>
+          <a:prstGeom prst="roundRect">
+            <a:avLst/>
+          </a:prstGeom>
+        </p:spPr>
+        <p:style>
+          <a:lnRef idx="2">
+            <a:schemeClr val="accent1">
+              <a:shade val="50000"/>
+            </a:schemeClr>
+          </a:lnRef>
+          <a:fillRef idx="1">
+            <a:schemeClr val="accent1"/>
+          </a:fillRef>
+          <a:effectRef idx="0">
+            <a:schemeClr val="accent1"/>
+          </a:effectRef>
+          <a:fontRef idx="minor">
+            <a:schemeClr val="lt1"/>
+          </a:fontRef>
+        </p:style>
+        <p:txBody>
+          <a:bodyPr rtlCol="0" anchor="ctr"/>
+          <a:lstStyle/>
+          <a:p>
+            <a:r>
+              <a:rPr lang="zh-CN" altLang="en-US" sz="1400" dirty="0"/>
+              <a:t>跨数据库支持</a:t>
+            </a:r>
+            <a:r>
+              <a:rPr lang="en-US" altLang="zh-CN" sz="1400" dirty="0"/>
+              <a:t>:</a:t>
+            </a:r>
+            <a:r>
+              <a:rPr lang="zh-CN" altLang="en-US" sz="1400" dirty="0"/>
+              <a:t>函数自适应、</a:t>
+            </a:r>
+            <a:r>
+              <a:rPr lang="en-US" altLang="zh-CN" sz="1400" dirty="0" err="1"/>
+              <a:t>sqlId+dialect</a:t>
+            </a:r>
+            <a:r>
+              <a:rPr lang="zh-CN" altLang="en-US" sz="1400" dirty="0"/>
+              <a:t>优先法则</a:t>
+            </a:r>
+          </a:p>
+        </p:txBody>
+      </p:sp>
+      <p:pic>
+        <p:nvPicPr>
+          <p:cNvPr id="8" name="图片 7">
+            <a:extLst>
+              <a:ext uri="{FF2B5EF4-FFF2-40B4-BE49-F238E27FC236}">
+                <a16:creationId xmlns:a16="http://schemas.microsoft.com/office/drawing/2014/main" id="{ED025BD4-57FE-4C4A-92C0-B26F70780B87}"/>
+              </a:ext>
+            </a:extLst>
+          </p:cNvPr>
+          <p:cNvPicPr>
+            <a:picLocks noChangeAspect="1"/>
+          </p:cNvPicPr>
+          <p:nvPr/>
+        </p:nvPicPr>
+        <p:blipFill>
+          <a:blip r:embed="rId4" cstate="print">
+            <a:extLst>
+              <a:ext uri="{28A0092B-C50C-407E-A947-70E740481C1C}">
+                <a14:useLocalDpi xmlns:a14="http://schemas.microsoft.com/office/drawing/2010/main" val="0"/>
+              </a:ext>
+            </a:extLst>
+          </a:blip>
+          <a:stretch>
+            <a:fillRect/>
+          </a:stretch>
+        </p:blipFill>
+        <p:spPr>
+          <a:xfrm>
+            <a:off x="3635408" y="2974903"/>
+            <a:ext cx="2577507" cy="1579259"/>
+          </a:xfrm>
+          <a:prstGeom prst="rect">
+            <a:avLst/>
+          </a:prstGeom>
+        </p:spPr>
+      </p:pic>
+      <p:pic>
+        <p:nvPicPr>
+          <p:cNvPr id="10" name="图片 9">
+            <a:extLst>
+              <a:ext uri="{FF2B5EF4-FFF2-40B4-BE49-F238E27FC236}">
+                <a16:creationId xmlns:a16="http://schemas.microsoft.com/office/drawing/2014/main" id="{E784F40F-917A-4D16-B6FF-2EF2764360FE}"/>
+              </a:ext>
+            </a:extLst>
+          </p:cNvPr>
+          <p:cNvPicPr>
+            <a:picLocks noChangeAspect="1"/>
+          </p:cNvPicPr>
+          <p:nvPr/>
+        </p:nvPicPr>
+        <p:blipFill>
+          <a:blip r:embed="rId5" cstate="print">
+            <a:extLst>
+              <a:ext uri="{28A0092B-C50C-407E-A947-70E740481C1C}">
+                <a14:useLocalDpi xmlns:a14="http://schemas.microsoft.com/office/drawing/2010/main" val="0"/>
+              </a:ext>
+            </a:extLst>
+          </a:blip>
+          <a:stretch>
+            <a:fillRect/>
+          </a:stretch>
+        </p:blipFill>
+        <p:spPr>
+          <a:xfrm>
+            <a:off x="6183343" y="2893975"/>
+            <a:ext cx="3095630" cy="1830561"/>
+          </a:xfrm>
+          <a:prstGeom prst="rect">
+            <a:avLst/>
+          </a:prstGeom>
+        </p:spPr>
+      </p:pic>
+      <p:pic>
+        <p:nvPicPr>
+          <p:cNvPr id="12" name="图片 11">
+            <a:extLst>
+              <a:ext uri="{FF2B5EF4-FFF2-40B4-BE49-F238E27FC236}">
+                <a16:creationId xmlns:a16="http://schemas.microsoft.com/office/drawing/2014/main" id="{4F1E717C-FE15-4AF8-A638-B4AD68402546}"/>
+              </a:ext>
+            </a:extLst>
+          </p:cNvPr>
+          <p:cNvPicPr>
+            <a:picLocks noChangeAspect="1"/>
+          </p:cNvPicPr>
+          <p:nvPr/>
+        </p:nvPicPr>
+        <p:blipFill>
+          <a:blip r:embed="rId6" cstate="print">
+            <a:extLst>
+              <a:ext uri="{28A0092B-C50C-407E-A947-70E740481C1C}">
+                <a14:useLocalDpi xmlns:a14="http://schemas.microsoft.com/office/drawing/2010/main" val="0"/>
+              </a:ext>
+            </a:extLst>
+          </a:blip>
+          <a:stretch>
+            <a:fillRect/>
+          </a:stretch>
+        </p:blipFill>
+        <p:spPr>
+          <a:xfrm>
+            <a:off x="3795752" y="4554162"/>
+            <a:ext cx="1791489" cy="2121445"/>
+          </a:xfrm>
+          <a:prstGeom prst="rect">
+            <a:avLst/>
+          </a:prstGeom>
+        </p:spPr>
+      </p:pic>
+      <p:sp>
+        <p:nvSpPr>
+          <p:cNvPr id="13" name="矩形 12">
+            <a:extLst>
+              <a:ext uri="{FF2B5EF4-FFF2-40B4-BE49-F238E27FC236}">
+                <a16:creationId xmlns:a16="http://schemas.microsoft.com/office/drawing/2014/main" id="{E009E04E-627B-40C5-B713-1E8CF644A9C8}"/>
+              </a:ext>
+            </a:extLst>
+          </p:cNvPr>
+          <p:cNvSpPr/>
+          <p:nvPr/>
+        </p:nvSpPr>
+        <p:spPr>
+          <a:xfrm>
+            <a:off x="6183343" y="2618286"/>
+            <a:ext cx="1673157" cy="235225"/>
+          </a:xfrm>
+          <a:prstGeom prst="rect">
+            <a:avLst/>
+          </a:prstGeom>
+        </p:spPr>
+        <p:style>
+          <a:lnRef idx="2">
+            <a:schemeClr val="accent1">
+              <a:shade val="50000"/>
+            </a:schemeClr>
+          </a:lnRef>
+          <a:fillRef idx="1">
+            <a:schemeClr val="accent1"/>
+          </a:fillRef>
+          <a:effectRef idx="0">
+            <a:schemeClr val="accent1"/>
+          </a:effectRef>
+          <a:fontRef idx="minor">
+            <a:schemeClr val="lt1"/>
+          </a:fontRef>
+        </p:style>
+        <p:txBody>
+          <a:bodyPr rtlCol="0" anchor="ctr"/>
+          <a:lstStyle/>
+          <a:p>
+            <a:pPr algn="ctr"/>
+            <a:r>
+              <a:rPr lang="zh-CN" altLang="en-US" dirty="0"/>
+              <a:t>行转列</a:t>
+            </a:r>
+          </a:p>
+        </p:txBody>
+      </p:sp>
+      <p:pic>
+        <p:nvPicPr>
+          <p:cNvPr id="15" name="图片 14">
+            <a:extLst>
+              <a:ext uri="{FF2B5EF4-FFF2-40B4-BE49-F238E27FC236}">
+                <a16:creationId xmlns:a16="http://schemas.microsoft.com/office/drawing/2014/main" id="{9094BF53-D1D1-472F-A571-10B619E2E89A}"/>
+              </a:ext>
+            </a:extLst>
+          </p:cNvPr>
+          <p:cNvPicPr>
+            <a:picLocks noChangeAspect="1"/>
+          </p:cNvPicPr>
+          <p:nvPr/>
+        </p:nvPicPr>
+        <p:blipFill>
+          <a:blip r:embed="rId7" cstate="print">
+            <a:extLst>
+              <a:ext uri="{28A0092B-C50C-407E-A947-70E740481C1C}">
+                <a14:useLocalDpi xmlns:a14="http://schemas.microsoft.com/office/drawing/2010/main" val="0"/>
+              </a:ext>
+            </a:extLst>
+          </a:blip>
+          <a:stretch>
+            <a:fillRect/>
+          </a:stretch>
+        </p:blipFill>
+        <p:spPr>
+          <a:xfrm>
+            <a:off x="8555218" y="4028868"/>
+            <a:ext cx="3340615" cy="2274655"/>
+          </a:xfrm>
+          <a:prstGeom prst="rect">
+            <a:avLst/>
+          </a:prstGeom>
+        </p:spPr>
+      </p:pic>
     </p:spTree>
     <p:extLst>
       <p:ext uri="{BB962C8B-B14F-4D97-AF65-F5344CB8AC3E}">
@@ -13124,7 +13815,7 @@
         </p:nvSpPr>
         <p:spPr>
           <a:xfrm>
-            <a:off x="331788" y="268288"/>
+            <a:off x="350837" y="234950"/>
             <a:ext cx="11528425" cy="5899150"/>
           </a:xfrm>
           <a:prstGeom prst="rect">

--- a/docs/sqltoy的核心创建思想.pptx
+++ b/docs/sqltoy的核心创建思想.pptx
@@ -5,13 +5,18 @@
     <p:sldMasterId id="2147483648" r:id="rId1"/>
   </p:sldMasterIdLst>
   <p:notesMasterIdLst>
-    <p:notesMasterId r:id="rId6"/>
+    <p:notesMasterId r:id="rId11"/>
   </p:notesMasterIdLst>
   <p:sldIdLst>
     <p:sldId id="363" r:id="rId2"/>
     <p:sldId id="451" r:id="rId3"/>
     <p:sldId id="452" r:id="rId4"/>
-    <p:sldId id="269" r:id="rId5"/>
+    <p:sldId id="455" r:id="rId5"/>
+    <p:sldId id="453" r:id="rId6"/>
+    <p:sldId id="456" r:id="rId7"/>
+    <p:sldId id="457" r:id="rId8"/>
+    <p:sldId id="458" r:id="rId9"/>
+    <p:sldId id="269" r:id="rId10"/>
   </p:sldIdLst>
   <p:sldSz cx="12192000" cy="6858000"/>
   <p:notesSz cx="6858000" cy="9144000"/>
@@ -1262,7 +1267,7 @@
         <a:lstStyle/>
         <a:p>
           <a:r>
-            <a:rPr lang="zh-CN" altLang="en-US"/>
+            <a:rPr lang="zh-CN" altLang="en-US" dirty="0"/>
             <a:t>行业痛点</a:t>
           </a:r>
         </a:p>
@@ -1653,12 +1658,12 @@
         <a:fontRef idx="minor"/>
       </dsp:style>
       <dsp:txBody>
-        <a:bodyPr spcFirstLastPara="0" vert="horz" wrap="square" lIns="121920" tIns="121920" rIns="121920" bIns="121920" numCol="1" spcCol="1270" anchor="t" anchorCtr="0">
+        <a:bodyPr spcFirstLastPara="0" vert="horz" wrap="square" lIns="148590" tIns="148590" rIns="148590" bIns="148590" numCol="1" spcCol="1270" anchor="t" anchorCtr="0">
           <a:noAutofit/>
         </a:bodyPr>
         <a:lstStyle/>
         <a:p>
-          <a:pPr marL="228600" lvl="1" indent="-228600" algn="l" defTabSz="1111250">
+          <a:pPr marL="285750" lvl="1" indent="-285750" algn="l" defTabSz="1333500">
             <a:lnSpc>
               <a:spcPct val="90000"/>
             </a:lnSpc>
@@ -1671,7 +1676,7 @@
             <a:buChar char="•"/>
           </a:pPr>
           <a:r>
-            <a:rPr lang="zh-CN" altLang="en-US" sz="2500" kern="1200"/>
+            <a:rPr lang="zh-CN" altLang="en-US" sz="3000" kern="1200" dirty="0"/>
             <a:t>行业痛点</a:t>
           </a:r>
         </a:p>
@@ -1732,12 +1737,12 @@
         <a:fontRef idx="minor"/>
       </dsp:style>
       <dsp:txBody>
-        <a:bodyPr spcFirstLastPara="0" vert="horz" wrap="square" lIns="121920" tIns="121920" rIns="121920" bIns="121920" numCol="1" spcCol="1270" anchor="t" anchorCtr="0">
+        <a:bodyPr spcFirstLastPara="0" vert="horz" wrap="square" lIns="148590" tIns="148590" rIns="148590" bIns="148590" numCol="1" spcCol="1270" anchor="t" anchorCtr="0">
           <a:noAutofit/>
         </a:bodyPr>
         <a:lstStyle/>
         <a:p>
-          <a:pPr marL="228600" lvl="1" indent="-228600" algn="l" defTabSz="1111250">
+          <a:pPr marL="285750" lvl="1" indent="-285750" algn="l" defTabSz="1333500">
             <a:lnSpc>
               <a:spcPct val="90000"/>
             </a:lnSpc>
@@ -1750,7 +1755,7 @@
             <a:buChar char="•"/>
           </a:pPr>
           <a:r>
-            <a:rPr lang="zh-CN" altLang="en-US" sz="2500" kern="1200"/>
+            <a:rPr lang="zh-CN" altLang="en-US" sz="3000" kern="1200"/>
             <a:t>棘手点</a:t>
           </a:r>
         </a:p>
@@ -1811,12 +1816,12 @@
         <a:fontRef idx="minor"/>
       </dsp:style>
       <dsp:txBody>
-        <a:bodyPr spcFirstLastPara="0" vert="horz" wrap="square" lIns="121920" tIns="121920" rIns="121920" bIns="121920" numCol="1" spcCol="1270" anchor="t" anchorCtr="0">
+        <a:bodyPr spcFirstLastPara="0" vert="horz" wrap="square" lIns="148590" tIns="148590" rIns="148590" bIns="148590" numCol="1" spcCol="1270" anchor="t" anchorCtr="0">
           <a:noAutofit/>
         </a:bodyPr>
         <a:lstStyle/>
         <a:p>
-          <a:pPr marL="228600" lvl="1" indent="-228600" algn="l" defTabSz="1111250">
+          <a:pPr marL="285750" lvl="1" indent="-285750" algn="l" defTabSz="1333500">
             <a:lnSpc>
               <a:spcPct val="90000"/>
             </a:lnSpc>
@@ -1829,7 +1834,7 @@
             <a:buChar char="•"/>
           </a:pPr>
           <a:r>
-            <a:rPr lang="zh-CN" altLang="en-US" sz="2500" kern="1200">
+            <a:rPr lang="zh-CN" altLang="en-US" sz="3000" kern="1200">
               <a:solidFill>
                 <a:srgbClr val="FF0000"/>
               </a:solidFill>
@@ -1894,12 +1899,12 @@
         <a:fontRef idx="minor"/>
       </dsp:style>
       <dsp:txBody>
-        <a:bodyPr spcFirstLastPara="0" vert="horz" wrap="square" lIns="121920" tIns="121920" rIns="121920" bIns="121920" numCol="1" spcCol="1270" anchor="t" anchorCtr="0">
+        <a:bodyPr spcFirstLastPara="0" vert="horz" wrap="square" lIns="148590" tIns="148590" rIns="148590" bIns="148590" numCol="1" spcCol="1270" anchor="t" anchorCtr="0">
           <a:noAutofit/>
         </a:bodyPr>
         <a:lstStyle/>
         <a:p>
-          <a:pPr marL="228600" lvl="1" indent="-228600" algn="l" defTabSz="1111250">
+          <a:pPr marL="285750" lvl="1" indent="-285750" algn="l" defTabSz="1333500">
             <a:lnSpc>
               <a:spcPct val="90000"/>
             </a:lnSpc>
@@ -1912,7 +1917,7 @@
             <a:buChar char="•"/>
           </a:pPr>
           <a:r>
-            <a:rPr lang="zh-CN" altLang="en-US" sz="2500" kern="1200"/>
+            <a:rPr lang="zh-CN" altLang="en-US" sz="3000" kern="1200"/>
             <a:t>基本点</a:t>
           </a:r>
         </a:p>
@@ -4408,7 +4413,7 @@
           <a:p>
             <a:fld id="{BE81F43B-CD14-419F-A5CC-6CB6954E5E63}" type="datetimeFigureOut">
               <a:rPr lang="zh-CN" altLang="en-US" smtClean="0"/>
-              <a:t>2021/9/30</a:t>
+              <a:t>2021/10/10</a:t>
             </a:fld>
             <a:endParaRPr lang="zh-CN" altLang="en-US"/>
           </a:p>
@@ -4822,7 +4827,7 @@
                 <a:cs typeface="+mn-ea"/>
                 <a:sym typeface="Segoe UI Light" panose="020B0502040204020203" charset="0"/>
               </a:rPr>
-              <a:t>2021/9/30</a:t>
+              <a:t>2021/10/10</a:t>
             </a:fld>
             <a:endParaRPr lang="zh-CN" altLang="en-US" strike="noStrike" noProof="1">
               <a:sym typeface="Segoe UI Light" panose="020B0502040204020203" charset="0"/>
@@ -5035,7 +5040,7 @@
                 <a:cs typeface="+mn-ea"/>
                 <a:sym typeface="Segoe UI Light" panose="020B0502040204020203" charset="0"/>
               </a:rPr>
-              <a:t>2021/9/30</a:t>
+              <a:t>2021/10/10</a:t>
             </a:fld>
             <a:endParaRPr lang="zh-CN" altLang="en-US" strike="noStrike" noProof="1">
               <a:sym typeface="Segoe UI Light" panose="020B0502040204020203" charset="0"/>
@@ -5258,7 +5263,7 @@
                 <a:cs typeface="+mn-ea"/>
                 <a:sym typeface="Segoe UI Light" panose="020B0502040204020203" charset="0"/>
               </a:rPr>
-              <a:t>2021/9/30</a:t>
+              <a:t>2021/10/10</a:t>
             </a:fld>
             <a:endParaRPr lang="zh-CN" altLang="en-US" strike="noStrike" noProof="1">
               <a:sym typeface="Segoe UI Light" panose="020B0502040204020203" charset="0"/>
@@ -5471,7 +5476,7 @@
                 <a:cs typeface="+mn-ea"/>
                 <a:sym typeface="Segoe UI Light" panose="020B0502040204020203" charset="0"/>
               </a:rPr>
-              <a:t>2021/9/30</a:t>
+              <a:t>2021/10/10</a:t>
             </a:fld>
             <a:endParaRPr lang="zh-CN" altLang="en-US" strike="noStrike" noProof="1">
               <a:sym typeface="Segoe UI Light" panose="020B0502040204020203" charset="0"/>
@@ -5761,7 +5766,7 @@
                 <a:cs typeface="+mn-ea"/>
                 <a:sym typeface="Segoe UI Light" panose="020B0502040204020203" charset="0"/>
               </a:rPr>
-              <a:t>2021/9/30</a:t>
+              <a:t>2021/10/10</a:t>
             </a:fld>
             <a:endParaRPr lang="zh-CN" altLang="en-US" strike="noStrike" noProof="1">
               <a:sym typeface="Segoe UI Light" panose="020B0502040204020203" charset="0"/>
@@ -6035,7 +6040,7 @@
                 <a:cs typeface="+mn-ea"/>
                 <a:sym typeface="Segoe UI Light" panose="020B0502040204020203" charset="0"/>
               </a:rPr>
-              <a:t>2021/9/30</a:t>
+              <a:t>2021/10/10</a:t>
             </a:fld>
             <a:endParaRPr lang="zh-CN" altLang="en-US" strike="noStrike" noProof="1">
               <a:sym typeface="Segoe UI Light" panose="020B0502040204020203" charset="0"/>
@@ -6444,7 +6449,7 @@
                 <a:cs typeface="+mn-ea"/>
                 <a:sym typeface="Segoe UI Light" panose="020B0502040204020203" charset="0"/>
               </a:rPr>
-              <a:t>2021/9/30</a:t>
+              <a:t>2021/10/10</a:t>
             </a:fld>
             <a:endParaRPr lang="zh-CN" altLang="en-US" strike="noStrike" noProof="1">
               <a:sym typeface="Segoe UI Light" panose="020B0502040204020203" charset="0"/>
@@ -6606,7 +6611,7 @@
                 <a:cs typeface="+mn-ea"/>
                 <a:sym typeface="Segoe UI Light" panose="020B0502040204020203" charset="0"/>
               </a:rPr>
-              <a:t>2021/9/30</a:t>
+              <a:t>2021/10/10</a:t>
             </a:fld>
             <a:endParaRPr lang="zh-CN" altLang="en-US" strike="noStrike" noProof="1">
               <a:sym typeface="Segoe UI Light" panose="020B0502040204020203" charset="0"/>
@@ -6745,7 +6750,7 @@
                 <a:cs typeface="+mn-ea"/>
                 <a:sym typeface="Segoe UI Light" panose="020B0502040204020203" charset="0"/>
               </a:rPr>
-              <a:t>2021/9/30</a:t>
+              <a:t>2021/10/10</a:t>
             </a:fld>
             <a:endParaRPr lang="zh-CN" altLang="en-US" strike="noStrike" noProof="1">
               <a:sym typeface="Segoe UI Light" panose="020B0502040204020203" charset="0"/>
@@ -7065,7 +7070,7 @@
                 <a:cs typeface="+mn-ea"/>
                 <a:sym typeface="Segoe UI Light" panose="020B0502040204020203" charset="0"/>
               </a:rPr>
-              <a:t>2021/9/30</a:t>
+              <a:t>2021/10/10</a:t>
             </a:fld>
             <a:endParaRPr lang="zh-CN" altLang="en-US" strike="noStrike" noProof="1">
               <a:sym typeface="Segoe UI Light" panose="020B0502040204020203" charset="0"/>
@@ -7363,7 +7368,7 @@
                 <a:cs typeface="+mn-ea"/>
                 <a:sym typeface="Segoe UI Light" panose="020B0502040204020203" charset="0"/>
               </a:rPr>
-              <a:t>2021/9/30</a:t>
+              <a:t>2021/10/10</a:t>
             </a:fld>
             <a:endParaRPr lang="zh-CN" altLang="en-US" strike="noStrike" noProof="1">
               <a:sym typeface="Segoe UI Light" panose="020B0502040204020203" charset="0"/>
@@ -7630,7 +7635,7 @@
                 <a:cs typeface="+mn-ea"/>
                 <a:sym typeface="Segoe UI Light" panose="020B0502040204020203" charset="0"/>
               </a:rPr>
-              <a:t>2021/9/30</a:t>
+              <a:t>2021/10/10</a:t>
             </a:fld>
             <a:endParaRPr lang="zh-CN" altLang="en-US" strike="noStrike" noProof="1">
               <a:sym typeface="Segoe UI Light" panose="020B0502040204020203" charset="0"/>
@@ -8394,7 +8399,7 @@
         </p:nvSpPr>
         <p:spPr>
           <a:xfrm>
-            <a:off x="312851" y="342900"/>
+            <a:off x="299881" y="277057"/>
             <a:ext cx="9754975" cy="523220"/>
           </a:xfrm>
           <a:prstGeom prst="rect">
@@ -8413,7 +8418,7 @@
           <a:p>
             <a:pPr lvl="0" indent="0"/>
             <a:r>
-              <a:rPr lang="zh-CN" altLang="en-US" sz="2800" b="1">
+              <a:rPr lang="zh-CN" altLang="en-US" sz="2800" b="1" dirty="0">
                 <a:solidFill>
                   <a:schemeClr val="tx1">
                     <a:lumMod val="65000"/>
@@ -8427,7 +8432,7 @@
               <a:t>为什么说</a:t>
             </a:r>
             <a:r>
-              <a:rPr lang="en-US" altLang="zh-CN" sz="2800" b="1">
+              <a:rPr lang="en-US" altLang="zh-CN" sz="2800" b="1" dirty="0" err="1">
                 <a:solidFill>
                   <a:schemeClr val="tx1">
                     <a:lumMod val="65000"/>
@@ -8438,10 +8443,10 @@
                 <a:ea typeface="微软雅黑" panose="020B0503020204020204" charset="-122"/>
                 <a:sym typeface="+mn-ea"/>
               </a:rPr>
-              <a:t>mybatis(plus)</a:t>
-            </a:r>
-            <a:r>
-              <a:rPr lang="zh-CN" altLang="en-US" sz="2800" b="1">
+              <a:t>mybatis</a:t>
+            </a:r>
+            <a:r>
+              <a:rPr lang="en-US" altLang="zh-CN" sz="2800" b="1" dirty="0">
                 <a:solidFill>
                   <a:schemeClr val="tx1">
                     <a:lumMod val="65000"/>
@@ -8452,10 +8457,10 @@
                 <a:ea typeface="微软雅黑" panose="020B0503020204020204" charset="-122"/>
                 <a:sym typeface="+mn-ea"/>
               </a:rPr>
-              <a:t>、</a:t>
-            </a:r>
-            <a:r>
-              <a:rPr lang="en-US" altLang="zh-CN" sz="2800" b="1">
+              <a:t>(plus)</a:t>
+            </a:r>
+            <a:r>
+              <a:rPr lang="zh-CN" altLang="en-US" sz="2800" b="1" dirty="0">
                 <a:solidFill>
                   <a:schemeClr val="tx1">
                     <a:lumMod val="65000"/>
@@ -8466,10 +8471,10 @@
                 <a:ea typeface="微软雅黑" panose="020B0503020204020204" charset="-122"/>
                 <a:sym typeface="+mn-ea"/>
               </a:rPr>
-              <a:t>fluent mybatis</a:t>
-            </a:r>
-            <a:r>
-              <a:rPr lang="zh-CN" altLang="en-US" sz="2800" b="1">
+              <a:t>、</a:t>
+            </a:r>
+            <a:r>
+              <a:rPr lang="en-US" altLang="zh-CN" sz="2800" b="1" dirty="0">
                 <a:solidFill>
                   <a:schemeClr val="tx1">
                     <a:lumMod val="65000"/>
@@ -8480,9 +8485,37 @@
                 <a:ea typeface="微软雅黑" panose="020B0503020204020204" charset="-122"/>
                 <a:sym typeface="+mn-ea"/>
               </a:rPr>
+              <a:t>fluent </a:t>
+            </a:r>
+            <a:r>
+              <a:rPr lang="en-US" altLang="zh-CN" sz="2800" b="1" dirty="0" err="1">
+                <a:solidFill>
+                  <a:schemeClr val="tx1">
+                    <a:lumMod val="65000"/>
+                    <a:lumOff val="35000"/>
+                  </a:schemeClr>
+                </a:solidFill>
+                <a:latin typeface="微软雅黑" panose="020B0503020204020204" charset="-122"/>
+                <a:ea typeface="微软雅黑" panose="020B0503020204020204" charset="-122"/>
+                <a:sym typeface="+mn-ea"/>
+              </a:rPr>
+              <a:t>mybatis</a:t>
+            </a:r>
+            <a:r>
+              <a:rPr lang="zh-CN" altLang="en-US" sz="2800" b="1" dirty="0">
+                <a:solidFill>
+                  <a:schemeClr val="tx1">
+                    <a:lumMod val="65000"/>
+                    <a:lumOff val="35000"/>
+                  </a:schemeClr>
+                </a:solidFill>
+                <a:latin typeface="微软雅黑" panose="020B0503020204020204" charset="-122"/>
+                <a:ea typeface="微软雅黑" panose="020B0503020204020204" charset="-122"/>
+                <a:sym typeface="+mn-ea"/>
+              </a:rPr>
               <a:t>都是纯技术派</a:t>
             </a:r>
-            <a:endParaRPr lang="en-US" altLang="zh-CN" sz="2800" b="1">
+            <a:endParaRPr lang="en-US" altLang="zh-CN" sz="2800" b="1" dirty="0">
               <a:solidFill>
                 <a:schemeClr val="tx1">
                   <a:lumMod val="65000"/>
@@ -8562,53 +8595,6 @@
           </a:ln>
         </p:spPr>
       </p:pic>
-      <p:sp>
-        <p:nvSpPr>
-          <p:cNvPr id="2" name="矩形 1">
-            <a:extLst>
-              <a:ext uri="{FF2B5EF4-FFF2-40B4-BE49-F238E27FC236}">
-                <a16:creationId xmlns:a16="http://schemas.microsoft.com/office/drawing/2014/main" id="{26DDB7D6-B9B5-43BD-9F33-8C21BC7EF80B}"/>
-              </a:ext>
-            </a:extLst>
-          </p:cNvPr>
-          <p:cNvSpPr/>
-          <p:nvPr/>
-        </p:nvSpPr>
-        <p:spPr>
-          <a:xfrm>
-            <a:off x="648033" y="744718"/>
-            <a:ext cx="10895932" cy="584775"/>
-          </a:xfrm>
-          <a:prstGeom prst="rect">
-            <a:avLst/>
-          </a:prstGeom>
-          <a:noFill/>
-        </p:spPr>
-        <p:txBody>
-          <a:bodyPr wrap="none" lIns="91440" tIns="45720" rIns="91440" bIns="45720">
-            <a:spAutoFit/>
-          </a:bodyPr>
-          <a:lstStyle/>
-          <a:p>
-            <a:pPr algn="ctr"/>
-            <a:r>
-              <a:rPr lang="zh-CN" altLang="en-US" sz="3200" b="1" cap="none" spc="0">
-                <a:ln w="22225">
-                  <a:solidFill>
-                    <a:schemeClr val="accent2"/>
-                  </a:solidFill>
-                  <a:prstDash val="solid"/>
-                </a:ln>
-                <a:solidFill>
-                  <a:srgbClr val="FF0000"/>
-                </a:solidFill>
-                <a:effectLst/>
-              </a:rPr>
-              <a:t>因为他们根本不关心实际项目查询的开发、变更维护的过程</a:t>
-            </a:r>
-          </a:p>
-        </p:txBody>
-      </p:sp>
       <p:sp>
         <p:nvSpPr>
           <p:cNvPr id="5" name="矩形 4">
@@ -8814,8 +8800,8 @@
         </p:nvSpPr>
         <p:spPr>
           <a:xfrm>
-            <a:off x="5836861" y="1766078"/>
-            <a:ext cx="1839896" cy="310887"/>
+            <a:off x="5359772" y="1737562"/>
+            <a:ext cx="2454782" cy="334524"/>
           </a:xfrm>
           <a:prstGeom prst="rect">
             <a:avLst/>
@@ -8840,12 +8826,20 @@
           <a:lstStyle/>
           <a:p>
             <a:r>
-              <a:rPr lang="en-US" altLang="zh-CN"/>
+              <a:rPr lang="en-US" altLang="zh-CN" dirty="0" err="1"/>
               <a:t>sqltoy</a:t>
             </a:r>
             <a:r>
-              <a:rPr lang="zh-CN" altLang="en-US"/>
+              <a:rPr lang="zh-CN" altLang="en-US" dirty="0"/>
               <a:t>的融入</a:t>
+            </a:r>
+            <a:r>
+              <a:rPr lang="en-US" altLang="zh-CN" dirty="0"/>
+              <a:t>:</a:t>
+            </a:r>
+            <a:r>
+              <a:rPr lang="zh-CN" altLang="en-US" dirty="0"/>
+              <a:t>高度一致</a:t>
             </a:r>
           </a:p>
         </p:txBody>
@@ -8900,8 +8894,8 @@
         </p:nvSpPr>
         <p:spPr>
           <a:xfrm>
-            <a:off x="5860968" y="3856438"/>
-            <a:ext cx="1839896" cy="310887"/>
+            <a:off x="5322986" y="3840507"/>
+            <a:ext cx="3094682" cy="334524"/>
           </a:xfrm>
           <a:prstGeom prst="rect">
             <a:avLst/>
@@ -8926,12 +8920,20 @@
           <a:lstStyle/>
           <a:p>
             <a:r>
-              <a:rPr lang="en-US" altLang="zh-CN"/>
+              <a:rPr lang="en-US" altLang="zh-CN" dirty="0" err="1"/>
               <a:t>mybatis</a:t>
             </a:r>
             <a:r>
-              <a:rPr lang="zh-CN" altLang="en-US"/>
+              <a:rPr lang="zh-CN" altLang="en-US" dirty="0"/>
               <a:t>的融入</a:t>
+            </a:r>
+            <a:r>
+              <a:rPr lang="en-US" altLang="zh-CN" dirty="0"/>
+              <a:t>:</a:t>
+            </a:r>
+            <a:r>
+              <a:rPr lang="zh-CN" altLang="en-US" dirty="0"/>
+              <a:t>几乎全部重写</a:t>
             </a:r>
           </a:p>
         </p:txBody>
@@ -9032,6 +9034,209 @@
             <a:r>
               <a:rPr lang="zh-CN" altLang="en-US"/>
               <a:t>怎么转？</a:t>
+            </a:r>
+          </a:p>
+        </p:txBody>
+      </p:sp>
+      <p:sp>
+        <p:nvSpPr>
+          <p:cNvPr id="3" name="矩形 2">
+            <a:extLst>
+              <a:ext uri="{FF2B5EF4-FFF2-40B4-BE49-F238E27FC236}">
+                <a16:creationId xmlns:a16="http://schemas.microsoft.com/office/drawing/2014/main" id="{652687A3-44DB-434A-984A-7093E37E7082}"/>
+              </a:ext>
+            </a:extLst>
+          </p:cNvPr>
+          <p:cNvSpPr/>
+          <p:nvPr/>
+        </p:nvSpPr>
+        <p:spPr>
+          <a:xfrm>
+            <a:off x="361452" y="895920"/>
+            <a:ext cx="9890027" cy="367618"/>
+          </a:xfrm>
+          <a:prstGeom prst="rect">
+            <a:avLst/>
+          </a:prstGeom>
+        </p:spPr>
+        <p:style>
+          <a:lnRef idx="2">
+            <a:schemeClr val="accent6"/>
+          </a:lnRef>
+          <a:fillRef idx="1">
+            <a:schemeClr val="lt1"/>
+          </a:fillRef>
+          <a:effectRef idx="0">
+            <a:schemeClr val="accent6"/>
+          </a:effectRef>
+          <a:fontRef idx="minor">
+            <a:schemeClr val="dk1"/>
+          </a:fontRef>
+        </p:style>
+        <p:txBody>
+          <a:bodyPr rtlCol="0" anchor="ctr"/>
+          <a:lstStyle/>
+          <a:p>
+            <a:r>
+              <a:rPr lang="zh-CN" altLang="en-US" dirty="0"/>
+              <a:t>他们永远只想第一步</a:t>
+            </a:r>
+          </a:p>
+        </p:txBody>
+      </p:sp>
+      <p:sp>
+        <p:nvSpPr>
+          <p:cNvPr id="6" name="文本框 5">
+            <a:extLst>
+              <a:ext uri="{FF2B5EF4-FFF2-40B4-BE49-F238E27FC236}">
+                <a16:creationId xmlns:a16="http://schemas.microsoft.com/office/drawing/2014/main" id="{04C6280E-6D4F-4052-B88C-8989DC0B6A08}"/>
+              </a:ext>
+            </a:extLst>
+          </p:cNvPr>
+          <p:cNvSpPr txBox="1"/>
+          <p:nvPr/>
+        </p:nvSpPr>
+        <p:spPr>
+          <a:xfrm>
+            <a:off x="8542279" y="1749981"/>
+            <a:ext cx="3328334" cy="1200329"/>
+          </a:xfrm>
+          <a:prstGeom prst="rect">
+            <a:avLst/>
+          </a:prstGeom>
+        </p:spPr>
+        <p:style>
+          <a:lnRef idx="2">
+            <a:schemeClr val="accent5"/>
+          </a:lnRef>
+          <a:fillRef idx="1">
+            <a:schemeClr val="lt1"/>
+          </a:fillRef>
+          <a:effectRef idx="0">
+            <a:schemeClr val="accent5"/>
+          </a:effectRef>
+          <a:fontRef idx="minor">
+            <a:schemeClr val="dk1"/>
+          </a:fontRef>
+        </p:style>
+        <p:txBody>
+          <a:bodyPr wrap="square" rtlCol="0">
+            <a:spAutoFit/>
+          </a:bodyPr>
+          <a:lstStyle/>
+          <a:p>
+            <a:r>
+              <a:rPr lang="zh-CN" altLang="en-US" sz="1200" dirty="0">
+                <a:solidFill>
+                  <a:srgbClr val="FF0000"/>
+                </a:solidFill>
+              </a:rPr>
+              <a:t>有不少见</a:t>
+            </a:r>
+            <a:r>
+              <a:rPr lang="en-US" altLang="zh-CN" sz="1200" dirty="0">
+                <a:solidFill>
+                  <a:srgbClr val="FF0000"/>
+                </a:solidFill>
+              </a:rPr>
+              <a:t>XML</a:t>
+            </a:r>
+            <a:r>
+              <a:rPr lang="zh-CN" altLang="en-US" sz="1200" dirty="0">
+                <a:solidFill>
+                  <a:srgbClr val="FF0000"/>
+                </a:solidFill>
+              </a:rPr>
+              <a:t>就反的人</a:t>
+            </a:r>
+            <a:r>
+              <a:rPr lang="en-US" altLang="zh-CN" sz="1200" dirty="0"/>
+              <a:t>:</a:t>
+            </a:r>
+          </a:p>
+          <a:p>
+            <a:r>
+              <a:rPr lang="en-US" altLang="zh-CN" sz="1200" dirty="0"/>
+              <a:t>1</a:t>
+            </a:r>
+            <a:r>
+              <a:rPr lang="zh-CN" altLang="en-US" sz="1200" dirty="0"/>
+              <a:t>、你是大段</a:t>
+            </a:r>
+            <a:r>
+              <a:rPr lang="en-US" altLang="zh-CN" sz="1200" dirty="0" err="1"/>
+              <a:t>sql</a:t>
+            </a:r>
+            <a:r>
+              <a:rPr lang="zh-CN" altLang="en-US" sz="1200" dirty="0"/>
+              <a:t>直接写代码中？让代码变得又臭又长？</a:t>
+            </a:r>
+            <a:endParaRPr lang="en-US" altLang="zh-CN" sz="1200" dirty="0"/>
+          </a:p>
+          <a:p>
+            <a:r>
+              <a:rPr lang="en-US" altLang="zh-CN" sz="1200" dirty="0"/>
+              <a:t>2</a:t>
+            </a:r>
+            <a:r>
+              <a:rPr lang="zh-CN" altLang="en-US" sz="1200" dirty="0"/>
+              <a:t>、放在</a:t>
+            </a:r>
+            <a:r>
+              <a:rPr lang="en-US" altLang="zh-CN" sz="1200" dirty="0"/>
+              <a:t>md</a:t>
+            </a:r>
+            <a:r>
+              <a:rPr lang="zh-CN" altLang="en-US" sz="1200" dirty="0"/>
+              <a:t>文件中？对比一下</a:t>
+            </a:r>
+            <a:r>
+              <a:rPr lang="en-US" altLang="zh-CN" sz="1200" dirty="0" err="1"/>
+              <a:t>sqltoy</a:t>
+            </a:r>
+            <a:r>
+              <a:rPr lang="zh-CN" altLang="en-US" sz="1200" dirty="0"/>
+              <a:t>的</a:t>
+            </a:r>
+            <a:r>
+              <a:rPr lang="en-US" altLang="zh-CN" sz="1200" dirty="0"/>
+              <a:t>xml</a:t>
+            </a:r>
+            <a:r>
+              <a:rPr lang="zh-CN" altLang="en-US" sz="1200" dirty="0"/>
+              <a:t>吧，</a:t>
+            </a:r>
+            <a:r>
+              <a:rPr lang="en-US" altLang="zh-CN" sz="1200" dirty="0"/>
+              <a:t>md</a:t>
+            </a:r>
+            <a:r>
+              <a:rPr lang="zh-CN" altLang="en-US" sz="1200" dirty="0"/>
+              <a:t>就比</a:t>
+            </a:r>
+            <a:r>
+              <a:rPr lang="en-US" altLang="zh-CN" sz="1200" dirty="0"/>
+              <a:t>xml</a:t>
+            </a:r>
+            <a:r>
+              <a:rPr lang="zh-CN" altLang="en-US" sz="1200" dirty="0"/>
+              <a:t>清晰了吗？知道</a:t>
+            </a:r>
+            <a:r>
+              <a:rPr lang="en-US" altLang="zh-CN" sz="1200" dirty="0"/>
+              <a:t>xml</a:t>
+            </a:r>
+            <a:r>
+              <a:rPr lang="zh-CN" altLang="en-US" sz="1200" dirty="0"/>
+              <a:t>有</a:t>
+            </a:r>
+            <a:r>
+              <a:rPr lang="en-US" altLang="zh-CN" sz="1200" dirty="0"/>
+              <a:t>schema</a:t>
+            </a:r>
+            <a:r>
+              <a:rPr lang="zh-CN" altLang="en-US" sz="1200" dirty="0"/>
+              <a:t>可以自动提示和格式约束吗？</a:t>
             </a:r>
           </a:p>
         </p:txBody>
@@ -9110,7 +9315,7 @@
         </p:nvSpPr>
         <p:spPr>
           <a:xfrm>
-            <a:off x="203148" y="65992"/>
+            <a:off x="171450" y="74842"/>
             <a:ext cx="9754975" cy="523220"/>
           </a:xfrm>
           <a:prstGeom prst="rect">
@@ -9129,7 +9334,7 @@
           <a:p>
             <a:pPr lvl="0" indent="0"/>
             <a:r>
-              <a:rPr lang="zh-CN" altLang="en-US" sz="2800" b="1">
+              <a:rPr lang="zh-CN" altLang="en-US" sz="2800" b="1" dirty="0">
                 <a:solidFill>
                   <a:schemeClr val="tx1">
                     <a:lumMod val="65000"/>
@@ -9143,7 +9348,7 @@
               <a:t>为什么说</a:t>
             </a:r>
             <a:r>
-              <a:rPr lang="en-US" altLang="zh-CN" sz="2800" b="1">
+              <a:rPr lang="en-US" altLang="zh-CN" sz="2800" b="1" dirty="0" err="1">
                 <a:solidFill>
                   <a:schemeClr val="tx1">
                     <a:lumMod val="65000"/>
@@ -9154,10 +9359,10 @@
                 <a:ea typeface="微软雅黑" panose="020B0503020204020204" charset="-122"/>
                 <a:sym typeface="+mn-ea"/>
               </a:rPr>
-              <a:t>mybatis(plus)</a:t>
-            </a:r>
-            <a:r>
-              <a:rPr lang="zh-CN" altLang="en-US" sz="2800" b="1">
+              <a:t>mybatis</a:t>
+            </a:r>
+            <a:r>
+              <a:rPr lang="en-US" altLang="zh-CN" sz="2800" b="1" dirty="0">
                 <a:solidFill>
                   <a:schemeClr val="tx1">
                     <a:lumMod val="65000"/>
@@ -9168,10 +9373,10 @@
                 <a:ea typeface="微软雅黑" panose="020B0503020204020204" charset="-122"/>
                 <a:sym typeface="+mn-ea"/>
               </a:rPr>
-              <a:t>、</a:t>
-            </a:r>
-            <a:r>
-              <a:rPr lang="en-US" altLang="zh-CN" sz="2800" b="1">
+              <a:t>(plus)</a:t>
+            </a:r>
+            <a:r>
+              <a:rPr lang="zh-CN" altLang="en-US" sz="2800" b="1" dirty="0">
                 <a:solidFill>
                   <a:schemeClr val="tx1">
                     <a:lumMod val="65000"/>
@@ -9182,10 +9387,10 @@
                 <a:ea typeface="微软雅黑" panose="020B0503020204020204" charset="-122"/>
                 <a:sym typeface="+mn-ea"/>
               </a:rPr>
-              <a:t>fluent mybatis</a:t>
-            </a:r>
-            <a:r>
-              <a:rPr lang="zh-CN" altLang="en-US" sz="2800" b="1">
+              <a:t>、</a:t>
+            </a:r>
+            <a:r>
+              <a:rPr lang="en-US" altLang="zh-CN" sz="2800" b="1" dirty="0">
                 <a:solidFill>
                   <a:schemeClr val="tx1">
                     <a:lumMod val="65000"/>
@@ -9196,9 +9401,37 @@
                 <a:ea typeface="微软雅黑" panose="020B0503020204020204" charset="-122"/>
                 <a:sym typeface="+mn-ea"/>
               </a:rPr>
+              <a:t>fluent </a:t>
+            </a:r>
+            <a:r>
+              <a:rPr lang="en-US" altLang="zh-CN" sz="2800" b="1" dirty="0" err="1">
+                <a:solidFill>
+                  <a:schemeClr val="tx1">
+                    <a:lumMod val="65000"/>
+                    <a:lumOff val="35000"/>
+                  </a:schemeClr>
+                </a:solidFill>
+                <a:latin typeface="微软雅黑" panose="020B0503020204020204" charset="-122"/>
+                <a:ea typeface="微软雅黑" panose="020B0503020204020204" charset="-122"/>
+                <a:sym typeface="+mn-ea"/>
+              </a:rPr>
+              <a:t>mybatis</a:t>
+            </a:r>
+            <a:r>
+              <a:rPr lang="zh-CN" altLang="en-US" sz="2800" b="1" dirty="0">
+                <a:solidFill>
+                  <a:schemeClr val="tx1">
+                    <a:lumMod val="65000"/>
+                    <a:lumOff val="35000"/>
+                  </a:schemeClr>
+                </a:solidFill>
+                <a:latin typeface="微软雅黑" panose="020B0503020204020204" charset="-122"/>
+                <a:ea typeface="微软雅黑" panose="020B0503020204020204" charset="-122"/>
+                <a:sym typeface="+mn-ea"/>
+              </a:rPr>
               <a:t>都是纯技术派</a:t>
             </a:r>
-            <a:endParaRPr lang="en-US" altLang="zh-CN" sz="2800" b="1">
+            <a:endParaRPr lang="en-US" altLang="zh-CN" sz="2800" b="1" dirty="0">
               <a:solidFill>
                 <a:schemeClr val="tx1">
                   <a:lumMod val="65000"/>
@@ -9292,8 +9525,8 @@
         </p:nvSpPr>
         <p:spPr>
           <a:xfrm>
-            <a:off x="369411" y="573732"/>
-            <a:ext cx="10895932" cy="584775"/>
+            <a:off x="171450" y="552245"/>
+            <a:ext cx="5546711" cy="584775"/>
           </a:xfrm>
           <a:prstGeom prst="rect">
             <a:avLst/>
@@ -9308,7 +9541,7 @@
           <a:p>
             <a:pPr algn="ctr"/>
             <a:r>
-              <a:rPr lang="zh-CN" altLang="en-US" sz="3200" b="1" cap="none" spc="0">
+              <a:rPr lang="en-US" altLang="zh-CN" sz="3200" b="1" cap="none" spc="0" dirty="0">
                 <a:ln w="22225">
                   <a:solidFill>
                     <a:schemeClr val="accent2"/>
@@ -9320,7 +9553,37 @@
                 </a:solidFill>
                 <a:effectLst/>
               </a:rPr>
-              <a:t>因为他们根本不关心实际项目查询的开发、变更维护的过程</a:t>
+              <a:t>Fluent </a:t>
+            </a:r>
+            <a:r>
+              <a:rPr lang="en-US" altLang="zh-CN" sz="3200" b="1" cap="none" spc="0" dirty="0" err="1">
+                <a:ln w="22225">
+                  <a:solidFill>
+                    <a:schemeClr val="accent2"/>
+                  </a:solidFill>
+                  <a:prstDash val="solid"/>
+                </a:ln>
+                <a:solidFill>
+                  <a:srgbClr val="FF0000"/>
+                </a:solidFill>
+                <a:effectLst/>
+              </a:rPr>
+              <a:t>mybatis</a:t>
+            </a:r>
+            <a:r>
+              <a:rPr lang="zh-CN" altLang="en-US" sz="3200" b="1" cap="none" spc="0" dirty="0">
+                <a:ln w="22225">
+                  <a:solidFill>
+                    <a:schemeClr val="accent2"/>
+                  </a:solidFill>
+                  <a:prstDash val="solid"/>
+                </a:ln>
+                <a:solidFill>
+                  <a:srgbClr val="FF0000"/>
+                </a:solidFill>
+                <a:effectLst/>
+              </a:rPr>
+              <a:t>就更扯淡了！</a:t>
             </a:r>
           </a:p>
         </p:txBody>
@@ -9401,7 +9664,7 @@
         </p:nvSpPr>
         <p:spPr>
           <a:xfrm>
-            <a:off x="6741373" y="1216300"/>
+            <a:off x="5718161" y="1087644"/>
             <a:ext cx="2552897" cy="424206"/>
           </a:xfrm>
           <a:prstGeom prst="rect">
@@ -9458,8 +9721,8 @@
         </p:nvSpPr>
         <p:spPr>
           <a:xfrm>
-            <a:off x="5821425" y="1630047"/>
-            <a:ext cx="1839896" cy="310887"/>
+            <a:off x="5718161" y="1524786"/>
+            <a:ext cx="2719460" cy="364392"/>
           </a:xfrm>
           <a:prstGeom prst="rect">
             <a:avLst/>
@@ -9484,12 +9747,12 @@
           <a:lstStyle/>
           <a:p>
             <a:r>
-              <a:rPr lang="en-US" altLang="zh-CN"/>
+              <a:rPr lang="en-US" altLang="zh-CN" dirty="0" err="1"/>
               <a:t>sqltoy</a:t>
             </a:r>
             <a:r>
-              <a:rPr lang="zh-CN" altLang="en-US"/>
-              <a:t>的融入</a:t>
+              <a:rPr lang="zh-CN" altLang="en-US" dirty="0"/>
+              <a:t>的融入：高度一致</a:t>
             </a:r>
           </a:p>
         </p:txBody>
@@ -9508,8 +9771,8 @@
         </p:nvSpPr>
         <p:spPr>
           <a:xfrm>
-            <a:off x="5817377" y="3946691"/>
-            <a:ext cx="4221539" cy="340720"/>
+            <a:off x="5718161" y="3928505"/>
+            <a:ext cx="5865892" cy="340720"/>
           </a:xfrm>
           <a:prstGeom prst="rect">
             <a:avLst/>
@@ -9534,20 +9797,24 @@
           <a:lstStyle/>
           <a:p>
             <a:r>
-              <a:rPr lang="en-US" altLang="zh-CN"/>
-              <a:t>Fluent mybatis</a:t>
-            </a:r>
-            <a:r>
-              <a:rPr lang="zh-CN" altLang="en-US"/>
+              <a:rPr lang="en-US" altLang="zh-CN" dirty="0"/>
+              <a:t>Fluent </a:t>
+            </a:r>
+            <a:r>
+              <a:rPr lang="en-US" altLang="zh-CN" dirty="0" err="1"/>
+              <a:t>mybatis</a:t>
+            </a:r>
+            <a:r>
+              <a:rPr lang="zh-CN" altLang="en-US" dirty="0"/>
               <a:t>的融入，转成</a:t>
             </a:r>
             <a:r>
-              <a:rPr lang="en-US" altLang="zh-CN"/>
+              <a:rPr lang="en-US" altLang="zh-CN" dirty="0"/>
               <a:t>java</a:t>
             </a:r>
             <a:r>
-              <a:rPr lang="zh-CN" altLang="en-US"/>
-              <a:t>装酷</a:t>
+              <a:rPr lang="zh-CN" altLang="en-US" dirty="0"/>
+              <a:t>装酷要消耗多久？</a:t>
             </a:r>
           </a:p>
         </p:txBody>
@@ -9680,7 +9947,7 @@
         </p:blipFill>
         <p:spPr>
           <a:xfrm>
-            <a:off x="5860968" y="1982043"/>
+            <a:off x="5718161" y="1894828"/>
             <a:ext cx="2175923" cy="1975068"/>
           </a:xfrm>
           <a:prstGeom prst="rect">
@@ -9738,8 +10005,8 @@
         </p:nvSpPr>
         <p:spPr>
           <a:xfrm>
-            <a:off x="8981278" y="4610803"/>
-            <a:ext cx="2764520" cy="1754326"/>
+            <a:off x="8884384" y="4310647"/>
+            <a:ext cx="3087122" cy="2031325"/>
           </a:xfrm>
           <a:prstGeom prst="rect">
             <a:avLst/>
@@ -9753,7 +10020,7 @@
           <a:lstStyle/>
           <a:p>
             <a:r>
-              <a:rPr lang="en-US" altLang="zh-CN">
+              <a:rPr lang="en-US" altLang="zh-CN" sz="1400" dirty="0">
                 <a:solidFill>
                   <a:srgbClr val="FF0000"/>
                 </a:solidFill>
@@ -9761,7 +10028,7 @@
               <a:t>1</a:t>
             </a:r>
             <a:r>
-              <a:rPr lang="zh-CN" altLang="en-US">
+              <a:rPr lang="zh-CN" altLang="en-US" sz="1400" dirty="0">
                 <a:solidFill>
                   <a:srgbClr val="FF0000"/>
                 </a:solidFill>
@@ -9769,7 +10036,7 @@
               <a:t>、如果</a:t>
             </a:r>
             <a:r>
-              <a:rPr lang="en-US" altLang="zh-CN">
+              <a:rPr lang="en-US" altLang="zh-CN" sz="1400" dirty="0" err="1">
                 <a:solidFill>
                   <a:srgbClr val="FF0000"/>
                 </a:solidFill>
@@ -9777,14 +10044,14 @@
               <a:t>sql</a:t>
             </a:r>
             <a:r>
-              <a:rPr lang="zh-CN" altLang="en-US">
+              <a:rPr lang="zh-CN" altLang="en-US" sz="1400" dirty="0">
                 <a:solidFill>
                   <a:srgbClr val="FF0000"/>
                 </a:solidFill>
               </a:rPr>
               <a:t>再复杂一点呢？</a:t>
             </a:r>
-            <a:endParaRPr lang="en-US" altLang="zh-CN">
+            <a:endParaRPr lang="en-US" altLang="zh-CN" sz="1400" dirty="0">
               <a:solidFill>
                 <a:srgbClr val="FF0000"/>
               </a:solidFill>
@@ -9792,7 +10059,7 @@
           </a:p>
           <a:p>
             <a:r>
-              <a:rPr lang="en-US" altLang="zh-CN">
+              <a:rPr lang="en-US" altLang="zh-CN" sz="1400" dirty="0">
                 <a:solidFill>
                   <a:srgbClr val="FF0000"/>
                 </a:solidFill>
@@ -9800,7 +10067,7 @@
               <a:t>2</a:t>
             </a:r>
             <a:r>
-              <a:rPr lang="zh-CN" altLang="en-US">
+              <a:rPr lang="zh-CN" altLang="en-US" sz="1400" dirty="0">
                 <a:solidFill>
                   <a:srgbClr val="FF0000"/>
                 </a:solidFill>
@@ -9808,7 +10075,7 @@
               <a:t>、</a:t>
             </a:r>
             <a:r>
-              <a:rPr lang="en-US" altLang="zh-CN">
+              <a:rPr lang="en-US" altLang="zh-CN" sz="1400" dirty="0" err="1">
                 <a:solidFill>
                   <a:srgbClr val="FF0000"/>
                 </a:solidFill>
@@ -9816,7 +10083,7 @@
               <a:t>sql</a:t>
             </a:r>
             <a:r>
-              <a:rPr lang="zh-CN" altLang="en-US">
+              <a:rPr lang="zh-CN" altLang="en-US" sz="1400" dirty="0">
                 <a:solidFill>
                   <a:srgbClr val="FF0000"/>
                 </a:solidFill>
@@ -9824,7 +10091,7 @@
               <a:t>转</a:t>
             </a:r>
             <a:r>
-              <a:rPr lang="en-US" altLang="zh-CN">
+              <a:rPr lang="en-US" altLang="zh-CN" sz="1400" dirty="0">
                 <a:solidFill>
                   <a:srgbClr val="FF0000"/>
                 </a:solidFill>
@@ -9832,14 +10099,14 @@
               <a:t>java</a:t>
             </a:r>
             <a:r>
-              <a:rPr lang="zh-CN" altLang="en-US">
+              <a:rPr lang="zh-CN" altLang="en-US" sz="1400" dirty="0">
                 <a:solidFill>
                   <a:srgbClr val="FF0000"/>
                 </a:solidFill>
               </a:rPr>
               <a:t>耗费多久</a:t>
             </a:r>
-            <a:endParaRPr lang="en-US" altLang="zh-CN">
+            <a:endParaRPr lang="en-US" altLang="zh-CN" sz="1400" dirty="0">
               <a:solidFill>
                 <a:srgbClr val="FF0000"/>
               </a:solidFill>
@@ -9847,7 +10114,7 @@
           </a:p>
           <a:p>
             <a:r>
-              <a:rPr lang="en-US" altLang="zh-CN">
+              <a:rPr lang="en-US" altLang="zh-CN" sz="1400" dirty="0">
                 <a:solidFill>
                   <a:srgbClr val="FF0000"/>
                 </a:solidFill>
@@ -9855,14 +10122,14 @@
               <a:t>3</a:t>
             </a:r>
             <a:r>
-              <a:rPr lang="zh-CN" altLang="en-US">
+              <a:rPr lang="zh-CN" altLang="en-US" sz="1400" dirty="0">
                 <a:solidFill>
                   <a:srgbClr val="FF0000"/>
                 </a:solidFill>
               </a:rPr>
               <a:t>、需求发生变更，你的变更过程是什么？</a:t>
             </a:r>
-            <a:endParaRPr lang="en-US" altLang="zh-CN">
+            <a:endParaRPr lang="en-US" altLang="zh-CN" sz="1400" dirty="0">
               <a:solidFill>
                 <a:srgbClr val="FF0000"/>
               </a:solidFill>
@@ -9870,7 +10137,7 @@
           </a:p>
           <a:p>
             <a:r>
-              <a:rPr lang="en-US" altLang="zh-CN">
+              <a:rPr lang="en-US" altLang="zh-CN" sz="1400" dirty="0">
                 <a:solidFill>
                   <a:srgbClr val="FF0000"/>
                 </a:solidFill>
@@ -9878,12 +10145,122 @@
               <a:t>4</a:t>
             </a:r>
             <a:r>
-              <a:rPr lang="zh-CN" altLang="en-US">
+              <a:rPr lang="zh-CN" altLang="en-US" sz="1400" dirty="0">
                 <a:solidFill>
                   <a:srgbClr val="FF0000"/>
                 </a:solidFill>
               </a:rPr>
               <a:t>、酷的收益是否能覆盖大量的维护成本？</a:t>
+            </a:r>
+            <a:endParaRPr lang="en-US" altLang="zh-CN" sz="1400" dirty="0">
+              <a:solidFill>
+                <a:srgbClr val="FF0000"/>
+              </a:solidFill>
+            </a:endParaRPr>
+          </a:p>
+          <a:p>
+            <a:r>
+              <a:rPr lang="en-US" altLang="zh-CN" sz="1400" dirty="0">
+                <a:solidFill>
+                  <a:srgbClr val="FF0000"/>
+                </a:solidFill>
+              </a:rPr>
+              <a:t>5</a:t>
+            </a:r>
+            <a:r>
+              <a:rPr lang="zh-CN" altLang="en-US" sz="1400" dirty="0">
+                <a:solidFill>
+                  <a:srgbClr val="FF0000"/>
+                </a:solidFill>
+              </a:rPr>
+              <a:t>、你知道</a:t>
+            </a:r>
+            <a:r>
+              <a:rPr lang="en-US" altLang="zh-CN" sz="1400" dirty="0" err="1">
+                <a:solidFill>
+                  <a:srgbClr val="FF0000"/>
+                </a:solidFill>
+              </a:rPr>
+              <a:t>sql</a:t>
+            </a:r>
+            <a:r>
+              <a:rPr lang="zh-CN" altLang="en-US" sz="1400" dirty="0">
+                <a:solidFill>
+                  <a:srgbClr val="FF0000"/>
+                </a:solidFill>
+              </a:rPr>
+              <a:t>有多少函数？</a:t>
+            </a:r>
+            <a:r>
+              <a:rPr lang="en-US" altLang="zh-CN" sz="1400" dirty="0">
+                <a:solidFill>
+                  <a:srgbClr val="FF0000"/>
+                </a:solidFill>
+              </a:rPr>
+              <a:t>Java</a:t>
+            </a:r>
+            <a:r>
+              <a:rPr lang="zh-CN" altLang="en-US" sz="1400" dirty="0">
+                <a:solidFill>
+                  <a:srgbClr val="FF0000"/>
+                </a:solidFill>
+              </a:rPr>
+              <a:t>能覆盖全？</a:t>
+            </a:r>
+            <a:endParaRPr lang="en-US" altLang="zh-CN" sz="1400" dirty="0">
+              <a:solidFill>
+                <a:srgbClr val="FF0000"/>
+              </a:solidFill>
+            </a:endParaRPr>
+          </a:p>
+          <a:p>
+            <a:r>
+              <a:rPr lang="en-US" altLang="zh-CN" sz="1400" dirty="0">
+                <a:solidFill>
+                  <a:srgbClr val="FF0000"/>
+                </a:solidFill>
+              </a:rPr>
+              <a:t>6</a:t>
+            </a:r>
+            <a:r>
+              <a:rPr lang="zh-CN" altLang="en-US" sz="1400" dirty="0">
+                <a:solidFill>
+                  <a:srgbClr val="FF0000"/>
+                </a:solidFill>
+              </a:rPr>
+              <a:t>、你知道</a:t>
+            </a:r>
+            <a:r>
+              <a:rPr lang="en-US" altLang="zh-CN" sz="1400" dirty="0" err="1">
+                <a:solidFill>
+                  <a:srgbClr val="FF0000"/>
+                </a:solidFill>
+              </a:rPr>
+              <a:t>sql</a:t>
+            </a:r>
+            <a:r>
+              <a:rPr lang="zh-CN" altLang="en-US" sz="1400" dirty="0">
+                <a:solidFill>
+                  <a:srgbClr val="FF0000"/>
+                </a:solidFill>
+              </a:rPr>
+              <a:t>中有</a:t>
+            </a:r>
+            <a:r>
+              <a:rPr lang="en-US" altLang="zh-CN" sz="1400" dirty="0">
+                <a:solidFill>
+                  <a:srgbClr val="FF0000"/>
+                </a:solidFill>
+              </a:rPr>
+              <a:t>/*+hint+*/</a:t>
+            </a:r>
+            <a:r>
+              <a:rPr lang="zh-CN" altLang="en-US" sz="1400" dirty="0">
+                <a:solidFill>
+                  <a:srgbClr val="FF0000"/>
+                </a:solidFill>
+              </a:rPr>
+              <a:t>优化吗？</a:t>
             </a:r>
           </a:p>
         </p:txBody>
@@ -9920,13 +10297,3525 @@
       </p:grpSpPr>
       <p:sp>
         <p:nvSpPr>
+          <p:cNvPr id="4099" name="文本框 15"/>
+          <p:cNvSpPr/>
+          <p:nvPr/>
+        </p:nvSpPr>
+        <p:spPr>
+          <a:xfrm>
+            <a:off x="171450" y="74842"/>
+            <a:ext cx="9754975" cy="523220"/>
+          </a:xfrm>
+          <a:prstGeom prst="rect">
+            <a:avLst/>
+          </a:prstGeom>
+          <a:noFill/>
+          <a:ln w="9525">
+            <a:noFill/>
+          </a:ln>
+        </p:spPr>
+        <p:txBody>
+          <a:bodyPr wrap="square" anchor="t">
+            <a:spAutoFit/>
+          </a:bodyPr>
+          <a:lstStyle/>
+          <a:p>
+            <a:pPr lvl="0" indent="0"/>
+            <a:r>
+              <a:rPr lang="zh-CN" altLang="en-US" sz="2800" b="1" dirty="0">
+                <a:solidFill>
+                  <a:schemeClr val="tx1">
+                    <a:lumMod val="65000"/>
+                    <a:lumOff val="35000"/>
+                  </a:schemeClr>
+                </a:solidFill>
+                <a:latin typeface="微软雅黑" panose="020B0503020204020204" charset="-122"/>
+                <a:ea typeface="微软雅黑" panose="020B0503020204020204" charset="-122"/>
+                <a:sym typeface="+mn-ea"/>
+              </a:rPr>
+              <a:t>为什么说</a:t>
+            </a:r>
+            <a:r>
+              <a:rPr lang="en-US" altLang="zh-CN" sz="2800" b="1" dirty="0" err="1">
+                <a:solidFill>
+                  <a:schemeClr val="tx1">
+                    <a:lumMod val="65000"/>
+                    <a:lumOff val="35000"/>
+                  </a:schemeClr>
+                </a:solidFill>
+                <a:latin typeface="微软雅黑" panose="020B0503020204020204" charset="-122"/>
+                <a:ea typeface="微软雅黑" panose="020B0503020204020204" charset="-122"/>
+                <a:sym typeface="+mn-ea"/>
+              </a:rPr>
+              <a:t>mybatis</a:t>
+            </a:r>
+            <a:r>
+              <a:rPr lang="en-US" altLang="zh-CN" sz="2800" b="1" dirty="0">
+                <a:solidFill>
+                  <a:schemeClr val="tx1">
+                    <a:lumMod val="65000"/>
+                    <a:lumOff val="35000"/>
+                  </a:schemeClr>
+                </a:solidFill>
+                <a:latin typeface="微软雅黑" panose="020B0503020204020204" charset="-122"/>
+                <a:ea typeface="微软雅黑" panose="020B0503020204020204" charset="-122"/>
+                <a:sym typeface="+mn-ea"/>
+              </a:rPr>
+              <a:t>(plus)</a:t>
+            </a:r>
+            <a:r>
+              <a:rPr lang="zh-CN" altLang="en-US" sz="2800" b="1" dirty="0">
+                <a:solidFill>
+                  <a:schemeClr val="tx1">
+                    <a:lumMod val="65000"/>
+                    <a:lumOff val="35000"/>
+                  </a:schemeClr>
+                </a:solidFill>
+                <a:latin typeface="微软雅黑" panose="020B0503020204020204" charset="-122"/>
+                <a:ea typeface="微软雅黑" panose="020B0503020204020204" charset="-122"/>
+                <a:sym typeface="+mn-ea"/>
+              </a:rPr>
+              <a:t>、</a:t>
+            </a:r>
+            <a:r>
+              <a:rPr lang="en-US" altLang="zh-CN" sz="2800" b="1" dirty="0">
+                <a:solidFill>
+                  <a:schemeClr val="tx1">
+                    <a:lumMod val="65000"/>
+                    <a:lumOff val="35000"/>
+                  </a:schemeClr>
+                </a:solidFill>
+                <a:latin typeface="微软雅黑" panose="020B0503020204020204" charset="-122"/>
+                <a:ea typeface="微软雅黑" panose="020B0503020204020204" charset="-122"/>
+                <a:sym typeface="+mn-ea"/>
+              </a:rPr>
+              <a:t>fluent </a:t>
+            </a:r>
+            <a:r>
+              <a:rPr lang="en-US" altLang="zh-CN" sz="2800" b="1" dirty="0" err="1">
+                <a:solidFill>
+                  <a:schemeClr val="tx1">
+                    <a:lumMod val="65000"/>
+                    <a:lumOff val="35000"/>
+                  </a:schemeClr>
+                </a:solidFill>
+                <a:latin typeface="微软雅黑" panose="020B0503020204020204" charset="-122"/>
+                <a:ea typeface="微软雅黑" panose="020B0503020204020204" charset="-122"/>
+                <a:sym typeface="+mn-ea"/>
+              </a:rPr>
+              <a:t>mybatis</a:t>
+            </a:r>
+            <a:r>
+              <a:rPr lang="zh-CN" altLang="en-US" sz="2800" b="1" dirty="0">
+                <a:solidFill>
+                  <a:schemeClr val="tx1">
+                    <a:lumMod val="65000"/>
+                    <a:lumOff val="35000"/>
+                  </a:schemeClr>
+                </a:solidFill>
+                <a:latin typeface="微软雅黑" panose="020B0503020204020204" charset="-122"/>
+                <a:ea typeface="微软雅黑" panose="020B0503020204020204" charset="-122"/>
+                <a:sym typeface="+mn-ea"/>
+              </a:rPr>
+              <a:t>都是纯技术派</a:t>
+            </a:r>
+            <a:endParaRPr lang="en-US" altLang="zh-CN" sz="2800" b="1" dirty="0">
+              <a:solidFill>
+                <a:schemeClr val="tx1">
+                  <a:lumMod val="65000"/>
+                  <a:lumOff val="35000"/>
+                </a:schemeClr>
+              </a:solidFill>
+              <a:latin typeface="微软雅黑" panose="020B0503020204020204" charset="-122"/>
+              <a:ea typeface="微软雅黑" panose="020B0503020204020204" charset="-122"/>
+              <a:sym typeface="+mn-ea"/>
+            </a:endParaRPr>
+          </a:p>
+        </p:txBody>
+      </p:sp>
+      <p:sp>
+        <p:nvSpPr>
+          <p:cNvPr id="4100" name="矩形 5"/>
+          <p:cNvSpPr/>
+          <p:nvPr/>
+        </p:nvSpPr>
+        <p:spPr>
+          <a:xfrm>
+            <a:off x="0" y="342900"/>
+            <a:ext cx="171450" cy="571500"/>
+          </a:xfrm>
+          <a:prstGeom prst="rect">
+            <a:avLst/>
+          </a:prstGeom>
+          <a:solidFill>
+            <a:srgbClr val="00B0F0"/>
+          </a:solidFill>
+          <a:ln w="12700">
+            <a:noFill/>
+          </a:ln>
+        </p:spPr>
+        <p:txBody>
+          <a:bodyPr anchor="ctr"/>
+          <a:lstStyle/>
+          <a:p>
+            <a:pPr lvl="0" indent="0" algn="ctr"/>
+            <a:endParaRPr lang="zh-CN" altLang="en-US" b="1" i="1">
+              <a:solidFill>
+                <a:srgbClr val="FFFFFF"/>
+              </a:solidFill>
+              <a:latin typeface="Segoe UI Light" panose="020B0502040204020203" charset="0"/>
+              <a:ea typeface="方正中等线简体" panose="03000509000000000000" charset="-122"/>
+              <a:sym typeface="Segoe UI Light" panose="020B0502040204020203" charset="0"/>
+            </a:endParaRPr>
+          </a:p>
+        </p:txBody>
+      </p:sp>
+      <p:pic>
+        <p:nvPicPr>
+          <p:cNvPr id="4" name="图片 6" descr="C:\Users\mm\Desktop\最新logo\拉卡拉logo(1)-03.png拉卡拉logo(1)-03"/>
+          <p:cNvPicPr>
+            <a:picLocks noChangeAspect="1"/>
+          </p:cNvPicPr>
+          <p:nvPr/>
+        </p:nvPicPr>
+        <p:blipFill>
+          <a:blip r:embed="rId2"/>
+          <a:srcRect/>
+          <a:stretch>
+            <a:fillRect/>
+          </a:stretch>
+        </p:blipFill>
+        <p:spPr>
+          <a:xfrm>
+            <a:off x="10824369" y="95250"/>
+            <a:ext cx="1285875" cy="338455"/>
+          </a:xfrm>
+          <a:prstGeom prst="rect">
+            <a:avLst/>
+          </a:prstGeom>
+          <a:noFill/>
+          <a:ln w="9525">
+            <a:noFill/>
+          </a:ln>
+        </p:spPr>
+      </p:pic>
+      <p:pic>
+        <p:nvPicPr>
+          <p:cNvPr id="1026" name="图片 107">
+            <a:extLst>
+              <a:ext uri="{FF2B5EF4-FFF2-40B4-BE49-F238E27FC236}">
+                <a16:creationId xmlns:a16="http://schemas.microsoft.com/office/drawing/2014/main" id="{F857F838-E745-4161-8567-349C9EE3BED7}"/>
+              </a:ext>
+            </a:extLst>
+          </p:cNvPr>
+          <p:cNvPicPr>
+            <a:picLocks noChangeAspect="1" noChangeArrowheads="1"/>
+          </p:cNvPicPr>
+          <p:nvPr/>
+        </p:nvPicPr>
+        <p:blipFill>
+          <a:blip r:embed="rId3">
+            <a:extLst>
+              <a:ext uri="{28A0092B-C50C-407E-A947-70E740481C1C}">
+                <a14:useLocalDpi xmlns:a14="http://schemas.microsoft.com/office/drawing/2010/main" val="0"/>
+              </a:ext>
+            </a:extLst>
+          </a:blip>
+          <a:srcRect/>
+          <a:stretch>
+            <a:fillRect/>
+          </a:stretch>
+        </p:blipFill>
+        <p:spPr bwMode="auto">
+          <a:xfrm>
+            <a:off x="300250" y="1883391"/>
+            <a:ext cx="7550860" cy="4498812"/>
+          </a:xfrm>
+          <a:prstGeom prst="rect">
+            <a:avLst/>
+          </a:prstGeom>
+          <a:noFill/>
+          <a:ln>
+            <a:noFill/>
+          </a:ln>
+          <a:effectLst/>
+          <a:extLst>
+            <a:ext uri="{909E8E84-426E-40DD-AFC4-6F175D3DCCD1}">
+              <a14:hiddenFill xmlns:a14="http://schemas.microsoft.com/office/drawing/2010/main">
+                <a:solidFill>
+                  <a:srgbClr val="FFFFFF"/>
+                </a:solidFill>
+              </a14:hiddenFill>
+            </a:ext>
+            <a:ext uri="{91240B29-F687-4F45-9708-019B960494DF}">
+              <a14:hiddenLine xmlns:a14="http://schemas.microsoft.com/office/drawing/2010/main" w="9525">
+                <a:solidFill>
+                  <a:srgbClr val="000000"/>
+                </a:solidFill>
+                <a:miter lim="800000"/>
+                <a:headEnd/>
+                <a:tailEnd/>
+              </a14:hiddenLine>
+            </a:ext>
+            <a:ext uri="{AF507438-7753-43E0-B8FC-AC1667EBCBE1}">
+              <a14:hiddenEffects xmlns:a14="http://schemas.microsoft.com/office/drawing/2010/main">
+                <a:effectLst>
+                  <a:outerShdw dist="35921" dir="2700000" algn="ctr" rotWithShape="0">
+                    <a:srgbClr val="808080"/>
+                  </a:outerShdw>
+                </a:effectLst>
+              </a14:hiddenEffects>
+            </a:ext>
+          </a:extLst>
+        </p:spPr>
+      </p:pic>
+      <p:sp>
+        <p:nvSpPr>
+          <p:cNvPr id="3" name="矩形 2">
+            <a:extLst>
+              <a:ext uri="{FF2B5EF4-FFF2-40B4-BE49-F238E27FC236}">
+                <a16:creationId xmlns:a16="http://schemas.microsoft.com/office/drawing/2014/main" id="{BDFF8209-4C07-4FB0-9CC9-E4CB55252B01}"/>
+              </a:ext>
+            </a:extLst>
+          </p:cNvPr>
+          <p:cNvSpPr/>
+          <p:nvPr/>
+        </p:nvSpPr>
+        <p:spPr>
+          <a:xfrm>
+            <a:off x="348017" y="628650"/>
+            <a:ext cx="10979625" cy="1166031"/>
+          </a:xfrm>
+          <a:prstGeom prst="rect">
+            <a:avLst/>
+          </a:prstGeom>
+        </p:spPr>
+        <p:style>
+          <a:lnRef idx="2">
+            <a:schemeClr val="accent6"/>
+          </a:lnRef>
+          <a:fillRef idx="1">
+            <a:schemeClr val="lt1"/>
+          </a:fillRef>
+          <a:effectRef idx="0">
+            <a:schemeClr val="accent6"/>
+          </a:effectRef>
+          <a:fontRef idx="minor">
+            <a:schemeClr val="dk1"/>
+          </a:fontRef>
+        </p:style>
+        <p:txBody>
+          <a:bodyPr rtlCol="0" anchor="t"/>
+          <a:lstStyle/>
+          <a:p>
+            <a:r>
+              <a:rPr lang="zh-CN" altLang="en-US" sz="1600" dirty="0"/>
+              <a:t>前面的</a:t>
+            </a:r>
+            <a:r>
+              <a:rPr lang="en-US" altLang="zh-CN" sz="1600" dirty="0" err="1"/>
+              <a:t>sql</a:t>
+            </a:r>
+            <a:r>
+              <a:rPr lang="zh-CN" altLang="en-US" sz="1600" dirty="0"/>
+              <a:t>只是为了清晰说明差异，来一个稍微复杂的查询场景</a:t>
+            </a:r>
+            <a:endParaRPr lang="en-US" altLang="zh-CN" sz="1600" dirty="0"/>
+          </a:p>
+          <a:p>
+            <a:pPr marL="285750" indent="-285750">
+              <a:buFont typeface="Wingdings" panose="05000000000000000000" pitchFamily="2" charset="2"/>
+              <a:buChar char="Ø"/>
+            </a:pPr>
+            <a:r>
+              <a:rPr lang="zh-CN" altLang="en-US" sz="1600" dirty="0"/>
+              <a:t>我知道你会说我们的项目不存在这么复杂的场景</a:t>
+            </a:r>
+            <a:endParaRPr lang="en-US" altLang="zh-CN" sz="1600" dirty="0"/>
+          </a:p>
+          <a:p>
+            <a:r>
+              <a:rPr lang="en-US" altLang="zh-CN" sz="1600" dirty="0"/>
+              <a:t>     </a:t>
+            </a:r>
+            <a:r>
+              <a:rPr lang="zh-CN" altLang="en-US" sz="1600" dirty="0"/>
+              <a:t>这点我信，纯粹做</a:t>
+            </a:r>
+            <a:r>
+              <a:rPr lang="en-US" altLang="zh-CN" sz="1600" dirty="0"/>
+              <a:t>2C</a:t>
+            </a:r>
+            <a:r>
+              <a:rPr lang="zh-CN" altLang="en-US" sz="1600" dirty="0"/>
+              <a:t>业务确实极少，但</a:t>
+            </a:r>
+            <a:r>
+              <a:rPr lang="en-US" altLang="zh-CN" sz="1600" dirty="0"/>
+              <a:t>2C</a:t>
+            </a:r>
+            <a:r>
+              <a:rPr lang="zh-CN" altLang="en-US" sz="1600" dirty="0"/>
+              <a:t>的后台系统呢？一定是有复杂查询的！</a:t>
+            </a:r>
+            <a:endParaRPr lang="en-US" altLang="zh-CN" sz="1600" dirty="0"/>
+          </a:p>
+          <a:p>
+            <a:r>
+              <a:rPr lang="en-US" altLang="zh-CN" sz="1600" dirty="0"/>
+              <a:t>     </a:t>
+            </a:r>
+            <a:r>
+              <a:rPr lang="zh-CN" altLang="en-US" sz="1600" dirty="0"/>
+              <a:t>做</a:t>
+            </a:r>
+            <a:r>
+              <a:rPr lang="en-US" altLang="zh-CN" sz="1600" dirty="0"/>
+              <a:t>2B</a:t>
+            </a:r>
+            <a:r>
+              <a:rPr lang="zh-CN" altLang="en-US" sz="1600" dirty="0"/>
+              <a:t>业务以及业务后台项目复杂查询是极为常见的，谁能保证你一辈子都不涉及到复杂查询呢？</a:t>
+            </a:r>
+            <a:endParaRPr lang="en-US" altLang="zh-CN" sz="1600" dirty="0"/>
+          </a:p>
+        </p:txBody>
+      </p:sp>
+      <p:sp>
+        <p:nvSpPr>
+          <p:cNvPr id="7" name="矩形 6">
+            <a:extLst>
+              <a:ext uri="{FF2B5EF4-FFF2-40B4-BE49-F238E27FC236}">
+                <a16:creationId xmlns:a16="http://schemas.microsoft.com/office/drawing/2014/main" id="{1F0BD304-1CC3-4578-896D-E66688B6597F}"/>
+              </a:ext>
+            </a:extLst>
+          </p:cNvPr>
+          <p:cNvSpPr/>
+          <p:nvPr/>
+        </p:nvSpPr>
+        <p:spPr>
+          <a:xfrm>
+            <a:off x="7942997" y="1880916"/>
+            <a:ext cx="3009331" cy="3835021"/>
+          </a:xfrm>
+          <a:prstGeom prst="rect">
+            <a:avLst/>
+          </a:prstGeom>
+        </p:spPr>
+        <p:style>
+          <a:lnRef idx="1">
+            <a:schemeClr val="accent5"/>
+          </a:lnRef>
+          <a:fillRef idx="2">
+            <a:schemeClr val="accent5"/>
+          </a:fillRef>
+          <a:effectRef idx="1">
+            <a:schemeClr val="accent5"/>
+          </a:effectRef>
+          <a:fontRef idx="minor">
+            <a:schemeClr val="dk1"/>
+          </a:fontRef>
+        </p:style>
+        <p:txBody>
+          <a:bodyPr rtlCol="0" anchor="t"/>
+          <a:lstStyle/>
+          <a:p>
+            <a:r>
+              <a:rPr lang="zh-CN" altLang="en-US" dirty="0"/>
+              <a:t>就这个查询，请问伟大的</a:t>
+            </a:r>
+            <a:r>
+              <a:rPr lang="en-US" altLang="zh-CN" dirty="0" err="1"/>
+              <a:t>mybatis</a:t>
+            </a:r>
+            <a:r>
+              <a:rPr lang="en-US" altLang="zh-CN" dirty="0"/>
+              <a:t>(plus)</a:t>
+            </a:r>
+            <a:r>
+              <a:rPr lang="zh-CN" altLang="en-US" dirty="0"/>
+              <a:t>、</a:t>
+            </a:r>
+            <a:r>
+              <a:rPr lang="en-US" altLang="zh-CN" dirty="0"/>
+              <a:t>fluent </a:t>
+            </a:r>
+            <a:r>
+              <a:rPr lang="en-US" altLang="zh-CN" dirty="0" err="1"/>
+              <a:t>mybatis</a:t>
+            </a:r>
+            <a:r>
+              <a:rPr lang="zh-CN" altLang="en-US" dirty="0"/>
+              <a:t>怎么写？</a:t>
+            </a:r>
+            <a:endParaRPr lang="en-US" altLang="zh-CN" dirty="0"/>
+          </a:p>
+          <a:p>
+            <a:endParaRPr lang="en-US" altLang="zh-CN" dirty="0"/>
+          </a:p>
+          <a:p>
+            <a:r>
+              <a:rPr lang="en-US" altLang="zh-CN" dirty="0"/>
+              <a:t>Fluent </a:t>
+            </a:r>
+            <a:r>
+              <a:rPr lang="en-US" altLang="zh-CN" dirty="0" err="1"/>
+              <a:t>mybatis</a:t>
+            </a:r>
+            <a:r>
+              <a:rPr lang="zh-CN" altLang="en-US" dirty="0"/>
+              <a:t>酷，我只能说酷你个头呀！</a:t>
+            </a:r>
+            <a:endParaRPr lang="en-US" altLang="zh-CN" dirty="0"/>
+          </a:p>
+          <a:p>
+            <a:endParaRPr lang="en-US" altLang="zh-CN" dirty="0"/>
+          </a:p>
+          <a:p>
+            <a:r>
+              <a:rPr lang="zh-CN" altLang="en-US" dirty="0"/>
+              <a:t>简单的功能对任何人都是简单的，痛苦和头疼的永远都是复杂场景！</a:t>
+            </a:r>
+          </a:p>
+        </p:txBody>
+      </p:sp>
+    </p:spTree>
+    <p:extLst>
+      <p:ext uri="{BB962C8B-B14F-4D97-AF65-F5344CB8AC3E}">
+        <p14:creationId xmlns:p14="http://schemas.microsoft.com/office/powerpoint/2010/main" val="3584207514"/>
+      </p:ext>
+    </p:extLst>
+  </p:cSld>
+  <p:clrMapOvr>
+    <a:masterClrMapping/>
+  </p:clrMapOvr>
+</p:sld>
+</file>
+
+<file path=ppt/slides/slide5.xml><?xml version="1.0" encoding="utf-8"?>
+<p:sld xmlns:a="http://schemas.openxmlformats.org/drawingml/2006/main" xmlns:r="http://schemas.openxmlformats.org/officeDocument/2006/relationships" xmlns:p="http://schemas.openxmlformats.org/presentationml/2006/main">
+  <p:cSld>
+    <p:spTree>
+      <p:nvGrpSpPr>
+        <p:cNvPr id="1" name=""/>
+        <p:cNvGrpSpPr/>
+        <p:nvPr/>
+      </p:nvGrpSpPr>
+      <p:grpSpPr>
+        <a:xfrm>
+          <a:off x="0" y="0"/>
+          <a:ext cx="0" cy="0"/>
+          <a:chOff x="0" y="0"/>
+          <a:chExt cx="0" cy="0"/>
+        </a:xfrm>
+      </p:grpSpPr>
+      <p:sp>
+        <p:nvSpPr>
+          <p:cNvPr id="4099" name="文本框 15"/>
+          <p:cNvSpPr/>
+          <p:nvPr/>
+        </p:nvSpPr>
+        <p:spPr>
+          <a:xfrm>
+            <a:off x="171450" y="264477"/>
+            <a:ext cx="9754975" cy="400110"/>
+          </a:xfrm>
+          <a:prstGeom prst="rect">
+            <a:avLst/>
+          </a:prstGeom>
+          <a:noFill/>
+          <a:ln w="9525">
+            <a:noFill/>
+          </a:ln>
+        </p:spPr>
+        <p:txBody>
+          <a:bodyPr wrap="square" anchor="t">
+            <a:spAutoFit/>
+          </a:bodyPr>
+          <a:lstStyle/>
+          <a:p>
+            <a:pPr lvl="0" indent="0"/>
+            <a:r>
+              <a:rPr lang="en-US" altLang="zh-CN" sz="2000" b="1" dirty="0" err="1">
+                <a:solidFill>
+                  <a:schemeClr val="tx1">
+                    <a:lumMod val="65000"/>
+                    <a:lumOff val="35000"/>
+                  </a:schemeClr>
+                </a:solidFill>
+                <a:latin typeface="微软雅黑" panose="020B0503020204020204" charset="-122"/>
+                <a:ea typeface="微软雅黑" panose="020B0503020204020204" charset="-122"/>
+                <a:sym typeface="+mn-ea"/>
+              </a:rPr>
+              <a:t>sqltoy</a:t>
+            </a:r>
+            <a:r>
+              <a:rPr lang="zh-CN" altLang="en-US" sz="2000" b="1" dirty="0">
+                <a:solidFill>
+                  <a:schemeClr val="tx1">
+                    <a:lumMod val="65000"/>
+                    <a:lumOff val="35000"/>
+                  </a:schemeClr>
+                </a:solidFill>
+                <a:latin typeface="微软雅黑" panose="020B0503020204020204" charset="-122"/>
+                <a:ea typeface="微软雅黑" panose="020B0503020204020204" charset="-122"/>
+                <a:sym typeface="+mn-ea"/>
+              </a:rPr>
+              <a:t>的基本点：对象化</a:t>
+            </a:r>
+            <a:r>
+              <a:rPr lang="en-US" altLang="zh-CN" sz="2000" b="1" dirty="0">
+                <a:solidFill>
+                  <a:schemeClr val="tx1">
+                    <a:lumMod val="65000"/>
+                    <a:lumOff val="35000"/>
+                  </a:schemeClr>
+                </a:solidFill>
+                <a:latin typeface="微软雅黑" panose="020B0503020204020204" charset="-122"/>
+                <a:ea typeface="微软雅黑" panose="020B0503020204020204" charset="-122"/>
+                <a:sym typeface="+mn-ea"/>
+              </a:rPr>
+              <a:t>CRUD</a:t>
+            </a:r>
+            <a:r>
+              <a:rPr lang="zh-CN" altLang="en-US" sz="2000" b="1" dirty="0">
+                <a:solidFill>
+                  <a:schemeClr val="tx1">
+                    <a:lumMod val="65000"/>
+                    <a:lumOff val="35000"/>
+                  </a:schemeClr>
+                </a:solidFill>
+                <a:latin typeface="微软雅黑" panose="020B0503020204020204" charset="-122"/>
+                <a:ea typeface="微软雅黑" panose="020B0503020204020204" charset="-122"/>
+                <a:sym typeface="+mn-ea"/>
+              </a:rPr>
+              <a:t>是</a:t>
+            </a:r>
+            <a:r>
+              <a:rPr lang="en-US" altLang="zh-CN" sz="2000" b="1" dirty="0">
+                <a:solidFill>
+                  <a:schemeClr val="tx1">
+                    <a:lumMod val="65000"/>
+                    <a:lumOff val="35000"/>
+                  </a:schemeClr>
+                </a:solidFill>
+                <a:latin typeface="微软雅黑" panose="020B0503020204020204" charset="-122"/>
+                <a:ea typeface="微软雅黑" panose="020B0503020204020204" charset="-122"/>
+                <a:sym typeface="+mn-ea"/>
+              </a:rPr>
+              <a:t>ORM</a:t>
+            </a:r>
+            <a:r>
+              <a:rPr lang="zh-CN" altLang="en-US" sz="2000" b="1" dirty="0">
+                <a:solidFill>
+                  <a:schemeClr val="tx1">
+                    <a:lumMod val="65000"/>
+                    <a:lumOff val="35000"/>
+                  </a:schemeClr>
+                </a:solidFill>
+                <a:latin typeface="微软雅黑" panose="020B0503020204020204" charset="-122"/>
+                <a:ea typeface="微软雅黑" panose="020B0503020204020204" charset="-122"/>
+                <a:sym typeface="+mn-ea"/>
+              </a:rPr>
+              <a:t>的基本点，要谈就谈点特别的</a:t>
+            </a:r>
+            <a:r>
+              <a:rPr lang="en-US" altLang="zh-CN" sz="2000" b="1" dirty="0">
+                <a:solidFill>
+                  <a:schemeClr val="tx1">
+                    <a:lumMod val="65000"/>
+                    <a:lumOff val="35000"/>
+                  </a:schemeClr>
+                </a:solidFill>
+                <a:latin typeface="微软雅黑" panose="020B0503020204020204" charset="-122"/>
+                <a:ea typeface="微软雅黑" panose="020B0503020204020204" charset="-122"/>
+                <a:sym typeface="+mn-ea"/>
+              </a:rPr>
+              <a:t>!</a:t>
+            </a:r>
+          </a:p>
+        </p:txBody>
+      </p:sp>
+      <p:sp>
+        <p:nvSpPr>
+          <p:cNvPr id="4100" name="矩形 5"/>
+          <p:cNvSpPr/>
+          <p:nvPr/>
+        </p:nvSpPr>
+        <p:spPr>
+          <a:xfrm>
+            <a:off x="0" y="342900"/>
+            <a:ext cx="171450" cy="571500"/>
+          </a:xfrm>
+          <a:prstGeom prst="rect">
+            <a:avLst/>
+          </a:prstGeom>
+          <a:solidFill>
+            <a:srgbClr val="00B0F0"/>
+          </a:solidFill>
+          <a:ln w="12700">
+            <a:noFill/>
+          </a:ln>
+        </p:spPr>
+        <p:txBody>
+          <a:bodyPr anchor="ctr"/>
+          <a:lstStyle/>
+          <a:p>
+            <a:pPr lvl="0" indent="0" algn="ctr"/>
+            <a:endParaRPr lang="zh-CN" altLang="en-US" b="1" i="1">
+              <a:solidFill>
+                <a:srgbClr val="FFFFFF"/>
+              </a:solidFill>
+              <a:latin typeface="Segoe UI Light" panose="020B0502040204020203" charset="0"/>
+              <a:ea typeface="方正中等线简体" panose="03000509000000000000" charset="-122"/>
+              <a:sym typeface="Segoe UI Light" panose="020B0502040204020203" charset="0"/>
+            </a:endParaRPr>
+          </a:p>
+        </p:txBody>
+      </p:sp>
+      <p:pic>
+        <p:nvPicPr>
+          <p:cNvPr id="4" name="图片 6" descr="C:\Users\mm\Desktop\最新logo\拉卡拉logo(1)-03.png拉卡拉logo(1)-03"/>
+          <p:cNvPicPr>
+            <a:picLocks noChangeAspect="1"/>
+          </p:cNvPicPr>
+          <p:nvPr/>
+        </p:nvPicPr>
+        <p:blipFill>
+          <a:blip r:embed="rId2"/>
+          <a:srcRect/>
+          <a:stretch>
+            <a:fillRect/>
+          </a:stretch>
+        </p:blipFill>
+        <p:spPr>
+          <a:xfrm>
+            <a:off x="10824369" y="95250"/>
+            <a:ext cx="1285875" cy="338455"/>
+          </a:xfrm>
+          <a:prstGeom prst="rect">
+            <a:avLst/>
+          </a:prstGeom>
+          <a:noFill/>
+          <a:ln w="9525">
+            <a:noFill/>
+          </a:ln>
+        </p:spPr>
+      </p:pic>
+      <p:sp>
+        <p:nvSpPr>
+          <p:cNvPr id="3" name="文本框 2">
+            <a:extLst>
+              <a:ext uri="{FF2B5EF4-FFF2-40B4-BE49-F238E27FC236}">
+                <a16:creationId xmlns:a16="http://schemas.microsoft.com/office/drawing/2014/main" id="{C44201F9-47FC-435D-877D-FC250E34BD1F}"/>
+              </a:ext>
+            </a:extLst>
+          </p:cNvPr>
+          <p:cNvSpPr txBox="1"/>
+          <p:nvPr/>
+        </p:nvSpPr>
+        <p:spPr>
+          <a:xfrm>
+            <a:off x="261042" y="773463"/>
+            <a:ext cx="11325907" cy="830997"/>
+          </a:xfrm>
+          <a:prstGeom prst="rect">
+            <a:avLst/>
+          </a:prstGeom>
+        </p:spPr>
+        <p:style>
+          <a:lnRef idx="2">
+            <a:schemeClr val="accent1"/>
+          </a:lnRef>
+          <a:fillRef idx="1">
+            <a:schemeClr val="lt1"/>
+          </a:fillRef>
+          <a:effectRef idx="0">
+            <a:schemeClr val="accent1"/>
+          </a:effectRef>
+          <a:fontRef idx="minor">
+            <a:schemeClr val="dk1"/>
+          </a:fontRef>
+        </p:style>
+        <p:txBody>
+          <a:bodyPr wrap="square" rtlCol="0">
+            <a:spAutoFit/>
+          </a:bodyPr>
+          <a:lstStyle/>
+          <a:p>
+            <a:r>
+              <a:rPr lang="en-US" altLang="zh-CN" sz="1600" dirty="0"/>
+              <a:t>1</a:t>
+            </a:r>
+            <a:r>
+              <a:rPr lang="zh-CN" altLang="en-US" sz="1600" dirty="0"/>
+              <a:t>、常规</a:t>
+            </a:r>
+            <a:r>
+              <a:rPr lang="en-US" altLang="zh-CN" sz="1600" dirty="0"/>
+              <a:t>ORM</a:t>
+            </a:r>
+            <a:r>
+              <a:rPr lang="zh-CN" altLang="en-US" sz="1600" dirty="0"/>
+              <a:t>提供基于对象的</a:t>
+            </a:r>
+            <a:r>
+              <a:rPr lang="en-US" altLang="zh-CN" sz="1600" dirty="0"/>
+              <a:t>save/</a:t>
+            </a:r>
+            <a:r>
+              <a:rPr lang="en-US" altLang="zh-CN" sz="1600" dirty="0" err="1"/>
+              <a:t>saveAll</a:t>
+            </a:r>
+            <a:r>
+              <a:rPr lang="zh-CN" altLang="en-US" sz="1600" dirty="0"/>
+              <a:t>、</a:t>
+            </a:r>
+            <a:r>
+              <a:rPr lang="en-US" altLang="zh-CN" sz="1600" dirty="0"/>
+              <a:t>update/</a:t>
+            </a:r>
+            <a:r>
+              <a:rPr lang="en-US" altLang="zh-CN" sz="1600" dirty="0" err="1"/>
+              <a:t>updateAll</a:t>
+            </a:r>
+            <a:r>
+              <a:rPr lang="zh-CN" altLang="en-US" sz="1600" dirty="0"/>
+              <a:t>、</a:t>
+            </a:r>
+            <a:r>
+              <a:rPr lang="en-US" altLang="zh-CN" sz="1600" dirty="0"/>
+              <a:t>delete</a:t>
+            </a:r>
+            <a:r>
+              <a:rPr lang="zh-CN" altLang="en-US" sz="1600" dirty="0"/>
+              <a:t>、</a:t>
+            </a:r>
+            <a:r>
+              <a:rPr lang="en-US" altLang="zh-CN" sz="1600" dirty="0"/>
+              <a:t>load</a:t>
+            </a:r>
+            <a:r>
+              <a:rPr lang="zh-CN" altLang="en-US" sz="1600" dirty="0"/>
+              <a:t>、</a:t>
+            </a:r>
+            <a:r>
+              <a:rPr lang="en-US" altLang="zh-CN" sz="1600" dirty="0" err="1"/>
+              <a:t>isUnique</a:t>
+            </a:r>
+            <a:r>
+              <a:rPr lang="zh-CN" altLang="en-US" sz="1600" dirty="0"/>
+              <a:t>以及基于单表的对象化查询等是共识</a:t>
+            </a:r>
+            <a:endParaRPr lang="en-US" altLang="zh-CN" sz="1600" dirty="0"/>
+          </a:p>
+          <a:p>
+            <a:r>
+              <a:rPr lang="en-US" altLang="zh-CN" sz="1600" dirty="0"/>
+              <a:t>2</a:t>
+            </a:r>
+            <a:r>
+              <a:rPr lang="zh-CN" altLang="en-US" sz="1600" dirty="0"/>
+              <a:t>、但常规</a:t>
+            </a:r>
+            <a:r>
+              <a:rPr lang="en-US" altLang="zh-CN" sz="1600" dirty="0"/>
+              <a:t>ORM</a:t>
+            </a:r>
+            <a:r>
+              <a:rPr lang="zh-CN" altLang="en-US" sz="1600" dirty="0"/>
+              <a:t>在</a:t>
+            </a:r>
+            <a:r>
+              <a:rPr lang="en-US" altLang="zh-CN" sz="1600" dirty="0"/>
+              <a:t>update</a:t>
+            </a:r>
+            <a:r>
+              <a:rPr lang="zh-CN" altLang="en-US" sz="1600" dirty="0"/>
+              <a:t>处理不够细腻</a:t>
+            </a:r>
+            <a:endParaRPr lang="en-US" altLang="zh-CN" sz="1600" dirty="0"/>
+          </a:p>
+          <a:p>
+            <a:r>
+              <a:rPr lang="en-US" altLang="zh-CN" sz="1600" dirty="0"/>
+              <a:t>3</a:t>
+            </a:r>
+            <a:r>
+              <a:rPr lang="zh-CN" altLang="en-US" sz="1600" dirty="0"/>
+              <a:t>、</a:t>
+            </a:r>
+            <a:r>
+              <a:rPr lang="en-US" altLang="zh-CN" sz="1600" dirty="0" err="1"/>
+              <a:t>sqltoy</a:t>
+            </a:r>
+            <a:r>
+              <a:rPr lang="zh-CN" altLang="en-US" sz="1600" dirty="0"/>
+              <a:t>有针对性的强化了</a:t>
+            </a:r>
+            <a:r>
+              <a:rPr lang="en-US" altLang="zh-CN" sz="1600" dirty="0"/>
+              <a:t>update/</a:t>
+            </a:r>
+            <a:r>
+              <a:rPr lang="en-US" altLang="zh-CN" sz="1600" dirty="0" err="1"/>
+              <a:t>updateAll</a:t>
+            </a:r>
+            <a:r>
+              <a:rPr lang="zh-CN" altLang="en-US" sz="1600" dirty="0"/>
+              <a:t>、</a:t>
+            </a:r>
+            <a:r>
+              <a:rPr lang="en-US" altLang="zh-CN" sz="1600" dirty="0" err="1"/>
+              <a:t>saveOrUpdate</a:t>
+            </a:r>
+            <a:r>
+              <a:rPr lang="en-US" altLang="zh-CN" sz="1600" dirty="0"/>
+              <a:t>/All</a:t>
+            </a:r>
+            <a:r>
+              <a:rPr lang="zh-CN" altLang="en-US" sz="1600" dirty="0"/>
+              <a:t>，并增加了非常独特的</a:t>
+            </a:r>
+            <a:r>
+              <a:rPr lang="en-US" altLang="zh-CN" sz="1600" dirty="0" err="1"/>
+              <a:t>updateSaveFetch</a:t>
+            </a:r>
+            <a:r>
+              <a:rPr lang="zh-CN" altLang="en-US" sz="1600" dirty="0"/>
+              <a:t>、</a:t>
+            </a:r>
+            <a:r>
+              <a:rPr lang="en-US" altLang="zh-CN" sz="1600" dirty="0" err="1"/>
+              <a:t>updateFetch</a:t>
+            </a:r>
+            <a:r>
+              <a:rPr lang="zh-CN" altLang="en-US" sz="1600" dirty="0"/>
+              <a:t>功能</a:t>
+            </a:r>
+          </a:p>
+        </p:txBody>
+      </p:sp>
+      <p:pic>
+        <p:nvPicPr>
+          <p:cNvPr id="9" name="图片 8">
+            <a:extLst>
+              <a:ext uri="{FF2B5EF4-FFF2-40B4-BE49-F238E27FC236}">
+                <a16:creationId xmlns:a16="http://schemas.microsoft.com/office/drawing/2014/main" id="{FF4091A0-3AAE-4AD8-B652-3FE90BDEC807}"/>
+              </a:ext>
+            </a:extLst>
+          </p:cNvPr>
+          <p:cNvPicPr>
+            <a:picLocks noChangeAspect="1"/>
+          </p:cNvPicPr>
+          <p:nvPr/>
+        </p:nvPicPr>
+        <p:blipFill>
+          <a:blip r:embed="rId3">
+            <a:extLst>
+              <a:ext uri="{28A0092B-C50C-407E-A947-70E740481C1C}">
+                <a14:useLocalDpi xmlns:a14="http://schemas.microsoft.com/office/drawing/2010/main" val="0"/>
+              </a:ext>
+            </a:extLst>
+          </a:blip>
+          <a:stretch>
+            <a:fillRect/>
+          </a:stretch>
+        </p:blipFill>
+        <p:spPr>
+          <a:xfrm>
+            <a:off x="261042" y="1935399"/>
+            <a:ext cx="5170767" cy="2434466"/>
+          </a:xfrm>
+          <a:prstGeom prst="rect">
+            <a:avLst/>
+          </a:prstGeom>
+        </p:spPr>
+      </p:pic>
+      <p:sp>
+        <p:nvSpPr>
+          <p:cNvPr id="10" name="文本框 9">
+            <a:extLst>
+              <a:ext uri="{FF2B5EF4-FFF2-40B4-BE49-F238E27FC236}">
+                <a16:creationId xmlns:a16="http://schemas.microsoft.com/office/drawing/2014/main" id="{ADB6DCC3-FAFC-4669-8D1A-93F0EAAB3CDB}"/>
+              </a:ext>
+            </a:extLst>
+          </p:cNvPr>
+          <p:cNvSpPr txBox="1"/>
+          <p:nvPr/>
+        </p:nvSpPr>
+        <p:spPr>
+          <a:xfrm>
+            <a:off x="5383448" y="1944219"/>
+            <a:ext cx="6343165" cy="2311299"/>
+          </a:xfrm>
+          <a:prstGeom prst="rect">
+            <a:avLst/>
+          </a:prstGeom>
+        </p:spPr>
+        <p:style>
+          <a:lnRef idx="2">
+            <a:schemeClr val="accent2"/>
+          </a:lnRef>
+          <a:fillRef idx="1">
+            <a:schemeClr val="lt1"/>
+          </a:fillRef>
+          <a:effectRef idx="0">
+            <a:schemeClr val="accent2"/>
+          </a:effectRef>
+          <a:fontRef idx="minor">
+            <a:schemeClr val="dk1"/>
+          </a:fontRef>
+        </p:style>
+        <p:txBody>
+          <a:bodyPr wrap="square" rtlCol="0">
+            <a:noAutofit/>
+          </a:bodyPr>
+          <a:lstStyle/>
+          <a:p>
+            <a:r>
+              <a:rPr lang="en-US" altLang="zh-CN" dirty="0"/>
+              <a:t>1</a:t>
+            </a:r>
+            <a:r>
+              <a:rPr lang="zh-CN" altLang="en-US" dirty="0"/>
+              <a:t>、</a:t>
+            </a:r>
+            <a:r>
+              <a:rPr lang="en-US" altLang="zh-CN" dirty="0"/>
+              <a:t>update</a:t>
+            </a:r>
+            <a:r>
+              <a:rPr lang="zh-CN" altLang="en-US" dirty="0"/>
+              <a:t>为什么特别？你思考一下你现在的</a:t>
+            </a:r>
+            <a:r>
+              <a:rPr lang="en-US" altLang="zh-CN" dirty="0"/>
+              <a:t>update</a:t>
+            </a:r>
+            <a:r>
+              <a:rPr lang="zh-CN" altLang="en-US" dirty="0"/>
+              <a:t>功能，如果只修改部分字段你是怎么做的？</a:t>
+            </a:r>
+            <a:endParaRPr lang="en-US" altLang="zh-CN" dirty="0"/>
+          </a:p>
+          <a:p>
+            <a:pPr marL="285750" indent="-285750">
+              <a:buFont typeface="Wingdings" panose="05000000000000000000" pitchFamily="2" charset="2"/>
+              <a:buChar char="Ø"/>
+            </a:pPr>
+            <a:r>
+              <a:rPr lang="en-US" altLang="zh-CN" dirty="0"/>
+              <a:t>Hibernate</a:t>
+            </a:r>
+            <a:r>
+              <a:rPr lang="zh-CN" altLang="en-US" dirty="0"/>
+              <a:t>一般是先</a:t>
+            </a:r>
+            <a:r>
+              <a:rPr lang="en-US" altLang="zh-CN" dirty="0"/>
+              <a:t>load</a:t>
+            </a:r>
+            <a:r>
+              <a:rPr lang="zh-CN" altLang="en-US" dirty="0"/>
+              <a:t>然后对修改的字段赋值</a:t>
+            </a:r>
+            <a:endParaRPr lang="en-US" altLang="zh-CN" dirty="0"/>
+          </a:p>
+          <a:p>
+            <a:r>
+              <a:rPr lang="en-US" altLang="zh-CN" dirty="0"/>
+              <a:t>     </a:t>
+            </a:r>
+            <a:r>
+              <a:rPr lang="zh-CN" altLang="en-US" dirty="0">
+                <a:solidFill>
+                  <a:srgbClr val="FF0000"/>
+                </a:solidFill>
+              </a:rPr>
+              <a:t>必然是两次数据库交互，高并发情况下，当你保存时可能值已经被别人修改了，如果锁</a:t>
+            </a:r>
+            <a:r>
+              <a:rPr lang="en-US" altLang="zh-CN" dirty="0">
+                <a:solidFill>
+                  <a:srgbClr val="FF0000"/>
+                </a:solidFill>
+              </a:rPr>
+              <a:t>load</a:t>
+            </a:r>
+            <a:r>
+              <a:rPr lang="zh-CN" altLang="en-US" dirty="0">
+                <a:solidFill>
+                  <a:srgbClr val="FF0000"/>
+                </a:solidFill>
+              </a:rPr>
+              <a:t>模式，也存在性能问题！</a:t>
+            </a:r>
+            <a:endParaRPr lang="en-US" altLang="zh-CN" dirty="0">
+              <a:solidFill>
+                <a:srgbClr val="FF0000"/>
+              </a:solidFill>
+            </a:endParaRPr>
+          </a:p>
+          <a:p>
+            <a:pPr marL="285750" indent="-285750">
+              <a:buFont typeface="Wingdings" panose="05000000000000000000" pitchFamily="2" charset="2"/>
+              <a:buChar char="Ø"/>
+            </a:pPr>
+            <a:r>
+              <a:rPr lang="zh-CN" altLang="en-US" dirty="0"/>
+              <a:t>目前</a:t>
+            </a:r>
+            <a:r>
+              <a:rPr lang="en-US" altLang="zh-CN" dirty="0"/>
+              <a:t>JPA</a:t>
+            </a:r>
+            <a:r>
+              <a:rPr lang="zh-CN" altLang="en-US" dirty="0"/>
+              <a:t>以及</a:t>
+            </a:r>
+            <a:r>
+              <a:rPr lang="en-US" altLang="zh-CN" dirty="0" err="1"/>
+              <a:t>mybatis</a:t>
+            </a:r>
+            <a:r>
+              <a:rPr lang="zh-CN" altLang="en-US" dirty="0"/>
+              <a:t>是通过注解设置哪些字段强制更新</a:t>
+            </a:r>
+            <a:endParaRPr lang="en-US" altLang="zh-CN" dirty="0"/>
+          </a:p>
+          <a:p>
+            <a:r>
+              <a:rPr lang="zh-CN" altLang="en-US" dirty="0"/>
+              <a:t>     </a:t>
+            </a:r>
+            <a:r>
+              <a:rPr lang="zh-CN" altLang="en-US" dirty="0">
+                <a:solidFill>
+                  <a:srgbClr val="FF0000"/>
+                </a:solidFill>
+              </a:rPr>
+              <a:t>假如同样的单据存在多个场景修改，</a:t>
+            </a:r>
+            <a:r>
+              <a:rPr lang="en-US" altLang="zh-CN" dirty="0">
+                <a:solidFill>
+                  <a:srgbClr val="FF0000"/>
+                </a:solidFill>
+              </a:rPr>
+              <a:t>A</a:t>
+            </a:r>
+            <a:r>
+              <a:rPr lang="zh-CN" altLang="en-US" dirty="0">
+                <a:solidFill>
+                  <a:srgbClr val="FF0000"/>
+                </a:solidFill>
+              </a:rPr>
+              <a:t>场景修改</a:t>
+            </a:r>
+            <a:r>
+              <a:rPr lang="en-US" altLang="zh-CN" dirty="0">
+                <a:solidFill>
+                  <a:srgbClr val="FF0000"/>
+                </a:solidFill>
+              </a:rPr>
+              <a:t>A1</a:t>
+            </a:r>
+            <a:r>
+              <a:rPr lang="zh-CN" altLang="en-US" dirty="0">
+                <a:solidFill>
+                  <a:srgbClr val="FF0000"/>
+                </a:solidFill>
+              </a:rPr>
+              <a:t>、</a:t>
+            </a:r>
+            <a:r>
+              <a:rPr lang="en-US" altLang="zh-CN" dirty="0">
+                <a:solidFill>
+                  <a:srgbClr val="FF0000"/>
+                </a:solidFill>
+              </a:rPr>
+              <a:t>A2</a:t>
+            </a:r>
+            <a:r>
+              <a:rPr lang="zh-CN" altLang="en-US" dirty="0">
+                <a:solidFill>
+                  <a:srgbClr val="FF0000"/>
+                </a:solidFill>
+              </a:rPr>
+              <a:t>字段；</a:t>
+            </a:r>
+            <a:r>
+              <a:rPr lang="en-US" altLang="zh-CN" dirty="0">
+                <a:solidFill>
+                  <a:srgbClr val="FF0000"/>
+                </a:solidFill>
+              </a:rPr>
+              <a:t>B</a:t>
+            </a:r>
+            <a:r>
+              <a:rPr lang="zh-CN" altLang="en-US" dirty="0">
+                <a:solidFill>
+                  <a:srgbClr val="FF0000"/>
+                </a:solidFill>
+              </a:rPr>
+              <a:t>场景修改</a:t>
+            </a:r>
+            <a:r>
+              <a:rPr lang="en-US" altLang="zh-CN" dirty="0">
+                <a:solidFill>
+                  <a:srgbClr val="FF0000"/>
+                </a:solidFill>
+              </a:rPr>
+              <a:t>A2</a:t>
+            </a:r>
+            <a:r>
+              <a:rPr lang="zh-CN" altLang="en-US" dirty="0">
+                <a:solidFill>
+                  <a:srgbClr val="FF0000"/>
+                </a:solidFill>
+              </a:rPr>
+              <a:t>、</a:t>
+            </a:r>
+            <a:r>
+              <a:rPr lang="en-US" altLang="zh-CN" dirty="0">
+                <a:solidFill>
+                  <a:srgbClr val="FF0000"/>
+                </a:solidFill>
+              </a:rPr>
+              <a:t>A3 </a:t>
+            </a:r>
+            <a:r>
+              <a:rPr lang="zh-CN" altLang="en-US" dirty="0">
+                <a:solidFill>
+                  <a:srgbClr val="FF0000"/>
+                </a:solidFill>
+              </a:rPr>
+              <a:t>字段，你的注解要怎么配置？</a:t>
+            </a:r>
+          </a:p>
+        </p:txBody>
+      </p:sp>
+      <p:sp>
+        <p:nvSpPr>
+          <p:cNvPr id="21" name="文本框 20">
+            <a:extLst>
+              <a:ext uri="{FF2B5EF4-FFF2-40B4-BE49-F238E27FC236}">
+                <a16:creationId xmlns:a16="http://schemas.microsoft.com/office/drawing/2014/main" id="{6D942BDD-04B1-4010-8CE8-4C0DFA02428A}"/>
+              </a:ext>
+            </a:extLst>
+          </p:cNvPr>
+          <p:cNvSpPr txBox="1"/>
+          <p:nvPr/>
+        </p:nvSpPr>
+        <p:spPr>
+          <a:xfrm>
+            <a:off x="171450" y="4451451"/>
+            <a:ext cx="11206265" cy="2311299"/>
+          </a:xfrm>
+          <a:prstGeom prst="rect">
+            <a:avLst/>
+          </a:prstGeom>
+        </p:spPr>
+        <p:style>
+          <a:lnRef idx="2">
+            <a:schemeClr val="accent2"/>
+          </a:lnRef>
+          <a:fillRef idx="1">
+            <a:schemeClr val="lt1"/>
+          </a:fillRef>
+          <a:effectRef idx="0">
+            <a:schemeClr val="accent2"/>
+          </a:effectRef>
+          <a:fontRef idx="minor">
+            <a:schemeClr val="dk1"/>
+          </a:fontRef>
+        </p:style>
+        <p:txBody>
+          <a:bodyPr wrap="square" rtlCol="0">
+            <a:noAutofit/>
+          </a:bodyPr>
+          <a:lstStyle/>
+          <a:p>
+            <a:r>
+              <a:rPr lang="en-US" altLang="zh-CN" sz="1600" b="1" dirty="0" err="1">
+                <a:solidFill>
+                  <a:schemeClr val="tx1"/>
+                </a:solidFill>
+              </a:rPr>
+              <a:t>updateSaveFetch</a:t>
+            </a:r>
+            <a:r>
+              <a:rPr lang="zh-CN" altLang="en-US" sz="1600" b="1" dirty="0">
+                <a:solidFill>
+                  <a:schemeClr val="tx1"/>
+                </a:solidFill>
+              </a:rPr>
+              <a:t>是个啥？</a:t>
+            </a:r>
+            <a:endParaRPr lang="en-US" altLang="zh-CN" sz="1600" b="1" dirty="0">
+              <a:solidFill>
+                <a:schemeClr val="tx1"/>
+              </a:solidFill>
+            </a:endParaRPr>
+          </a:p>
+          <a:p>
+            <a:pPr marL="285750" indent="-285750">
+              <a:buFont typeface="Wingdings" panose="05000000000000000000" pitchFamily="2" charset="2"/>
+              <a:buChar char="u"/>
+            </a:pPr>
+            <a:r>
+              <a:rPr lang="zh-CN" altLang="en-US" sz="1600" dirty="0">
+                <a:solidFill>
+                  <a:srgbClr val="FF0000"/>
+                </a:solidFill>
+              </a:rPr>
+              <a:t>主要用于高并发、强事务场景，比如库存台账、客户资金台账，要求在发生业务时实时的增减台账</a:t>
+            </a:r>
+            <a:endParaRPr lang="en-US" altLang="zh-CN" sz="1600" dirty="0">
+              <a:solidFill>
+                <a:srgbClr val="FF0000"/>
+              </a:solidFill>
+            </a:endParaRPr>
+          </a:p>
+          <a:p>
+            <a:pPr marL="285750" indent="-285750">
+              <a:buFont typeface="Wingdings" panose="05000000000000000000" pitchFamily="2" charset="2"/>
+              <a:buChar char="u"/>
+            </a:pPr>
+            <a:r>
+              <a:rPr lang="en-US" altLang="zh-CN" sz="1600" dirty="0" err="1">
+                <a:solidFill>
+                  <a:srgbClr val="FF0000"/>
+                </a:solidFill>
+              </a:rPr>
+              <a:t>updateSaveFetch</a:t>
+            </a:r>
+            <a:r>
+              <a:rPr lang="zh-CN" altLang="en-US" sz="1600" dirty="0">
+                <a:solidFill>
+                  <a:srgbClr val="FF0000"/>
+                </a:solidFill>
+              </a:rPr>
+              <a:t>是一次数据库交互完成：锁记录、修改</a:t>
+            </a:r>
+            <a:r>
+              <a:rPr lang="en-US" altLang="zh-CN" sz="1600" dirty="0">
+                <a:solidFill>
+                  <a:srgbClr val="FF0000"/>
+                </a:solidFill>
+              </a:rPr>
+              <a:t>(</a:t>
+            </a:r>
+            <a:r>
+              <a:rPr lang="zh-CN" altLang="en-US" sz="1600" dirty="0">
+                <a:solidFill>
+                  <a:srgbClr val="FF0000"/>
+                </a:solidFill>
+              </a:rPr>
+              <a:t>当记录不存在则插入</a:t>
+            </a:r>
+            <a:r>
+              <a:rPr lang="en-US" altLang="zh-CN" sz="1600" dirty="0">
+                <a:solidFill>
+                  <a:srgbClr val="FF0000"/>
+                </a:solidFill>
+              </a:rPr>
+              <a:t>)</a:t>
+            </a:r>
+            <a:r>
+              <a:rPr lang="zh-CN" altLang="en-US" sz="1600" dirty="0">
+                <a:solidFill>
+                  <a:srgbClr val="FF0000"/>
+                </a:solidFill>
+              </a:rPr>
+              <a:t>、返回修改后的结果</a:t>
+            </a:r>
+            <a:endParaRPr lang="en-US" altLang="zh-CN" sz="1600" dirty="0">
+              <a:solidFill>
+                <a:srgbClr val="FF0000"/>
+              </a:solidFill>
+            </a:endParaRPr>
+          </a:p>
+          <a:p>
+            <a:pPr marL="285750" indent="-285750">
+              <a:buFont typeface="Wingdings" panose="05000000000000000000" pitchFamily="2" charset="2"/>
+              <a:buChar char="u"/>
+            </a:pPr>
+            <a:r>
+              <a:rPr lang="zh-CN" altLang="en-US" sz="1600" dirty="0">
+                <a:solidFill>
+                  <a:srgbClr val="FF0000"/>
+                </a:solidFill>
+              </a:rPr>
+              <a:t>与</a:t>
+            </a:r>
+            <a:r>
+              <a:rPr lang="en-US" altLang="zh-CN" sz="1600" dirty="0" err="1">
+                <a:solidFill>
+                  <a:srgbClr val="FF0000"/>
+                </a:solidFill>
+              </a:rPr>
+              <a:t>updateSaveFetch</a:t>
+            </a:r>
+            <a:r>
+              <a:rPr lang="zh-CN" altLang="en-US" sz="1600" dirty="0">
+                <a:solidFill>
+                  <a:srgbClr val="FF0000"/>
+                </a:solidFill>
+              </a:rPr>
+              <a:t>配套的还有</a:t>
+            </a:r>
+            <a:r>
+              <a:rPr lang="en-US" altLang="zh-CN" sz="1600" dirty="0" err="1">
+                <a:solidFill>
+                  <a:srgbClr val="FF0000"/>
+                </a:solidFill>
+              </a:rPr>
+              <a:t>updateFetch</a:t>
+            </a:r>
+            <a:r>
+              <a:rPr lang="en-US" altLang="zh-CN" sz="1600" dirty="0">
+                <a:solidFill>
+                  <a:srgbClr val="FF0000"/>
+                </a:solidFill>
+              </a:rPr>
+              <a:t>(</a:t>
+            </a:r>
+            <a:r>
+              <a:rPr lang="zh-CN" altLang="en-US" sz="1600" dirty="0">
+                <a:solidFill>
+                  <a:srgbClr val="FF0000"/>
+                </a:solidFill>
+              </a:rPr>
+              <a:t>锁记录、修改、返回修改后的结果</a:t>
+            </a:r>
+            <a:r>
+              <a:rPr lang="en-US" altLang="zh-CN" sz="1600" dirty="0">
+                <a:solidFill>
+                  <a:srgbClr val="FF0000"/>
+                </a:solidFill>
+              </a:rPr>
+              <a:t>)</a:t>
+            </a:r>
+            <a:r>
+              <a:rPr lang="zh-CN" altLang="en-US" sz="1600" dirty="0">
+                <a:solidFill>
+                  <a:srgbClr val="FF0000"/>
+                </a:solidFill>
+              </a:rPr>
+              <a:t>，比较适用于一些基于数据库的秒杀场景</a:t>
+            </a:r>
+            <a:endParaRPr lang="en-US" altLang="zh-CN" sz="1600" dirty="0">
+              <a:solidFill>
+                <a:srgbClr val="FF0000"/>
+              </a:solidFill>
+            </a:endParaRPr>
+          </a:p>
+          <a:p>
+            <a:pPr marL="285750" indent="-285750">
+              <a:buFont typeface="Wingdings" panose="05000000000000000000" pitchFamily="2" charset="2"/>
+              <a:buChar char="u"/>
+            </a:pPr>
+            <a:r>
+              <a:rPr lang="zh-CN" altLang="en-US" sz="1600" dirty="0">
+                <a:solidFill>
+                  <a:srgbClr val="FF0000"/>
+                </a:solidFill>
+              </a:rPr>
+              <a:t>您如果做过</a:t>
+            </a:r>
+            <a:r>
+              <a:rPr lang="en-US" altLang="zh-CN" sz="1600" dirty="0">
+                <a:solidFill>
+                  <a:srgbClr val="FF0000"/>
+                </a:solidFill>
+              </a:rPr>
+              <a:t>B</a:t>
+            </a:r>
+            <a:r>
+              <a:rPr lang="zh-CN" altLang="en-US" sz="1600" dirty="0">
+                <a:solidFill>
+                  <a:srgbClr val="FF0000"/>
+                </a:solidFill>
+              </a:rPr>
+              <a:t>端项目或者涉及库存台账、资金账的业务，你会发现</a:t>
+            </a:r>
+            <a:r>
+              <a:rPr lang="en-US" altLang="zh-CN" sz="1600" dirty="0" err="1">
+                <a:solidFill>
+                  <a:srgbClr val="FF0000"/>
+                </a:solidFill>
+              </a:rPr>
+              <a:t>sqltoy</a:t>
+            </a:r>
+            <a:r>
+              <a:rPr lang="zh-CN" altLang="en-US" sz="1600" dirty="0">
+                <a:solidFill>
+                  <a:srgbClr val="FF0000"/>
+                </a:solidFill>
+              </a:rPr>
+              <a:t>这些功能太赞了</a:t>
+            </a:r>
+            <a:endParaRPr lang="en-US" altLang="zh-CN" sz="1600" dirty="0">
+              <a:solidFill>
+                <a:srgbClr val="FF0000"/>
+              </a:solidFill>
+            </a:endParaRPr>
+          </a:p>
+          <a:p>
+            <a:pPr marL="285750" indent="-285750">
+              <a:buFont typeface="Wingdings" panose="05000000000000000000" pitchFamily="2" charset="2"/>
+              <a:buChar char="u"/>
+            </a:pPr>
+            <a:endParaRPr lang="zh-CN" altLang="en-US" sz="1600" dirty="0">
+              <a:solidFill>
+                <a:srgbClr val="FF0000"/>
+              </a:solidFill>
+            </a:endParaRPr>
+          </a:p>
+        </p:txBody>
+      </p:sp>
+    </p:spTree>
+    <p:extLst>
+      <p:ext uri="{BB962C8B-B14F-4D97-AF65-F5344CB8AC3E}">
+        <p14:creationId xmlns:p14="http://schemas.microsoft.com/office/powerpoint/2010/main" val="3367442854"/>
+      </p:ext>
+    </p:extLst>
+  </p:cSld>
+  <p:clrMapOvr>
+    <a:masterClrMapping/>
+  </p:clrMapOvr>
+</p:sld>
+</file>
+
+<file path=ppt/slides/slide6.xml><?xml version="1.0" encoding="utf-8"?>
+<p:sld xmlns:a="http://schemas.openxmlformats.org/drawingml/2006/main" xmlns:r="http://schemas.openxmlformats.org/officeDocument/2006/relationships" xmlns:p="http://schemas.openxmlformats.org/presentationml/2006/main">
+  <p:cSld>
+    <p:spTree>
+      <p:nvGrpSpPr>
+        <p:cNvPr id="1" name=""/>
+        <p:cNvGrpSpPr/>
+        <p:nvPr/>
+      </p:nvGrpSpPr>
+      <p:grpSpPr>
+        <a:xfrm>
+          <a:off x="0" y="0"/>
+          <a:ext cx="0" cy="0"/>
+          <a:chOff x="0" y="0"/>
+          <a:chExt cx="0" cy="0"/>
+        </a:xfrm>
+      </p:grpSpPr>
+      <p:sp>
+        <p:nvSpPr>
+          <p:cNvPr id="4099" name="文本框 15"/>
+          <p:cNvSpPr/>
+          <p:nvPr/>
+        </p:nvSpPr>
+        <p:spPr>
+          <a:xfrm>
+            <a:off x="171450" y="264477"/>
+            <a:ext cx="9754975" cy="400110"/>
+          </a:xfrm>
+          <a:prstGeom prst="rect">
+            <a:avLst/>
+          </a:prstGeom>
+          <a:noFill/>
+          <a:ln w="9525">
+            <a:noFill/>
+          </a:ln>
+        </p:spPr>
+        <p:txBody>
+          <a:bodyPr wrap="square" anchor="t">
+            <a:spAutoFit/>
+          </a:bodyPr>
+          <a:lstStyle/>
+          <a:p>
+            <a:pPr lvl="0" indent="0"/>
+            <a:r>
+              <a:rPr lang="en-US" altLang="zh-CN" sz="2000" b="1" dirty="0" err="1">
+                <a:solidFill>
+                  <a:schemeClr val="tx1">
+                    <a:lumMod val="65000"/>
+                    <a:lumOff val="35000"/>
+                  </a:schemeClr>
+                </a:solidFill>
+                <a:latin typeface="微软雅黑" panose="020B0503020204020204" charset="-122"/>
+                <a:ea typeface="微软雅黑" panose="020B0503020204020204" charset="-122"/>
+                <a:sym typeface="+mn-ea"/>
+              </a:rPr>
+              <a:t>sqltoy</a:t>
+            </a:r>
+            <a:r>
+              <a:rPr lang="zh-CN" altLang="en-US" sz="2000" b="1" dirty="0">
+                <a:solidFill>
+                  <a:schemeClr val="tx1">
+                    <a:lumMod val="65000"/>
+                    <a:lumOff val="35000"/>
+                  </a:schemeClr>
+                </a:solidFill>
+                <a:latin typeface="微软雅黑" panose="020B0503020204020204" charset="-122"/>
+                <a:ea typeface="微软雅黑" panose="020B0503020204020204" charset="-122"/>
+                <a:sym typeface="+mn-ea"/>
+              </a:rPr>
+              <a:t>的基本点：分库分表、公共字段赋值、特殊类型支持、关键词兼容</a:t>
+            </a:r>
+            <a:endParaRPr lang="en-US" altLang="zh-CN" sz="2000" b="1" dirty="0">
+              <a:solidFill>
+                <a:schemeClr val="tx1">
+                  <a:lumMod val="65000"/>
+                  <a:lumOff val="35000"/>
+                </a:schemeClr>
+              </a:solidFill>
+              <a:latin typeface="微软雅黑" panose="020B0503020204020204" charset="-122"/>
+              <a:ea typeface="微软雅黑" panose="020B0503020204020204" charset="-122"/>
+              <a:sym typeface="+mn-ea"/>
+            </a:endParaRPr>
+          </a:p>
+        </p:txBody>
+      </p:sp>
+      <p:sp>
+        <p:nvSpPr>
+          <p:cNvPr id="4100" name="矩形 5"/>
+          <p:cNvSpPr/>
+          <p:nvPr/>
+        </p:nvSpPr>
+        <p:spPr>
+          <a:xfrm>
+            <a:off x="0" y="342900"/>
+            <a:ext cx="171450" cy="571500"/>
+          </a:xfrm>
+          <a:prstGeom prst="rect">
+            <a:avLst/>
+          </a:prstGeom>
+          <a:solidFill>
+            <a:srgbClr val="00B0F0"/>
+          </a:solidFill>
+          <a:ln w="12700">
+            <a:noFill/>
+          </a:ln>
+        </p:spPr>
+        <p:txBody>
+          <a:bodyPr anchor="ctr"/>
+          <a:lstStyle/>
+          <a:p>
+            <a:pPr lvl="0" indent="0" algn="ctr"/>
+            <a:endParaRPr lang="zh-CN" altLang="en-US" b="1" i="1">
+              <a:solidFill>
+                <a:srgbClr val="FFFFFF"/>
+              </a:solidFill>
+              <a:latin typeface="Segoe UI Light" panose="020B0502040204020203" charset="0"/>
+              <a:ea typeface="方正中等线简体" panose="03000509000000000000" charset="-122"/>
+              <a:sym typeface="Segoe UI Light" panose="020B0502040204020203" charset="0"/>
+            </a:endParaRPr>
+          </a:p>
+        </p:txBody>
+      </p:sp>
+      <p:pic>
+        <p:nvPicPr>
+          <p:cNvPr id="4" name="图片 6" descr="C:\Users\mm\Desktop\最新logo\拉卡拉logo(1)-03.png拉卡拉logo(1)-03"/>
+          <p:cNvPicPr>
+            <a:picLocks noChangeAspect="1"/>
+          </p:cNvPicPr>
+          <p:nvPr/>
+        </p:nvPicPr>
+        <p:blipFill>
+          <a:blip r:embed="rId2"/>
+          <a:srcRect/>
+          <a:stretch>
+            <a:fillRect/>
+          </a:stretch>
+        </p:blipFill>
+        <p:spPr>
+          <a:xfrm>
+            <a:off x="10824369" y="95250"/>
+            <a:ext cx="1285875" cy="338455"/>
+          </a:xfrm>
+          <a:prstGeom prst="rect">
+            <a:avLst/>
+          </a:prstGeom>
+          <a:noFill/>
+          <a:ln w="9525">
+            <a:noFill/>
+          </a:ln>
+        </p:spPr>
+      </p:pic>
+      <p:sp>
+        <p:nvSpPr>
+          <p:cNvPr id="2" name="矩形 1">
+            <a:extLst>
+              <a:ext uri="{FF2B5EF4-FFF2-40B4-BE49-F238E27FC236}">
+                <a16:creationId xmlns:a16="http://schemas.microsoft.com/office/drawing/2014/main" id="{7FAE84AA-1422-4C38-A804-5EA30FCCAC37}"/>
+              </a:ext>
+            </a:extLst>
+          </p:cNvPr>
+          <p:cNvSpPr/>
+          <p:nvPr/>
+        </p:nvSpPr>
+        <p:spPr>
+          <a:xfrm>
+            <a:off x="282877" y="662379"/>
+            <a:ext cx="10764986" cy="668278"/>
+          </a:xfrm>
+          <a:prstGeom prst="rect">
+            <a:avLst/>
+          </a:prstGeom>
+        </p:spPr>
+        <p:style>
+          <a:lnRef idx="2">
+            <a:schemeClr val="accent1">
+              <a:shade val="50000"/>
+            </a:schemeClr>
+          </a:lnRef>
+          <a:fillRef idx="1">
+            <a:schemeClr val="accent1"/>
+          </a:fillRef>
+          <a:effectRef idx="0">
+            <a:schemeClr val="accent1"/>
+          </a:effectRef>
+          <a:fontRef idx="minor">
+            <a:schemeClr val="lt1"/>
+          </a:fontRef>
+        </p:style>
+        <p:txBody>
+          <a:bodyPr rtlCol="0" anchor="ctr"/>
+          <a:lstStyle/>
+          <a:p>
+            <a:r>
+              <a:rPr lang="zh-CN" altLang="en-US" sz="1600" dirty="0"/>
+              <a:t>个人观念：</a:t>
+            </a:r>
+            <a:r>
+              <a:rPr lang="en-US" altLang="zh-CN" sz="1600" dirty="0"/>
+              <a:t>hibernate/JPA</a:t>
+            </a:r>
+            <a:r>
+              <a:rPr lang="zh-CN" altLang="en-US" sz="1600" dirty="0"/>
+              <a:t> 所提供的功能其实都可列为基本点，因为所有人都受其影响，借鉴其特点，任何一个后来的</a:t>
+            </a:r>
+            <a:r>
+              <a:rPr lang="en-US" altLang="zh-CN" sz="1600" dirty="0"/>
+              <a:t>ORM</a:t>
+            </a:r>
+            <a:r>
+              <a:rPr lang="zh-CN" altLang="en-US" sz="1600" dirty="0"/>
+              <a:t>都不能将其提供的同类功能</a:t>
+            </a:r>
+            <a:r>
+              <a:rPr lang="en-US" altLang="zh-CN" sz="1600" dirty="0"/>
+              <a:t>(</a:t>
+            </a:r>
+            <a:r>
+              <a:rPr lang="zh-CN" altLang="en-US" sz="1600" dirty="0"/>
+              <a:t>或写法上的小改进</a:t>
+            </a:r>
+            <a:r>
+              <a:rPr lang="en-US" altLang="zh-CN" sz="1600" dirty="0"/>
+              <a:t>)</a:t>
+            </a:r>
+            <a:r>
+              <a:rPr lang="zh-CN" altLang="en-US" sz="1600" dirty="0"/>
+              <a:t>说成自己的亮点，</a:t>
+            </a:r>
+            <a:r>
+              <a:rPr lang="en-US" altLang="zh-CN" sz="1600" dirty="0" err="1"/>
+              <a:t>sqltoy</a:t>
+            </a:r>
+            <a:r>
+              <a:rPr lang="zh-CN" altLang="en-US" sz="1600" dirty="0"/>
+              <a:t>承认</a:t>
+            </a:r>
+            <a:r>
+              <a:rPr lang="en-US" altLang="zh-CN" sz="1600" dirty="0"/>
+              <a:t>hibernate/</a:t>
+            </a:r>
+            <a:r>
+              <a:rPr lang="en-US" altLang="zh-CN" sz="1600" dirty="0" err="1"/>
+              <a:t>jpa</a:t>
+            </a:r>
+            <a:r>
+              <a:rPr lang="zh-CN" altLang="en-US" sz="1600" dirty="0"/>
+              <a:t>的很多思想的本源</a:t>
+            </a:r>
+          </a:p>
+        </p:txBody>
+      </p:sp>
+      <p:pic>
+        <p:nvPicPr>
+          <p:cNvPr id="6" name="图片 5">
+            <a:extLst>
+              <a:ext uri="{FF2B5EF4-FFF2-40B4-BE49-F238E27FC236}">
+                <a16:creationId xmlns:a16="http://schemas.microsoft.com/office/drawing/2014/main" id="{4F5FE057-AA75-4E01-8C20-131FEEA2F0A2}"/>
+              </a:ext>
+            </a:extLst>
+          </p:cNvPr>
+          <p:cNvPicPr>
+            <a:picLocks noChangeAspect="1"/>
+          </p:cNvPicPr>
+          <p:nvPr/>
+        </p:nvPicPr>
+        <p:blipFill>
+          <a:blip r:embed="rId3" cstate="print">
+            <a:extLst>
+              <a:ext uri="{28A0092B-C50C-407E-A947-70E740481C1C}">
+                <a14:useLocalDpi xmlns:a14="http://schemas.microsoft.com/office/drawing/2010/main" val="0"/>
+              </a:ext>
+            </a:extLst>
+          </a:blip>
+          <a:stretch>
+            <a:fillRect/>
+          </a:stretch>
+        </p:blipFill>
+        <p:spPr>
+          <a:xfrm>
+            <a:off x="282877" y="1330657"/>
+            <a:ext cx="2856108" cy="2830075"/>
+          </a:xfrm>
+          <a:prstGeom prst="rect">
+            <a:avLst/>
+          </a:prstGeom>
+        </p:spPr>
+      </p:pic>
+      <p:pic>
+        <p:nvPicPr>
+          <p:cNvPr id="8" name="图片 7">
+            <a:extLst>
+              <a:ext uri="{FF2B5EF4-FFF2-40B4-BE49-F238E27FC236}">
+                <a16:creationId xmlns:a16="http://schemas.microsoft.com/office/drawing/2014/main" id="{1A6E7309-80F7-4B7F-B444-80447EE46B72}"/>
+              </a:ext>
+            </a:extLst>
+          </p:cNvPr>
+          <p:cNvPicPr>
+            <a:picLocks noChangeAspect="1"/>
+          </p:cNvPicPr>
+          <p:nvPr/>
+        </p:nvPicPr>
+        <p:blipFill>
+          <a:blip r:embed="rId4" cstate="print">
+            <a:extLst>
+              <a:ext uri="{28A0092B-C50C-407E-A947-70E740481C1C}">
+                <a14:useLocalDpi xmlns:a14="http://schemas.microsoft.com/office/drawing/2010/main" val="0"/>
+              </a:ext>
+            </a:extLst>
+          </a:blip>
+          <a:stretch>
+            <a:fillRect/>
+          </a:stretch>
+        </p:blipFill>
+        <p:spPr>
+          <a:xfrm>
+            <a:off x="3397142" y="1367763"/>
+            <a:ext cx="3103753" cy="3234519"/>
+          </a:xfrm>
+          <a:prstGeom prst="rect">
+            <a:avLst/>
+          </a:prstGeom>
+        </p:spPr>
+      </p:pic>
+      <p:pic>
+        <p:nvPicPr>
+          <p:cNvPr id="12" name="图片 11">
+            <a:extLst>
+              <a:ext uri="{FF2B5EF4-FFF2-40B4-BE49-F238E27FC236}">
+                <a16:creationId xmlns:a16="http://schemas.microsoft.com/office/drawing/2014/main" id="{822BC60F-10F7-4236-8ED2-1D5AEA046325}"/>
+              </a:ext>
+            </a:extLst>
+          </p:cNvPr>
+          <p:cNvPicPr>
+            <a:picLocks noChangeAspect="1"/>
+          </p:cNvPicPr>
+          <p:nvPr/>
+        </p:nvPicPr>
+        <p:blipFill>
+          <a:blip r:embed="rId5">
+            <a:extLst>
+              <a:ext uri="{28A0092B-C50C-407E-A947-70E740481C1C}">
+                <a14:useLocalDpi xmlns:a14="http://schemas.microsoft.com/office/drawing/2010/main" val="0"/>
+              </a:ext>
+            </a:extLst>
+          </a:blip>
+          <a:stretch>
+            <a:fillRect/>
+          </a:stretch>
+        </p:blipFill>
+        <p:spPr>
+          <a:xfrm>
+            <a:off x="6463362" y="1330657"/>
+            <a:ext cx="4190716" cy="1336373"/>
+          </a:xfrm>
+          <a:prstGeom prst="rect">
+            <a:avLst/>
+          </a:prstGeom>
+        </p:spPr>
+      </p:pic>
+      <p:pic>
+        <p:nvPicPr>
+          <p:cNvPr id="14" name="图片 13">
+            <a:extLst>
+              <a:ext uri="{FF2B5EF4-FFF2-40B4-BE49-F238E27FC236}">
+                <a16:creationId xmlns:a16="http://schemas.microsoft.com/office/drawing/2014/main" id="{41C6F575-E891-4A7D-AF44-9C96450F4DD1}"/>
+              </a:ext>
+            </a:extLst>
+          </p:cNvPr>
+          <p:cNvPicPr>
+            <a:picLocks noChangeAspect="1"/>
+          </p:cNvPicPr>
+          <p:nvPr/>
+        </p:nvPicPr>
+        <p:blipFill>
+          <a:blip r:embed="rId6" cstate="print">
+            <a:extLst>
+              <a:ext uri="{28A0092B-C50C-407E-A947-70E740481C1C}">
+                <a14:useLocalDpi xmlns:a14="http://schemas.microsoft.com/office/drawing/2010/main" val="0"/>
+              </a:ext>
+            </a:extLst>
+          </a:blip>
+          <a:stretch>
+            <a:fillRect/>
+          </a:stretch>
+        </p:blipFill>
+        <p:spPr>
+          <a:xfrm>
+            <a:off x="6471668" y="2667030"/>
+            <a:ext cx="3103753" cy="2159828"/>
+          </a:xfrm>
+          <a:prstGeom prst="rect">
+            <a:avLst/>
+          </a:prstGeom>
+        </p:spPr>
+      </p:pic>
+      <p:pic>
+        <p:nvPicPr>
+          <p:cNvPr id="16" name="图片 15">
+            <a:extLst>
+              <a:ext uri="{FF2B5EF4-FFF2-40B4-BE49-F238E27FC236}">
+                <a16:creationId xmlns:a16="http://schemas.microsoft.com/office/drawing/2014/main" id="{626003F8-5D4A-47D2-8689-ADD34F50F1A1}"/>
+              </a:ext>
+            </a:extLst>
+          </p:cNvPr>
+          <p:cNvPicPr>
+            <a:picLocks noChangeAspect="1"/>
+          </p:cNvPicPr>
+          <p:nvPr/>
+        </p:nvPicPr>
+        <p:blipFill>
+          <a:blip r:embed="rId7" cstate="print">
+            <a:extLst>
+              <a:ext uri="{28A0092B-C50C-407E-A947-70E740481C1C}">
+                <a14:useLocalDpi xmlns:a14="http://schemas.microsoft.com/office/drawing/2010/main" val="0"/>
+              </a:ext>
+            </a:extLst>
+          </a:blip>
+          <a:stretch>
+            <a:fillRect/>
+          </a:stretch>
+        </p:blipFill>
+        <p:spPr>
+          <a:xfrm>
+            <a:off x="9547099" y="2644376"/>
+            <a:ext cx="2284371" cy="2978100"/>
+          </a:xfrm>
+          <a:prstGeom prst="rect">
+            <a:avLst/>
+          </a:prstGeom>
+        </p:spPr>
+      </p:pic>
+      <p:pic>
+        <p:nvPicPr>
+          <p:cNvPr id="18" name="图片 17">
+            <a:extLst>
+              <a:ext uri="{FF2B5EF4-FFF2-40B4-BE49-F238E27FC236}">
+                <a16:creationId xmlns:a16="http://schemas.microsoft.com/office/drawing/2014/main" id="{5AC9BC90-F6CC-42BA-B271-48183CBDE222}"/>
+              </a:ext>
+            </a:extLst>
+          </p:cNvPr>
+          <p:cNvPicPr>
+            <a:picLocks noChangeAspect="1"/>
+          </p:cNvPicPr>
+          <p:nvPr/>
+        </p:nvPicPr>
+        <p:blipFill>
+          <a:blip r:embed="rId8" cstate="print">
+            <a:extLst>
+              <a:ext uri="{28A0092B-C50C-407E-A947-70E740481C1C}">
+                <a14:useLocalDpi xmlns:a14="http://schemas.microsoft.com/office/drawing/2010/main" val="0"/>
+              </a:ext>
+            </a:extLst>
+          </a:blip>
+          <a:stretch>
+            <a:fillRect/>
+          </a:stretch>
+        </p:blipFill>
+        <p:spPr>
+          <a:xfrm>
+            <a:off x="259548" y="4167093"/>
+            <a:ext cx="2723068" cy="2522992"/>
+          </a:xfrm>
+          <a:prstGeom prst="rect">
+            <a:avLst/>
+          </a:prstGeom>
+        </p:spPr>
+      </p:pic>
+      <p:pic>
+        <p:nvPicPr>
+          <p:cNvPr id="20" name="图片 19">
+            <a:extLst>
+              <a:ext uri="{FF2B5EF4-FFF2-40B4-BE49-F238E27FC236}">
+                <a16:creationId xmlns:a16="http://schemas.microsoft.com/office/drawing/2014/main" id="{85384364-7E40-46A6-A87D-5A164258FC10}"/>
+              </a:ext>
+            </a:extLst>
+          </p:cNvPr>
+          <p:cNvPicPr>
+            <a:picLocks noChangeAspect="1"/>
+          </p:cNvPicPr>
+          <p:nvPr/>
+        </p:nvPicPr>
+        <p:blipFill>
+          <a:blip r:embed="rId9">
+            <a:extLst>
+              <a:ext uri="{28A0092B-C50C-407E-A947-70E740481C1C}">
+                <a14:useLocalDpi xmlns:a14="http://schemas.microsoft.com/office/drawing/2010/main" val="0"/>
+              </a:ext>
+            </a:extLst>
+          </a:blip>
+          <a:stretch>
+            <a:fillRect/>
+          </a:stretch>
+        </p:blipFill>
+        <p:spPr>
+          <a:xfrm>
+            <a:off x="2723308" y="4826802"/>
+            <a:ext cx="5026767" cy="1603461"/>
+          </a:xfrm>
+          <a:prstGeom prst="rect">
+            <a:avLst/>
+          </a:prstGeom>
+        </p:spPr>
+      </p:pic>
+    </p:spTree>
+    <p:extLst>
+      <p:ext uri="{BB962C8B-B14F-4D97-AF65-F5344CB8AC3E}">
+        <p14:creationId xmlns:p14="http://schemas.microsoft.com/office/powerpoint/2010/main" val="1715078832"/>
+      </p:ext>
+    </p:extLst>
+  </p:cSld>
+  <p:clrMapOvr>
+    <a:masterClrMapping/>
+  </p:clrMapOvr>
+</p:sld>
+</file>
+
+<file path=ppt/slides/slide7.xml><?xml version="1.0" encoding="utf-8"?>
+<p:sld xmlns:a="http://schemas.openxmlformats.org/drawingml/2006/main" xmlns:r="http://schemas.openxmlformats.org/officeDocument/2006/relationships" xmlns:p="http://schemas.openxmlformats.org/presentationml/2006/main">
+  <p:cSld>
+    <p:spTree>
+      <p:nvGrpSpPr>
+        <p:cNvPr id="1" name=""/>
+        <p:cNvGrpSpPr/>
+        <p:nvPr/>
+      </p:nvGrpSpPr>
+      <p:grpSpPr>
+        <a:xfrm>
+          <a:off x="0" y="0"/>
+          <a:ext cx="0" cy="0"/>
+          <a:chOff x="0" y="0"/>
+          <a:chExt cx="0" cy="0"/>
+        </a:xfrm>
+      </p:grpSpPr>
+      <p:sp>
+        <p:nvSpPr>
+          <p:cNvPr id="4099" name="文本框 15"/>
+          <p:cNvSpPr/>
+          <p:nvPr/>
+        </p:nvSpPr>
+        <p:spPr>
+          <a:xfrm>
+            <a:off x="171450" y="264477"/>
+            <a:ext cx="9754975" cy="400110"/>
+          </a:xfrm>
+          <a:prstGeom prst="rect">
+            <a:avLst/>
+          </a:prstGeom>
+          <a:noFill/>
+          <a:ln w="9525">
+            <a:noFill/>
+          </a:ln>
+        </p:spPr>
+        <p:txBody>
+          <a:bodyPr wrap="square" anchor="t">
+            <a:spAutoFit/>
+          </a:bodyPr>
+          <a:lstStyle/>
+          <a:p>
+            <a:pPr lvl="0" indent="0"/>
+            <a:r>
+              <a:rPr lang="en-US" altLang="zh-CN" sz="2000" b="1" dirty="0">
+                <a:solidFill>
+                  <a:schemeClr val="tx1">
+                    <a:lumMod val="65000"/>
+                    <a:lumOff val="35000"/>
+                  </a:schemeClr>
+                </a:solidFill>
+                <a:latin typeface="微软雅黑" panose="020B0503020204020204" charset="-122"/>
+                <a:ea typeface="微软雅黑" panose="020B0503020204020204" charset="-122"/>
+                <a:sym typeface="+mn-ea"/>
+              </a:rPr>
+              <a:t>ORM</a:t>
+            </a:r>
+            <a:r>
+              <a:rPr lang="zh-CN" altLang="en-US" sz="2000" b="1" dirty="0">
+                <a:solidFill>
+                  <a:schemeClr val="tx1">
+                    <a:lumMod val="65000"/>
+                    <a:lumOff val="35000"/>
+                  </a:schemeClr>
+                </a:solidFill>
+                <a:latin typeface="微软雅黑" panose="020B0503020204020204" charset="-122"/>
+                <a:ea typeface="微软雅黑" panose="020B0503020204020204" charset="-122"/>
+                <a:sym typeface="+mn-ea"/>
+              </a:rPr>
+              <a:t>棘手点</a:t>
+            </a:r>
+            <a:r>
+              <a:rPr lang="en-US" altLang="zh-CN" sz="2000" b="1" dirty="0" err="1">
+                <a:solidFill>
+                  <a:schemeClr val="tx1">
+                    <a:lumMod val="65000"/>
+                    <a:lumOff val="35000"/>
+                  </a:schemeClr>
+                </a:solidFill>
+                <a:latin typeface="微软雅黑" panose="020B0503020204020204" charset="-122"/>
+                <a:ea typeface="微软雅黑" panose="020B0503020204020204" charset="-122"/>
+                <a:sym typeface="+mn-ea"/>
+              </a:rPr>
+              <a:t>sqltoy</a:t>
+            </a:r>
+            <a:r>
+              <a:rPr lang="zh-CN" altLang="en-US" sz="2000" b="1" dirty="0">
+                <a:solidFill>
+                  <a:schemeClr val="tx1">
+                    <a:lumMod val="65000"/>
+                    <a:lumOff val="35000"/>
+                  </a:schemeClr>
+                </a:solidFill>
+                <a:latin typeface="微软雅黑" panose="020B0503020204020204" charset="-122"/>
+                <a:ea typeface="微软雅黑" panose="020B0503020204020204" charset="-122"/>
+                <a:sym typeface="+mn-ea"/>
+              </a:rPr>
+              <a:t>的对策</a:t>
+            </a:r>
+            <a:r>
+              <a:rPr lang="en-US" altLang="zh-CN" sz="2000" b="1" dirty="0">
+                <a:solidFill>
+                  <a:schemeClr val="tx1">
+                    <a:lumMod val="65000"/>
+                    <a:lumOff val="35000"/>
+                  </a:schemeClr>
+                </a:solidFill>
+                <a:latin typeface="微软雅黑" panose="020B0503020204020204" charset="-122"/>
+                <a:ea typeface="微软雅黑" panose="020B0503020204020204" charset="-122"/>
+                <a:sym typeface="+mn-ea"/>
+              </a:rPr>
+              <a:t>:</a:t>
+            </a:r>
+            <a:r>
+              <a:rPr lang="zh-CN" altLang="en-US" sz="2000" b="1" dirty="0">
+                <a:solidFill>
+                  <a:schemeClr val="tx1">
+                    <a:lumMod val="65000"/>
+                    <a:lumOff val="35000"/>
+                  </a:schemeClr>
+                </a:solidFill>
+                <a:latin typeface="微软雅黑" panose="020B0503020204020204" charset="-122"/>
+                <a:ea typeface="微软雅黑" panose="020B0503020204020204" charset="-122"/>
+                <a:sym typeface="+mn-ea"/>
+              </a:rPr>
+              <a:t>性能、性能、性能！</a:t>
+            </a:r>
+            <a:endParaRPr lang="en-US" altLang="zh-CN" sz="2000" b="1" dirty="0">
+              <a:solidFill>
+                <a:schemeClr val="tx1">
+                  <a:lumMod val="65000"/>
+                  <a:lumOff val="35000"/>
+                </a:schemeClr>
+              </a:solidFill>
+              <a:latin typeface="微软雅黑" panose="020B0503020204020204" charset="-122"/>
+              <a:ea typeface="微软雅黑" panose="020B0503020204020204" charset="-122"/>
+              <a:sym typeface="+mn-ea"/>
+            </a:endParaRPr>
+          </a:p>
+        </p:txBody>
+      </p:sp>
+      <p:sp>
+        <p:nvSpPr>
+          <p:cNvPr id="4100" name="矩形 5"/>
+          <p:cNvSpPr/>
+          <p:nvPr/>
+        </p:nvSpPr>
+        <p:spPr>
+          <a:xfrm>
+            <a:off x="0" y="342900"/>
+            <a:ext cx="171450" cy="571500"/>
+          </a:xfrm>
+          <a:prstGeom prst="rect">
+            <a:avLst/>
+          </a:prstGeom>
+          <a:solidFill>
+            <a:srgbClr val="00B0F0"/>
+          </a:solidFill>
+          <a:ln w="12700">
+            <a:noFill/>
+          </a:ln>
+        </p:spPr>
+        <p:txBody>
+          <a:bodyPr anchor="ctr"/>
+          <a:lstStyle/>
+          <a:p>
+            <a:pPr lvl="0" indent="0" algn="ctr"/>
+            <a:endParaRPr lang="zh-CN" altLang="en-US" b="1" i="1">
+              <a:solidFill>
+                <a:srgbClr val="FFFFFF"/>
+              </a:solidFill>
+              <a:latin typeface="Segoe UI Light" panose="020B0502040204020203" charset="0"/>
+              <a:ea typeface="方正中等线简体" panose="03000509000000000000" charset="-122"/>
+              <a:sym typeface="Segoe UI Light" panose="020B0502040204020203" charset="0"/>
+            </a:endParaRPr>
+          </a:p>
+        </p:txBody>
+      </p:sp>
+      <p:pic>
+        <p:nvPicPr>
+          <p:cNvPr id="4" name="图片 6" descr="C:\Users\mm\Desktop\最新logo\拉卡拉logo(1)-03.png拉卡拉logo(1)-03"/>
+          <p:cNvPicPr>
+            <a:picLocks noChangeAspect="1"/>
+          </p:cNvPicPr>
+          <p:nvPr/>
+        </p:nvPicPr>
+        <p:blipFill>
+          <a:blip r:embed="rId2"/>
+          <a:srcRect/>
+          <a:stretch>
+            <a:fillRect/>
+          </a:stretch>
+        </p:blipFill>
+        <p:spPr>
+          <a:xfrm>
+            <a:off x="10824369" y="95250"/>
+            <a:ext cx="1285875" cy="338455"/>
+          </a:xfrm>
+          <a:prstGeom prst="rect">
+            <a:avLst/>
+          </a:prstGeom>
+          <a:noFill/>
+          <a:ln w="9525">
+            <a:noFill/>
+          </a:ln>
+        </p:spPr>
+      </p:pic>
+      <p:sp>
+        <p:nvSpPr>
+          <p:cNvPr id="2" name="矩形 1">
+            <a:extLst>
+              <a:ext uri="{FF2B5EF4-FFF2-40B4-BE49-F238E27FC236}">
+                <a16:creationId xmlns:a16="http://schemas.microsoft.com/office/drawing/2014/main" id="{7FAE84AA-1422-4C38-A804-5EA30FCCAC37}"/>
+              </a:ext>
+            </a:extLst>
+          </p:cNvPr>
+          <p:cNvSpPr/>
+          <p:nvPr/>
+        </p:nvSpPr>
+        <p:spPr>
+          <a:xfrm>
+            <a:off x="255581" y="628650"/>
+            <a:ext cx="11563380" cy="2080432"/>
+          </a:xfrm>
+          <a:prstGeom prst="rect">
+            <a:avLst/>
+          </a:prstGeom>
+        </p:spPr>
+        <p:style>
+          <a:lnRef idx="2">
+            <a:schemeClr val="accent2"/>
+          </a:lnRef>
+          <a:fillRef idx="1">
+            <a:schemeClr val="lt1"/>
+          </a:fillRef>
+          <a:effectRef idx="0">
+            <a:schemeClr val="accent2"/>
+          </a:effectRef>
+          <a:fontRef idx="minor">
+            <a:schemeClr val="dk1"/>
+          </a:fontRef>
+        </p:style>
+        <p:txBody>
+          <a:bodyPr rtlCol="0" anchor="t"/>
+          <a:lstStyle/>
+          <a:p>
+            <a:r>
+              <a:rPr lang="zh-CN" altLang="en-US" sz="1400" dirty="0"/>
+              <a:t>您知道性能相差几倍、十几倍意味着什么？</a:t>
+            </a:r>
+            <a:endParaRPr lang="en-US" altLang="zh-CN" sz="1400" dirty="0"/>
+          </a:p>
+          <a:p>
+            <a:pPr marL="285750" indent="-285750">
+              <a:buFont typeface="Wingdings" panose="05000000000000000000" pitchFamily="2" charset="2"/>
+              <a:buChar char="Ø"/>
+            </a:pPr>
+            <a:r>
+              <a:rPr lang="en-US" altLang="zh-CN" sz="1400" dirty="0"/>
+              <a:t>2008</a:t>
+            </a:r>
+            <a:r>
+              <a:rPr lang="zh-CN" altLang="en-US" sz="1400" dirty="0"/>
+              <a:t>年</a:t>
+            </a:r>
+            <a:r>
+              <a:rPr lang="en-US" altLang="zh-CN" sz="1400" dirty="0"/>
+              <a:t>:</a:t>
+            </a:r>
+            <a:r>
+              <a:rPr lang="zh-CN" altLang="en-US" sz="1400" dirty="0"/>
+              <a:t>宁波农行项目，业务方项目负责人给行长演示，一个查询等了十几分钟没有出来，那种尴尬的氛围、空气的凝固、负责人内心的凌乱，给领导无力的解释，努力面对领导挤出来的笑脸，事后对开发的无情的鄙视</a:t>
+            </a:r>
+            <a:r>
+              <a:rPr lang="en-US" altLang="zh-CN" sz="1400" dirty="0"/>
+              <a:t>!</a:t>
+            </a:r>
+            <a:r>
+              <a:rPr lang="zh-CN" altLang="en-US" sz="1400" dirty="0"/>
+              <a:t>业务方负责人好端端表现的机会被一群草包开发搅和了</a:t>
+            </a:r>
+            <a:endParaRPr lang="en-US" altLang="zh-CN" sz="1400" dirty="0"/>
+          </a:p>
+          <a:p>
+            <a:r>
+              <a:rPr lang="en-US" altLang="zh-CN" sz="1400" dirty="0"/>
+              <a:t>      </a:t>
+            </a:r>
+            <a:r>
+              <a:rPr lang="zh-CN" altLang="en-US" sz="1400" dirty="0"/>
+              <a:t>作为临时接手这个项目的我看着这一切，哎！我知道客户在心里骂了团队不止一万次的傻逼！</a:t>
+            </a:r>
+            <a:endParaRPr lang="en-US" altLang="zh-CN" sz="1400" dirty="0"/>
+          </a:p>
+          <a:p>
+            <a:pPr marL="285750" indent="-285750">
+              <a:buFont typeface="Wingdings" panose="05000000000000000000" pitchFamily="2" charset="2"/>
+              <a:buChar char="Ø"/>
+            </a:pPr>
+            <a:r>
+              <a:rPr lang="en-US" altLang="zh-CN" sz="1400" dirty="0"/>
+              <a:t>2010</a:t>
+            </a:r>
+            <a:r>
+              <a:rPr lang="zh-CN" altLang="en-US" sz="1400" dirty="0"/>
+              <a:t>年：上海建行项目，一个统计从晚上下班点执行，第二天早上看结果，被我们改造后变成</a:t>
+            </a:r>
+            <a:r>
+              <a:rPr lang="en-US" altLang="zh-CN" sz="1400" dirty="0"/>
+              <a:t>5</a:t>
+            </a:r>
+            <a:r>
+              <a:rPr lang="zh-CN" altLang="en-US" sz="1400" dirty="0"/>
+              <a:t>秒，客户的结论：前任开发是废物，我们果然是强</a:t>
+            </a:r>
+            <a:endParaRPr lang="en-US" altLang="zh-CN" sz="1400" dirty="0"/>
+          </a:p>
+          <a:p>
+            <a:pPr marL="285750" indent="-285750">
+              <a:buFont typeface="Wingdings" panose="05000000000000000000" pitchFamily="2" charset="2"/>
+              <a:buChar char="Ø"/>
+            </a:pPr>
+            <a:r>
+              <a:rPr lang="en-US" altLang="zh-CN" sz="1400" dirty="0"/>
+              <a:t>2011</a:t>
+            </a:r>
+            <a:r>
+              <a:rPr lang="zh-CN" altLang="en-US" sz="1400" dirty="0"/>
+              <a:t>年：山东农信项目，客户的要求是数据模拟</a:t>
+            </a:r>
+            <a:r>
+              <a:rPr lang="en-US" altLang="zh-CN" sz="1400" dirty="0"/>
+              <a:t>500</a:t>
+            </a:r>
+            <a:r>
+              <a:rPr lang="zh-CN" altLang="en-US" sz="1400" dirty="0"/>
+              <a:t>万</a:t>
+            </a:r>
+            <a:r>
+              <a:rPr lang="en-US" altLang="zh-CN" sz="1400" dirty="0"/>
+              <a:t>100</a:t>
+            </a:r>
+            <a:r>
+              <a:rPr lang="zh-CN" altLang="en-US" sz="1400" dirty="0"/>
+              <a:t>个并发，必须要</a:t>
+            </a:r>
+            <a:r>
+              <a:rPr lang="en-US" altLang="zh-CN" sz="1400" dirty="0"/>
+              <a:t>3~8</a:t>
+            </a:r>
+            <a:r>
+              <a:rPr lang="zh-CN" altLang="en-US" sz="1400" dirty="0"/>
+              <a:t>秒返回，否则项目不验收不付款</a:t>
+            </a:r>
+            <a:endParaRPr lang="en-US" altLang="zh-CN" sz="1400" dirty="0"/>
+          </a:p>
+          <a:p>
+            <a:r>
+              <a:rPr lang="zh-CN" altLang="en-US" sz="1400" dirty="0">
+                <a:solidFill>
+                  <a:srgbClr val="FF0000"/>
+                </a:solidFill>
+              </a:rPr>
+              <a:t>系统性能绝大多数取决于数据库</a:t>
+            </a:r>
+            <a:r>
+              <a:rPr lang="en-US" altLang="zh-CN" sz="1400" dirty="0">
+                <a:solidFill>
+                  <a:srgbClr val="FF0000"/>
+                </a:solidFill>
+              </a:rPr>
+              <a:t>IO</a:t>
+            </a:r>
+            <a:r>
+              <a:rPr lang="zh-CN" altLang="en-US" sz="1400" dirty="0">
+                <a:solidFill>
+                  <a:srgbClr val="FF0000"/>
+                </a:solidFill>
+              </a:rPr>
+              <a:t>，更多是查询</a:t>
+            </a:r>
+            <a:endParaRPr lang="en-US" altLang="zh-CN" sz="1400" dirty="0">
+              <a:solidFill>
+                <a:srgbClr val="FF0000"/>
+              </a:solidFill>
+            </a:endParaRPr>
+          </a:p>
+          <a:p>
+            <a:r>
+              <a:rPr lang="zh-CN" altLang="en-US" sz="1400" dirty="0">
+                <a:solidFill>
+                  <a:srgbClr val="FF0000"/>
+                </a:solidFill>
+              </a:rPr>
+              <a:t>性能好坏影响项目成败、用户体验和评价认可，一些卡慢的点影响全局、成为项目的痛点，充当着一颗老鼠屎的角色搅乱一锅粥</a:t>
+            </a:r>
+            <a:endParaRPr lang="en-US" altLang="zh-CN" sz="1400" dirty="0">
+              <a:solidFill>
+                <a:srgbClr val="FF0000"/>
+              </a:solidFill>
+            </a:endParaRPr>
+          </a:p>
+          <a:p>
+            <a:endParaRPr lang="zh-CN" altLang="en-US" sz="1400" dirty="0">
+              <a:solidFill>
+                <a:srgbClr val="FF0000"/>
+              </a:solidFill>
+            </a:endParaRPr>
+          </a:p>
+        </p:txBody>
+      </p:sp>
+      <p:pic>
+        <p:nvPicPr>
+          <p:cNvPr id="2050" name="Picture 2" descr="阐述sqltoy为什么秒杀mybatis(plus)">
+            <a:extLst>
+              <a:ext uri="{FF2B5EF4-FFF2-40B4-BE49-F238E27FC236}">
+                <a16:creationId xmlns:a16="http://schemas.microsoft.com/office/drawing/2014/main" id="{29A84176-6B1D-4D94-84F4-28319627CE9D}"/>
+              </a:ext>
+            </a:extLst>
+          </p:cNvPr>
+          <p:cNvPicPr>
+            <a:picLocks noChangeAspect="1" noChangeArrowheads="1"/>
+          </p:cNvPicPr>
+          <p:nvPr/>
+        </p:nvPicPr>
+        <p:blipFill>
+          <a:blip r:embed="rId3" cstate="print">
+            <a:extLst>
+              <a:ext uri="{28A0092B-C50C-407E-A947-70E740481C1C}">
+                <a14:useLocalDpi xmlns:a14="http://schemas.microsoft.com/office/drawing/2010/main" val="0"/>
+              </a:ext>
+            </a:extLst>
+          </a:blip>
+          <a:srcRect/>
+          <a:stretch>
+            <a:fillRect/>
+          </a:stretch>
+        </p:blipFill>
+        <p:spPr bwMode="auto">
+          <a:xfrm>
+            <a:off x="77467" y="3160792"/>
+            <a:ext cx="4216023" cy="2857872"/>
+          </a:xfrm>
+          <a:prstGeom prst="rect">
+            <a:avLst/>
+          </a:prstGeom>
+          <a:noFill/>
+          <a:extLst>
+            <a:ext uri="{909E8E84-426E-40DD-AFC4-6F175D3DCCD1}">
+              <a14:hiddenFill xmlns:a14="http://schemas.microsoft.com/office/drawing/2010/main">
+                <a:solidFill>
+                  <a:srgbClr val="FFFFFF"/>
+                </a:solidFill>
+              </a14:hiddenFill>
+            </a:ext>
+          </a:extLst>
+        </p:spPr>
+      </p:pic>
+      <p:sp>
+        <p:nvSpPr>
+          <p:cNvPr id="3" name="矩形: 圆角 2">
+            <a:extLst>
+              <a:ext uri="{FF2B5EF4-FFF2-40B4-BE49-F238E27FC236}">
+                <a16:creationId xmlns:a16="http://schemas.microsoft.com/office/drawing/2014/main" id="{ACF5C821-2F39-49F5-8F18-E9C97D1A4D3A}"/>
+              </a:ext>
+            </a:extLst>
+          </p:cNvPr>
+          <p:cNvSpPr/>
+          <p:nvPr/>
+        </p:nvSpPr>
+        <p:spPr>
+          <a:xfrm>
+            <a:off x="77467" y="2818848"/>
+            <a:ext cx="3643099" cy="302759"/>
+          </a:xfrm>
+          <a:prstGeom prst="roundRect">
+            <a:avLst/>
+          </a:prstGeom>
+        </p:spPr>
+        <p:style>
+          <a:lnRef idx="2">
+            <a:schemeClr val="accent1">
+              <a:shade val="50000"/>
+            </a:schemeClr>
+          </a:lnRef>
+          <a:fillRef idx="1">
+            <a:schemeClr val="accent1"/>
+          </a:fillRef>
+          <a:effectRef idx="0">
+            <a:schemeClr val="accent1"/>
+          </a:effectRef>
+          <a:fontRef idx="minor">
+            <a:schemeClr val="lt1"/>
+          </a:fontRef>
+        </p:style>
+        <p:txBody>
+          <a:bodyPr rtlCol="0" anchor="ctr"/>
+          <a:lstStyle/>
+          <a:p>
+            <a:r>
+              <a:rPr lang="en-US" altLang="zh-CN" sz="1600" dirty="0" err="1"/>
+              <a:t>sqltoy</a:t>
+            </a:r>
+            <a:r>
+              <a:rPr lang="zh-CN" altLang="en-US" sz="1600" dirty="0"/>
+              <a:t>独创的缓存翻译，减少关联查询</a:t>
+            </a:r>
+          </a:p>
+        </p:txBody>
+      </p:sp>
+      <p:pic>
+        <p:nvPicPr>
+          <p:cNvPr id="10" name="图片 9">
+            <a:extLst>
+              <a:ext uri="{FF2B5EF4-FFF2-40B4-BE49-F238E27FC236}">
+                <a16:creationId xmlns:a16="http://schemas.microsoft.com/office/drawing/2014/main" id="{78AABBA4-006C-4010-81A1-71A11461A8A5}"/>
+              </a:ext>
+            </a:extLst>
+          </p:cNvPr>
+          <p:cNvPicPr>
+            <a:picLocks noChangeAspect="1"/>
+          </p:cNvPicPr>
+          <p:nvPr/>
+        </p:nvPicPr>
+        <p:blipFill>
+          <a:blip r:embed="rId4">
+            <a:extLst>
+              <a:ext uri="{28A0092B-C50C-407E-A947-70E740481C1C}">
+                <a14:useLocalDpi xmlns:a14="http://schemas.microsoft.com/office/drawing/2010/main" val="0"/>
+              </a:ext>
+            </a:extLst>
+          </a:blip>
+          <a:stretch>
+            <a:fillRect/>
+          </a:stretch>
+        </p:blipFill>
+        <p:spPr>
+          <a:xfrm>
+            <a:off x="4346078" y="3199002"/>
+            <a:ext cx="4066485" cy="2690007"/>
+          </a:xfrm>
+          <a:prstGeom prst="rect">
+            <a:avLst/>
+          </a:prstGeom>
+        </p:spPr>
+      </p:pic>
+      <p:sp>
+        <p:nvSpPr>
+          <p:cNvPr id="19" name="矩形: 圆角 18">
+            <a:extLst>
+              <a:ext uri="{FF2B5EF4-FFF2-40B4-BE49-F238E27FC236}">
+                <a16:creationId xmlns:a16="http://schemas.microsoft.com/office/drawing/2014/main" id="{981B75E4-AE17-42D3-8AD6-2EA5143AB641}"/>
+              </a:ext>
+            </a:extLst>
+          </p:cNvPr>
+          <p:cNvSpPr/>
+          <p:nvPr/>
+        </p:nvSpPr>
+        <p:spPr>
+          <a:xfrm>
+            <a:off x="4293490" y="2818847"/>
+            <a:ext cx="3431143" cy="302759"/>
+          </a:xfrm>
+          <a:prstGeom prst="roundRect">
+            <a:avLst/>
+          </a:prstGeom>
+        </p:spPr>
+        <p:style>
+          <a:lnRef idx="2">
+            <a:schemeClr val="accent1">
+              <a:shade val="50000"/>
+            </a:schemeClr>
+          </a:lnRef>
+          <a:fillRef idx="1">
+            <a:schemeClr val="accent1"/>
+          </a:fillRef>
+          <a:effectRef idx="0">
+            <a:schemeClr val="accent1"/>
+          </a:effectRef>
+          <a:fontRef idx="minor">
+            <a:schemeClr val="lt1"/>
+          </a:fontRef>
+        </p:style>
+        <p:txBody>
+          <a:bodyPr rtlCol="0" anchor="ctr"/>
+          <a:lstStyle/>
+          <a:p>
+            <a:r>
+              <a:rPr lang="en-US" altLang="zh-CN" sz="1400" dirty="0" err="1"/>
+              <a:t>sqltoy</a:t>
+            </a:r>
+            <a:r>
+              <a:rPr lang="zh-CN" altLang="en-US" sz="1400" dirty="0"/>
+              <a:t>独特的分页优化、快速分页</a:t>
+            </a:r>
+          </a:p>
+        </p:txBody>
+      </p:sp>
+      <p:pic>
+        <p:nvPicPr>
+          <p:cNvPr id="13" name="图片 12">
+            <a:extLst>
+              <a:ext uri="{FF2B5EF4-FFF2-40B4-BE49-F238E27FC236}">
+                <a16:creationId xmlns:a16="http://schemas.microsoft.com/office/drawing/2014/main" id="{918B37F9-1ADE-4F3E-B121-D8BCC4E3A2E7}"/>
+              </a:ext>
+            </a:extLst>
+          </p:cNvPr>
+          <p:cNvPicPr>
+            <a:picLocks noChangeAspect="1"/>
+          </p:cNvPicPr>
+          <p:nvPr/>
+        </p:nvPicPr>
+        <p:blipFill>
+          <a:blip r:embed="rId5" cstate="print">
+            <a:extLst>
+              <a:ext uri="{28A0092B-C50C-407E-A947-70E740481C1C}">
+                <a14:useLocalDpi xmlns:a14="http://schemas.microsoft.com/office/drawing/2010/main" val="0"/>
+              </a:ext>
+            </a:extLst>
+          </a:blip>
+          <a:stretch>
+            <a:fillRect/>
+          </a:stretch>
+        </p:blipFill>
+        <p:spPr>
+          <a:xfrm>
+            <a:off x="7841215" y="3860257"/>
+            <a:ext cx="3977746" cy="2535060"/>
+          </a:xfrm>
+          <a:prstGeom prst="rect">
+            <a:avLst/>
+          </a:prstGeom>
+        </p:spPr>
+      </p:pic>
+      <p:sp>
+        <p:nvSpPr>
+          <p:cNvPr id="22" name="矩形: 圆角 21">
+            <a:extLst>
+              <a:ext uri="{FF2B5EF4-FFF2-40B4-BE49-F238E27FC236}">
+                <a16:creationId xmlns:a16="http://schemas.microsoft.com/office/drawing/2014/main" id="{1CA8ED89-670A-4B3B-BBDA-4A744FD13CF7}"/>
+              </a:ext>
+            </a:extLst>
+          </p:cNvPr>
+          <p:cNvSpPr/>
+          <p:nvPr/>
+        </p:nvSpPr>
+        <p:spPr>
+          <a:xfrm>
+            <a:off x="8412563" y="3534770"/>
+            <a:ext cx="3582584" cy="396084"/>
+          </a:xfrm>
+          <a:prstGeom prst="roundRect">
+            <a:avLst/>
+          </a:prstGeom>
+        </p:spPr>
+        <p:style>
+          <a:lnRef idx="2">
+            <a:schemeClr val="accent1">
+              <a:shade val="50000"/>
+            </a:schemeClr>
+          </a:lnRef>
+          <a:fillRef idx="1">
+            <a:schemeClr val="accent1"/>
+          </a:fillRef>
+          <a:effectRef idx="0">
+            <a:schemeClr val="accent1"/>
+          </a:effectRef>
+          <a:fontRef idx="minor">
+            <a:schemeClr val="lt1"/>
+          </a:fontRef>
+        </p:style>
+        <p:txBody>
+          <a:bodyPr rtlCol="0" anchor="ctr"/>
+          <a:lstStyle/>
+          <a:p>
+            <a:r>
+              <a:rPr lang="zh-CN" altLang="en-US" sz="1200" dirty="0"/>
+              <a:t>并行查询，让多个查询同时执行，缩短整体时长</a:t>
+            </a:r>
+          </a:p>
+        </p:txBody>
+      </p:sp>
+    </p:spTree>
+    <p:extLst>
+      <p:ext uri="{BB962C8B-B14F-4D97-AF65-F5344CB8AC3E}">
+        <p14:creationId xmlns:p14="http://schemas.microsoft.com/office/powerpoint/2010/main" val="2836514335"/>
+      </p:ext>
+    </p:extLst>
+  </p:cSld>
+  <p:clrMapOvr>
+    <a:masterClrMapping/>
+  </p:clrMapOvr>
+</p:sld>
+</file>
+
+<file path=ppt/slides/slide8.xml><?xml version="1.0" encoding="utf-8"?>
+<p:sld xmlns:a="http://schemas.openxmlformats.org/drawingml/2006/main" xmlns:r="http://schemas.openxmlformats.org/officeDocument/2006/relationships" xmlns:p="http://schemas.openxmlformats.org/presentationml/2006/main">
+  <p:cSld>
+    <p:spTree>
+      <p:nvGrpSpPr>
+        <p:cNvPr id="1" name=""/>
+        <p:cNvGrpSpPr/>
+        <p:nvPr/>
+      </p:nvGrpSpPr>
+      <p:grpSpPr>
+        <a:xfrm>
+          <a:off x="0" y="0"/>
+          <a:ext cx="0" cy="0"/>
+          <a:chOff x="0" y="0"/>
+          <a:chExt cx="0" cy="0"/>
+        </a:xfrm>
+      </p:grpSpPr>
+      <p:sp>
+        <p:nvSpPr>
+          <p:cNvPr id="4099" name="文本框 15"/>
+          <p:cNvSpPr/>
+          <p:nvPr/>
+        </p:nvSpPr>
+        <p:spPr>
+          <a:xfrm>
+            <a:off x="171450" y="264477"/>
+            <a:ext cx="9754975" cy="400110"/>
+          </a:xfrm>
+          <a:prstGeom prst="rect">
+            <a:avLst/>
+          </a:prstGeom>
+          <a:noFill/>
+          <a:ln w="9525">
+            <a:noFill/>
+          </a:ln>
+        </p:spPr>
+        <p:txBody>
+          <a:bodyPr wrap="square" anchor="t">
+            <a:spAutoFit/>
+          </a:bodyPr>
+          <a:lstStyle/>
+          <a:p>
+            <a:pPr lvl="0" indent="0"/>
+            <a:r>
+              <a:rPr lang="zh-CN" altLang="en-US" sz="2000" b="1" dirty="0">
+                <a:solidFill>
+                  <a:schemeClr val="tx1">
+                    <a:lumMod val="65000"/>
+                    <a:lumOff val="35000"/>
+                  </a:schemeClr>
+                </a:solidFill>
+                <a:latin typeface="微软雅黑" panose="020B0503020204020204" charset="-122"/>
+                <a:ea typeface="微软雅黑" panose="020B0503020204020204" charset="-122"/>
+                <a:sym typeface="+mn-ea"/>
+              </a:rPr>
+              <a:t>行业痛点</a:t>
+            </a:r>
+            <a:r>
+              <a:rPr lang="en-US" altLang="zh-CN" sz="2000" b="1" dirty="0" err="1">
+                <a:solidFill>
+                  <a:schemeClr val="tx1">
+                    <a:lumMod val="65000"/>
+                    <a:lumOff val="35000"/>
+                  </a:schemeClr>
+                </a:solidFill>
+                <a:latin typeface="微软雅黑" panose="020B0503020204020204" charset="-122"/>
+                <a:ea typeface="微软雅黑" panose="020B0503020204020204" charset="-122"/>
+                <a:sym typeface="+mn-ea"/>
+              </a:rPr>
+              <a:t>sqltoy</a:t>
+            </a:r>
+            <a:r>
+              <a:rPr lang="zh-CN" altLang="en-US" sz="2000" b="1" dirty="0">
+                <a:solidFill>
+                  <a:schemeClr val="tx1">
+                    <a:lumMod val="65000"/>
+                    <a:lumOff val="35000"/>
+                  </a:schemeClr>
+                </a:solidFill>
+                <a:latin typeface="微软雅黑" panose="020B0503020204020204" charset="-122"/>
+                <a:ea typeface="微软雅黑" panose="020B0503020204020204" charset="-122"/>
+                <a:sym typeface="+mn-ea"/>
+              </a:rPr>
+              <a:t>的应对</a:t>
+            </a:r>
+            <a:r>
+              <a:rPr lang="en-US" altLang="zh-CN" sz="2000" b="1" dirty="0">
+                <a:solidFill>
+                  <a:schemeClr val="tx1">
+                    <a:lumMod val="65000"/>
+                    <a:lumOff val="35000"/>
+                  </a:schemeClr>
+                </a:solidFill>
+                <a:latin typeface="微软雅黑" panose="020B0503020204020204" charset="-122"/>
+                <a:ea typeface="微软雅黑" panose="020B0503020204020204" charset="-122"/>
+                <a:sym typeface="+mn-ea"/>
+              </a:rPr>
+              <a:t>:</a:t>
+            </a:r>
+            <a:r>
+              <a:rPr lang="zh-CN" altLang="en-US" sz="2000" b="1" dirty="0">
+                <a:solidFill>
+                  <a:schemeClr val="tx1">
+                    <a:lumMod val="65000"/>
+                    <a:lumOff val="35000"/>
+                  </a:schemeClr>
+                </a:solidFill>
+                <a:latin typeface="微软雅黑" panose="020B0503020204020204" charset="-122"/>
+                <a:ea typeface="微软雅黑" panose="020B0503020204020204" charset="-122"/>
+                <a:sym typeface="+mn-ea"/>
+              </a:rPr>
+              <a:t>跨库、复杂点标准化</a:t>
+            </a:r>
+            <a:endParaRPr lang="en-US" altLang="zh-CN" sz="2000" b="1" dirty="0">
+              <a:solidFill>
+                <a:schemeClr val="tx1">
+                  <a:lumMod val="65000"/>
+                  <a:lumOff val="35000"/>
+                </a:schemeClr>
+              </a:solidFill>
+              <a:latin typeface="微软雅黑" panose="020B0503020204020204" charset="-122"/>
+              <a:ea typeface="微软雅黑" panose="020B0503020204020204" charset="-122"/>
+              <a:sym typeface="+mn-ea"/>
+            </a:endParaRPr>
+          </a:p>
+        </p:txBody>
+      </p:sp>
+      <p:sp>
+        <p:nvSpPr>
+          <p:cNvPr id="4100" name="矩形 5"/>
+          <p:cNvSpPr/>
+          <p:nvPr/>
+        </p:nvSpPr>
+        <p:spPr>
+          <a:xfrm>
+            <a:off x="0" y="342900"/>
+            <a:ext cx="171450" cy="571500"/>
+          </a:xfrm>
+          <a:prstGeom prst="rect">
+            <a:avLst/>
+          </a:prstGeom>
+          <a:solidFill>
+            <a:srgbClr val="00B0F0"/>
+          </a:solidFill>
+          <a:ln w="12700">
+            <a:noFill/>
+          </a:ln>
+        </p:spPr>
+        <p:txBody>
+          <a:bodyPr anchor="ctr"/>
+          <a:lstStyle/>
+          <a:p>
+            <a:pPr lvl="0" indent="0" algn="ctr"/>
+            <a:endParaRPr lang="zh-CN" altLang="en-US" b="1" i="1">
+              <a:solidFill>
+                <a:srgbClr val="FFFFFF"/>
+              </a:solidFill>
+              <a:latin typeface="Segoe UI Light" panose="020B0502040204020203" charset="0"/>
+              <a:ea typeface="方正中等线简体" panose="03000509000000000000" charset="-122"/>
+              <a:sym typeface="Segoe UI Light" panose="020B0502040204020203" charset="0"/>
+            </a:endParaRPr>
+          </a:p>
+        </p:txBody>
+      </p:sp>
+      <p:pic>
+        <p:nvPicPr>
+          <p:cNvPr id="4" name="图片 6" descr="C:\Users\mm\Desktop\最新logo\拉卡拉logo(1)-03.png拉卡拉logo(1)-03"/>
+          <p:cNvPicPr>
+            <a:picLocks noChangeAspect="1"/>
+          </p:cNvPicPr>
+          <p:nvPr/>
+        </p:nvPicPr>
+        <p:blipFill>
+          <a:blip r:embed="rId2"/>
+          <a:srcRect/>
+          <a:stretch>
+            <a:fillRect/>
+          </a:stretch>
+        </p:blipFill>
+        <p:spPr>
+          <a:xfrm>
+            <a:off x="10824369" y="95250"/>
+            <a:ext cx="1285875" cy="338455"/>
+          </a:xfrm>
+          <a:prstGeom prst="rect">
+            <a:avLst/>
+          </a:prstGeom>
+          <a:noFill/>
+          <a:ln w="9525">
+            <a:noFill/>
+          </a:ln>
+        </p:spPr>
+      </p:pic>
+      <p:sp>
+        <p:nvSpPr>
+          <p:cNvPr id="2" name="矩形 1">
+            <a:extLst>
+              <a:ext uri="{FF2B5EF4-FFF2-40B4-BE49-F238E27FC236}">
+                <a16:creationId xmlns:a16="http://schemas.microsoft.com/office/drawing/2014/main" id="{7FAE84AA-1422-4C38-A804-5EA30FCCAC37}"/>
+              </a:ext>
+            </a:extLst>
+          </p:cNvPr>
+          <p:cNvSpPr/>
+          <p:nvPr/>
+        </p:nvSpPr>
+        <p:spPr>
+          <a:xfrm>
+            <a:off x="255581" y="664587"/>
+            <a:ext cx="11563380" cy="1916485"/>
+          </a:xfrm>
+          <a:prstGeom prst="rect">
+            <a:avLst/>
+          </a:prstGeom>
+        </p:spPr>
+        <p:style>
+          <a:lnRef idx="2">
+            <a:schemeClr val="accent2"/>
+          </a:lnRef>
+          <a:fillRef idx="1">
+            <a:schemeClr val="lt1"/>
+          </a:fillRef>
+          <a:effectRef idx="0">
+            <a:schemeClr val="accent2"/>
+          </a:effectRef>
+          <a:fontRef idx="minor">
+            <a:schemeClr val="dk1"/>
+          </a:fontRef>
+        </p:style>
+        <p:txBody>
+          <a:bodyPr rtlCol="0" anchor="t"/>
+          <a:lstStyle/>
+          <a:p>
+            <a:r>
+              <a:rPr lang="zh-CN" altLang="en-US" sz="1200" dirty="0"/>
+              <a:t>做项目我们经常有哪些复杂烦恼点？</a:t>
+            </a:r>
+            <a:endParaRPr lang="en-US" altLang="zh-CN" sz="1200" dirty="0"/>
+          </a:p>
+          <a:p>
+            <a:pPr marL="285750" indent="-285750">
+              <a:buFont typeface="Wingdings" panose="05000000000000000000" pitchFamily="2" charset="2"/>
+              <a:buChar char="Ø"/>
+            </a:pPr>
+            <a:r>
+              <a:rPr lang="zh-CN" altLang="en-US" sz="1200" dirty="0">
+                <a:solidFill>
+                  <a:srgbClr val="FF0000"/>
+                </a:solidFill>
+              </a:rPr>
+              <a:t>我们做的功能模块能否走产品化？可以直接用在不同数据库上？</a:t>
+            </a:r>
+            <a:endParaRPr lang="en-US" altLang="zh-CN" sz="1200" dirty="0">
+              <a:solidFill>
+                <a:srgbClr val="FF0000"/>
+              </a:solidFill>
+            </a:endParaRPr>
+          </a:p>
+          <a:p>
+            <a:r>
+              <a:rPr lang="en-US" altLang="zh-CN" sz="1200" dirty="0">
+                <a:solidFill>
+                  <a:srgbClr val="FF0000"/>
+                </a:solidFill>
+              </a:rPr>
+              <a:t>      </a:t>
+            </a:r>
+            <a:r>
+              <a:rPr lang="zh-CN" altLang="en-US" sz="1200" dirty="0">
+                <a:solidFill>
+                  <a:schemeClr val="tx1"/>
+                </a:solidFill>
+              </a:rPr>
+              <a:t>曾经给不同银行客户做项目的我深有感触，所有后台项目在权限、人员、机构、数据字典等基础功能上几乎都是通用的，有通用的产品就意味着项目范围的缩小、项目更加可控、成本更加节约、项目更容易出成果</a:t>
+            </a:r>
+            <a:endParaRPr lang="en-US" altLang="zh-CN" sz="1200" dirty="0">
+              <a:solidFill>
+                <a:schemeClr val="tx1"/>
+              </a:solidFill>
+            </a:endParaRPr>
+          </a:p>
+          <a:p>
+            <a:pPr marL="285750" indent="-285750">
+              <a:buFont typeface="Wingdings" panose="05000000000000000000" pitchFamily="2" charset="2"/>
+              <a:buChar char="Ø"/>
+            </a:pPr>
+            <a:r>
+              <a:rPr lang="zh-CN" altLang="en-US" sz="1200" dirty="0">
+                <a:solidFill>
+                  <a:srgbClr val="FF0000"/>
+                </a:solidFill>
+              </a:rPr>
+              <a:t>在一些项目中如果没有报表平台，如何面对一些复杂的统计分析型查询功能？</a:t>
+            </a:r>
+            <a:endParaRPr lang="en-US" altLang="zh-CN" sz="1200" dirty="0">
+              <a:solidFill>
+                <a:srgbClr val="FF0000"/>
+              </a:solidFill>
+            </a:endParaRPr>
+          </a:p>
+          <a:p>
+            <a:r>
+              <a:rPr lang="en-US" altLang="zh-CN" sz="1200" dirty="0">
+                <a:solidFill>
+                  <a:schemeClr val="tx1"/>
+                </a:solidFill>
+              </a:rPr>
+              <a:t>      2009</a:t>
+            </a:r>
+            <a:r>
+              <a:rPr lang="zh-CN" altLang="en-US" sz="1200" dirty="0">
+                <a:solidFill>
+                  <a:schemeClr val="tx1"/>
+                </a:solidFill>
+              </a:rPr>
+              <a:t>年宁波银监会项目：一个交叉统计报表，开发原本一次查询变成了按照月份有几个月就查询几次，我指出用一次查询，然后将结果集合旋转，开发一副小眼睛一脸无辜的看着我：什么旋转？怎么做？</a:t>
+            </a:r>
+            <a:endParaRPr lang="en-US" altLang="zh-CN" sz="1200" dirty="0">
+              <a:solidFill>
+                <a:schemeClr val="tx1"/>
+              </a:solidFill>
+            </a:endParaRPr>
+          </a:p>
+          <a:p>
+            <a:r>
+              <a:rPr lang="en-US" altLang="zh-CN" sz="1200" dirty="0">
+                <a:solidFill>
+                  <a:schemeClr val="tx1"/>
+                </a:solidFill>
+              </a:rPr>
+              <a:t>      2011</a:t>
+            </a:r>
+            <a:r>
+              <a:rPr lang="zh-CN" altLang="en-US" sz="1200" dirty="0">
+                <a:solidFill>
+                  <a:schemeClr val="tx1"/>
+                </a:solidFill>
+              </a:rPr>
+              <a:t>年浦发电销项目被复杂的统计折腾的精疲力竭</a:t>
+            </a:r>
+            <a:endParaRPr lang="en-US" altLang="zh-CN" sz="1200" dirty="0">
+              <a:solidFill>
+                <a:schemeClr val="tx1"/>
+              </a:solidFill>
+            </a:endParaRPr>
+          </a:p>
+          <a:p>
+            <a:r>
+              <a:rPr lang="en-US" altLang="zh-CN" sz="1200" dirty="0">
+                <a:solidFill>
+                  <a:schemeClr val="tx1"/>
+                </a:solidFill>
+              </a:rPr>
+              <a:t>      2011</a:t>
+            </a:r>
+            <a:r>
+              <a:rPr lang="zh-CN" altLang="en-US" sz="1200" dirty="0">
+                <a:solidFill>
+                  <a:schemeClr val="tx1"/>
+                </a:solidFill>
+              </a:rPr>
+              <a:t>年山东农信项目：几张复杂统计</a:t>
+            </a:r>
+            <a:r>
+              <a:rPr lang="en-US" altLang="zh-CN" sz="1200" dirty="0">
+                <a:solidFill>
+                  <a:schemeClr val="tx1"/>
+                </a:solidFill>
+              </a:rPr>
+              <a:t>(</a:t>
+            </a:r>
+            <a:r>
+              <a:rPr lang="zh-CN" altLang="en-US" sz="1200" dirty="0">
+                <a:solidFill>
+                  <a:schemeClr val="tx1"/>
+                </a:solidFill>
+              </a:rPr>
+              <a:t>多维度交叉</a:t>
+            </a:r>
+            <a:r>
+              <a:rPr lang="en-US" altLang="zh-CN" sz="1200" dirty="0">
+                <a:solidFill>
+                  <a:schemeClr val="tx1"/>
+                </a:solidFill>
+              </a:rPr>
+              <a:t>)</a:t>
+            </a:r>
+            <a:r>
+              <a:rPr lang="zh-CN" altLang="en-US" sz="1200" dirty="0">
+                <a:solidFill>
+                  <a:schemeClr val="tx1"/>
+                </a:solidFill>
+              </a:rPr>
+              <a:t>开发撂挑子天天吵着要离开项目组</a:t>
+            </a:r>
+            <a:r>
+              <a:rPr lang="en-US" altLang="zh-CN" sz="1200" dirty="0">
+                <a:solidFill>
+                  <a:schemeClr val="tx1"/>
+                </a:solidFill>
+              </a:rPr>
+              <a:t>(</a:t>
+            </a:r>
+            <a:r>
+              <a:rPr lang="zh-CN" altLang="en-US" sz="1200" dirty="0">
+                <a:solidFill>
+                  <a:srgbClr val="92D050"/>
+                </a:solidFill>
+              </a:rPr>
+              <a:t>因此</a:t>
+            </a:r>
+            <a:r>
+              <a:rPr lang="en-US" altLang="zh-CN" sz="1200" dirty="0">
+                <a:solidFill>
+                  <a:srgbClr val="92D050"/>
+                </a:solidFill>
+              </a:rPr>
+              <a:t>2012</a:t>
+            </a:r>
+            <a:r>
+              <a:rPr lang="zh-CN" altLang="en-US" sz="1200" dirty="0">
+                <a:solidFill>
+                  <a:srgbClr val="92D050"/>
+                </a:solidFill>
+              </a:rPr>
+              <a:t>年启动了</a:t>
+            </a:r>
+            <a:r>
+              <a:rPr lang="en-US" altLang="zh-CN" sz="1200" dirty="0">
+                <a:solidFill>
+                  <a:srgbClr val="92D050"/>
+                </a:solidFill>
+              </a:rPr>
+              <a:t>nebula</a:t>
+            </a:r>
+            <a:r>
+              <a:rPr lang="zh-CN" altLang="en-US" sz="1200" dirty="0">
+                <a:solidFill>
+                  <a:srgbClr val="92D050"/>
+                </a:solidFill>
+              </a:rPr>
+              <a:t>星云报表开发，并将部分算法集成到</a:t>
+            </a:r>
+            <a:r>
+              <a:rPr lang="en-US" altLang="zh-CN" sz="1200" dirty="0" err="1">
+                <a:solidFill>
+                  <a:srgbClr val="92D050"/>
+                </a:solidFill>
+              </a:rPr>
+              <a:t>sqltoy</a:t>
+            </a:r>
+            <a:r>
+              <a:rPr lang="zh-CN" altLang="en-US" sz="1200" dirty="0">
+                <a:solidFill>
+                  <a:srgbClr val="92D050"/>
+                </a:solidFill>
+              </a:rPr>
+              <a:t>中</a:t>
+            </a:r>
+            <a:r>
+              <a:rPr lang="en-US" altLang="zh-CN" sz="1200" dirty="0">
+                <a:solidFill>
+                  <a:schemeClr val="tx1"/>
+                </a:solidFill>
+              </a:rPr>
+              <a:t>)</a:t>
+            </a:r>
+          </a:p>
+          <a:p>
+            <a:r>
+              <a:rPr lang="zh-CN" altLang="en-US" sz="1200" dirty="0">
+                <a:solidFill>
+                  <a:srgbClr val="0070C0"/>
+                </a:solidFill>
+              </a:rPr>
+              <a:t>开发人员面对这些困难，可以撂挑子说框架不支持、用一副无辜的小眼睛瞪你，但作为项目负责人可以吗？</a:t>
+            </a:r>
+            <a:endParaRPr lang="en-US" altLang="zh-CN" sz="1200" dirty="0">
+              <a:solidFill>
+                <a:srgbClr val="0070C0"/>
+              </a:solidFill>
+            </a:endParaRPr>
+          </a:p>
+        </p:txBody>
+      </p:sp>
+      <p:pic>
+        <p:nvPicPr>
+          <p:cNvPr id="5" name="图片 4">
+            <a:extLst>
+              <a:ext uri="{FF2B5EF4-FFF2-40B4-BE49-F238E27FC236}">
+                <a16:creationId xmlns:a16="http://schemas.microsoft.com/office/drawing/2014/main" id="{4E514C36-40D2-4094-8744-01B51C9AD95B}"/>
+              </a:ext>
+            </a:extLst>
+          </p:cNvPr>
+          <p:cNvPicPr>
+            <a:picLocks noChangeAspect="1"/>
+          </p:cNvPicPr>
+          <p:nvPr/>
+        </p:nvPicPr>
+        <p:blipFill>
+          <a:blip r:embed="rId3" cstate="print">
+            <a:extLst>
+              <a:ext uri="{28A0092B-C50C-407E-A947-70E740481C1C}">
+                <a14:useLocalDpi xmlns:a14="http://schemas.microsoft.com/office/drawing/2010/main" val="0"/>
+              </a:ext>
+            </a:extLst>
+          </a:blip>
+          <a:stretch>
+            <a:fillRect/>
+          </a:stretch>
+        </p:blipFill>
+        <p:spPr>
+          <a:xfrm>
+            <a:off x="171450" y="2981182"/>
+            <a:ext cx="3566762" cy="3749407"/>
+          </a:xfrm>
+          <a:prstGeom prst="rect">
+            <a:avLst/>
+          </a:prstGeom>
+        </p:spPr>
+      </p:pic>
+      <p:sp>
+        <p:nvSpPr>
+          <p:cNvPr id="6" name="矩形: 圆角 5">
+            <a:extLst>
+              <a:ext uri="{FF2B5EF4-FFF2-40B4-BE49-F238E27FC236}">
+                <a16:creationId xmlns:a16="http://schemas.microsoft.com/office/drawing/2014/main" id="{661CEA14-E00E-455F-B967-ED6C6C643A97}"/>
+              </a:ext>
+            </a:extLst>
+          </p:cNvPr>
+          <p:cNvSpPr/>
+          <p:nvPr/>
+        </p:nvSpPr>
+        <p:spPr>
+          <a:xfrm>
+            <a:off x="171450" y="2637677"/>
+            <a:ext cx="4095750" cy="280621"/>
+          </a:xfrm>
+          <a:prstGeom prst="roundRect">
+            <a:avLst/>
+          </a:prstGeom>
+        </p:spPr>
+        <p:style>
+          <a:lnRef idx="2">
+            <a:schemeClr val="accent1">
+              <a:shade val="50000"/>
+            </a:schemeClr>
+          </a:lnRef>
+          <a:fillRef idx="1">
+            <a:schemeClr val="accent1"/>
+          </a:fillRef>
+          <a:effectRef idx="0">
+            <a:schemeClr val="accent1"/>
+          </a:effectRef>
+          <a:fontRef idx="minor">
+            <a:schemeClr val="lt1"/>
+          </a:fontRef>
+        </p:style>
+        <p:txBody>
+          <a:bodyPr rtlCol="0" anchor="ctr"/>
+          <a:lstStyle/>
+          <a:p>
+            <a:r>
+              <a:rPr lang="zh-CN" altLang="en-US" sz="1400" dirty="0"/>
+              <a:t>跨数据库支持</a:t>
+            </a:r>
+            <a:r>
+              <a:rPr lang="en-US" altLang="zh-CN" sz="1400" dirty="0"/>
+              <a:t>:</a:t>
+            </a:r>
+            <a:r>
+              <a:rPr lang="zh-CN" altLang="en-US" sz="1400" dirty="0"/>
+              <a:t>函数自适应、</a:t>
+            </a:r>
+            <a:r>
+              <a:rPr lang="en-US" altLang="zh-CN" sz="1400" dirty="0" err="1"/>
+              <a:t>sqlId+dialect</a:t>
+            </a:r>
+            <a:r>
+              <a:rPr lang="zh-CN" altLang="en-US" sz="1400" dirty="0"/>
+              <a:t>优先法则</a:t>
+            </a:r>
+          </a:p>
+        </p:txBody>
+      </p:sp>
+      <p:pic>
+        <p:nvPicPr>
+          <p:cNvPr id="8" name="图片 7">
+            <a:extLst>
+              <a:ext uri="{FF2B5EF4-FFF2-40B4-BE49-F238E27FC236}">
+                <a16:creationId xmlns:a16="http://schemas.microsoft.com/office/drawing/2014/main" id="{ED025BD4-57FE-4C4A-92C0-B26F70780B87}"/>
+              </a:ext>
+            </a:extLst>
+          </p:cNvPr>
+          <p:cNvPicPr>
+            <a:picLocks noChangeAspect="1"/>
+          </p:cNvPicPr>
+          <p:nvPr/>
+        </p:nvPicPr>
+        <p:blipFill>
+          <a:blip r:embed="rId4" cstate="print">
+            <a:extLst>
+              <a:ext uri="{28A0092B-C50C-407E-A947-70E740481C1C}">
+                <a14:useLocalDpi xmlns:a14="http://schemas.microsoft.com/office/drawing/2010/main" val="0"/>
+              </a:ext>
+            </a:extLst>
+          </a:blip>
+          <a:stretch>
+            <a:fillRect/>
+          </a:stretch>
+        </p:blipFill>
+        <p:spPr>
+          <a:xfrm>
+            <a:off x="3635408" y="2974903"/>
+            <a:ext cx="2577507" cy="1579259"/>
+          </a:xfrm>
+          <a:prstGeom prst="rect">
+            <a:avLst/>
+          </a:prstGeom>
+        </p:spPr>
+      </p:pic>
+      <p:pic>
+        <p:nvPicPr>
+          <p:cNvPr id="10" name="图片 9">
+            <a:extLst>
+              <a:ext uri="{FF2B5EF4-FFF2-40B4-BE49-F238E27FC236}">
+                <a16:creationId xmlns:a16="http://schemas.microsoft.com/office/drawing/2014/main" id="{E784F40F-917A-4D16-B6FF-2EF2764360FE}"/>
+              </a:ext>
+            </a:extLst>
+          </p:cNvPr>
+          <p:cNvPicPr>
+            <a:picLocks noChangeAspect="1"/>
+          </p:cNvPicPr>
+          <p:nvPr/>
+        </p:nvPicPr>
+        <p:blipFill>
+          <a:blip r:embed="rId5" cstate="print">
+            <a:extLst>
+              <a:ext uri="{28A0092B-C50C-407E-A947-70E740481C1C}">
+                <a14:useLocalDpi xmlns:a14="http://schemas.microsoft.com/office/drawing/2010/main" val="0"/>
+              </a:ext>
+            </a:extLst>
+          </a:blip>
+          <a:stretch>
+            <a:fillRect/>
+          </a:stretch>
+        </p:blipFill>
+        <p:spPr>
+          <a:xfrm>
+            <a:off x="6183343" y="2893975"/>
+            <a:ext cx="3095630" cy="1830561"/>
+          </a:xfrm>
+          <a:prstGeom prst="rect">
+            <a:avLst/>
+          </a:prstGeom>
+        </p:spPr>
+      </p:pic>
+      <p:pic>
+        <p:nvPicPr>
+          <p:cNvPr id="12" name="图片 11">
+            <a:extLst>
+              <a:ext uri="{FF2B5EF4-FFF2-40B4-BE49-F238E27FC236}">
+                <a16:creationId xmlns:a16="http://schemas.microsoft.com/office/drawing/2014/main" id="{4F1E717C-FE15-4AF8-A638-B4AD68402546}"/>
+              </a:ext>
+            </a:extLst>
+          </p:cNvPr>
+          <p:cNvPicPr>
+            <a:picLocks noChangeAspect="1"/>
+          </p:cNvPicPr>
+          <p:nvPr/>
+        </p:nvPicPr>
+        <p:blipFill>
+          <a:blip r:embed="rId6" cstate="print">
+            <a:extLst>
+              <a:ext uri="{28A0092B-C50C-407E-A947-70E740481C1C}">
+                <a14:useLocalDpi xmlns:a14="http://schemas.microsoft.com/office/drawing/2010/main" val="0"/>
+              </a:ext>
+            </a:extLst>
+          </a:blip>
+          <a:stretch>
+            <a:fillRect/>
+          </a:stretch>
+        </p:blipFill>
+        <p:spPr>
+          <a:xfrm>
+            <a:off x="3795752" y="4554162"/>
+            <a:ext cx="1791489" cy="2121445"/>
+          </a:xfrm>
+          <a:prstGeom prst="rect">
+            <a:avLst/>
+          </a:prstGeom>
+        </p:spPr>
+      </p:pic>
+      <p:sp>
+        <p:nvSpPr>
+          <p:cNvPr id="13" name="矩形 12">
+            <a:extLst>
+              <a:ext uri="{FF2B5EF4-FFF2-40B4-BE49-F238E27FC236}">
+                <a16:creationId xmlns:a16="http://schemas.microsoft.com/office/drawing/2014/main" id="{E009E04E-627B-40C5-B713-1E8CF644A9C8}"/>
+              </a:ext>
+            </a:extLst>
+          </p:cNvPr>
+          <p:cNvSpPr/>
+          <p:nvPr/>
+        </p:nvSpPr>
+        <p:spPr>
+          <a:xfrm>
+            <a:off x="6183343" y="2618286"/>
+            <a:ext cx="1673157" cy="235225"/>
+          </a:xfrm>
+          <a:prstGeom prst="rect">
+            <a:avLst/>
+          </a:prstGeom>
+        </p:spPr>
+        <p:style>
+          <a:lnRef idx="2">
+            <a:schemeClr val="accent1">
+              <a:shade val="50000"/>
+            </a:schemeClr>
+          </a:lnRef>
+          <a:fillRef idx="1">
+            <a:schemeClr val="accent1"/>
+          </a:fillRef>
+          <a:effectRef idx="0">
+            <a:schemeClr val="accent1"/>
+          </a:effectRef>
+          <a:fontRef idx="minor">
+            <a:schemeClr val="lt1"/>
+          </a:fontRef>
+        </p:style>
+        <p:txBody>
+          <a:bodyPr rtlCol="0" anchor="ctr"/>
+          <a:lstStyle/>
+          <a:p>
+            <a:pPr algn="ctr"/>
+            <a:r>
+              <a:rPr lang="zh-CN" altLang="en-US" dirty="0"/>
+              <a:t>行转列</a:t>
+            </a:r>
+          </a:p>
+        </p:txBody>
+      </p:sp>
+      <p:pic>
+        <p:nvPicPr>
+          <p:cNvPr id="15" name="图片 14">
+            <a:extLst>
+              <a:ext uri="{FF2B5EF4-FFF2-40B4-BE49-F238E27FC236}">
+                <a16:creationId xmlns:a16="http://schemas.microsoft.com/office/drawing/2014/main" id="{9094BF53-D1D1-472F-A571-10B619E2E89A}"/>
+              </a:ext>
+            </a:extLst>
+          </p:cNvPr>
+          <p:cNvPicPr>
+            <a:picLocks noChangeAspect="1"/>
+          </p:cNvPicPr>
+          <p:nvPr/>
+        </p:nvPicPr>
+        <p:blipFill>
+          <a:blip r:embed="rId7" cstate="print">
+            <a:extLst>
+              <a:ext uri="{28A0092B-C50C-407E-A947-70E740481C1C}">
+                <a14:useLocalDpi xmlns:a14="http://schemas.microsoft.com/office/drawing/2010/main" val="0"/>
+              </a:ext>
+            </a:extLst>
+          </a:blip>
+          <a:stretch>
+            <a:fillRect/>
+          </a:stretch>
+        </p:blipFill>
+        <p:spPr>
+          <a:xfrm>
+            <a:off x="8555218" y="4028868"/>
+            <a:ext cx="3340615" cy="2274655"/>
+          </a:xfrm>
+          <a:prstGeom prst="rect">
+            <a:avLst/>
+          </a:prstGeom>
+        </p:spPr>
+      </p:pic>
+    </p:spTree>
+    <p:extLst>
+      <p:ext uri="{BB962C8B-B14F-4D97-AF65-F5344CB8AC3E}">
+        <p14:creationId xmlns:p14="http://schemas.microsoft.com/office/powerpoint/2010/main" val="2785813326"/>
+      </p:ext>
+    </p:extLst>
+  </p:cSld>
+  <p:clrMapOvr>
+    <a:masterClrMapping/>
+  </p:clrMapOvr>
+</p:sld>
+</file>
+
+<file path=ppt/slides/slide9.xml><?xml version="1.0" encoding="utf-8"?>
+<p:sld xmlns:a="http://schemas.openxmlformats.org/drawingml/2006/main" xmlns:r="http://schemas.openxmlformats.org/officeDocument/2006/relationships" xmlns:p="http://schemas.openxmlformats.org/presentationml/2006/main">
+  <p:cSld>
+    <p:spTree>
+      <p:nvGrpSpPr>
+        <p:cNvPr id="1" name=""/>
+        <p:cNvGrpSpPr/>
+        <p:nvPr/>
+      </p:nvGrpSpPr>
+      <p:grpSpPr>
+        <a:xfrm>
+          <a:off x="0" y="0"/>
+          <a:ext cx="0" cy="0"/>
+          <a:chOff x="0" y="0"/>
+          <a:chExt cx="0" cy="0"/>
+        </a:xfrm>
+      </p:grpSpPr>
+      <p:sp>
+        <p:nvSpPr>
           <p:cNvPr id="22529" name="矩形 7"/>
           <p:cNvSpPr/>
           <p:nvPr/>
         </p:nvSpPr>
         <p:spPr>
           <a:xfrm>
-            <a:off x="331788" y="268288"/>
+            <a:off x="350837" y="234950"/>
             <a:ext cx="11528425" cy="5899150"/>
           </a:xfrm>
           <a:prstGeom prst="rect">

--- a/docs/sqltoy的核心创建思想.pptx
+++ b/docs/sqltoy的核心创建思想.pptx
@@ -4413,7 +4413,7 @@
           <a:p>
             <a:fld id="{BE81F43B-CD14-419F-A5CC-6CB6954E5E63}" type="datetimeFigureOut">
               <a:rPr lang="zh-CN" altLang="en-US" smtClean="0"/>
-              <a:t>2021/10/13</a:t>
+              <a:t>2022/2/14</a:t>
             </a:fld>
             <a:endParaRPr lang="zh-CN" altLang="en-US"/>
           </a:p>
@@ -4827,7 +4827,7 @@
                 <a:cs typeface="+mn-ea"/>
                 <a:sym typeface="Segoe UI Light" panose="020B0502040204020203" charset="0"/>
               </a:rPr>
-              <a:t>2021/10/13</a:t>
+              <a:t>2022/2/14</a:t>
             </a:fld>
             <a:endParaRPr lang="zh-CN" altLang="en-US" strike="noStrike" noProof="1">
               <a:sym typeface="Segoe UI Light" panose="020B0502040204020203" charset="0"/>
@@ -5040,7 +5040,7 @@
                 <a:cs typeface="+mn-ea"/>
                 <a:sym typeface="Segoe UI Light" panose="020B0502040204020203" charset="0"/>
               </a:rPr>
-              <a:t>2021/10/13</a:t>
+              <a:t>2022/2/14</a:t>
             </a:fld>
             <a:endParaRPr lang="zh-CN" altLang="en-US" strike="noStrike" noProof="1">
               <a:sym typeface="Segoe UI Light" panose="020B0502040204020203" charset="0"/>
@@ -5263,7 +5263,7 @@
                 <a:cs typeface="+mn-ea"/>
                 <a:sym typeface="Segoe UI Light" panose="020B0502040204020203" charset="0"/>
               </a:rPr>
-              <a:t>2021/10/13</a:t>
+              <a:t>2022/2/14</a:t>
             </a:fld>
             <a:endParaRPr lang="zh-CN" altLang="en-US" strike="noStrike" noProof="1">
               <a:sym typeface="Segoe UI Light" panose="020B0502040204020203" charset="0"/>
@@ -5476,7 +5476,7 @@
                 <a:cs typeface="+mn-ea"/>
                 <a:sym typeface="Segoe UI Light" panose="020B0502040204020203" charset="0"/>
               </a:rPr>
-              <a:t>2021/10/13</a:t>
+              <a:t>2022/2/14</a:t>
             </a:fld>
             <a:endParaRPr lang="zh-CN" altLang="en-US" strike="noStrike" noProof="1">
               <a:sym typeface="Segoe UI Light" panose="020B0502040204020203" charset="0"/>
@@ -5766,7 +5766,7 @@
                 <a:cs typeface="+mn-ea"/>
                 <a:sym typeface="Segoe UI Light" panose="020B0502040204020203" charset="0"/>
               </a:rPr>
-              <a:t>2021/10/13</a:t>
+              <a:t>2022/2/14</a:t>
             </a:fld>
             <a:endParaRPr lang="zh-CN" altLang="en-US" strike="noStrike" noProof="1">
               <a:sym typeface="Segoe UI Light" panose="020B0502040204020203" charset="0"/>
@@ -6040,7 +6040,7 @@
                 <a:cs typeface="+mn-ea"/>
                 <a:sym typeface="Segoe UI Light" panose="020B0502040204020203" charset="0"/>
               </a:rPr>
-              <a:t>2021/10/13</a:t>
+              <a:t>2022/2/14</a:t>
             </a:fld>
             <a:endParaRPr lang="zh-CN" altLang="en-US" strike="noStrike" noProof="1">
               <a:sym typeface="Segoe UI Light" panose="020B0502040204020203" charset="0"/>
@@ -6449,7 +6449,7 @@
                 <a:cs typeface="+mn-ea"/>
                 <a:sym typeface="Segoe UI Light" panose="020B0502040204020203" charset="0"/>
               </a:rPr>
-              <a:t>2021/10/13</a:t>
+              <a:t>2022/2/14</a:t>
             </a:fld>
             <a:endParaRPr lang="zh-CN" altLang="en-US" strike="noStrike" noProof="1">
               <a:sym typeface="Segoe UI Light" panose="020B0502040204020203" charset="0"/>
@@ -6611,7 +6611,7 @@
                 <a:cs typeface="+mn-ea"/>
                 <a:sym typeface="Segoe UI Light" panose="020B0502040204020203" charset="0"/>
               </a:rPr>
-              <a:t>2021/10/13</a:t>
+              <a:t>2022/2/14</a:t>
             </a:fld>
             <a:endParaRPr lang="zh-CN" altLang="en-US" strike="noStrike" noProof="1">
               <a:sym typeface="Segoe UI Light" panose="020B0502040204020203" charset="0"/>
@@ -6750,7 +6750,7 @@
                 <a:cs typeface="+mn-ea"/>
                 <a:sym typeface="Segoe UI Light" panose="020B0502040204020203" charset="0"/>
               </a:rPr>
-              <a:t>2021/10/13</a:t>
+              <a:t>2022/2/14</a:t>
             </a:fld>
             <a:endParaRPr lang="zh-CN" altLang="en-US" strike="noStrike" noProof="1">
               <a:sym typeface="Segoe UI Light" panose="020B0502040204020203" charset="0"/>
@@ -7070,7 +7070,7 @@
                 <a:cs typeface="+mn-ea"/>
                 <a:sym typeface="Segoe UI Light" panose="020B0502040204020203" charset="0"/>
               </a:rPr>
-              <a:t>2021/10/13</a:t>
+              <a:t>2022/2/14</a:t>
             </a:fld>
             <a:endParaRPr lang="zh-CN" altLang="en-US" strike="noStrike" noProof="1">
               <a:sym typeface="Segoe UI Light" panose="020B0502040204020203" charset="0"/>
@@ -7368,7 +7368,7 @@
                 <a:cs typeface="+mn-ea"/>
                 <a:sym typeface="Segoe UI Light" panose="020B0502040204020203" charset="0"/>
               </a:rPr>
-              <a:t>2021/10/13</a:t>
+              <a:t>2022/2/14</a:t>
             </a:fld>
             <a:endParaRPr lang="zh-CN" altLang="en-US" strike="noStrike" noProof="1">
               <a:sym typeface="Segoe UI Light" panose="020B0502040204020203" charset="0"/>
@@ -7635,7 +7635,7 @@
                 <a:cs typeface="+mn-ea"/>
                 <a:sym typeface="Segoe UI Light" panose="020B0502040204020203" charset="0"/>
               </a:rPr>
-              <a:t>2021/10/13</a:t>
+              <a:t>2022/2/14</a:t>
             </a:fld>
             <a:endParaRPr lang="zh-CN" altLang="en-US" strike="noStrike" noProof="1">
               <a:sym typeface="Segoe UI Light" panose="020B0502040204020203" charset="0"/>
@@ -12699,13 +12699,16 @@
                   <a:srgbClr val="FF0000"/>
                 </a:solidFill>
               </a:rPr>
-              <a:t>性能好坏影响项目成败、用户体验和评价认可，一些卡慢的点影响全局、成为项目的痛点，充当着一颗老鼠屎的角色搅乱一锅粥</a:t>
-            </a:r>
-            <a:endParaRPr lang="en-US" altLang="zh-CN" sz="1400" dirty="0">
-              <a:solidFill>
-                <a:srgbClr val="FF0000"/>
-              </a:solidFill>
-            </a:endParaRPr>
+              <a:t>性能好坏影响项目成败、用户体验和评价认可，一些卡慢的点影响全局、成为项目的痛点，项目负责人要忍受羞辱！在悲催的氛围中工作</a:t>
+            </a:r>
+            <a:r>
+              <a:rPr lang="en-US" altLang="zh-CN" sz="1400" dirty="0">
+                <a:solidFill>
+                  <a:srgbClr val="FF0000"/>
+                </a:solidFill>
+              </a:rPr>
+              <a:t>!</a:t>
+            </a:r>
           </a:p>
           <a:p>
             <a:endParaRPr lang="zh-CN" altLang="en-US" sz="1400" dirty="0">

--- a/docs/sqltoy的核心创建思想.pptx
+++ b/docs/sqltoy的核心创建思想.pptx
@@ -4413,7 +4413,7 @@
           <a:p>
             <a:fld id="{BE81F43B-CD14-419F-A5CC-6CB6954E5E63}" type="datetimeFigureOut">
               <a:rPr lang="zh-CN" altLang="en-US" smtClean="0"/>
-              <a:t>2021/10/10</a:t>
+              <a:t>2022/2/14</a:t>
             </a:fld>
             <a:endParaRPr lang="zh-CN" altLang="en-US"/>
           </a:p>
@@ -4827,7 +4827,7 @@
                 <a:cs typeface="+mn-ea"/>
                 <a:sym typeface="Segoe UI Light" panose="020B0502040204020203" charset="0"/>
               </a:rPr>
-              <a:t>2021/10/10</a:t>
+              <a:t>2022/2/14</a:t>
             </a:fld>
             <a:endParaRPr lang="zh-CN" altLang="en-US" strike="noStrike" noProof="1">
               <a:sym typeface="Segoe UI Light" panose="020B0502040204020203" charset="0"/>
@@ -5040,7 +5040,7 @@
                 <a:cs typeface="+mn-ea"/>
                 <a:sym typeface="Segoe UI Light" panose="020B0502040204020203" charset="0"/>
               </a:rPr>
-              <a:t>2021/10/10</a:t>
+              <a:t>2022/2/14</a:t>
             </a:fld>
             <a:endParaRPr lang="zh-CN" altLang="en-US" strike="noStrike" noProof="1">
               <a:sym typeface="Segoe UI Light" panose="020B0502040204020203" charset="0"/>
@@ -5263,7 +5263,7 @@
                 <a:cs typeface="+mn-ea"/>
                 <a:sym typeface="Segoe UI Light" panose="020B0502040204020203" charset="0"/>
               </a:rPr>
-              <a:t>2021/10/10</a:t>
+              <a:t>2022/2/14</a:t>
             </a:fld>
             <a:endParaRPr lang="zh-CN" altLang="en-US" strike="noStrike" noProof="1">
               <a:sym typeface="Segoe UI Light" panose="020B0502040204020203" charset="0"/>
@@ -5476,7 +5476,7 @@
                 <a:cs typeface="+mn-ea"/>
                 <a:sym typeface="Segoe UI Light" panose="020B0502040204020203" charset="0"/>
               </a:rPr>
-              <a:t>2021/10/10</a:t>
+              <a:t>2022/2/14</a:t>
             </a:fld>
             <a:endParaRPr lang="zh-CN" altLang="en-US" strike="noStrike" noProof="1">
               <a:sym typeface="Segoe UI Light" panose="020B0502040204020203" charset="0"/>
@@ -5766,7 +5766,7 @@
                 <a:cs typeface="+mn-ea"/>
                 <a:sym typeface="Segoe UI Light" panose="020B0502040204020203" charset="0"/>
               </a:rPr>
-              <a:t>2021/10/10</a:t>
+              <a:t>2022/2/14</a:t>
             </a:fld>
             <a:endParaRPr lang="zh-CN" altLang="en-US" strike="noStrike" noProof="1">
               <a:sym typeface="Segoe UI Light" panose="020B0502040204020203" charset="0"/>
@@ -6040,7 +6040,7 @@
                 <a:cs typeface="+mn-ea"/>
                 <a:sym typeface="Segoe UI Light" panose="020B0502040204020203" charset="0"/>
               </a:rPr>
-              <a:t>2021/10/10</a:t>
+              <a:t>2022/2/14</a:t>
             </a:fld>
             <a:endParaRPr lang="zh-CN" altLang="en-US" strike="noStrike" noProof="1">
               <a:sym typeface="Segoe UI Light" panose="020B0502040204020203" charset="0"/>
@@ -6449,7 +6449,7 @@
                 <a:cs typeface="+mn-ea"/>
                 <a:sym typeface="Segoe UI Light" panose="020B0502040204020203" charset="0"/>
               </a:rPr>
-              <a:t>2021/10/10</a:t>
+              <a:t>2022/2/14</a:t>
             </a:fld>
             <a:endParaRPr lang="zh-CN" altLang="en-US" strike="noStrike" noProof="1">
               <a:sym typeface="Segoe UI Light" panose="020B0502040204020203" charset="0"/>
@@ -6611,7 +6611,7 @@
                 <a:cs typeface="+mn-ea"/>
                 <a:sym typeface="Segoe UI Light" panose="020B0502040204020203" charset="0"/>
               </a:rPr>
-              <a:t>2021/10/10</a:t>
+              <a:t>2022/2/14</a:t>
             </a:fld>
             <a:endParaRPr lang="zh-CN" altLang="en-US" strike="noStrike" noProof="1">
               <a:sym typeface="Segoe UI Light" panose="020B0502040204020203" charset="0"/>
@@ -6750,7 +6750,7 @@
                 <a:cs typeface="+mn-ea"/>
                 <a:sym typeface="Segoe UI Light" panose="020B0502040204020203" charset="0"/>
               </a:rPr>
-              <a:t>2021/10/10</a:t>
+              <a:t>2022/2/14</a:t>
             </a:fld>
             <a:endParaRPr lang="zh-CN" altLang="en-US" strike="noStrike" noProof="1">
               <a:sym typeface="Segoe UI Light" panose="020B0502040204020203" charset="0"/>
@@ -7070,7 +7070,7 @@
                 <a:cs typeface="+mn-ea"/>
                 <a:sym typeface="Segoe UI Light" panose="020B0502040204020203" charset="0"/>
               </a:rPr>
-              <a:t>2021/10/10</a:t>
+              <a:t>2022/2/14</a:t>
             </a:fld>
             <a:endParaRPr lang="zh-CN" altLang="en-US" strike="noStrike" noProof="1">
               <a:sym typeface="Segoe UI Light" panose="020B0502040204020203" charset="0"/>
@@ -7368,7 +7368,7 @@
                 <a:cs typeface="+mn-ea"/>
                 <a:sym typeface="Segoe UI Light" panose="020B0502040204020203" charset="0"/>
               </a:rPr>
-              <a:t>2021/10/10</a:t>
+              <a:t>2022/2/14</a:t>
             </a:fld>
             <a:endParaRPr lang="zh-CN" altLang="en-US" strike="noStrike" noProof="1">
               <a:sym typeface="Segoe UI Light" panose="020B0502040204020203" charset="0"/>
@@ -7635,7 +7635,7 @@
                 <a:cs typeface="+mn-ea"/>
                 <a:sym typeface="Segoe UI Light" panose="020B0502040204020203" charset="0"/>
               </a:rPr>
-              <a:t>2021/10/10</a:t>
+              <a:t>2022/2/14</a:t>
             </a:fld>
             <a:endParaRPr lang="zh-CN" altLang="en-US" strike="noStrike" noProof="1">
               <a:sym typeface="Segoe UI Light" panose="020B0502040204020203" charset="0"/>
@@ -11510,8 +11510,8 @@
         </p:nvSpPr>
         <p:spPr>
           <a:xfrm>
-            <a:off x="171450" y="4451451"/>
-            <a:ext cx="11206265" cy="2311299"/>
+            <a:off x="171450" y="4451452"/>
+            <a:ext cx="11206265" cy="1378660"/>
           </a:xfrm>
           <a:prstGeom prst="rect">
             <a:avLst/>
@@ -12699,13 +12699,16 @@
                   <a:srgbClr val="FF0000"/>
                 </a:solidFill>
               </a:rPr>
-              <a:t>性能好坏影响项目成败、用户体验和评价认可，一些卡慢的点影响全局、成为项目的痛点，充当着一颗老鼠屎的角色搅乱一锅粥</a:t>
-            </a:r>
-            <a:endParaRPr lang="en-US" altLang="zh-CN" sz="1400" dirty="0">
-              <a:solidFill>
-                <a:srgbClr val="FF0000"/>
-              </a:solidFill>
-            </a:endParaRPr>
+              <a:t>性能好坏影响项目成败、用户体验和评价认可，一些卡慢的点影响全局、成为项目的痛点，项目负责人要忍受羞辱！在悲催的氛围中工作</a:t>
+            </a:r>
+            <a:r>
+              <a:rPr lang="en-US" altLang="zh-CN" sz="1400" dirty="0">
+                <a:solidFill>
+                  <a:srgbClr val="FF0000"/>
+                </a:solidFill>
+              </a:rPr>
+              <a:t>!</a:t>
+            </a:r>
           </a:p>
           <a:p>
             <a:endParaRPr lang="zh-CN" altLang="en-US" sz="1400" dirty="0">

--- a/docs/sqltoy的核心创建思想.pptx
+++ b/docs/sqltoy的核心创建思想.pptx
@@ -5,18 +5,20 @@
     <p:sldMasterId id="2147483648" r:id="rId1"/>
   </p:sldMasterIdLst>
   <p:notesMasterIdLst>
-    <p:notesMasterId r:id="rId11"/>
+    <p:notesMasterId r:id="rId13"/>
   </p:notesMasterIdLst>
   <p:sldIdLst>
-    <p:sldId id="363" r:id="rId2"/>
-    <p:sldId id="451" r:id="rId3"/>
-    <p:sldId id="452" r:id="rId4"/>
-    <p:sldId id="455" r:id="rId5"/>
-    <p:sldId id="453" r:id="rId6"/>
-    <p:sldId id="456" r:id="rId7"/>
-    <p:sldId id="457" r:id="rId8"/>
-    <p:sldId id="458" r:id="rId9"/>
-    <p:sldId id="269" r:id="rId10"/>
+    <p:sldId id="459" r:id="rId2"/>
+    <p:sldId id="460" r:id="rId3"/>
+    <p:sldId id="363" r:id="rId4"/>
+    <p:sldId id="451" r:id="rId5"/>
+    <p:sldId id="452" r:id="rId6"/>
+    <p:sldId id="455" r:id="rId7"/>
+    <p:sldId id="453" r:id="rId8"/>
+    <p:sldId id="456" r:id="rId9"/>
+    <p:sldId id="457" r:id="rId10"/>
+    <p:sldId id="458" r:id="rId11"/>
+    <p:sldId id="269" r:id="rId12"/>
   </p:sldIdLst>
   <p:sldSz cx="12192000" cy="6858000"/>
   <p:notesSz cx="6858000" cy="9144000"/>
@@ -4413,7 +4415,7 @@
           <a:p>
             <a:fld id="{BE81F43B-CD14-419F-A5CC-6CB6954E5E63}" type="datetimeFigureOut">
               <a:rPr lang="zh-CN" altLang="en-US" smtClean="0"/>
-              <a:t>2022/2/14</a:t>
+              <a:t>2023/2/13</a:t>
             </a:fld>
             <a:endParaRPr lang="zh-CN" altLang="en-US"/>
           </a:p>
@@ -4827,7 +4829,7 @@
                 <a:cs typeface="+mn-ea"/>
                 <a:sym typeface="Segoe UI Light" panose="020B0502040204020203" charset="0"/>
               </a:rPr>
-              <a:t>2022/2/14</a:t>
+              <a:t>2023/2/13</a:t>
             </a:fld>
             <a:endParaRPr lang="zh-CN" altLang="en-US" strike="noStrike" noProof="1">
               <a:sym typeface="Segoe UI Light" panose="020B0502040204020203" charset="0"/>
@@ -5040,7 +5042,7 @@
                 <a:cs typeface="+mn-ea"/>
                 <a:sym typeface="Segoe UI Light" panose="020B0502040204020203" charset="0"/>
               </a:rPr>
-              <a:t>2022/2/14</a:t>
+              <a:t>2023/2/13</a:t>
             </a:fld>
             <a:endParaRPr lang="zh-CN" altLang="en-US" strike="noStrike" noProof="1">
               <a:sym typeface="Segoe UI Light" panose="020B0502040204020203" charset="0"/>
@@ -5263,7 +5265,7 @@
                 <a:cs typeface="+mn-ea"/>
                 <a:sym typeface="Segoe UI Light" panose="020B0502040204020203" charset="0"/>
               </a:rPr>
-              <a:t>2022/2/14</a:t>
+              <a:t>2023/2/13</a:t>
             </a:fld>
             <a:endParaRPr lang="zh-CN" altLang="en-US" strike="noStrike" noProof="1">
               <a:sym typeface="Segoe UI Light" panose="020B0502040204020203" charset="0"/>
@@ -5476,7 +5478,7 @@
                 <a:cs typeface="+mn-ea"/>
                 <a:sym typeface="Segoe UI Light" panose="020B0502040204020203" charset="0"/>
               </a:rPr>
-              <a:t>2022/2/14</a:t>
+              <a:t>2023/2/13</a:t>
             </a:fld>
             <a:endParaRPr lang="zh-CN" altLang="en-US" strike="noStrike" noProof="1">
               <a:sym typeface="Segoe UI Light" panose="020B0502040204020203" charset="0"/>
@@ -5766,7 +5768,7 @@
                 <a:cs typeface="+mn-ea"/>
                 <a:sym typeface="Segoe UI Light" panose="020B0502040204020203" charset="0"/>
               </a:rPr>
-              <a:t>2022/2/14</a:t>
+              <a:t>2023/2/13</a:t>
             </a:fld>
             <a:endParaRPr lang="zh-CN" altLang="en-US" strike="noStrike" noProof="1">
               <a:sym typeface="Segoe UI Light" panose="020B0502040204020203" charset="0"/>
@@ -6040,7 +6042,7 @@
                 <a:cs typeface="+mn-ea"/>
                 <a:sym typeface="Segoe UI Light" panose="020B0502040204020203" charset="0"/>
               </a:rPr>
-              <a:t>2022/2/14</a:t>
+              <a:t>2023/2/13</a:t>
             </a:fld>
             <a:endParaRPr lang="zh-CN" altLang="en-US" strike="noStrike" noProof="1">
               <a:sym typeface="Segoe UI Light" panose="020B0502040204020203" charset="0"/>
@@ -6449,7 +6451,7 @@
                 <a:cs typeface="+mn-ea"/>
                 <a:sym typeface="Segoe UI Light" panose="020B0502040204020203" charset="0"/>
               </a:rPr>
-              <a:t>2022/2/14</a:t>
+              <a:t>2023/2/13</a:t>
             </a:fld>
             <a:endParaRPr lang="zh-CN" altLang="en-US" strike="noStrike" noProof="1">
               <a:sym typeface="Segoe UI Light" panose="020B0502040204020203" charset="0"/>
@@ -6611,7 +6613,7 @@
                 <a:cs typeface="+mn-ea"/>
                 <a:sym typeface="Segoe UI Light" panose="020B0502040204020203" charset="0"/>
               </a:rPr>
-              <a:t>2022/2/14</a:t>
+              <a:t>2023/2/13</a:t>
             </a:fld>
             <a:endParaRPr lang="zh-CN" altLang="en-US" strike="noStrike" noProof="1">
               <a:sym typeface="Segoe UI Light" panose="020B0502040204020203" charset="0"/>
@@ -6750,7 +6752,7 @@
                 <a:cs typeface="+mn-ea"/>
                 <a:sym typeface="Segoe UI Light" panose="020B0502040204020203" charset="0"/>
               </a:rPr>
-              <a:t>2022/2/14</a:t>
+              <a:t>2023/2/13</a:t>
             </a:fld>
             <a:endParaRPr lang="zh-CN" altLang="en-US" strike="noStrike" noProof="1">
               <a:sym typeface="Segoe UI Light" panose="020B0502040204020203" charset="0"/>
@@ -7070,7 +7072,7 @@
                 <a:cs typeface="+mn-ea"/>
                 <a:sym typeface="Segoe UI Light" panose="020B0502040204020203" charset="0"/>
               </a:rPr>
-              <a:t>2022/2/14</a:t>
+              <a:t>2023/2/13</a:t>
             </a:fld>
             <a:endParaRPr lang="zh-CN" altLang="en-US" strike="noStrike" noProof="1">
               <a:sym typeface="Segoe UI Light" panose="020B0502040204020203" charset="0"/>
@@ -7368,7 +7370,7 @@
                 <a:cs typeface="+mn-ea"/>
                 <a:sym typeface="Segoe UI Light" panose="020B0502040204020203" charset="0"/>
               </a:rPr>
-              <a:t>2022/2/14</a:t>
+              <a:t>2023/2/13</a:t>
             </a:fld>
             <a:endParaRPr lang="zh-CN" altLang="en-US" strike="noStrike" noProof="1">
               <a:sym typeface="Segoe UI Light" panose="020B0502040204020203" charset="0"/>
@@ -7635,7 +7637,7 @@
                 <a:cs typeface="+mn-ea"/>
                 <a:sym typeface="Segoe UI Light" panose="020B0502040204020203" charset="0"/>
               </a:rPr>
-              <a:t>2022/2/14</a:t>
+              <a:t>2023/2/13</a:t>
             </a:fld>
             <a:endParaRPr lang="zh-CN" altLang="en-US" strike="noStrike" noProof="1">
               <a:sym typeface="Segoe UI Light" panose="020B0502040204020203" charset="0"/>
@@ -8231,6 +8233,2144 @@
           <a:p>
             <a:pPr lvl="0" indent="0"/>
             <a:r>
+              <a:rPr lang="zh-CN" altLang="en-US" sz="2800" b="1" dirty="0">
+                <a:solidFill>
+                  <a:schemeClr val="tx1">
+                    <a:lumMod val="65000"/>
+                    <a:lumOff val="35000"/>
+                  </a:schemeClr>
+                </a:solidFill>
+                <a:latin typeface="微软雅黑" panose="020B0503020204020204" charset="-122"/>
+                <a:ea typeface="微软雅黑" panose="020B0503020204020204" charset="-122"/>
+                <a:sym typeface="+mn-ea"/>
+              </a:rPr>
+              <a:t>数据库交互遇到的难点</a:t>
+            </a:r>
+            <a:endParaRPr lang="en-US" altLang="zh-CN" sz="2800" b="1" dirty="0">
+              <a:solidFill>
+                <a:schemeClr val="tx1">
+                  <a:lumMod val="65000"/>
+                  <a:lumOff val="35000"/>
+                </a:schemeClr>
+              </a:solidFill>
+              <a:latin typeface="微软雅黑" panose="020B0503020204020204" charset="-122"/>
+              <a:ea typeface="微软雅黑" panose="020B0503020204020204" charset="-122"/>
+              <a:sym typeface="+mn-ea"/>
+            </a:endParaRPr>
+          </a:p>
+        </p:txBody>
+      </p:sp>
+      <p:sp>
+        <p:nvSpPr>
+          <p:cNvPr id="4100" name="矩形 5"/>
+          <p:cNvSpPr/>
+          <p:nvPr/>
+        </p:nvSpPr>
+        <p:spPr>
+          <a:xfrm>
+            <a:off x="0" y="342900"/>
+            <a:ext cx="171450" cy="571500"/>
+          </a:xfrm>
+          <a:prstGeom prst="rect">
+            <a:avLst/>
+          </a:prstGeom>
+          <a:solidFill>
+            <a:srgbClr val="00B0F0"/>
+          </a:solidFill>
+          <a:ln w="12700">
+            <a:noFill/>
+          </a:ln>
+        </p:spPr>
+        <p:txBody>
+          <a:bodyPr anchor="ctr"/>
+          <a:lstStyle/>
+          <a:p>
+            <a:pPr lvl="0" indent="0" algn="ctr"/>
+            <a:endParaRPr lang="zh-CN" altLang="en-US" b="1" i="1">
+              <a:solidFill>
+                <a:srgbClr val="FFFFFF"/>
+              </a:solidFill>
+              <a:latin typeface="Segoe UI Light" panose="020B0502040204020203" charset="0"/>
+              <a:ea typeface="方正中等线简体" panose="03000509000000000000" charset="-122"/>
+              <a:sym typeface="Segoe UI Light" panose="020B0502040204020203" charset="0"/>
+            </a:endParaRPr>
+          </a:p>
+        </p:txBody>
+      </p:sp>
+      <p:pic>
+        <p:nvPicPr>
+          <p:cNvPr id="4" name="图片 6" descr="C:\Users\mm\Desktop\最新logo\拉卡拉logo(1)-03.png拉卡拉logo(1)-03"/>
+          <p:cNvPicPr>
+            <a:picLocks noChangeAspect="1"/>
+          </p:cNvPicPr>
+          <p:nvPr/>
+        </p:nvPicPr>
+        <p:blipFill>
+          <a:blip r:embed="rId2"/>
+          <a:srcRect/>
+          <a:stretch>
+            <a:fillRect/>
+          </a:stretch>
+        </p:blipFill>
+        <p:spPr>
+          <a:xfrm>
+            <a:off x="10824369" y="95250"/>
+            <a:ext cx="1285875" cy="338455"/>
+          </a:xfrm>
+          <a:prstGeom prst="rect">
+            <a:avLst/>
+          </a:prstGeom>
+          <a:noFill/>
+          <a:ln w="9525">
+            <a:noFill/>
+          </a:ln>
+        </p:spPr>
+      </p:pic>
+      <p:pic>
+        <p:nvPicPr>
+          <p:cNvPr id="1026" name="Picture 2" descr="一个人独坐沉思的伤感图片 宁愿孤独也不愿让任何人敷衍我">
+            <a:extLst>
+              <a:ext uri="{FF2B5EF4-FFF2-40B4-BE49-F238E27FC236}">
+                <a16:creationId xmlns:a16="http://schemas.microsoft.com/office/drawing/2014/main" id="{026CC1F2-C4E7-7D95-5F4E-C6254315D363}"/>
+              </a:ext>
+            </a:extLst>
+          </p:cNvPr>
+          <p:cNvPicPr>
+            <a:picLocks noChangeAspect="1" noChangeArrowheads="1"/>
+          </p:cNvPicPr>
+          <p:nvPr/>
+        </p:nvPicPr>
+        <p:blipFill>
+          <a:blip r:embed="rId3">
+            <a:extLst>
+              <a:ext uri="{28A0092B-C50C-407E-A947-70E740481C1C}">
+                <a14:useLocalDpi xmlns:a14="http://schemas.microsoft.com/office/drawing/2010/main" val="0"/>
+              </a:ext>
+            </a:extLst>
+          </a:blip>
+          <a:srcRect/>
+          <a:stretch>
+            <a:fillRect/>
+          </a:stretch>
+        </p:blipFill>
+        <p:spPr bwMode="auto">
+          <a:xfrm>
+            <a:off x="312852" y="914400"/>
+            <a:ext cx="4286250" cy="4286250"/>
+          </a:xfrm>
+          <a:prstGeom prst="rect">
+            <a:avLst/>
+          </a:prstGeom>
+          <a:noFill/>
+          <a:extLst>
+            <a:ext uri="{909E8E84-426E-40DD-AFC4-6F175D3DCCD1}">
+              <a14:hiddenFill xmlns:a14="http://schemas.microsoft.com/office/drawing/2010/main">
+                <a:solidFill>
+                  <a:srgbClr val="FFFFFF"/>
+                </a:solidFill>
+              </a14:hiddenFill>
+            </a:ext>
+          </a:extLst>
+        </p:spPr>
+      </p:pic>
+      <p:sp>
+        <p:nvSpPr>
+          <p:cNvPr id="9" name="文本框 8">
+            <a:extLst>
+              <a:ext uri="{FF2B5EF4-FFF2-40B4-BE49-F238E27FC236}">
+                <a16:creationId xmlns:a16="http://schemas.microsoft.com/office/drawing/2014/main" id="{B9C1AAE9-BD6D-AA64-48AD-82FA6CE96074}"/>
+              </a:ext>
+            </a:extLst>
+          </p:cNvPr>
+          <p:cNvSpPr txBox="1"/>
+          <p:nvPr/>
+        </p:nvSpPr>
+        <p:spPr>
+          <a:xfrm>
+            <a:off x="4740504" y="914400"/>
+            <a:ext cx="6776113" cy="1521725"/>
+          </a:xfrm>
+          <a:prstGeom prst="rect">
+            <a:avLst/>
+          </a:prstGeom>
+        </p:spPr>
+        <p:style>
+          <a:lnRef idx="2">
+            <a:schemeClr val="accent2"/>
+          </a:lnRef>
+          <a:fillRef idx="1">
+            <a:schemeClr val="lt1"/>
+          </a:fillRef>
+          <a:effectRef idx="0">
+            <a:schemeClr val="accent2"/>
+          </a:effectRef>
+          <a:fontRef idx="minor">
+            <a:schemeClr val="dk1"/>
+          </a:fontRef>
+        </p:style>
+        <p:txBody>
+          <a:bodyPr wrap="square" rtlCol="0">
+            <a:noAutofit/>
+          </a:bodyPr>
+          <a:lstStyle/>
+          <a:p>
+            <a:r>
+              <a:rPr lang="zh-CN" altLang="en-US" dirty="0"/>
+              <a:t>是对象化</a:t>
+            </a:r>
+            <a:r>
+              <a:rPr lang="en-US" altLang="zh-CN" dirty="0"/>
+              <a:t>CRUD? </a:t>
+            </a:r>
+            <a:r>
+              <a:rPr lang="zh-CN" altLang="en-US" dirty="0">
+                <a:solidFill>
+                  <a:srgbClr val="FF0000"/>
+                </a:solidFill>
+              </a:rPr>
+              <a:t>非也</a:t>
+            </a:r>
+            <a:endParaRPr lang="en-US" altLang="zh-CN" dirty="0">
+              <a:solidFill>
+                <a:srgbClr val="FF0000"/>
+              </a:solidFill>
+            </a:endParaRPr>
+          </a:p>
+          <a:p>
+            <a:r>
+              <a:rPr lang="en-US" altLang="zh-CN" dirty="0"/>
+              <a:t>1</a:t>
+            </a:r>
+            <a:r>
+              <a:rPr lang="zh-CN" altLang="en-US" dirty="0"/>
+              <a:t>、</a:t>
+            </a:r>
+            <a:r>
+              <a:rPr lang="en-US" altLang="zh-CN" dirty="0"/>
+              <a:t>EJB</a:t>
+            </a:r>
+            <a:r>
+              <a:rPr lang="zh-CN" altLang="en-US" dirty="0"/>
+              <a:t>和</a:t>
+            </a:r>
+            <a:r>
+              <a:rPr lang="en-US" altLang="zh-CN" dirty="0"/>
+              <a:t>hibernate 20</a:t>
+            </a:r>
+            <a:r>
+              <a:rPr lang="zh-CN" altLang="en-US" dirty="0"/>
+              <a:t>年前就解决了绝大多数场景</a:t>
+            </a:r>
+            <a:endParaRPr lang="en-US" altLang="zh-CN" dirty="0"/>
+          </a:p>
+          <a:p>
+            <a:r>
+              <a:rPr lang="en-US" altLang="zh-CN" dirty="0"/>
+              <a:t>2</a:t>
+            </a:r>
+            <a:r>
+              <a:rPr lang="zh-CN" altLang="en-US" dirty="0"/>
+              <a:t>、有一些极端特殊的场景，存在一些变通和繁琐，但并不痛</a:t>
+            </a:r>
+            <a:endParaRPr lang="en-US" altLang="zh-CN" dirty="0"/>
+          </a:p>
+          <a:p>
+            <a:endParaRPr lang="en-US" altLang="zh-CN" dirty="0"/>
+          </a:p>
+          <a:p>
+            <a:r>
+              <a:rPr lang="zh-CN" altLang="en-US" dirty="0"/>
+              <a:t>总体而言：复杂度是有上限的</a:t>
+            </a:r>
+            <a:endParaRPr lang="en-US" altLang="zh-CN" dirty="0"/>
+          </a:p>
+        </p:txBody>
+      </p:sp>
+      <p:sp>
+        <p:nvSpPr>
+          <p:cNvPr id="10" name="文本框 9">
+            <a:extLst>
+              <a:ext uri="{FF2B5EF4-FFF2-40B4-BE49-F238E27FC236}">
+                <a16:creationId xmlns:a16="http://schemas.microsoft.com/office/drawing/2014/main" id="{EE198A1A-3B2E-FE07-52AD-B1D1CF9CB466}"/>
+              </a:ext>
+            </a:extLst>
+          </p:cNvPr>
+          <p:cNvSpPr txBox="1"/>
+          <p:nvPr/>
+        </p:nvSpPr>
+        <p:spPr>
+          <a:xfrm>
+            <a:off x="4740504" y="2837480"/>
+            <a:ext cx="6776113" cy="2942347"/>
+          </a:xfrm>
+          <a:prstGeom prst="rect">
+            <a:avLst/>
+          </a:prstGeom>
+        </p:spPr>
+        <p:style>
+          <a:lnRef idx="2">
+            <a:schemeClr val="accent2"/>
+          </a:lnRef>
+          <a:fillRef idx="1">
+            <a:schemeClr val="lt1"/>
+          </a:fillRef>
+          <a:effectRef idx="0">
+            <a:schemeClr val="accent2"/>
+          </a:effectRef>
+          <a:fontRef idx="minor">
+            <a:schemeClr val="dk1"/>
+          </a:fontRef>
+        </p:style>
+        <p:txBody>
+          <a:bodyPr wrap="square" rtlCol="0">
+            <a:noAutofit/>
+          </a:bodyPr>
+          <a:lstStyle/>
+          <a:p>
+            <a:r>
+              <a:rPr lang="zh-CN" altLang="en-US" dirty="0"/>
+              <a:t>是查询</a:t>
+            </a:r>
+            <a:r>
+              <a:rPr lang="en-US" altLang="zh-CN" dirty="0"/>
+              <a:t>?</a:t>
+            </a:r>
+            <a:r>
+              <a:rPr lang="zh-CN" altLang="en-US" dirty="0">
+                <a:solidFill>
+                  <a:srgbClr val="FF0000"/>
+                </a:solidFill>
+              </a:rPr>
+              <a:t>完全正确，准确的说是复杂查询</a:t>
+            </a:r>
+            <a:endParaRPr lang="en-US" altLang="zh-CN" dirty="0">
+              <a:solidFill>
+                <a:srgbClr val="FF0000"/>
+              </a:solidFill>
+            </a:endParaRPr>
+          </a:p>
+          <a:p>
+            <a:r>
+              <a:rPr lang="en-US" altLang="zh-CN" dirty="0"/>
+              <a:t>1</a:t>
+            </a:r>
+            <a:r>
+              <a:rPr lang="zh-CN" altLang="en-US" dirty="0"/>
+              <a:t>、查询功能需求变更相对频繁，如增加</a:t>
+            </a:r>
+            <a:r>
+              <a:rPr lang="en-US" altLang="zh-CN" dirty="0"/>
+              <a:t>:</a:t>
+            </a:r>
+            <a:r>
+              <a:rPr lang="zh-CN" altLang="en-US" dirty="0"/>
+              <a:t>显示字段、筛选条件</a:t>
+            </a:r>
+            <a:endParaRPr lang="en-US" altLang="zh-CN" dirty="0"/>
+          </a:p>
+          <a:p>
+            <a:r>
+              <a:rPr lang="en-US" altLang="zh-CN" dirty="0"/>
+              <a:t>2</a:t>
+            </a:r>
+            <a:r>
+              <a:rPr lang="zh-CN" altLang="en-US" dirty="0"/>
+              <a:t>、多表关联查询，</a:t>
+            </a:r>
+            <a:r>
+              <a:rPr lang="en-US" altLang="zh-CN" dirty="0" err="1"/>
+              <a:t>sql</a:t>
+            </a:r>
+            <a:r>
+              <a:rPr lang="zh-CN" altLang="en-US" dirty="0"/>
+              <a:t>语句繁长，性能问题突出</a:t>
+            </a:r>
+            <a:endParaRPr lang="en-US" altLang="zh-CN" dirty="0"/>
+          </a:p>
+          <a:p>
+            <a:r>
+              <a:rPr lang="en-US" altLang="zh-CN" dirty="0"/>
+              <a:t>3</a:t>
+            </a:r>
+            <a:r>
+              <a:rPr lang="zh-CN" altLang="en-US" dirty="0"/>
+              <a:t>、一些常用功能优化较困难：</a:t>
+            </a:r>
+            <a:r>
+              <a:rPr lang="en-US" altLang="zh-CN" dirty="0"/>
+              <a:t>1</a:t>
+            </a:r>
+            <a:r>
+              <a:rPr lang="zh-CN" altLang="en-US" dirty="0"/>
+              <a:t>）树型结构查询；</a:t>
+            </a:r>
+            <a:r>
+              <a:rPr lang="en-US" altLang="zh-CN" dirty="0"/>
+              <a:t>2</a:t>
+            </a:r>
+            <a:r>
+              <a:rPr lang="zh-CN" altLang="en-US" dirty="0"/>
+              <a:t>）分页查询</a:t>
+            </a:r>
+            <a:endParaRPr lang="en-US" altLang="zh-CN" dirty="0"/>
+          </a:p>
+          <a:p>
+            <a:r>
+              <a:rPr lang="en-US" altLang="zh-CN" dirty="0"/>
+              <a:t>4</a:t>
+            </a:r>
+            <a:r>
+              <a:rPr lang="zh-CN" altLang="en-US" dirty="0"/>
+              <a:t>、常用的统计处理繁杂：</a:t>
+            </a:r>
+            <a:r>
+              <a:rPr lang="en-US" altLang="zh-CN" dirty="0"/>
+              <a:t>1</a:t>
+            </a:r>
+            <a:r>
+              <a:rPr lang="zh-CN" altLang="en-US" dirty="0"/>
+              <a:t>）行列转换；</a:t>
+            </a:r>
+            <a:r>
+              <a:rPr lang="en-US" altLang="zh-CN" dirty="0"/>
+              <a:t>2</a:t>
+            </a:r>
+            <a:r>
+              <a:rPr lang="zh-CN" altLang="en-US" dirty="0"/>
+              <a:t>）同比环比</a:t>
+            </a:r>
+            <a:r>
+              <a:rPr lang="en-US" altLang="zh-CN" dirty="0"/>
+              <a:t>;3)</a:t>
+            </a:r>
+            <a:r>
+              <a:rPr lang="zh-CN" altLang="en-US" dirty="0"/>
+              <a:t>树形排序汇总</a:t>
+            </a:r>
+            <a:endParaRPr lang="en-US" altLang="zh-CN" dirty="0"/>
+          </a:p>
+          <a:p>
+            <a:r>
+              <a:rPr lang="en-US" altLang="zh-CN" dirty="0"/>
+              <a:t>5</a:t>
+            </a:r>
+            <a:r>
+              <a:rPr lang="zh-CN" altLang="en-US" dirty="0"/>
+              <a:t>、</a:t>
+            </a:r>
+            <a:r>
+              <a:rPr lang="en-US" altLang="zh-CN" dirty="0" err="1"/>
+              <a:t>sql</a:t>
+            </a:r>
+            <a:r>
+              <a:rPr lang="zh-CN" altLang="en-US" dirty="0"/>
+              <a:t>语句跨数据库</a:t>
+            </a:r>
+            <a:endParaRPr lang="en-US" altLang="zh-CN" dirty="0"/>
+          </a:p>
+          <a:p>
+            <a:r>
+              <a:rPr lang="en-US" altLang="zh-CN" dirty="0"/>
+              <a:t>6</a:t>
+            </a:r>
+            <a:r>
+              <a:rPr lang="zh-CN" altLang="en-US" dirty="0"/>
+              <a:t>、超大数据性能优化手段匮乏</a:t>
+            </a:r>
+            <a:endParaRPr lang="en-US" altLang="zh-CN" dirty="0"/>
+          </a:p>
+          <a:p>
+            <a:endParaRPr lang="en-US" altLang="zh-CN" dirty="0"/>
+          </a:p>
+          <a:p>
+            <a:r>
+              <a:rPr lang="zh-CN" altLang="en-US" dirty="0"/>
+              <a:t>查询是一个上不封顶的永恒命题！</a:t>
+            </a:r>
+            <a:endParaRPr lang="en-US" altLang="zh-CN" dirty="0"/>
+          </a:p>
+        </p:txBody>
+      </p:sp>
+    </p:spTree>
+    <p:extLst>
+      <p:ext uri="{BB962C8B-B14F-4D97-AF65-F5344CB8AC3E}">
+        <p14:creationId xmlns:p14="http://schemas.microsoft.com/office/powerpoint/2010/main" val="3307037416"/>
+      </p:ext>
+    </p:extLst>
+  </p:cSld>
+  <p:clrMapOvr>
+    <a:masterClrMapping/>
+  </p:clrMapOvr>
+</p:sld>
+</file>
+
+<file path=ppt/slides/slide10.xml><?xml version="1.0" encoding="utf-8"?>
+<p:sld xmlns:a="http://schemas.openxmlformats.org/drawingml/2006/main" xmlns:r="http://schemas.openxmlformats.org/officeDocument/2006/relationships" xmlns:p="http://schemas.openxmlformats.org/presentationml/2006/main">
+  <p:cSld>
+    <p:spTree>
+      <p:nvGrpSpPr>
+        <p:cNvPr id="1" name=""/>
+        <p:cNvGrpSpPr/>
+        <p:nvPr/>
+      </p:nvGrpSpPr>
+      <p:grpSpPr>
+        <a:xfrm>
+          <a:off x="0" y="0"/>
+          <a:ext cx="0" cy="0"/>
+          <a:chOff x="0" y="0"/>
+          <a:chExt cx="0" cy="0"/>
+        </a:xfrm>
+      </p:grpSpPr>
+      <p:sp>
+        <p:nvSpPr>
+          <p:cNvPr id="4099" name="文本框 15"/>
+          <p:cNvSpPr/>
+          <p:nvPr/>
+        </p:nvSpPr>
+        <p:spPr>
+          <a:xfrm>
+            <a:off x="171450" y="264477"/>
+            <a:ext cx="9754975" cy="400110"/>
+          </a:xfrm>
+          <a:prstGeom prst="rect">
+            <a:avLst/>
+          </a:prstGeom>
+          <a:noFill/>
+          <a:ln w="9525">
+            <a:noFill/>
+          </a:ln>
+        </p:spPr>
+        <p:txBody>
+          <a:bodyPr wrap="square" anchor="t">
+            <a:spAutoFit/>
+          </a:bodyPr>
+          <a:lstStyle/>
+          <a:p>
+            <a:pPr lvl="0" indent="0"/>
+            <a:r>
+              <a:rPr lang="zh-CN" altLang="en-US" sz="2000" b="1" dirty="0">
+                <a:solidFill>
+                  <a:schemeClr val="tx1">
+                    <a:lumMod val="65000"/>
+                    <a:lumOff val="35000"/>
+                  </a:schemeClr>
+                </a:solidFill>
+                <a:latin typeface="微软雅黑" panose="020B0503020204020204" charset="-122"/>
+                <a:ea typeface="微软雅黑" panose="020B0503020204020204" charset="-122"/>
+                <a:sym typeface="+mn-ea"/>
+              </a:rPr>
+              <a:t>行业痛点</a:t>
+            </a:r>
+            <a:r>
+              <a:rPr lang="en-US" altLang="zh-CN" sz="2000" b="1" dirty="0" err="1">
+                <a:solidFill>
+                  <a:schemeClr val="tx1">
+                    <a:lumMod val="65000"/>
+                    <a:lumOff val="35000"/>
+                  </a:schemeClr>
+                </a:solidFill>
+                <a:latin typeface="微软雅黑" panose="020B0503020204020204" charset="-122"/>
+                <a:ea typeface="微软雅黑" panose="020B0503020204020204" charset="-122"/>
+                <a:sym typeface="+mn-ea"/>
+              </a:rPr>
+              <a:t>sqltoy</a:t>
+            </a:r>
+            <a:r>
+              <a:rPr lang="zh-CN" altLang="en-US" sz="2000" b="1" dirty="0">
+                <a:solidFill>
+                  <a:schemeClr val="tx1">
+                    <a:lumMod val="65000"/>
+                    <a:lumOff val="35000"/>
+                  </a:schemeClr>
+                </a:solidFill>
+                <a:latin typeface="微软雅黑" panose="020B0503020204020204" charset="-122"/>
+                <a:ea typeface="微软雅黑" panose="020B0503020204020204" charset="-122"/>
+                <a:sym typeface="+mn-ea"/>
+              </a:rPr>
+              <a:t>的应对</a:t>
+            </a:r>
+            <a:r>
+              <a:rPr lang="en-US" altLang="zh-CN" sz="2000" b="1" dirty="0">
+                <a:solidFill>
+                  <a:schemeClr val="tx1">
+                    <a:lumMod val="65000"/>
+                    <a:lumOff val="35000"/>
+                  </a:schemeClr>
+                </a:solidFill>
+                <a:latin typeface="微软雅黑" panose="020B0503020204020204" charset="-122"/>
+                <a:ea typeface="微软雅黑" panose="020B0503020204020204" charset="-122"/>
+                <a:sym typeface="+mn-ea"/>
+              </a:rPr>
+              <a:t>:</a:t>
+            </a:r>
+            <a:r>
+              <a:rPr lang="zh-CN" altLang="en-US" sz="2000" b="1" dirty="0">
+                <a:solidFill>
+                  <a:schemeClr val="tx1">
+                    <a:lumMod val="65000"/>
+                    <a:lumOff val="35000"/>
+                  </a:schemeClr>
+                </a:solidFill>
+                <a:latin typeface="微软雅黑" panose="020B0503020204020204" charset="-122"/>
+                <a:ea typeface="微软雅黑" panose="020B0503020204020204" charset="-122"/>
+                <a:sym typeface="+mn-ea"/>
+              </a:rPr>
+              <a:t>跨库、复杂点标准化</a:t>
+            </a:r>
+            <a:endParaRPr lang="en-US" altLang="zh-CN" sz="2000" b="1" dirty="0">
+              <a:solidFill>
+                <a:schemeClr val="tx1">
+                  <a:lumMod val="65000"/>
+                  <a:lumOff val="35000"/>
+                </a:schemeClr>
+              </a:solidFill>
+              <a:latin typeface="微软雅黑" panose="020B0503020204020204" charset="-122"/>
+              <a:ea typeface="微软雅黑" panose="020B0503020204020204" charset="-122"/>
+              <a:sym typeface="+mn-ea"/>
+            </a:endParaRPr>
+          </a:p>
+        </p:txBody>
+      </p:sp>
+      <p:sp>
+        <p:nvSpPr>
+          <p:cNvPr id="4100" name="矩形 5"/>
+          <p:cNvSpPr/>
+          <p:nvPr/>
+        </p:nvSpPr>
+        <p:spPr>
+          <a:xfrm>
+            <a:off x="0" y="342900"/>
+            <a:ext cx="171450" cy="571500"/>
+          </a:xfrm>
+          <a:prstGeom prst="rect">
+            <a:avLst/>
+          </a:prstGeom>
+          <a:solidFill>
+            <a:srgbClr val="00B0F0"/>
+          </a:solidFill>
+          <a:ln w="12700">
+            <a:noFill/>
+          </a:ln>
+        </p:spPr>
+        <p:txBody>
+          <a:bodyPr anchor="ctr"/>
+          <a:lstStyle/>
+          <a:p>
+            <a:pPr lvl="0" indent="0" algn="ctr"/>
+            <a:endParaRPr lang="zh-CN" altLang="en-US" b="1" i="1">
+              <a:solidFill>
+                <a:srgbClr val="FFFFFF"/>
+              </a:solidFill>
+              <a:latin typeface="Segoe UI Light" panose="020B0502040204020203" charset="0"/>
+              <a:ea typeface="方正中等线简体" panose="03000509000000000000" charset="-122"/>
+              <a:sym typeface="Segoe UI Light" panose="020B0502040204020203" charset="0"/>
+            </a:endParaRPr>
+          </a:p>
+        </p:txBody>
+      </p:sp>
+      <p:pic>
+        <p:nvPicPr>
+          <p:cNvPr id="4" name="图片 6" descr="C:\Users\mm\Desktop\最新logo\拉卡拉logo(1)-03.png拉卡拉logo(1)-03"/>
+          <p:cNvPicPr>
+            <a:picLocks noChangeAspect="1"/>
+          </p:cNvPicPr>
+          <p:nvPr/>
+        </p:nvPicPr>
+        <p:blipFill>
+          <a:blip r:embed="rId2"/>
+          <a:srcRect/>
+          <a:stretch>
+            <a:fillRect/>
+          </a:stretch>
+        </p:blipFill>
+        <p:spPr>
+          <a:xfrm>
+            <a:off x="10824369" y="95250"/>
+            <a:ext cx="1285875" cy="338455"/>
+          </a:xfrm>
+          <a:prstGeom prst="rect">
+            <a:avLst/>
+          </a:prstGeom>
+          <a:noFill/>
+          <a:ln w="9525">
+            <a:noFill/>
+          </a:ln>
+        </p:spPr>
+      </p:pic>
+      <p:sp>
+        <p:nvSpPr>
+          <p:cNvPr id="2" name="矩形 1">
+            <a:extLst>
+              <a:ext uri="{FF2B5EF4-FFF2-40B4-BE49-F238E27FC236}">
+                <a16:creationId xmlns:a16="http://schemas.microsoft.com/office/drawing/2014/main" id="{7FAE84AA-1422-4C38-A804-5EA30FCCAC37}"/>
+              </a:ext>
+            </a:extLst>
+          </p:cNvPr>
+          <p:cNvSpPr/>
+          <p:nvPr/>
+        </p:nvSpPr>
+        <p:spPr>
+          <a:xfrm>
+            <a:off x="255581" y="664587"/>
+            <a:ext cx="11563380" cy="1916485"/>
+          </a:xfrm>
+          <a:prstGeom prst="rect">
+            <a:avLst/>
+          </a:prstGeom>
+        </p:spPr>
+        <p:style>
+          <a:lnRef idx="2">
+            <a:schemeClr val="accent2"/>
+          </a:lnRef>
+          <a:fillRef idx="1">
+            <a:schemeClr val="lt1"/>
+          </a:fillRef>
+          <a:effectRef idx="0">
+            <a:schemeClr val="accent2"/>
+          </a:effectRef>
+          <a:fontRef idx="minor">
+            <a:schemeClr val="dk1"/>
+          </a:fontRef>
+        </p:style>
+        <p:txBody>
+          <a:bodyPr rtlCol="0" anchor="t"/>
+          <a:lstStyle/>
+          <a:p>
+            <a:r>
+              <a:rPr lang="zh-CN" altLang="en-US" sz="1200" dirty="0"/>
+              <a:t>做项目我们经常有哪些复杂烦恼点？</a:t>
+            </a:r>
+            <a:endParaRPr lang="en-US" altLang="zh-CN" sz="1200" dirty="0"/>
+          </a:p>
+          <a:p>
+            <a:pPr marL="285750" indent="-285750">
+              <a:buFont typeface="Wingdings" panose="05000000000000000000" pitchFamily="2" charset="2"/>
+              <a:buChar char="Ø"/>
+            </a:pPr>
+            <a:r>
+              <a:rPr lang="zh-CN" altLang="en-US" sz="1200" dirty="0">
+                <a:solidFill>
+                  <a:srgbClr val="FF0000"/>
+                </a:solidFill>
+              </a:rPr>
+              <a:t>我们做的功能模块能否走产品化？可以直接用在不同数据库上？</a:t>
+            </a:r>
+            <a:endParaRPr lang="en-US" altLang="zh-CN" sz="1200" dirty="0">
+              <a:solidFill>
+                <a:srgbClr val="FF0000"/>
+              </a:solidFill>
+            </a:endParaRPr>
+          </a:p>
+          <a:p>
+            <a:r>
+              <a:rPr lang="en-US" altLang="zh-CN" sz="1200" dirty="0">
+                <a:solidFill>
+                  <a:srgbClr val="FF0000"/>
+                </a:solidFill>
+              </a:rPr>
+              <a:t>      </a:t>
+            </a:r>
+            <a:r>
+              <a:rPr lang="zh-CN" altLang="en-US" sz="1200" dirty="0">
+                <a:solidFill>
+                  <a:schemeClr val="tx1"/>
+                </a:solidFill>
+              </a:rPr>
+              <a:t>曾经给不同银行客户做项目的我深有感触，所有后台项目在权限、人员、机构、数据字典等基础功能上几乎都是通用的，有通用的产品就意味着项目范围的缩小、项目更加可控、成本更加节约、项目更容易出成果</a:t>
+            </a:r>
+            <a:endParaRPr lang="en-US" altLang="zh-CN" sz="1200" dirty="0">
+              <a:solidFill>
+                <a:schemeClr val="tx1"/>
+              </a:solidFill>
+            </a:endParaRPr>
+          </a:p>
+          <a:p>
+            <a:pPr marL="285750" indent="-285750">
+              <a:buFont typeface="Wingdings" panose="05000000000000000000" pitchFamily="2" charset="2"/>
+              <a:buChar char="Ø"/>
+            </a:pPr>
+            <a:r>
+              <a:rPr lang="zh-CN" altLang="en-US" sz="1200" dirty="0">
+                <a:solidFill>
+                  <a:srgbClr val="FF0000"/>
+                </a:solidFill>
+              </a:rPr>
+              <a:t>在一些项目中如果没有报表平台，如何面对一些复杂的统计分析型查询功能？</a:t>
+            </a:r>
+            <a:endParaRPr lang="en-US" altLang="zh-CN" sz="1200" dirty="0">
+              <a:solidFill>
+                <a:srgbClr val="FF0000"/>
+              </a:solidFill>
+            </a:endParaRPr>
+          </a:p>
+          <a:p>
+            <a:r>
+              <a:rPr lang="en-US" altLang="zh-CN" sz="1200" dirty="0">
+                <a:solidFill>
+                  <a:schemeClr val="tx1"/>
+                </a:solidFill>
+              </a:rPr>
+              <a:t>      2009</a:t>
+            </a:r>
+            <a:r>
+              <a:rPr lang="zh-CN" altLang="en-US" sz="1200" dirty="0">
+                <a:solidFill>
+                  <a:schemeClr val="tx1"/>
+                </a:solidFill>
+              </a:rPr>
+              <a:t>年宁波银监会项目：一个交叉统计报表，开发原本一次查询变成了按照月份有几个月就查询几次，我指出用一次查询，然后将结果集合旋转，开发一副小眼睛一脸无辜的看着我：什么旋转？怎么做？</a:t>
+            </a:r>
+            <a:endParaRPr lang="en-US" altLang="zh-CN" sz="1200" dirty="0">
+              <a:solidFill>
+                <a:schemeClr val="tx1"/>
+              </a:solidFill>
+            </a:endParaRPr>
+          </a:p>
+          <a:p>
+            <a:r>
+              <a:rPr lang="en-US" altLang="zh-CN" sz="1200" dirty="0">
+                <a:solidFill>
+                  <a:schemeClr val="tx1"/>
+                </a:solidFill>
+              </a:rPr>
+              <a:t>      2011</a:t>
+            </a:r>
+            <a:r>
+              <a:rPr lang="zh-CN" altLang="en-US" sz="1200" dirty="0">
+                <a:solidFill>
+                  <a:schemeClr val="tx1"/>
+                </a:solidFill>
+              </a:rPr>
+              <a:t>年浦发电销项目被复杂的统计折腾的精疲力竭</a:t>
+            </a:r>
+            <a:endParaRPr lang="en-US" altLang="zh-CN" sz="1200" dirty="0">
+              <a:solidFill>
+                <a:schemeClr val="tx1"/>
+              </a:solidFill>
+            </a:endParaRPr>
+          </a:p>
+          <a:p>
+            <a:r>
+              <a:rPr lang="en-US" altLang="zh-CN" sz="1200" dirty="0">
+                <a:solidFill>
+                  <a:schemeClr val="tx1"/>
+                </a:solidFill>
+              </a:rPr>
+              <a:t>      2011</a:t>
+            </a:r>
+            <a:r>
+              <a:rPr lang="zh-CN" altLang="en-US" sz="1200" dirty="0">
+                <a:solidFill>
+                  <a:schemeClr val="tx1"/>
+                </a:solidFill>
+              </a:rPr>
+              <a:t>年山东农信项目：几张复杂统计</a:t>
+            </a:r>
+            <a:r>
+              <a:rPr lang="en-US" altLang="zh-CN" sz="1200" dirty="0">
+                <a:solidFill>
+                  <a:schemeClr val="tx1"/>
+                </a:solidFill>
+              </a:rPr>
+              <a:t>(</a:t>
+            </a:r>
+            <a:r>
+              <a:rPr lang="zh-CN" altLang="en-US" sz="1200" dirty="0">
+                <a:solidFill>
+                  <a:schemeClr val="tx1"/>
+                </a:solidFill>
+              </a:rPr>
+              <a:t>多维度交叉</a:t>
+            </a:r>
+            <a:r>
+              <a:rPr lang="en-US" altLang="zh-CN" sz="1200" dirty="0">
+                <a:solidFill>
+                  <a:schemeClr val="tx1"/>
+                </a:solidFill>
+              </a:rPr>
+              <a:t>)</a:t>
+            </a:r>
+            <a:r>
+              <a:rPr lang="zh-CN" altLang="en-US" sz="1200" dirty="0">
+                <a:solidFill>
+                  <a:schemeClr val="tx1"/>
+                </a:solidFill>
+              </a:rPr>
+              <a:t>开发撂挑子天天吵着要离开项目组</a:t>
+            </a:r>
+            <a:r>
+              <a:rPr lang="en-US" altLang="zh-CN" sz="1200" dirty="0">
+                <a:solidFill>
+                  <a:schemeClr val="tx1"/>
+                </a:solidFill>
+              </a:rPr>
+              <a:t>(</a:t>
+            </a:r>
+            <a:r>
+              <a:rPr lang="zh-CN" altLang="en-US" sz="1200" dirty="0">
+                <a:solidFill>
+                  <a:srgbClr val="92D050"/>
+                </a:solidFill>
+              </a:rPr>
+              <a:t>因此</a:t>
+            </a:r>
+            <a:r>
+              <a:rPr lang="en-US" altLang="zh-CN" sz="1200" dirty="0">
+                <a:solidFill>
+                  <a:srgbClr val="92D050"/>
+                </a:solidFill>
+              </a:rPr>
+              <a:t>2012</a:t>
+            </a:r>
+            <a:r>
+              <a:rPr lang="zh-CN" altLang="en-US" sz="1200" dirty="0">
+                <a:solidFill>
+                  <a:srgbClr val="92D050"/>
+                </a:solidFill>
+              </a:rPr>
+              <a:t>年启动了</a:t>
+            </a:r>
+            <a:r>
+              <a:rPr lang="en-US" altLang="zh-CN" sz="1200" dirty="0">
+                <a:solidFill>
+                  <a:srgbClr val="92D050"/>
+                </a:solidFill>
+              </a:rPr>
+              <a:t>nebula</a:t>
+            </a:r>
+            <a:r>
+              <a:rPr lang="zh-CN" altLang="en-US" sz="1200" dirty="0">
+                <a:solidFill>
+                  <a:srgbClr val="92D050"/>
+                </a:solidFill>
+              </a:rPr>
+              <a:t>星云报表开发，并将部分算法集成到</a:t>
+            </a:r>
+            <a:r>
+              <a:rPr lang="en-US" altLang="zh-CN" sz="1200" dirty="0" err="1">
+                <a:solidFill>
+                  <a:srgbClr val="92D050"/>
+                </a:solidFill>
+              </a:rPr>
+              <a:t>sqltoy</a:t>
+            </a:r>
+            <a:r>
+              <a:rPr lang="zh-CN" altLang="en-US" sz="1200" dirty="0">
+                <a:solidFill>
+                  <a:srgbClr val="92D050"/>
+                </a:solidFill>
+              </a:rPr>
+              <a:t>中</a:t>
+            </a:r>
+            <a:r>
+              <a:rPr lang="en-US" altLang="zh-CN" sz="1200" dirty="0">
+                <a:solidFill>
+                  <a:schemeClr val="tx1"/>
+                </a:solidFill>
+              </a:rPr>
+              <a:t>)</a:t>
+            </a:r>
+          </a:p>
+          <a:p>
+            <a:r>
+              <a:rPr lang="zh-CN" altLang="en-US" sz="1200" dirty="0">
+                <a:solidFill>
+                  <a:srgbClr val="0070C0"/>
+                </a:solidFill>
+              </a:rPr>
+              <a:t>开发人员面对这些困难，可以撂挑子说框架不支持、用一副无辜的小眼睛瞪你，但作为项目负责人可以吗？</a:t>
+            </a:r>
+            <a:endParaRPr lang="en-US" altLang="zh-CN" sz="1200" dirty="0">
+              <a:solidFill>
+                <a:srgbClr val="0070C0"/>
+              </a:solidFill>
+            </a:endParaRPr>
+          </a:p>
+        </p:txBody>
+      </p:sp>
+      <p:pic>
+        <p:nvPicPr>
+          <p:cNvPr id="5" name="图片 4">
+            <a:extLst>
+              <a:ext uri="{FF2B5EF4-FFF2-40B4-BE49-F238E27FC236}">
+                <a16:creationId xmlns:a16="http://schemas.microsoft.com/office/drawing/2014/main" id="{4E514C36-40D2-4094-8744-01B51C9AD95B}"/>
+              </a:ext>
+            </a:extLst>
+          </p:cNvPr>
+          <p:cNvPicPr>
+            <a:picLocks noChangeAspect="1"/>
+          </p:cNvPicPr>
+          <p:nvPr/>
+        </p:nvPicPr>
+        <p:blipFill>
+          <a:blip r:embed="rId3" cstate="print">
+            <a:extLst>
+              <a:ext uri="{28A0092B-C50C-407E-A947-70E740481C1C}">
+                <a14:useLocalDpi xmlns:a14="http://schemas.microsoft.com/office/drawing/2010/main" val="0"/>
+              </a:ext>
+            </a:extLst>
+          </a:blip>
+          <a:stretch>
+            <a:fillRect/>
+          </a:stretch>
+        </p:blipFill>
+        <p:spPr>
+          <a:xfrm>
+            <a:off x="171450" y="2981182"/>
+            <a:ext cx="3566762" cy="3749407"/>
+          </a:xfrm>
+          <a:prstGeom prst="rect">
+            <a:avLst/>
+          </a:prstGeom>
+        </p:spPr>
+      </p:pic>
+      <p:sp>
+        <p:nvSpPr>
+          <p:cNvPr id="6" name="矩形: 圆角 5">
+            <a:extLst>
+              <a:ext uri="{FF2B5EF4-FFF2-40B4-BE49-F238E27FC236}">
+                <a16:creationId xmlns:a16="http://schemas.microsoft.com/office/drawing/2014/main" id="{661CEA14-E00E-455F-B967-ED6C6C643A97}"/>
+              </a:ext>
+            </a:extLst>
+          </p:cNvPr>
+          <p:cNvSpPr/>
+          <p:nvPr/>
+        </p:nvSpPr>
+        <p:spPr>
+          <a:xfrm>
+            <a:off x="171450" y="2637677"/>
+            <a:ext cx="4095750" cy="280621"/>
+          </a:xfrm>
+          <a:prstGeom prst="roundRect">
+            <a:avLst/>
+          </a:prstGeom>
+        </p:spPr>
+        <p:style>
+          <a:lnRef idx="2">
+            <a:schemeClr val="accent1">
+              <a:shade val="50000"/>
+            </a:schemeClr>
+          </a:lnRef>
+          <a:fillRef idx="1">
+            <a:schemeClr val="accent1"/>
+          </a:fillRef>
+          <a:effectRef idx="0">
+            <a:schemeClr val="accent1"/>
+          </a:effectRef>
+          <a:fontRef idx="minor">
+            <a:schemeClr val="lt1"/>
+          </a:fontRef>
+        </p:style>
+        <p:txBody>
+          <a:bodyPr rtlCol="0" anchor="ctr"/>
+          <a:lstStyle/>
+          <a:p>
+            <a:r>
+              <a:rPr lang="zh-CN" altLang="en-US" sz="1400" dirty="0"/>
+              <a:t>跨数据库支持</a:t>
+            </a:r>
+            <a:r>
+              <a:rPr lang="en-US" altLang="zh-CN" sz="1400" dirty="0"/>
+              <a:t>:</a:t>
+            </a:r>
+            <a:r>
+              <a:rPr lang="zh-CN" altLang="en-US" sz="1400" dirty="0"/>
+              <a:t>函数自适应、</a:t>
+            </a:r>
+            <a:r>
+              <a:rPr lang="en-US" altLang="zh-CN" sz="1400" dirty="0" err="1"/>
+              <a:t>sqlId+dialect</a:t>
+            </a:r>
+            <a:r>
+              <a:rPr lang="zh-CN" altLang="en-US" sz="1400" dirty="0"/>
+              <a:t>优先法则</a:t>
+            </a:r>
+          </a:p>
+        </p:txBody>
+      </p:sp>
+      <p:pic>
+        <p:nvPicPr>
+          <p:cNvPr id="8" name="图片 7">
+            <a:extLst>
+              <a:ext uri="{FF2B5EF4-FFF2-40B4-BE49-F238E27FC236}">
+                <a16:creationId xmlns:a16="http://schemas.microsoft.com/office/drawing/2014/main" id="{ED025BD4-57FE-4C4A-92C0-B26F70780B87}"/>
+              </a:ext>
+            </a:extLst>
+          </p:cNvPr>
+          <p:cNvPicPr>
+            <a:picLocks noChangeAspect="1"/>
+          </p:cNvPicPr>
+          <p:nvPr/>
+        </p:nvPicPr>
+        <p:blipFill>
+          <a:blip r:embed="rId4" cstate="print">
+            <a:extLst>
+              <a:ext uri="{28A0092B-C50C-407E-A947-70E740481C1C}">
+                <a14:useLocalDpi xmlns:a14="http://schemas.microsoft.com/office/drawing/2010/main" val="0"/>
+              </a:ext>
+            </a:extLst>
+          </a:blip>
+          <a:stretch>
+            <a:fillRect/>
+          </a:stretch>
+        </p:blipFill>
+        <p:spPr>
+          <a:xfrm>
+            <a:off x="3635408" y="2974903"/>
+            <a:ext cx="2577507" cy="1579259"/>
+          </a:xfrm>
+          <a:prstGeom prst="rect">
+            <a:avLst/>
+          </a:prstGeom>
+        </p:spPr>
+      </p:pic>
+      <p:pic>
+        <p:nvPicPr>
+          <p:cNvPr id="10" name="图片 9">
+            <a:extLst>
+              <a:ext uri="{FF2B5EF4-FFF2-40B4-BE49-F238E27FC236}">
+                <a16:creationId xmlns:a16="http://schemas.microsoft.com/office/drawing/2014/main" id="{E784F40F-917A-4D16-B6FF-2EF2764360FE}"/>
+              </a:ext>
+            </a:extLst>
+          </p:cNvPr>
+          <p:cNvPicPr>
+            <a:picLocks noChangeAspect="1"/>
+          </p:cNvPicPr>
+          <p:nvPr/>
+        </p:nvPicPr>
+        <p:blipFill>
+          <a:blip r:embed="rId5" cstate="print">
+            <a:extLst>
+              <a:ext uri="{28A0092B-C50C-407E-A947-70E740481C1C}">
+                <a14:useLocalDpi xmlns:a14="http://schemas.microsoft.com/office/drawing/2010/main" val="0"/>
+              </a:ext>
+            </a:extLst>
+          </a:blip>
+          <a:stretch>
+            <a:fillRect/>
+          </a:stretch>
+        </p:blipFill>
+        <p:spPr>
+          <a:xfrm>
+            <a:off x="6183343" y="2893975"/>
+            <a:ext cx="3095630" cy="1830561"/>
+          </a:xfrm>
+          <a:prstGeom prst="rect">
+            <a:avLst/>
+          </a:prstGeom>
+        </p:spPr>
+      </p:pic>
+      <p:pic>
+        <p:nvPicPr>
+          <p:cNvPr id="12" name="图片 11">
+            <a:extLst>
+              <a:ext uri="{FF2B5EF4-FFF2-40B4-BE49-F238E27FC236}">
+                <a16:creationId xmlns:a16="http://schemas.microsoft.com/office/drawing/2014/main" id="{4F1E717C-FE15-4AF8-A638-B4AD68402546}"/>
+              </a:ext>
+            </a:extLst>
+          </p:cNvPr>
+          <p:cNvPicPr>
+            <a:picLocks noChangeAspect="1"/>
+          </p:cNvPicPr>
+          <p:nvPr/>
+        </p:nvPicPr>
+        <p:blipFill>
+          <a:blip r:embed="rId6" cstate="print">
+            <a:extLst>
+              <a:ext uri="{28A0092B-C50C-407E-A947-70E740481C1C}">
+                <a14:useLocalDpi xmlns:a14="http://schemas.microsoft.com/office/drawing/2010/main" val="0"/>
+              </a:ext>
+            </a:extLst>
+          </a:blip>
+          <a:stretch>
+            <a:fillRect/>
+          </a:stretch>
+        </p:blipFill>
+        <p:spPr>
+          <a:xfrm>
+            <a:off x="3795752" y="4554162"/>
+            <a:ext cx="1791489" cy="2121445"/>
+          </a:xfrm>
+          <a:prstGeom prst="rect">
+            <a:avLst/>
+          </a:prstGeom>
+        </p:spPr>
+      </p:pic>
+      <p:sp>
+        <p:nvSpPr>
+          <p:cNvPr id="13" name="矩形 12">
+            <a:extLst>
+              <a:ext uri="{FF2B5EF4-FFF2-40B4-BE49-F238E27FC236}">
+                <a16:creationId xmlns:a16="http://schemas.microsoft.com/office/drawing/2014/main" id="{E009E04E-627B-40C5-B713-1E8CF644A9C8}"/>
+              </a:ext>
+            </a:extLst>
+          </p:cNvPr>
+          <p:cNvSpPr/>
+          <p:nvPr/>
+        </p:nvSpPr>
+        <p:spPr>
+          <a:xfrm>
+            <a:off x="6183343" y="2618286"/>
+            <a:ext cx="1673157" cy="235225"/>
+          </a:xfrm>
+          <a:prstGeom prst="rect">
+            <a:avLst/>
+          </a:prstGeom>
+        </p:spPr>
+        <p:style>
+          <a:lnRef idx="2">
+            <a:schemeClr val="accent1">
+              <a:shade val="50000"/>
+            </a:schemeClr>
+          </a:lnRef>
+          <a:fillRef idx="1">
+            <a:schemeClr val="accent1"/>
+          </a:fillRef>
+          <a:effectRef idx="0">
+            <a:schemeClr val="accent1"/>
+          </a:effectRef>
+          <a:fontRef idx="minor">
+            <a:schemeClr val="lt1"/>
+          </a:fontRef>
+        </p:style>
+        <p:txBody>
+          <a:bodyPr rtlCol="0" anchor="ctr"/>
+          <a:lstStyle/>
+          <a:p>
+            <a:pPr algn="ctr"/>
+            <a:r>
+              <a:rPr lang="zh-CN" altLang="en-US" dirty="0"/>
+              <a:t>行转列</a:t>
+            </a:r>
+          </a:p>
+        </p:txBody>
+      </p:sp>
+      <p:pic>
+        <p:nvPicPr>
+          <p:cNvPr id="15" name="图片 14">
+            <a:extLst>
+              <a:ext uri="{FF2B5EF4-FFF2-40B4-BE49-F238E27FC236}">
+                <a16:creationId xmlns:a16="http://schemas.microsoft.com/office/drawing/2014/main" id="{9094BF53-D1D1-472F-A571-10B619E2E89A}"/>
+              </a:ext>
+            </a:extLst>
+          </p:cNvPr>
+          <p:cNvPicPr>
+            <a:picLocks noChangeAspect="1"/>
+          </p:cNvPicPr>
+          <p:nvPr/>
+        </p:nvPicPr>
+        <p:blipFill>
+          <a:blip r:embed="rId7" cstate="print">
+            <a:extLst>
+              <a:ext uri="{28A0092B-C50C-407E-A947-70E740481C1C}">
+                <a14:useLocalDpi xmlns:a14="http://schemas.microsoft.com/office/drawing/2010/main" val="0"/>
+              </a:ext>
+            </a:extLst>
+          </a:blip>
+          <a:stretch>
+            <a:fillRect/>
+          </a:stretch>
+        </p:blipFill>
+        <p:spPr>
+          <a:xfrm>
+            <a:off x="8555218" y="4028868"/>
+            <a:ext cx="3340615" cy="2274655"/>
+          </a:xfrm>
+          <a:prstGeom prst="rect">
+            <a:avLst/>
+          </a:prstGeom>
+        </p:spPr>
+      </p:pic>
+    </p:spTree>
+    <p:extLst>
+      <p:ext uri="{BB962C8B-B14F-4D97-AF65-F5344CB8AC3E}">
+        <p14:creationId xmlns:p14="http://schemas.microsoft.com/office/powerpoint/2010/main" val="2785813326"/>
+      </p:ext>
+    </p:extLst>
+  </p:cSld>
+  <p:clrMapOvr>
+    <a:masterClrMapping/>
+  </p:clrMapOvr>
+</p:sld>
+</file>
+
+<file path=ppt/slides/slide11.xml><?xml version="1.0" encoding="utf-8"?>
+<p:sld xmlns:a="http://schemas.openxmlformats.org/drawingml/2006/main" xmlns:r="http://schemas.openxmlformats.org/officeDocument/2006/relationships" xmlns:p="http://schemas.openxmlformats.org/presentationml/2006/main">
+  <p:cSld>
+    <p:spTree>
+      <p:nvGrpSpPr>
+        <p:cNvPr id="1" name=""/>
+        <p:cNvGrpSpPr/>
+        <p:nvPr/>
+      </p:nvGrpSpPr>
+      <p:grpSpPr>
+        <a:xfrm>
+          <a:off x="0" y="0"/>
+          <a:ext cx="0" cy="0"/>
+          <a:chOff x="0" y="0"/>
+          <a:chExt cx="0" cy="0"/>
+        </a:xfrm>
+      </p:grpSpPr>
+      <p:sp>
+        <p:nvSpPr>
+          <p:cNvPr id="22529" name="矩形 7"/>
+          <p:cNvSpPr/>
+          <p:nvPr/>
+        </p:nvSpPr>
+        <p:spPr>
+          <a:xfrm>
+            <a:off x="350837" y="234950"/>
+            <a:ext cx="11528425" cy="5899150"/>
+          </a:xfrm>
+          <a:prstGeom prst="rect">
+            <a:avLst/>
+          </a:prstGeom>
+          <a:solidFill>
+            <a:srgbClr val="00B0F0">
+              <a:alpha val="34000"/>
+            </a:srgbClr>
+          </a:solidFill>
+          <a:ln w="12700">
+            <a:noFill/>
+          </a:ln>
+        </p:spPr>
+        <p:txBody>
+          <a:bodyPr anchor="ctr"/>
+          <a:lstStyle/>
+          <a:p>
+            <a:pPr lvl="0" indent="0" algn="ctr"/>
+            <a:endParaRPr lang="zh-CN" altLang="en-US">
+              <a:solidFill>
+                <a:srgbClr val="FFFFFF"/>
+              </a:solidFill>
+              <a:latin typeface="Arial" panose="020B0604020202020204" pitchFamily="34" charset="0"/>
+              <a:ea typeface="宋体" panose="02010600030101010101" pitchFamily="2" charset="-122"/>
+            </a:endParaRPr>
+          </a:p>
+        </p:txBody>
+      </p:sp>
+      <p:sp>
+        <p:nvSpPr>
+          <p:cNvPr id="22530" name="任意多边形 10"/>
+          <p:cNvSpPr/>
+          <p:nvPr/>
+        </p:nvSpPr>
+        <p:spPr>
+          <a:xfrm>
+            <a:off x="331788" y="268288"/>
+            <a:ext cx="11528425" cy="5899150"/>
+          </a:xfrm>
+          <a:custGeom>
+            <a:avLst/>
+            <a:gdLst/>
+            <a:ahLst/>
+            <a:cxnLst>
+              <a:cxn ang="0">
+                <a:pos x="0" y="0"/>
+              </a:cxn>
+              <a:cxn ang="0">
+                <a:pos x="3314024" y="0"/>
+              </a:cxn>
+              <a:cxn ang="0">
+                <a:pos x="3229234" y="305327"/>
+              </a:cxn>
+              <a:cxn ang="0">
+                <a:pos x="27719" y="5033291"/>
+              </a:cxn>
+              <a:cxn ang="0">
+                <a:pos x="0" y="5048561"/>
+              </a:cxn>
+            </a:cxnLst>
+            <a:rect l="0" t="0" r="0" b="0"/>
+            <a:pathLst>
+              <a:path w="3314024" h="5048561">
+                <a:moveTo>
+                  <a:pt x="0" y="0"/>
+                </a:moveTo>
+                <a:lnTo>
+                  <a:pt x="3314024" y="0"/>
+                </a:lnTo>
+                <a:lnTo>
+                  <a:pt x="3229234" y="305327"/>
+                </a:lnTo>
+                <a:cubicBezTo>
+                  <a:pt x="2584124" y="2484885"/>
+                  <a:pt x="1434854" y="4194527"/>
+                  <a:pt x="27719" y="5033291"/>
+                </a:cubicBezTo>
+                <a:lnTo>
+                  <a:pt x="0" y="5048561"/>
+                </a:lnTo>
+                <a:close/>
+              </a:path>
+            </a:pathLst>
+          </a:custGeom>
+          <a:solidFill>
+            <a:srgbClr val="00B0F0">
+              <a:alpha val="62999"/>
+            </a:srgbClr>
+          </a:solidFill>
+          <a:ln w="12700">
+            <a:noFill/>
+          </a:ln>
+        </p:spPr>
+        <p:txBody>
+          <a:bodyPr/>
+          <a:lstStyle/>
+          <a:p>
+            <a:endParaRPr lang="zh-CN" altLang="en-US"/>
+          </a:p>
+        </p:txBody>
+      </p:sp>
+      <p:sp>
+        <p:nvSpPr>
+          <p:cNvPr id="22531" name="任意多边形 9"/>
+          <p:cNvSpPr/>
+          <p:nvPr/>
+        </p:nvSpPr>
+        <p:spPr>
+          <a:xfrm>
+            <a:off x="331788" y="268288"/>
+            <a:ext cx="8480425" cy="5922962"/>
+          </a:xfrm>
+          <a:custGeom>
+            <a:avLst/>
+            <a:gdLst/>
+            <a:ahLst/>
+            <a:cxnLst>
+              <a:cxn ang="0">
+                <a:pos x="0" y="0"/>
+              </a:cxn>
+              <a:cxn ang="0">
+                <a:pos x="3314024" y="0"/>
+              </a:cxn>
+              <a:cxn ang="0">
+                <a:pos x="3229234" y="305327"/>
+              </a:cxn>
+              <a:cxn ang="0">
+                <a:pos x="27719" y="5033291"/>
+              </a:cxn>
+              <a:cxn ang="0">
+                <a:pos x="0" y="5048561"/>
+              </a:cxn>
+            </a:cxnLst>
+            <a:rect l="0" t="0" r="0" b="0"/>
+            <a:pathLst>
+              <a:path w="3314024" h="5048561">
+                <a:moveTo>
+                  <a:pt x="0" y="0"/>
+                </a:moveTo>
+                <a:lnTo>
+                  <a:pt x="3314024" y="0"/>
+                </a:lnTo>
+                <a:lnTo>
+                  <a:pt x="3229234" y="305327"/>
+                </a:lnTo>
+                <a:cubicBezTo>
+                  <a:pt x="2584124" y="2484885"/>
+                  <a:pt x="1434854" y="4194527"/>
+                  <a:pt x="27719" y="5033291"/>
+                </a:cubicBezTo>
+                <a:lnTo>
+                  <a:pt x="0" y="5048561"/>
+                </a:lnTo>
+                <a:close/>
+              </a:path>
+            </a:pathLst>
+          </a:custGeom>
+          <a:solidFill>
+            <a:srgbClr val="00B0F0">
+              <a:alpha val="64999"/>
+            </a:srgbClr>
+          </a:solidFill>
+          <a:ln w="12700">
+            <a:noFill/>
+          </a:ln>
+        </p:spPr>
+        <p:txBody>
+          <a:bodyPr/>
+          <a:lstStyle/>
+          <a:p>
+            <a:endParaRPr lang="zh-CN" altLang="en-US"/>
+          </a:p>
+        </p:txBody>
+      </p:sp>
+      <p:sp>
+        <p:nvSpPr>
+          <p:cNvPr id="22532" name="任意多边形 8"/>
+          <p:cNvSpPr/>
+          <p:nvPr/>
+        </p:nvSpPr>
+        <p:spPr>
+          <a:xfrm>
+            <a:off x="331788" y="268288"/>
+            <a:ext cx="3028950" cy="5899150"/>
+          </a:xfrm>
+          <a:custGeom>
+            <a:avLst/>
+            <a:gdLst/>
+            <a:ahLst/>
+            <a:cxnLst>
+              <a:cxn ang="0">
+                <a:pos x="0" y="0"/>
+              </a:cxn>
+              <a:cxn ang="0">
+                <a:pos x="3314024" y="0"/>
+              </a:cxn>
+              <a:cxn ang="0">
+                <a:pos x="3229234" y="305327"/>
+              </a:cxn>
+              <a:cxn ang="0">
+                <a:pos x="27719" y="5033291"/>
+              </a:cxn>
+              <a:cxn ang="0">
+                <a:pos x="0" y="5048561"/>
+              </a:cxn>
+            </a:cxnLst>
+            <a:rect l="0" t="0" r="0" b="0"/>
+            <a:pathLst>
+              <a:path w="3314024" h="5048561">
+                <a:moveTo>
+                  <a:pt x="0" y="0"/>
+                </a:moveTo>
+                <a:lnTo>
+                  <a:pt x="3314024" y="0"/>
+                </a:lnTo>
+                <a:lnTo>
+                  <a:pt x="3229234" y="305327"/>
+                </a:lnTo>
+                <a:cubicBezTo>
+                  <a:pt x="2584124" y="2484885"/>
+                  <a:pt x="1434854" y="4194527"/>
+                  <a:pt x="27719" y="5033291"/>
+                </a:cubicBezTo>
+                <a:lnTo>
+                  <a:pt x="0" y="5048561"/>
+                </a:lnTo>
+                <a:close/>
+              </a:path>
+            </a:pathLst>
+          </a:custGeom>
+          <a:solidFill>
+            <a:srgbClr val="00B0F0"/>
+          </a:solidFill>
+          <a:ln w="12700">
+            <a:noFill/>
+          </a:ln>
+        </p:spPr>
+        <p:txBody>
+          <a:bodyPr/>
+          <a:lstStyle/>
+          <a:p>
+            <a:endParaRPr lang="zh-CN" altLang="en-US"/>
+          </a:p>
+        </p:txBody>
+      </p:sp>
+      <p:sp>
+        <p:nvSpPr>
+          <p:cNvPr id="22533" name="文本框 25"/>
+          <p:cNvSpPr/>
+          <p:nvPr/>
+        </p:nvSpPr>
+        <p:spPr>
+          <a:xfrm>
+            <a:off x="3556000" y="2327275"/>
+            <a:ext cx="5118100" cy="1168400"/>
+          </a:xfrm>
+          <a:prstGeom prst="rect">
+            <a:avLst/>
+          </a:prstGeom>
+          <a:noFill/>
+          <a:ln w="9525">
+            <a:noFill/>
+          </a:ln>
+        </p:spPr>
+        <p:txBody>
+          <a:bodyPr anchor="t">
+            <a:spAutoFit/>
+          </a:bodyPr>
+          <a:lstStyle/>
+          <a:p>
+            <a:pPr lvl="0" indent="0" algn="dist"/>
+            <a:r>
+              <a:rPr lang="zh-CN" altLang="en-US" sz="6600" dirty="0">
+                <a:solidFill>
+                  <a:schemeClr val="bg1"/>
+                </a:solidFill>
+                <a:latin typeface="微软雅黑" panose="020B0503020204020204" charset="-122"/>
+                <a:ea typeface="微软雅黑" panose="020B0503020204020204" charset="-122"/>
+                <a:sym typeface="方正中等线简体" panose="03000509000000000000" charset="-122"/>
+              </a:rPr>
+              <a:t>谢谢聆听</a:t>
+            </a:r>
+          </a:p>
+        </p:txBody>
+      </p:sp>
+      <p:sp>
+        <p:nvSpPr>
+          <p:cNvPr id="2" name="矩形 11"/>
+          <p:cNvSpPr/>
+          <p:nvPr/>
+        </p:nvSpPr>
+        <p:spPr>
+          <a:xfrm>
+            <a:off x="9182100" y="5513388"/>
+            <a:ext cx="2622550" cy="620712"/>
+          </a:xfrm>
+          <a:prstGeom prst="rect">
+            <a:avLst/>
+          </a:prstGeom>
+          <a:blipFill rotWithShape="1">
+            <a:blip r:embed="rId2">
+              <a:alphaModFix amt="70000"/>
+            </a:blip>
+            <a:stretch>
+              <a:fillRect/>
+            </a:stretch>
+          </a:blipFill>
+          <a:ln w="3175">
+            <a:noFill/>
+          </a:ln>
+        </p:spPr>
+        <p:txBody>
+          <a:bodyPr anchor="ctr"/>
+          <a:lstStyle/>
+          <a:p>
+            <a:pPr lvl="0" indent="0" algn="ctr"/>
+            <a:endParaRPr lang="zh-CN" altLang="en-US">
+              <a:solidFill>
+                <a:srgbClr val="FFFFFF"/>
+              </a:solidFill>
+              <a:latin typeface="Arial" panose="020B0604020202020204" pitchFamily="34" charset="0"/>
+              <a:ea typeface="宋体" panose="02010600030101010101" pitchFamily="2" charset="-122"/>
+            </a:endParaRPr>
+          </a:p>
+        </p:txBody>
+      </p:sp>
+    </p:spTree>
+  </p:cSld>
+  <p:clrMapOvr>
+    <a:masterClrMapping/>
+  </p:clrMapOvr>
+</p:sld>
+</file>
+
+<file path=ppt/slides/slide2.xml><?xml version="1.0" encoding="utf-8"?>
+<p:sld xmlns:a="http://schemas.openxmlformats.org/drawingml/2006/main" xmlns:r="http://schemas.openxmlformats.org/officeDocument/2006/relationships" xmlns:p="http://schemas.openxmlformats.org/presentationml/2006/main">
+  <p:cSld>
+    <p:spTree>
+      <p:nvGrpSpPr>
+        <p:cNvPr id="1" name=""/>
+        <p:cNvGrpSpPr/>
+        <p:nvPr/>
+      </p:nvGrpSpPr>
+      <p:grpSpPr>
+        <a:xfrm>
+          <a:off x="0" y="0"/>
+          <a:ext cx="0" cy="0"/>
+          <a:chOff x="0" y="0"/>
+          <a:chExt cx="0" cy="0"/>
+        </a:xfrm>
+      </p:grpSpPr>
+      <p:sp>
+        <p:nvSpPr>
+          <p:cNvPr id="4099" name="文本框 15"/>
+          <p:cNvSpPr/>
+          <p:nvPr/>
+        </p:nvSpPr>
+        <p:spPr>
+          <a:xfrm>
+            <a:off x="312852" y="342900"/>
+            <a:ext cx="4707468" cy="523220"/>
+          </a:xfrm>
+          <a:prstGeom prst="rect">
+            <a:avLst/>
+          </a:prstGeom>
+          <a:noFill/>
+          <a:ln w="9525">
+            <a:noFill/>
+          </a:ln>
+        </p:spPr>
+        <p:txBody>
+          <a:bodyPr wrap="square" anchor="t">
+            <a:spAutoFit/>
+          </a:bodyPr>
+          <a:lstStyle/>
+          <a:p>
+            <a:pPr lvl="0" indent="0"/>
+            <a:r>
+              <a:rPr lang="zh-CN" altLang="en-US" sz="2800" b="1" dirty="0">
+                <a:solidFill>
+                  <a:schemeClr val="tx1">
+                    <a:lumMod val="65000"/>
+                    <a:lumOff val="35000"/>
+                  </a:schemeClr>
+                </a:solidFill>
+                <a:latin typeface="微软雅黑" panose="020B0503020204020204" charset="-122"/>
+                <a:ea typeface="微软雅黑" panose="020B0503020204020204" charset="-122"/>
+                <a:sym typeface="+mn-ea"/>
+              </a:rPr>
+              <a:t>为什么写</a:t>
+            </a:r>
+            <a:r>
+              <a:rPr lang="en-US" altLang="zh-CN" sz="2800" b="1" dirty="0" err="1">
+                <a:solidFill>
+                  <a:schemeClr val="tx1">
+                    <a:lumMod val="65000"/>
+                    <a:lumOff val="35000"/>
+                  </a:schemeClr>
+                </a:solidFill>
+                <a:latin typeface="微软雅黑" panose="020B0503020204020204" charset="-122"/>
+                <a:ea typeface="微软雅黑" panose="020B0503020204020204" charset="-122"/>
+                <a:sym typeface="+mn-ea"/>
+              </a:rPr>
+              <a:t>sqltoy</a:t>
+            </a:r>
+            <a:r>
+              <a:rPr lang="en-US" altLang="zh-CN" sz="2800" b="1" dirty="0">
+                <a:solidFill>
+                  <a:schemeClr val="tx1">
+                    <a:lumMod val="65000"/>
+                    <a:lumOff val="35000"/>
+                  </a:schemeClr>
+                </a:solidFill>
+                <a:latin typeface="微软雅黑" panose="020B0503020204020204" charset="-122"/>
+                <a:ea typeface="微软雅黑" panose="020B0503020204020204" charset="-122"/>
+                <a:sym typeface="+mn-ea"/>
+              </a:rPr>
+              <a:t>?</a:t>
+            </a:r>
+          </a:p>
+        </p:txBody>
+      </p:sp>
+      <p:sp>
+        <p:nvSpPr>
+          <p:cNvPr id="4100" name="矩形 5"/>
+          <p:cNvSpPr/>
+          <p:nvPr/>
+        </p:nvSpPr>
+        <p:spPr>
+          <a:xfrm>
+            <a:off x="0" y="342900"/>
+            <a:ext cx="171450" cy="571500"/>
+          </a:xfrm>
+          <a:prstGeom prst="rect">
+            <a:avLst/>
+          </a:prstGeom>
+          <a:solidFill>
+            <a:srgbClr val="00B0F0"/>
+          </a:solidFill>
+          <a:ln w="12700">
+            <a:noFill/>
+          </a:ln>
+        </p:spPr>
+        <p:txBody>
+          <a:bodyPr anchor="ctr"/>
+          <a:lstStyle/>
+          <a:p>
+            <a:pPr lvl="0" indent="0" algn="ctr"/>
+            <a:endParaRPr lang="zh-CN" altLang="en-US" b="1" i="1">
+              <a:solidFill>
+                <a:srgbClr val="FFFFFF"/>
+              </a:solidFill>
+              <a:latin typeface="Segoe UI Light" panose="020B0502040204020203" charset="0"/>
+              <a:ea typeface="方正中等线简体" panose="03000509000000000000" charset="-122"/>
+              <a:sym typeface="Segoe UI Light" panose="020B0502040204020203" charset="0"/>
+            </a:endParaRPr>
+          </a:p>
+        </p:txBody>
+      </p:sp>
+      <p:pic>
+        <p:nvPicPr>
+          <p:cNvPr id="4" name="图片 6" descr="C:\Users\mm\Desktop\最新logo\拉卡拉logo(1)-03.png拉卡拉logo(1)-03"/>
+          <p:cNvPicPr>
+            <a:picLocks noChangeAspect="1"/>
+          </p:cNvPicPr>
+          <p:nvPr/>
+        </p:nvPicPr>
+        <p:blipFill>
+          <a:blip r:embed="rId2"/>
+          <a:srcRect/>
+          <a:stretch>
+            <a:fillRect/>
+          </a:stretch>
+        </p:blipFill>
+        <p:spPr>
+          <a:xfrm>
+            <a:off x="10824369" y="95250"/>
+            <a:ext cx="1285875" cy="338455"/>
+          </a:xfrm>
+          <a:prstGeom prst="rect">
+            <a:avLst/>
+          </a:prstGeom>
+          <a:noFill/>
+          <a:ln w="9525">
+            <a:noFill/>
+          </a:ln>
+        </p:spPr>
+      </p:pic>
+      <p:pic>
+        <p:nvPicPr>
+          <p:cNvPr id="1026" name="Picture 2" descr="一个人独坐沉思的伤感图片 宁愿孤独也不愿让任何人敷衍我">
+            <a:extLst>
+              <a:ext uri="{FF2B5EF4-FFF2-40B4-BE49-F238E27FC236}">
+                <a16:creationId xmlns:a16="http://schemas.microsoft.com/office/drawing/2014/main" id="{026CC1F2-C4E7-7D95-5F4E-C6254315D363}"/>
+              </a:ext>
+            </a:extLst>
+          </p:cNvPr>
+          <p:cNvPicPr>
+            <a:picLocks noChangeAspect="1" noChangeArrowheads="1"/>
+          </p:cNvPicPr>
+          <p:nvPr/>
+        </p:nvPicPr>
+        <p:blipFill>
+          <a:blip r:embed="rId3">
+            <a:extLst>
+              <a:ext uri="{28A0092B-C50C-407E-A947-70E740481C1C}">
+                <a14:useLocalDpi xmlns:a14="http://schemas.microsoft.com/office/drawing/2010/main" val="0"/>
+              </a:ext>
+            </a:extLst>
+          </a:blip>
+          <a:srcRect/>
+          <a:stretch>
+            <a:fillRect/>
+          </a:stretch>
+        </p:blipFill>
+        <p:spPr bwMode="auto">
+          <a:xfrm>
+            <a:off x="244613" y="975815"/>
+            <a:ext cx="4087504" cy="4087504"/>
+          </a:xfrm>
+          <a:prstGeom prst="rect">
+            <a:avLst/>
+          </a:prstGeom>
+          <a:noFill/>
+          <a:extLst>
+            <a:ext uri="{909E8E84-426E-40DD-AFC4-6F175D3DCCD1}">
+              <a14:hiddenFill xmlns:a14="http://schemas.microsoft.com/office/drawing/2010/main">
+                <a:solidFill>
+                  <a:srgbClr val="FFFFFF"/>
+                </a:solidFill>
+              </a14:hiddenFill>
+            </a:ext>
+          </a:extLst>
+        </p:spPr>
+      </p:pic>
+      <p:sp>
+        <p:nvSpPr>
+          <p:cNvPr id="5" name="文本框 4">
+            <a:extLst>
+              <a:ext uri="{FF2B5EF4-FFF2-40B4-BE49-F238E27FC236}">
+                <a16:creationId xmlns:a16="http://schemas.microsoft.com/office/drawing/2014/main" id="{A9F3F7BE-0CB0-DF8E-6337-767F80625DCE}"/>
+              </a:ext>
+            </a:extLst>
+          </p:cNvPr>
+          <p:cNvSpPr txBox="1"/>
+          <p:nvPr/>
+        </p:nvSpPr>
+        <p:spPr>
+          <a:xfrm>
+            <a:off x="4503760" y="975815"/>
+            <a:ext cx="6858001" cy="5561466"/>
+          </a:xfrm>
+          <a:prstGeom prst="rect">
+            <a:avLst/>
+          </a:prstGeom>
+          <a:noFill/>
+        </p:spPr>
+        <p:txBody>
+          <a:bodyPr wrap="square" rtlCol="0">
+            <a:noAutofit/>
+          </a:bodyPr>
+          <a:lstStyle/>
+          <a:p>
+            <a:r>
+              <a:rPr lang="zh-CN" altLang="en-US" sz="1400" dirty="0"/>
+              <a:t>理想、兴趣？</a:t>
+            </a:r>
+            <a:endParaRPr lang="en-US" altLang="zh-CN" sz="1400" dirty="0"/>
+          </a:p>
+          <a:p>
+            <a:r>
+              <a:rPr lang="en-US" altLang="zh-CN" sz="1400" dirty="0"/>
+              <a:t>       2008</a:t>
+            </a:r>
+            <a:r>
+              <a:rPr lang="zh-CN" altLang="en-US" sz="1400" dirty="0"/>
+              <a:t>年开始写</a:t>
+            </a:r>
+            <a:r>
+              <a:rPr lang="en-US" altLang="zh-CN" sz="1400" dirty="0" err="1"/>
+              <a:t>sqltoy</a:t>
+            </a:r>
+            <a:r>
+              <a:rPr lang="zh-CN" altLang="en-US" sz="1400" dirty="0"/>
+              <a:t>的时候，我作为项目经理，考虑最多的是团队利益、项目目标实现、成功交付！</a:t>
+            </a:r>
+            <a:endParaRPr lang="en-US" altLang="zh-CN" sz="1400" dirty="0"/>
+          </a:p>
+          <a:p>
+            <a:endParaRPr lang="en-US" altLang="zh-CN" sz="1400" dirty="0"/>
+          </a:p>
+          <a:p>
+            <a:r>
+              <a:rPr lang="en-US" altLang="zh-CN" sz="1400" dirty="0"/>
+              <a:t>       2008</a:t>
+            </a:r>
+            <a:r>
+              <a:rPr lang="zh-CN" altLang="en-US" sz="1400" dirty="0"/>
+              <a:t>年时是</a:t>
+            </a:r>
+            <a:r>
+              <a:rPr lang="en-US" altLang="zh-CN" sz="1400" dirty="0"/>
+              <a:t>hibernate</a:t>
+            </a:r>
+            <a:r>
+              <a:rPr lang="zh-CN" altLang="en-US" sz="1400" dirty="0"/>
+              <a:t>、</a:t>
+            </a:r>
+            <a:r>
+              <a:rPr lang="en-US" altLang="zh-CN" sz="1400" dirty="0" err="1"/>
+              <a:t>ibatis</a:t>
+            </a:r>
+            <a:r>
+              <a:rPr lang="zh-CN" altLang="en-US" sz="1400" dirty="0"/>
+              <a:t>流行的时代，我们使用的是</a:t>
+            </a:r>
+            <a:r>
+              <a:rPr lang="en-US" altLang="zh-CN" sz="1400" dirty="0"/>
+              <a:t>hibernate</a:t>
+            </a:r>
+            <a:r>
+              <a:rPr lang="zh-CN" altLang="en-US" sz="1400" dirty="0"/>
+              <a:t>，对象</a:t>
+            </a:r>
+            <a:r>
+              <a:rPr lang="en-US" altLang="zh-CN" sz="1400" dirty="0"/>
+              <a:t>crud</a:t>
+            </a:r>
+            <a:r>
+              <a:rPr lang="zh-CN" altLang="en-US" sz="1400" dirty="0"/>
+              <a:t>从来都不是问题，但因为我们的项目主要是后台管理类，查询以及复杂查询较多，</a:t>
+            </a:r>
+            <a:r>
+              <a:rPr lang="en-US" altLang="zh-CN" sz="1400" dirty="0" err="1"/>
+              <a:t>sql</a:t>
+            </a:r>
+            <a:r>
+              <a:rPr lang="zh-CN" altLang="en-US" sz="1400" dirty="0"/>
+              <a:t>的编写和维护、查询的性能一直困扰着团队，</a:t>
+            </a:r>
+            <a:r>
+              <a:rPr lang="en-US" altLang="zh-CN" sz="1400" dirty="0"/>
+              <a:t>hibernate</a:t>
+            </a:r>
+            <a:r>
+              <a:rPr lang="zh-CN" altLang="en-US" sz="1400" dirty="0"/>
+              <a:t>的</a:t>
+            </a:r>
+            <a:r>
+              <a:rPr lang="en-US" altLang="zh-CN" sz="1400" dirty="0" err="1"/>
+              <a:t>hql</a:t>
+            </a:r>
+            <a:r>
+              <a:rPr lang="zh-CN" altLang="en-US" sz="1400" dirty="0"/>
+              <a:t>、</a:t>
+            </a:r>
+            <a:r>
+              <a:rPr lang="en-US" altLang="zh-CN" sz="1400" dirty="0" err="1"/>
+              <a:t>ibatis</a:t>
+            </a:r>
+            <a:r>
+              <a:rPr lang="zh-CN" altLang="en-US" sz="1400" dirty="0"/>
+              <a:t>的动态</a:t>
+            </a:r>
+            <a:r>
+              <a:rPr lang="en-US" altLang="zh-CN" sz="1400" dirty="0" err="1"/>
+              <a:t>sql</a:t>
+            </a:r>
+            <a:r>
+              <a:rPr lang="zh-CN" altLang="en-US" sz="1400" dirty="0"/>
+              <a:t>都对复杂</a:t>
+            </a:r>
+            <a:r>
+              <a:rPr lang="en-US" altLang="zh-CN" sz="1400" dirty="0" err="1"/>
+              <a:t>sql</a:t>
+            </a:r>
+            <a:r>
+              <a:rPr lang="zh-CN" altLang="en-US" sz="1400" dirty="0"/>
+              <a:t>的编写和变更维护不友好，性能优化让一般开发者束手无策，作为项目管理者，既要统筹项目需求、管理，还不断要协助开发者解决技术问题！</a:t>
+            </a:r>
+            <a:endParaRPr lang="en-US" altLang="zh-CN" sz="1400" dirty="0"/>
+          </a:p>
+          <a:p>
+            <a:endParaRPr lang="en-US" altLang="zh-CN" sz="1400" dirty="0"/>
+          </a:p>
+          <a:p>
+            <a:r>
+              <a:rPr lang="zh-CN" altLang="en-US" sz="1400" dirty="0"/>
+              <a:t>       项目经常因性能问题影响用户体验，最终影响项目交付！</a:t>
+            </a:r>
+            <a:endParaRPr lang="en-US" altLang="zh-CN" sz="1400" dirty="0"/>
+          </a:p>
+          <a:p>
+            <a:pPr marL="285750" indent="-285750">
+              <a:buFont typeface="Wingdings" panose="05000000000000000000" pitchFamily="2" charset="2"/>
+              <a:buChar char="u"/>
+            </a:pPr>
+            <a:r>
+              <a:rPr lang="en-US" altLang="zh-CN" sz="1400" dirty="0"/>
+              <a:t>2007</a:t>
+            </a:r>
+            <a:r>
+              <a:rPr lang="zh-CN" altLang="en-US" sz="1400" dirty="0"/>
+              <a:t>年一个偶然的灵感获得了极为震撼的动态</a:t>
+            </a:r>
+            <a:r>
+              <a:rPr lang="en-US" altLang="zh-CN" sz="1400" dirty="0" err="1"/>
+              <a:t>sql</a:t>
+            </a:r>
+            <a:r>
+              <a:rPr lang="zh-CN" altLang="en-US" sz="1400" dirty="0"/>
+              <a:t>编写的模式</a:t>
+            </a:r>
+            <a:endParaRPr lang="en-US" altLang="zh-CN" sz="1400" dirty="0"/>
+          </a:p>
+          <a:p>
+            <a:pPr marL="285750" indent="-285750">
+              <a:buFont typeface="Wingdings" panose="05000000000000000000" pitchFamily="2" charset="2"/>
+              <a:buChar char="u"/>
+            </a:pPr>
+            <a:r>
+              <a:rPr lang="en-US" altLang="zh-CN" sz="1400" dirty="0"/>
+              <a:t>2010</a:t>
+            </a:r>
+            <a:r>
+              <a:rPr lang="zh-CN" altLang="en-US" sz="1400" dirty="0"/>
+              <a:t>年一个性能问题的思考加入了缓存翻译</a:t>
+            </a:r>
+            <a:endParaRPr lang="en-US" altLang="zh-CN" sz="1400" dirty="0"/>
+          </a:p>
+          <a:p>
+            <a:pPr marL="285750" indent="-285750">
+              <a:buFont typeface="Wingdings" panose="05000000000000000000" pitchFamily="2" charset="2"/>
+              <a:buChar char="u"/>
+            </a:pPr>
+            <a:r>
+              <a:rPr lang="en-US" altLang="zh-CN" sz="1400" dirty="0"/>
+              <a:t>2011</a:t>
+            </a:r>
+            <a:r>
+              <a:rPr lang="zh-CN" altLang="en-US" sz="1400" dirty="0"/>
+              <a:t>年一个极致的分页性能要求，获得了</a:t>
+            </a:r>
+            <a:r>
+              <a:rPr lang="en-US" altLang="zh-CN" sz="1400" dirty="0"/>
+              <a:t>@fast</a:t>
+            </a:r>
+            <a:r>
+              <a:rPr lang="zh-CN" altLang="en-US" sz="1400" dirty="0"/>
+              <a:t>快速分页的灵感</a:t>
+            </a:r>
+            <a:endParaRPr lang="en-US" altLang="zh-CN" sz="1400" dirty="0"/>
+          </a:p>
+          <a:p>
+            <a:pPr marL="285750" indent="-285750">
+              <a:buFont typeface="Wingdings" panose="05000000000000000000" pitchFamily="2" charset="2"/>
+              <a:buChar char="u"/>
+            </a:pPr>
+            <a:r>
+              <a:rPr lang="en-US" altLang="zh-CN" sz="1400" dirty="0"/>
+              <a:t>2012</a:t>
+            </a:r>
+            <a:r>
+              <a:rPr lang="zh-CN" altLang="en-US" sz="1400" dirty="0"/>
+              <a:t>年针对数据统计，融入了行列转换、同比环比等特性</a:t>
+            </a:r>
+            <a:endParaRPr lang="en-US" altLang="zh-CN" sz="1400" dirty="0"/>
+          </a:p>
+          <a:p>
+            <a:endParaRPr lang="en-US" altLang="zh-CN" sz="1400" dirty="0"/>
+          </a:p>
+          <a:p>
+            <a:r>
+              <a:rPr lang="en-US" altLang="zh-CN" sz="1400" dirty="0"/>
+              <a:t>2020</a:t>
+            </a:r>
+            <a:r>
+              <a:rPr lang="zh-CN" altLang="en-US" sz="1400" dirty="0"/>
+              <a:t>年经过一个大型项目的考验后，为了让大家避免我遇到的痛点，正式开源推广，希望可以帮助到大家！</a:t>
+            </a:r>
+            <a:endParaRPr lang="en-US" altLang="zh-CN" sz="1400" dirty="0"/>
+          </a:p>
+          <a:p>
+            <a:endParaRPr lang="en-US" altLang="zh-CN" sz="1400" dirty="0"/>
+          </a:p>
+          <a:p>
+            <a:r>
+              <a:rPr lang="zh-CN" altLang="en-US" sz="1400" dirty="0"/>
+              <a:t>技术不是我想表达的，分享一点个人项目实践中的一点点思考和总结！</a:t>
+            </a:r>
+          </a:p>
+        </p:txBody>
+      </p:sp>
+    </p:spTree>
+    <p:extLst>
+      <p:ext uri="{BB962C8B-B14F-4D97-AF65-F5344CB8AC3E}">
+        <p14:creationId xmlns:p14="http://schemas.microsoft.com/office/powerpoint/2010/main" val="1543546160"/>
+      </p:ext>
+    </p:extLst>
+  </p:cSld>
+  <p:clrMapOvr>
+    <a:masterClrMapping/>
+  </p:clrMapOvr>
+</p:sld>
+</file>
+
+<file path=ppt/slides/slide3.xml><?xml version="1.0" encoding="utf-8"?>
+<p:sld xmlns:a="http://schemas.openxmlformats.org/drawingml/2006/main" xmlns:r="http://schemas.openxmlformats.org/officeDocument/2006/relationships" xmlns:p="http://schemas.openxmlformats.org/presentationml/2006/main">
+  <p:cSld>
+    <p:spTree>
+      <p:nvGrpSpPr>
+        <p:cNvPr id="1" name=""/>
+        <p:cNvGrpSpPr/>
+        <p:nvPr/>
+      </p:nvGrpSpPr>
+      <p:grpSpPr>
+        <a:xfrm>
+          <a:off x="0" y="0"/>
+          <a:ext cx="0" cy="0"/>
+          <a:chOff x="0" y="0"/>
+          <a:chExt cx="0" cy="0"/>
+        </a:xfrm>
+      </p:grpSpPr>
+      <p:sp>
+        <p:nvSpPr>
+          <p:cNvPr id="4099" name="文本框 15"/>
+          <p:cNvSpPr/>
+          <p:nvPr/>
+        </p:nvSpPr>
+        <p:spPr>
+          <a:xfrm>
+            <a:off x="312852" y="342900"/>
+            <a:ext cx="4707468" cy="523220"/>
+          </a:xfrm>
+          <a:prstGeom prst="rect">
+            <a:avLst/>
+          </a:prstGeom>
+          <a:noFill/>
+          <a:ln w="9525">
+            <a:noFill/>
+          </a:ln>
+        </p:spPr>
+        <p:txBody>
+          <a:bodyPr wrap="square" anchor="t">
+            <a:spAutoFit/>
+          </a:bodyPr>
+          <a:lstStyle/>
+          <a:p>
+            <a:pPr lvl="0" indent="0"/>
+            <a:r>
               <a:rPr lang="en-US" altLang="zh-CN" sz="2800" b="1">
                 <a:solidFill>
                   <a:schemeClr val="tx1">
@@ -8374,7 +10514,7 @@
 </p:sld>
 </file>
 
-<file path=ppt/slides/slide2.xml><?xml version="1.0" encoding="utf-8"?>
+<file path=ppt/slides/slide4.xml><?xml version="1.0" encoding="utf-8"?>
 <p:sld xmlns:a="http://schemas.openxmlformats.org/drawingml/2006/main" xmlns:r="http://schemas.openxmlformats.org/officeDocument/2006/relationships" xmlns:p="http://schemas.openxmlformats.org/presentationml/2006/main">
   <p:cSld>
     <p:spTree>
@@ -9254,7 +11394,7 @@
 </p:sld>
 </file>
 
-<file path=ppt/slides/slide3.xml><?xml version="1.0" encoding="utf-8"?>
+<file path=ppt/slides/slide5.xml><?xml version="1.0" encoding="utf-8"?>
 <p:sld xmlns:a="http://schemas.openxmlformats.org/drawingml/2006/main" xmlns:r="http://schemas.openxmlformats.org/officeDocument/2006/relationships" xmlns:p="http://schemas.openxmlformats.org/presentationml/2006/main">
   <p:cSld>
     <p:spTree>
@@ -10278,7 +12418,7 @@
 </p:sld>
 </file>
 
-<file path=ppt/slides/slide4.xml><?xml version="1.0" encoding="utf-8"?>
+<file path=ppt/slides/slide6.xml><?xml version="1.0" encoding="utf-8"?>
 <p:sld xmlns:a="http://schemas.openxmlformats.org/drawingml/2006/main" xmlns:r="http://schemas.openxmlformats.org/officeDocument/2006/relationships" xmlns:p="http://schemas.openxmlformats.org/presentationml/2006/main">
   <p:cSld>
     <p:spTree>
@@ -10792,7 +12932,7 @@
 </p:sld>
 </file>
 
-<file path=ppt/slides/slide5.xml><?xml version="1.0" encoding="utf-8"?>
+<file path=ppt/slides/slide7.xml><?xml version="1.0" encoding="utf-8"?>
 <p:sld xmlns:a="http://schemas.openxmlformats.org/drawingml/2006/main" xmlns:r="http://schemas.openxmlformats.org/officeDocument/2006/relationships" xmlns:p="http://schemas.openxmlformats.org/presentationml/2006/main">
   <p:cSld>
     <p:spTree>
@@ -11789,7 +13929,7 @@
 </p:sld>
 </file>
 
-<file path=ppt/slides/slide6.xml><?xml version="1.0" encoding="utf-8"?>
+<file path=ppt/slides/slide8.xml><?xml version="1.0" encoding="utf-8"?>
 <p:sld xmlns:a="http://schemas.openxmlformats.org/drawingml/2006/main" xmlns:r="http://schemas.openxmlformats.org/officeDocument/2006/relationships" xmlns:p="http://schemas.openxmlformats.org/presentationml/2006/main">
   <p:cSld>
     <p:spTree>
@@ -12305,7 +14445,7 @@
 </p:sld>
 </file>
 
-<file path=ppt/slides/slide7.xml><?xml version="1.0" encoding="utf-8"?>
+<file path=ppt/slides/slide9.xml><?xml version="1.0" encoding="utf-8"?>
 <p:sld xmlns:a="http://schemas.openxmlformats.org/drawingml/2006/main" xmlns:r="http://schemas.openxmlformats.org/officeDocument/2006/relationships" xmlns:p="http://schemas.openxmlformats.org/presentationml/2006/main">
   <p:cSld>
     <p:spTree>
@@ -12996,1157 +15136,6 @@
         <p14:creationId xmlns:p14="http://schemas.microsoft.com/office/powerpoint/2010/main" val="2836514335"/>
       </p:ext>
     </p:extLst>
-  </p:cSld>
-  <p:clrMapOvr>
-    <a:masterClrMapping/>
-  </p:clrMapOvr>
-</p:sld>
-</file>
-
-<file path=ppt/slides/slide8.xml><?xml version="1.0" encoding="utf-8"?>
-<p:sld xmlns:a="http://schemas.openxmlformats.org/drawingml/2006/main" xmlns:r="http://schemas.openxmlformats.org/officeDocument/2006/relationships" xmlns:p="http://schemas.openxmlformats.org/presentationml/2006/main">
-  <p:cSld>
-    <p:spTree>
-      <p:nvGrpSpPr>
-        <p:cNvPr id="1" name=""/>
-        <p:cNvGrpSpPr/>
-        <p:nvPr/>
-      </p:nvGrpSpPr>
-      <p:grpSpPr>
-        <a:xfrm>
-          <a:off x="0" y="0"/>
-          <a:ext cx="0" cy="0"/>
-          <a:chOff x="0" y="0"/>
-          <a:chExt cx="0" cy="0"/>
-        </a:xfrm>
-      </p:grpSpPr>
-      <p:sp>
-        <p:nvSpPr>
-          <p:cNvPr id="4099" name="文本框 15"/>
-          <p:cNvSpPr/>
-          <p:nvPr/>
-        </p:nvSpPr>
-        <p:spPr>
-          <a:xfrm>
-            <a:off x="171450" y="264477"/>
-            <a:ext cx="9754975" cy="400110"/>
-          </a:xfrm>
-          <a:prstGeom prst="rect">
-            <a:avLst/>
-          </a:prstGeom>
-          <a:noFill/>
-          <a:ln w="9525">
-            <a:noFill/>
-          </a:ln>
-        </p:spPr>
-        <p:txBody>
-          <a:bodyPr wrap="square" anchor="t">
-            <a:spAutoFit/>
-          </a:bodyPr>
-          <a:lstStyle/>
-          <a:p>
-            <a:pPr lvl="0" indent="0"/>
-            <a:r>
-              <a:rPr lang="zh-CN" altLang="en-US" sz="2000" b="1" dirty="0">
-                <a:solidFill>
-                  <a:schemeClr val="tx1">
-                    <a:lumMod val="65000"/>
-                    <a:lumOff val="35000"/>
-                  </a:schemeClr>
-                </a:solidFill>
-                <a:latin typeface="微软雅黑" panose="020B0503020204020204" charset="-122"/>
-                <a:ea typeface="微软雅黑" panose="020B0503020204020204" charset="-122"/>
-                <a:sym typeface="+mn-ea"/>
-              </a:rPr>
-              <a:t>行业痛点</a:t>
-            </a:r>
-            <a:r>
-              <a:rPr lang="en-US" altLang="zh-CN" sz="2000" b="1" dirty="0" err="1">
-                <a:solidFill>
-                  <a:schemeClr val="tx1">
-                    <a:lumMod val="65000"/>
-                    <a:lumOff val="35000"/>
-                  </a:schemeClr>
-                </a:solidFill>
-                <a:latin typeface="微软雅黑" panose="020B0503020204020204" charset="-122"/>
-                <a:ea typeface="微软雅黑" panose="020B0503020204020204" charset="-122"/>
-                <a:sym typeface="+mn-ea"/>
-              </a:rPr>
-              <a:t>sqltoy</a:t>
-            </a:r>
-            <a:r>
-              <a:rPr lang="zh-CN" altLang="en-US" sz="2000" b="1" dirty="0">
-                <a:solidFill>
-                  <a:schemeClr val="tx1">
-                    <a:lumMod val="65000"/>
-                    <a:lumOff val="35000"/>
-                  </a:schemeClr>
-                </a:solidFill>
-                <a:latin typeface="微软雅黑" panose="020B0503020204020204" charset="-122"/>
-                <a:ea typeface="微软雅黑" panose="020B0503020204020204" charset="-122"/>
-                <a:sym typeface="+mn-ea"/>
-              </a:rPr>
-              <a:t>的应对</a:t>
-            </a:r>
-            <a:r>
-              <a:rPr lang="en-US" altLang="zh-CN" sz="2000" b="1" dirty="0">
-                <a:solidFill>
-                  <a:schemeClr val="tx1">
-                    <a:lumMod val="65000"/>
-                    <a:lumOff val="35000"/>
-                  </a:schemeClr>
-                </a:solidFill>
-                <a:latin typeface="微软雅黑" panose="020B0503020204020204" charset="-122"/>
-                <a:ea typeface="微软雅黑" panose="020B0503020204020204" charset="-122"/>
-                <a:sym typeface="+mn-ea"/>
-              </a:rPr>
-              <a:t>:</a:t>
-            </a:r>
-            <a:r>
-              <a:rPr lang="zh-CN" altLang="en-US" sz="2000" b="1" dirty="0">
-                <a:solidFill>
-                  <a:schemeClr val="tx1">
-                    <a:lumMod val="65000"/>
-                    <a:lumOff val="35000"/>
-                  </a:schemeClr>
-                </a:solidFill>
-                <a:latin typeface="微软雅黑" panose="020B0503020204020204" charset="-122"/>
-                <a:ea typeface="微软雅黑" panose="020B0503020204020204" charset="-122"/>
-                <a:sym typeface="+mn-ea"/>
-              </a:rPr>
-              <a:t>跨库、复杂点标准化</a:t>
-            </a:r>
-            <a:endParaRPr lang="en-US" altLang="zh-CN" sz="2000" b="1" dirty="0">
-              <a:solidFill>
-                <a:schemeClr val="tx1">
-                  <a:lumMod val="65000"/>
-                  <a:lumOff val="35000"/>
-                </a:schemeClr>
-              </a:solidFill>
-              <a:latin typeface="微软雅黑" panose="020B0503020204020204" charset="-122"/>
-              <a:ea typeface="微软雅黑" panose="020B0503020204020204" charset="-122"/>
-              <a:sym typeface="+mn-ea"/>
-            </a:endParaRPr>
-          </a:p>
-        </p:txBody>
-      </p:sp>
-      <p:sp>
-        <p:nvSpPr>
-          <p:cNvPr id="4100" name="矩形 5"/>
-          <p:cNvSpPr/>
-          <p:nvPr/>
-        </p:nvSpPr>
-        <p:spPr>
-          <a:xfrm>
-            <a:off x="0" y="342900"/>
-            <a:ext cx="171450" cy="571500"/>
-          </a:xfrm>
-          <a:prstGeom prst="rect">
-            <a:avLst/>
-          </a:prstGeom>
-          <a:solidFill>
-            <a:srgbClr val="00B0F0"/>
-          </a:solidFill>
-          <a:ln w="12700">
-            <a:noFill/>
-          </a:ln>
-        </p:spPr>
-        <p:txBody>
-          <a:bodyPr anchor="ctr"/>
-          <a:lstStyle/>
-          <a:p>
-            <a:pPr lvl="0" indent="0" algn="ctr"/>
-            <a:endParaRPr lang="zh-CN" altLang="en-US" b="1" i="1">
-              <a:solidFill>
-                <a:srgbClr val="FFFFFF"/>
-              </a:solidFill>
-              <a:latin typeface="Segoe UI Light" panose="020B0502040204020203" charset="0"/>
-              <a:ea typeface="方正中等线简体" panose="03000509000000000000" charset="-122"/>
-              <a:sym typeface="Segoe UI Light" panose="020B0502040204020203" charset="0"/>
-            </a:endParaRPr>
-          </a:p>
-        </p:txBody>
-      </p:sp>
-      <p:pic>
-        <p:nvPicPr>
-          <p:cNvPr id="4" name="图片 6" descr="C:\Users\mm\Desktop\最新logo\拉卡拉logo(1)-03.png拉卡拉logo(1)-03"/>
-          <p:cNvPicPr>
-            <a:picLocks noChangeAspect="1"/>
-          </p:cNvPicPr>
-          <p:nvPr/>
-        </p:nvPicPr>
-        <p:blipFill>
-          <a:blip r:embed="rId2"/>
-          <a:srcRect/>
-          <a:stretch>
-            <a:fillRect/>
-          </a:stretch>
-        </p:blipFill>
-        <p:spPr>
-          <a:xfrm>
-            <a:off x="10824369" y="95250"/>
-            <a:ext cx="1285875" cy="338455"/>
-          </a:xfrm>
-          <a:prstGeom prst="rect">
-            <a:avLst/>
-          </a:prstGeom>
-          <a:noFill/>
-          <a:ln w="9525">
-            <a:noFill/>
-          </a:ln>
-        </p:spPr>
-      </p:pic>
-      <p:sp>
-        <p:nvSpPr>
-          <p:cNvPr id="2" name="矩形 1">
-            <a:extLst>
-              <a:ext uri="{FF2B5EF4-FFF2-40B4-BE49-F238E27FC236}">
-                <a16:creationId xmlns:a16="http://schemas.microsoft.com/office/drawing/2014/main" id="{7FAE84AA-1422-4C38-A804-5EA30FCCAC37}"/>
-              </a:ext>
-            </a:extLst>
-          </p:cNvPr>
-          <p:cNvSpPr/>
-          <p:nvPr/>
-        </p:nvSpPr>
-        <p:spPr>
-          <a:xfrm>
-            <a:off x="255581" y="664587"/>
-            <a:ext cx="11563380" cy="1916485"/>
-          </a:xfrm>
-          <a:prstGeom prst="rect">
-            <a:avLst/>
-          </a:prstGeom>
-        </p:spPr>
-        <p:style>
-          <a:lnRef idx="2">
-            <a:schemeClr val="accent2"/>
-          </a:lnRef>
-          <a:fillRef idx="1">
-            <a:schemeClr val="lt1"/>
-          </a:fillRef>
-          <a:effectRef idx="0">
-            <a:schemeClr val="accent2"/>
-          </a:effectRef>
-          <a:fontRef idx="minor">
-            <a:schemeClr val="dk1"/>
-          </a:fontRef>
-        </p:style>
-        <p:txBody>
-          <a:bodyPr rtlCol="0" anchor="t"/>
-          <a:lstStyle/>
-          <a:p>
-            <a:r>
-              <a:rPr lang="zh-CN" altLang="en-US" sz="1200" dirty="0"/>
-              <a:t>做项目我们经常有哪些复杂烦恼点？</a:t>
-            </a:r>
-            <a:endParaRPr lang="en-US" altLang="zh-CN" sz="1200" dirty="0"/>
-          </a:p>
-          <a:p>
-            <a:pPr marL="285750" indent="-285750">
-              <a:buFont typeface="Wingdings" panose="05000000000000000000" pitchFamily="2" charset="2"/>
-              <a:buChar char="Ø"/>
-            </a:pPr>
-            <a:r>
-              <a:rPr lang="zh-CN" altLang="en-US" sz="1200" dirty="0">
-                <a:solidFill>
-                  <a:srgbClr val="FF0000"/>
-                </a:solidFill>
-              </a:rPr>
-              <a:t>我们做的功能模块能否走产品化？可以直接用在不同数据库上？</a:t>
-            </a:r>
-            <a:endParaRPr lang="en-US" altLang="zh-CN" sz="1200" dirty="0">
-              <a:solidFill>
-                <a:srgbClr val="FF0000"/>
-              </a:solidFill>
-            </a:endParaRPr>
-          </a:p>
-          <a:p>
-            <a:r>
-              <a:rPr lang="en-US" altLang="zh-CN" sz="1200" dirty="0">
-                <a:solidFill>
-                  <a:srgbClr val="FF0000"/>
-                </a:solidFill>
-              </a:rPr>
-              <a:t>      </a:t>
-            </a:r>
-            <a:r>
-              <a:rPr lang="zh-CN" altLang="en-US" sz="1200" dirty="0">
-                <a:solidFill>
-                  <a:schemeClr val="tx1"/>
-                </a:solidFill>
-              </a:rPr>
-              <a:t>曾经给不同银行客户做项目的我深有感触，所有后台项目在权限、人员、机构、数据字典等基础功能上几乎都是通用的，有通用的产品就意味着项目范围的缩小、项目更加可控、成本更加节约、项目更容易出成果</a:t>
-            </a:r>
-            <a:endParaRPr lang="en-US" altLang="zh-CN" sz="1200" dirty="0">
-              <a:solidFill>
-                <a:schemeClr val="tx1"/>
-              </a:solidFill>
-            </a:endParaRPr>
-          </a:p>
-          <a:p>
-            <a:pPr marL="285750" indent="-285750">
-              <a:buFont typeface="Wingdings" panose="05000000000000000000" pitchFamily="2" charset="2"/>
-              <a:buChar char="Ø"/>
-            </a:pPr>
-            <a:r>
-              <a:rPr lang="zh-CN" altLang="en-US" sz="1200" dirty="0">
-                <a:solidFill>
-                  <a:srgbClr val="FF0000"/>
-                </a:solidFill>
-              </a:rPr>
-              <a:t>在一些项目中如果没有报表平台，如何面对一些复杂的统计分析型查询功能？</a:t>
-            </a:r>
-            <a:endParaRPr lang="en-US" altLang="zh-CN" sz="1200" dirty="0">
-              <a:solidFill>
-                <a:srgbClr val="FF0000"/>
-              </a:solidFill>
-            </a:endParaRPr>
-          </a:p>
-          <a:p>
-            <a:r>
-              <a:rPr lang="en-US" altLang="zh-CN" sz="1200" dirty="0">
-                <a:solidFill>
-                  <a:schemeClr val="tx1"/>
-                </a:solidFill>
-              </a:rPr>
-              <a:t>      2009</a:t>
-            </a:r>
-            <a:r>
-              <a:rPr lang="zh-CN" altLang="en-US" sz="1200" dirty="0">
-                <a:solidFill>
-                  <a:schemeClr val="tx1"/>
-                </a:solidFill>
-              </a:rPr>
-              <a:t>年宁波银监会项目：一个交叉统计报表，开发原本一次查询变成了按照月份有几个月就查询几次，我指出用一次查询，然后将结果集合旋转，开发一副小眼睛一脸无辜的看着我：什么旋转？怎么做？</a:t>
-            </a:r>
-            <a:endParaRPr lang="en-US" altLang="zh-CN" sz="1200" dirty="0">
-              <a:solidFill>
-                <a:schemeClr val="tx1"/>
-              </a:solidFill>
-            </a:endParaRPr>
-          </a:p>
-          <a:p>
-            <a:r>
-              <a:rPr lang="en-US" altLang="zh-CN" sz="1200" dirty="0">
-                <a:solidFill>
-                  <a:schemeClr val="tx1"/>
-                </a:solidFill>
-              </a:rPr>
-              <a:t>      2011</a:t>
-            </a:r>
-            <a:r>
-              <a:rPr lang="zh-CN" altLang="en-US" sz="1200" dirty="0">
-                <a:solidFill>
-                  <a:schemeClr val="tx1"/>
-                </a:solidFill>
-              </a:rPr>
-              <a:t>年浦发电销项目被复杂的统计折腾的精疲力竭</a:t>
-            </a:r>
-            <a:endParaRPr lang="en-US" altLang="zh-CN" sz="1200" dirty="0">
-              <a:solidFill>
-                <a:schemeClr val="tx1"/>
-              </a:solidFill>
-            </a:endParaRPr>
-          </a:p>
-          <a:p>
-            <a:r>
-              <a:rPr lang="en-US" altLang="zh-CN" sz="1200" dirty="0">
-                <a:solidFill>
-                  <a:schemeClr val="tx1"/>
-                </a:solidFill>
-              </a:rPr>
-              <a:t>      2011</a:t>
-            </a:r>
-            <a:r>
-              <a:rPr lang="zh-CN" altLang="en-US" sz="1200" dirty="0">
-                <a:solidFill>
-                  <a:schemeClr val="tx1"/>
-                </a:solidFill>
-              </a:rPr>
-              <a:t>年山东农信项目：几张复杂统计</a:t>
-            </a:r>
-            <a:r>
-              <a:rPr lang="en-US" altLang="zh-CN" sz="1200" dirty="0">
-                <a:solidFill>
-                  <a:schemeClr val="tx1"/>
-                </a:solidFill>
-              </a:rPr>
-              <a:t>(</a:t>
-            </a:r>
-            <a:r>
-              <a:rPr lang="zh-CN" altLang="en-US" sz="1200" dirty="0">
-                <a:solidFill>
-                  <a:schemeClr val="tx1"/>
-                </a:solidFill>
-              </a:rPr>
-              <a:t>多维度交叉</a:t>
-            </a:r>
-            <a:r>
-              <a:rPr lang="en-US" altLang="zh-CN" sz="1200" dirty="0">
-                <a:solidFill>
-                  <a:schemeClr val="tx1"/>
-                </a:solidFill>
-              </a:rPr>
-              <a:t>)</a:t>
-            </a:r>
-            <a:r>
-              <a:rPr lang="zh-CN" altLang="en-US" sz="1200" dirty="0">
-                <a:solidFill>
-                  <a:schemeClr val="tx1"/>
-                </a:solidFill>
-              </a:rPr>
-              <a:t>开发撂挑子天天吵着要离开项目组</a:t>
-            </a:r>
-            <a:r>
-              <a:rPr lang="en-US" altLang="zh-CN" sz="1200" dirty="0">
-                <a:solidFill>
-                  <a:schemeClr val="tx1"/>
-                </a:solidFill>
-              </a:rPr>
-              <a:t>(</a:t>
-            </a:r>
-            <a:r>
-              <a:rPr lang="zh-CN" altLang="en-US" sz="1200" dirty="0">
-                <a:solidFill>
-                  <a:srgbClr val="92D050"/>
-                </a:solidFill>
-              </a:rPr>
-              <a:t>因此</a:t>
-            </a:r>
-            <a:r>
-              <a:rPr lang="en-US" altLang="zh-CN" sz="1200" dirty="0">
-                <a:solidFill>
-                  <a:srgbClr val="92D050"/>
-                </a:solidFill>
-              </a:rPr>
-              <a:t>2012</a:t>
-            </a:r>
-            <a:r>
-              <a:rPr lang="zh-CN" altLang="en-US" sz="1200" dirty="0">
-                <a:solidFill>
-                  <a:srgbClr val="92D050"/>
-                </a:solidFill>
-              </a:rPr>
-              <a:t>年启动了</a:t>
-            </a:r>
-            <a:r>
-              <a:rPr lang="en-US" altLang="zh-CN" sz="1200" dirty="0">
-                <a:solidFill>
-                  <a:srgbClr val="92D050"/>
-                </a:solidFill>
-              </a:rPr>
-              <a:t>nebula</a:t>
-            </a:r>
-            <a:r>
-              <a:rPr lang="zh-CN" altLang="en-US" sz="1200" dirty="0">
-                <a:solidFill>
-                  <a:srgbClr val="92D050"/>
-                </a:solidFill>
-              </a:rPr>
-              <a:t>星云报表开发，并将部分算法集成到</a:t>
-            </a:r>
-            <a:r>
-              <a:rPr lang="en-US" altLang="zh-CN" sz="1200" dirty="0" err="1">
-                <a:solidFill>
-                  <a:srgbClr val="92D050"/>
-                </a:solidFill>
-              </a:rPr>
-              <a:t>sqltoy</a:t>
-            </a:r>
-            <a:r>
-              <a:rPr lang="zh-CN" altLang="en-US" sz="1200" dirty="0">
-                <a:solidFill>
-                  <a:srgbClr val="92D050"/>
-                </a:solidFill>
-              </a:rPr>
-              <a:t>中</a:t>
-            </a:r>
-            <a:r>
-              <a:rPr lang="en-US" altLang="zh-CN" sz="1200" dirty="0">
-                <a:solidFill>
-                  <a:schemeClr val="tx1"/>
-                </a:solidFill>
-              </a:rPr>
-              <a:t>)</a:t>
-            </a:r>
-          </a:p>
-          <a:p>
-            <a:r>
-              <a:rPr lang="zh-CN" altLang="en-US" sz="1200" dirty="0">
-                <a:solidFill>
-                  <a:srgbClr val="0070C0"/>
-                </a:solidFill>
-              </a:rPr>
-              <a:t>开发人员面对这些困难，可以撂挑子说框架不支持、用一副无辜的小眼睛瞪你，但作为项目负责人可以吗？</a:t>
-            </a:r>
-            <a:endParaRPr lang="en-US" altLang="zh-CN" sz="1200" dirty="0">
-              <a:solidFill>
-                <a:srgbClr val="0070C0"/>
-              </a:solidFill>
-            </a:endParaRPr>
-          </a:p>
-        </p:txBody>
-      </p:sp>
-      <p:pic>
-        <p:nvPicPr>
-          <p:cNvPr id="5" name="图片 4">
-            <a:extLst>
-              <a:ext uri="{FF2B5EF4-FFF2-40B4-BE49-F238E27FC236}">
-                <a16:creationId xmlns:a16="http://schemas.microsoft.com/office/drawing/2014/main" id="{4E514C36-40D2-4094-8744-01B51C9AD95B}"/>
-              </a:ext>
-            </a:extLst>
-          </p:cNvPr>
-          <p:cNvPicPr>
-            <a:picLocks noChangeAspect="1"/>
-          </p:cNvPicPr>
-          <p:nvPr/>
-        </p:nvPicPr>
-        <p:blipFill>
-          <a:blip r:embed="rId3" cstate="print">
-            <a:extLst>
-              <a:ext uri="{28A0092B-C50C-407E-A947-70E740481C1C}">
-                <a14:useLocalDpi xmlns:a14="http://schemas.microsoft.com/office/drawing/2010/main" val="0"/>
-              </a:ext>
-            </a:extLst>
-          </a:blip>
-          <a:stretch>
-            <a:fillRect/>
-          </a:stretch>
-        </p:blipFill>
-        <p:spPr>
-          <a:xfrm>
-            <a:off x="171450" y="2981182"/>
-            <a:ext cx="3566762" cy="3749407"/>
-          </a:xfrm>
-          <a:prstGeom prst="rect">
-            <a:avLst/>
-          </a:prstGeom>
-        </p:spPr>
-      </p:pic>
-      <p:sp>
-        <p:nvSpPr>
-          <p:cNvPr id="6" name="矩形: 圆角 5">
-            <a:extLst>
-              <a:ext uri="{FF2B5EF4-FFF2-40B4-BE49-F238E27FC236}">
-                <a16:creationId xmlns:a16="http://schemas.microsoft.com/office/drawing/2014/main" id="{661CEA14-E00E-455F-B967-ED6C6C643A97}"/>
-              </a:ext>
-            </a:extLst>
-          </p:cNvPr>
-          <p:cNvSpPr/>
-          <p:nvPr/>
-        </p:nvSpPr>
-        <p:spPr>
-          <a:xfrm>
-            <a:off x="171450" y="2637677"/>
-            <a:ext cx="4095750" cy="280621"/>
-          </a:xfrm>
-          <a:prstGeom prst="roundRect">
-            <a:avLst/>
-          </a:prstGeom>
-        </p:spPr>
-        <p:style>
-          <a:lnRef idx="2">
-            <a:schemeClr val="accent1">
-              <a:shade val="50000"/>
-            </a:schemeClr>
-          </a:lnRef>
-          <a:fillRef idx="1">
-            <a:schemeClr val="accent1"/>
-          </a:fillRef>
-          <a:effectRef idx="0">
-            <a:schemeClr val="accent1"/>
-          </a:effectRef>
-          <a:fontRef idx="minor">
-            <a:schemeClr val="lt1"/>
-          </a:fontRef>
-        </p:style>
-        <p:txBody>
-          <a:bodyPr rtlCol="0" anchor="ctr"/>
-          <a:lstStyle/>
-          <a:p>
-            <a:r>
-              <a:rPr lang="zh-CN" altLang="en-US" sz="1400" dirty="0"/>
-              <a:t>跨数据库支持</a:t>
-            </a:r>
-            <a:r>
-              <a:rPr lang="en-US" altLang="zh-CN" sz="1400" dirty="0"/>
-              <a:t>:</a:t>
-            </a:r>
-            <a:r>
-              <a:rPr lang="zh-CN" altLang="en-US" sz="1400" dirty="0"/>
-              <a:t>函数自适应、</a:t>
-            </a:r>
-            <a:r>
-              <a:rPr lang="en-US" altLang="zh-CN" sz="1400" dirty="0" err="1"/>
-              <a:t>sqlId+dialect</a:t>
-            </a:r>
-            <a:r>
-              <a:rPr lang="zh-CN" altLang="en-US" sz="1400" dirty="0"/>
-              <a:t>优先法则</a:t>
-            </a:r>
-          </a:p>
-        </p:txBody>
-      </p:sp>
-      <p:pic>
-        <p:nvPicPr>
-          <p:cNvPr id="8" name="图片 7">
-            <a:extLst>
-              <a:ext uri="{FF2B5EF4-FFF2-40B4-BE49-F238E27FC236}">
-                <a16:creationId xmlns:a16="http://schemas.microsoft.com/office/drawing/2014/main" id="{ED025BD4-57FE-4C4A-92C0-B26F70780B87}"/>
-              </a:ext>
-            </a:extLst>
-          </p:cNvPr>
-          <p:cNvPicPr>
-            <a:picLocks noChangeAspect="1"/>
-          </p:cNvPicPr>
-          <p:nvPr/>
-        </p:nvPicPr>
-        <p:blipFill>
-          <a:blip r:embed="rId4" cstate="print">
-            <a:extLst>
-              <a:ext uri="{28A0092B-C50C-407E-A947-70E740481C1C}">
-                <a14:useLocalDpi xmlns:a14="http://schemas.microsoft.com/office/drawing/2010/main" val="0"/>
-              </a:ext>
-            </a:extLst>
-          </a:blip>
-          <a:stretch>
-            <a:fillRect/>
-          </a:stretch>
-        </p:blipFill>
-        <p:spPr>
-          <a:xfrm>
-            <a:off x="3635408" y="2974903"/>
-            <a:ext cx="2577507" cy="1579259"/>
-          </a:xfrm>
-          <a:prstGeom prst="rect">
-            <a:avLst/>
-          </a:prstGeom>
-        </p:spPr>
-      </p:pic>
-      <p:pic>
-        <p:nvPicPr>
-          <p:cNvPr id="10" name="图片 9">
-            <a:extLst>
-              <a:ext uri="{FF2B5EF4-FFF2-40B4-BE49-F238E27FC236}">
-                <a16:creationId xmlns:a16="http://schemas.microsoft.com/office/drawing/2014/main" id="{E784F40F-917A-4D16-B6FF-2EF2764360FE}"/>
-              </a:ext>
-            </a:extLst>
-          </p:cNvPr>
-          <p:cNvPicPr>
-            <a:picLocks noChangeAspect="1"/>
-          </p:cNvPicPr>
-          <p:nvPr/>
-        </p:nvPicPr>
-        <p:blipFill>
-          <a:blip r:embed="rId5" cstate="print">
-            <a:extLst>
-              <a:ext uri="{28A0092B-C50C-407E-A947-70E740481C1C}">
-                <a14:useLocalDpi xmlns:a14="http://schemas.microsoft.com/office/drawing/2010/main" val="0"/>
-              </a:ext>
-            </a:extLst>
-          </a:blip>
-          <a:stretch>
-            <a:fillRect/>
-          </a:stretch>
-        </p:blipFill>
-        <p:spPr>
-          <a:xfrm>
-            <a:off x="6183343" y="2893975"/>
-            <a:ext cx="3095630" cy="1830561"/>
-          </a:xfrm>
-          <a:prstGeom prst="rect">
-            <a:avLst/>
-          </a:prstGeom>
-        </p:spPr>
-      </p:pic>
-      <p:pic>
-        <p:nvPicPr>
-          <p:cNvPr id="12" name="图片 11">
-            <a:extLst>
-              <a:ext uri="{FF2B5EF4-FFF2-40B4-BE49-F238E27FC236}">
-                <a16:creationId xmlns:a16="http://schemas.microsoft.com/office/drawing/2014/main" id="{4F1E717C-FE15-4AF8-A638-B4AD68402546}"/>
-              </a:ext>
-            </a:extLst>
-          </p:cNvPr>
-          <p:cNvPicPr>
-            <a:picLocks noChangeAspect="1"/>
-          </p:cNvPicPr>
-          <p:nvPr/>
-        </p:nvPicPr>
-        <p:blipFill>
-          <a:blip r:embed="rId6" cstate="print">
-            <a:extLst>
-              <a:ext uri="{28A0092B-C50C-407E-A947-70E740481C1C}">
-                <a14:useLocalDpi xmlns:a14="http://schemas.microsoft.com/office/drawing/2010/main" val="0"/>
-              </a:ext>
-            </a:extLst>
-          </a:blip>
-          <a:stretch>
-            <a:fillRect/>
-          </a:stretch>
-        </p:blipFill>
-        <p:spPr>
-          <a:xfrm>
-            <a:off x="3795752" y="4554162"/>
-            <a:ext cx="1791489" cy="2121445"/>
-          </a:xfrm>
-          <a:prstGeom prst="rect">
-            <a:avLst/>
-          </a:prstGeom>
-        </p:spPr>
-      </p:pic>
-      <p:sp>
-        <p:nvSpPr>
-          <p:cNvPr id="13" name="矩形 12">
-            <a:extLst>
-              <a:ext uri="{FF2B5EF4-FFF2-40B4-BE49-F238E27FC236}">
-                <a16:creationId xmlns:a16="http://schemas.microsoft.com/office/drawing/2014/main" id="{E009E04E-627B-40C5-B713-1E8CF644A9C8}"/>
-              </a:ext>
-            </a:extLst>
-          </p:cNvPr>
-          <p:cNvSpPr/>
-          <p:nvPr/>
-        </p:nvSpPr>
-        <p:spPr>
-          <a:xfrm>
-            <a:off x="6183343" y="2618286"/>
-            <a:ext cx="1673157" cy="235225"/>
-          </a:xfrm>
-          <a:prstGeom prst="rect">
-            <a:avLst/>
-          </a:prstGeom>
-        </p:spPr>
-        <p:style>
-          <a:lnRef idx="2">
-            <a:schemeClr val="accent1">
-              <a:shade val="50000"/>
-            </a:schemeClr>
-          </a:lnRef>
-          <a:fillRef idx="1">
-            <a:schemeClr val="accent1"/>
-          </a:fillRef>
-          <a:effectRef idx="0">
-            <a:schemeClr val="accent1"/>
-          </a:effectRef>
-          <a:fontRef idx="minor">
-            <a:schemeClr val="lt1"/>
-          </a:fontRef>
-        </p:style>
-        <p:txBody>
-          <a:bodyPr rtlCol="0" anchor="ctr"/>
-          <a:lstStyle/>
-          <a:p>
-            <a:pPr algn="ctr"/>
-            <a:r>
-              <a:rPr lang="zh-CN" altLang="en-US" dirty="0"/>
-              <a:t>行转列</a:t>
-            </a:r>
-          </a:p>
-        </p:txBody>
-      </p:sp>
-      <p:pic>
-        <p:nvPicPr>
-          <p:cNvPr id="15" name="图片 14">
-            <a:extLst>
-              <a:ext uri="{FF2B5EF4-FFF2-40B4-BE49-F238E27FC236}">
-                <a16:creationId xmlns:a16="http://schemas.microsoft.com/office/drawing/2014/main" id="{9094BF53-D1D1-472F-A571-10B619E2E89A}"/>
-              </a:ext>
-            </a:extLst>
-          </p:cNvPr>
-          <p:cNvPicPr>
-            <a:picLocks noChangeAspect="1"/>
-          </p:cNvPicPr>
-          <p:nvPr/>
-        </p:nvPicPr>
-        <p:blipFill>
-          <a:blip r:embed="rId7" cstate="print">
-            <a:extLst>
-              <a:ext uri="{28A0092B-C50C-407E-A947-70E740481C1C}">
-                <a14:useLocalDpi xmlns:a14="http://schemas.microsoft.com/office/drawing/2010/main" val="0"/>
-              </a:ext>
-            </a:extLst>
-          </a:blip>
-          <a:stretch>
-            <a:fillRect/>
-          </a:stretch>
-        </p:blipFill>
-        <p:spPr>
-          <a:xfrm>
-            <a:off x="8555218" y="4028868"/>
-            <a:ext cx="3340615" cy="2274655"/>
-          </a:xfrm>
-          <a:prstGeom prst="rect">
-            <a:avLst/>
-          </a:prstGeom>
-        </p:spPr>
-      </p:pic>
-    </p:spTree>
-    <p:extLst>
-      <p:ext uri="{BB962C8B-B14F-4D97-AF65-F5344CB8AC3E}">
-        <p14:creationId xmlns:p14="http://schemas.microsoft.com/office/powerpoint/2010/main" val="2785813326"/>
-      </p:ext>
-    </p:extLst>
-  </p:cSld>
-  <p:clrMapOvr>
-    <a:masterClrMapping/>
-  </p:clrMapOvr>
-</p:sld>
-</file>
-
-<file path=ppt/slides/slide9.xml><?xml version="1.0" encoding="utf-8"?>
-<p:sld xmlns:a="http://schemas.openxmlformats.org/drawingml/2006/main" xmlns:r="http://schemas.openxmlformats.org/officeDocument/2006/relationships" xmlns:p="http://schemas.openxmlformats.org/presentationml/2006/main">
-  <p:cSld>
-    <p:spTree>
-      <p:nvGrpSpPr>
-        <p:cNvPr id="1" name=""/>
-        <p:cNvGrpSpPr/>
-        <p:nvPr/>
-      </p:nvGrpSpPr>
-      <p:grpSpPr>
-        <a:xfrm>
-          <a:off x="0" y="0"/>
-          <a:ext cx="0" cy="0"/>
-          <a:chOff x="0" y="0"/>
-          <a:chExt cx="0" cy="0"/>
-        </a:xfrm>
-      </p:grpSpPr>
-      <p:sp>
-        <p:nvSpPr>
-          <p:cNvPr id="22529" name="矩形 7"/>
-          <p:cNvSpPr/>
-          <p:nvPr/>
-        </p:nvSpPr>
-        <p:spPr>
-          <a:xfrm>
-            <a:off x="350837" y="234950"/>
-            <a:ext cx="11528425" cy="5899150"/>
-          </a:xfrm>
-          <a:prstGeom prst="rect">
-            <a:avLst/>
-          </a:prstGeom>
-          <a:solidFill>
-            <a:srgbClr val="00B0F0">
-              <a:alpha val="34000"/>
-            </a:srgbClr>
-          </a:solidFill>
-          <a:ln w="12700">
-            <a:noFill/>
-          </a:ln>
-        </p:spPr>
-        <p:txBody>
-          <a:bodyPr anchor="ctr"/>
-          <a:lstStyle/>
-          <a:p>
-            <a:pPr lvl="0" indent="0" algn="ctr"/>
-            <a:endParaRPr lang="zh-CN" altLang="en-US">
-              <a:solidFill>
-                <a:srgbClr val="FFFFFF"/>
-              </a:solidFill>
-              <a:latin typeface="Arial" panose="020B0604020202020204" pitchFamily="34" charset="0"/>
-              <a:ea typeface="宋体" panose="02010600030101010101" pitchFamily="2" charset="-122"/>
-            </a:endParaRPr>
-          </a:p>
-        </p:txBody>
-      </p:sp>
-      <p:sp>
-        <p:nvSpPr>
-          <p:cNvPr id="22530" name="任意多边形 10"/>
-          <p:cNvSpPr/>
-          <p:nvPr/>
-        </p:nvSpPr>
-        <p:spPr>
-          <a:xfrm>
-            <a:off x="331788" y="268288"/>
-            <a:ext cx="11528425" cy="5899150"/>
-          </a:xfrm>
-          <a:custGeom>
-            <a:avLst/>
-            <a:gdLst/>
-            <a:ahLst/>
-            <a:cxnLst>
-              <a:cxn ang="0">
-                <a:pos x="0" y="0"/>
-              </a:cxn>
-              <a:cxn ang="0">
-                <a:pos x="3314024" y="0"/>
-              </a:cxn>
-              <a:cxn ang="0">
-                <a:pos x="3229234" y="305327"/>
-              </a:cxn>
-              <a:cxn ang="0">
-                <a:pos x="27719" y="5033291"/>
-              </a:cxn>
-              <a:cxn ang="0">
-                <a:pos x="0" y="5048561"/>
-              </a:cxn>
-            </a:cxnLst>
-            <a:rect l="0" t="0" r="0" b="0"/>
-            <a:pathLst>
-              <a:path w="3314024" h="5048561">
-                <a:moveTo>
-                  <a:pt x="0" y="0"/>
-                </a:moveTo>
-                <a:lnTo>
-                  <a:pt x="3314024" y="0"/>
-                </a:lnTo>
-                <a:lnTo>
-                  <a:pt x="3229234" y="305327"/>
-                </a:lnTo>
-                <a:cubicBezTo>
-                  <a:pt x="2584124" y="2484885"/>
-                  <a:pt x="1434854" y="4194527"/>
-                  <a:pt x="27719" y="5033291"/>
-                </a:cubicBezTo>
-                <a:lnTo>
-                  <a:pt x="0" y="5048561"/>
-                </a:lnTo>
-                <a:close/>
-              </a:path>
-            </a:pathLst>
-          </a:custGeom>
-          <a:solidFill>
-            <a:srgbClr val="00B0F0">
-              <a:alpha val="62999"/>
-            </a:srgbClr>
-          </a:solidFill>
-          <a:ln w="12700">
-            <a:noFill/>
-          </a:ln>
-        </p:spPr>
-        <p:txBody>
-          <a:bodyPr/>
-          <a:lstStyle/>
-          <a:p>
-            <a:endParaRPr lang="zh-CN" altLang="en-US"/>
-          </a:p>
-        </p:txBody>
-      </p:sp>
-      <p:sp>
-        <p:nvSpPr>
-          <p:cNvPr id="22531" name="任意多边形 9"/>
-          <p:cNvSpPr/>
-          <p:nvPr/>
-        </p:nvSpPr>
-        <p:spPr>
-          <a:xfrm>
-            <a:off x="331788" y="268288"/>
-            <a:ext cx="8480425" cy="5922962"/>
-          </a:xfrm>
-          <a:custGeom>
-            <a:avLst/>
-            <a:gdLst/>
-            <a:ahLst/>
-            <a:cxnLst>
-              <a:cxn ang="0">
-                <a:pos x="0" y="0"/>
-              </a:cxn>
-              <a:cxn ang="0">
-                <a:pos x="3314024" y="0"/>
-              </a:cxn>
-              <a:cxn ang="0">
-                <a:pos x="3229234" y="305327"/>
-              </a:cxn>
-              <a:cxn ang="0">
-                <a:pos x="27719" y="5033291"/>
-              </a:cxn>
-              <a:cxn ang="0">
-                <a:pos x="0" y="5048561"/>
-              </a:cxn>
-            </a:cxnLst>
-            <a:rect l="0" t="0" r="0" b="0"/>
-            <a:pathLst>
-              <a:path w="3314024" h="5048561">
-                <a:moveTo>
-                  <a:pt x="0" y="0"/>
-                </a:moveTo>
-                <a:lnTo>
-                  <a:pt x="3314024" y="0"/>
-                </a:lnTo>
-                <a:lnTo>
-                  <a:pt x="3229234" y="305327"/>
-                </a:lnTo>
-                <a:cubicBezTo>
-                  <a:pt x="2584124" y="2484885"/>
-                  <a:pt x="1434854" y="4194527"/>
-                  <a:pt x="27719" y="5033291"/>
-                </a:cubicBezTo>
-                <a:lnTo>
-                  <a:pt x="0" y="5048561"/>
-                </a:lnTo>
-                <a:close/>
-              </a:path>
-            </a:pathLst>
-          </a:custGeom>
-          <a:solidFill>
-            <a:srgbClr val="00B0F0">
-              <a:alpha val="64999"/>
-            </a:srgbClr>
-          </a:solidFill>
-          <a:ln w="12700">
-            <a:noFill/>
-          </a:ln>
-        </p:spPr>
-        <p:txBody>
-          <a:bodyPr/>
-          <a:lstStyle/>
-          <a:p>
-            <a:endParaRPr lang="zh-CN" altLang="en-US"/>
-          </a:p>
-        </p:txBody>
-      </p:sp>
-      <p:sp>
-        <p:nvSpPr>
-          <p:cNvPr id="22532" name="任意多边形 8"/>
-          <p:cNvSpPr/>
-          <p:nvPr/>
-        </p:nvSpPr>
-        <p:spPr>
-          <a:xfrm>
-            <a:off x="331788" y="268288"/>
-            <a:ext cx="3028950" cy="5899150"/>
-          </a:xfrm>
-          <a:custGeom>
-            <a:avLst/>
-            <a:gdLst/>
-            <a:ahLst/>
-            <a:cxnLst>
-              <a:cxn ang="0">
-                <a:pos x="0" y="0"/>
-              </a:cxn>
-              <a:cxn ang="0">
-                <a:pos x="3314024" y="0"/>
-              </a:cxn>
-              <a:cxn ang="0">
-                <a:pos x="3229234" y="305327"/>
-              </a:cxn>
-              <a:cxn ang="0">
-                <a:pos x="27719" y="5033291"/>
-              </a:cxn>
-              <a:cxn ang="0">
-                <a:pos x="0" y="5048561"/>
-              </a:cxn>
-            </a:cxnLst>
-            <a:rect l="0" t="0" r="0" b="0"/>
-            <a:pathLst>
-              <a:path w="3314024" h="5048561">
-                <a:moveTo>
-                  <a:pt x="0" y="0"/>
-                </a:moveTo>
-                <a:lnTo>
-                  <a:pt x="3314024" y="0"/>
-                </a:lnTo>
-                <a:lnTo>
-                  <a:pt x="3229234" y="305327"/>
-                </a:lnTo>
-                <a:cubicBezTo>
-                  <a:pt x="2584124" y="2484885"/>
-                  <a:pt x="1434854" y="4194527"/>
-                  <a:pt x="27719" y="5033291"/>
-                </a:cubicBezTo>
-                <a:lnTo>
-                  <a:pt x="0" y="5048561"/>
-                </a:lnTo>
-                <a:close/>
-              </a:path>
-            </a:pathLst>
-          </a:custGeom>
-          <a:solidFill>
-            <a:srgbClr val="00B0F0"/>
-          </a:solidFill>
-          <a:ln w="12700">
-            <a:noFill/>
-          </a:ln>
-        </p:spPr>
-        <p:txBody>
-          <a:bodyPr/>
-          <a:lstStyle/>
-          <a:p>
-            <a:endParaRPr lang="zh-CN" altLang="en-US"/>
-          </a:p>
-        </p:txBody>
-      </p:sp>
-      <p:sp>
-        <p:nvSpPr>
-          <p:cNvPr id="22533" name="文本框 25"/>
-          <p:cNvSpPr/>
-          <p:nvPr/>
-        </p:nvSpPr>
-        <p:spPr>
-          <a:xfrm>
-            <a:off x="3556000" y="2327275"/>
-            <a:ext cx="5118100" cy="1168400"/>
-          </a:xfrm>
-          <a:prstGeom prst="rect">
-            <a:avLst/>
-          </a:prstGeom>
-          <a:noFill/>
-          <a:ln w="9525">
-            <a:noFill/>
-          </a:ln>
-        </p:spPr>
-        <p:txBody>
-          <a:bodyPr anchor="t">
-            <a:spAutoFit/>
-          </a:bodyPr>
-          <a:lstStyle/>
-          <a:p>
-            <a:pPr lvl="0" indent="0" algn="dist"/>
-            <a:r>
-              <a:rPr lang="zh-CN" altLang="en-US" sz="6600" dirty="0">
-                <a:solidFill>
-                  <a:schemeClr val="bg1"/>
-                </a:solidFill>
-                <a:latin typeface="微软雅黑" panose="020B0503020204020204" charset="-122"/>
-                <a:ea typeface="微软雅黑" panose="020B0503020204020204" charset="-122"/>
-                <a:sym typeface="方正中等线简体" panose="03000509000000000000" charset="-122"/>
-              </a:rPr>
-              <a:t>谢谢聆听</a:t>
-            </a:r>
-          </a:p>
-        </p:txBody>
-      </p:sp>
-      <p:sp>
-        <p:nvSpPr>
-          <p:cNvPr id="2" name="矩形 11"/>
-          <p:cNvSpPr/>
-          <p:nvPr/>
-        </p:nvSpPr>
-        <p:spPr>
-          <a:xfrm>
-            <a:off x="9182100" y="5513388"/>
-            <a:ext cx="2622550" cy="620712"/>
-          </a:xfrm>
-          <a:prstGeom prst="rect">
-            <a:avLst/>
-          </a:prstGeom>
-          <a:blipFill rotWithShape="1">
-            <a:blip r:embed="rId2">
-              <a:alphaModFix amt="70000"/>
-            </a:blip>
-            <a:stretch>
-              <a:fillRect/>
-            </a:stretch>
-          </a:blipFill>
-          <a:ln w="3175">
-            <a:noFill/>
-          </a:ln>
-        </p:spPr>
-        <p:txBody>
-          <a:bodyPr anchor="ctr"/>
-          <a:lstStyle/>
-          <a:p>
-            <a:pPr lvl="0" indent="0" algn="ctr"/>
-            <a:endParaRPr lang="zh-CN" altLang="en-US">
-              <a:solidFill>
-                <a:srgbClr val="FFFFFF"/>
-              </a:solidFill>
-              <a:latin typeface="Arial" panose="020B0604020202020204" pitchFamily="34" charset="0"/>
-              <a:ea typeface="宋体" panose="02010600030101010101" pitchFamily="2" charset="-122"/>
-            </a:endParaRPr>
-          </a:p>
-        </p:txBody>
-      </p:sp>
-    </p:spTree>
   </p:cSld>
   <p:clrMapOvr>
     <a:masterClrMapping/>
